--- a/doc/designDoc.pptx
+++ b/doc/designDoc.pptx
@@ -105,6 +105,11 @@
       </a:defRPr>
     </a:lvl9pPr>
   </p:defaultTextStyle>
+  <p:extLst>
+    <p:ext uri="{EFAFB233-063F-42B5-8137-9DF3F51BA10A}">
+      <p15:sldGuideLst xmlns:p15="http://schemas.microsoft.com/office/powerpoint/2012/main"/>
+    </p:ext>
+  </p:extLst>
 </p:presentation>
 </file>
 
@@ -6813,7 +6818,15 @@
           <a:p>
             <a:r>
               <a:rPr lang="en-SG" sz="900" b="1" dirty="0"/>
-              <a:t>Use case: normal user access our testbed</a:t>
+              <a:t>Use case: normal user access </a:t>
+            </a:r>
+            <a:r>
+              <a:rPr lang="en-SG" sz="900" b="1" dirty="0" err="1"/>
+              <a:t>ncl</a:t>
+            </a:r>
+            <a:r>
+              <a:rPr lang="en-SG" sz="900" b="1" dirty="0"/>
+              <a:t> testbed</a:t>
             </a:r>
             <a:r>
               <a:rPr lang="en-SG" sz="1000" b="1" dirty="0"/>
@@ -6837,7 +6850,7 @@
         <p:spPr>
           <a:xfrm>
             <a:off x="5513869" y="348251"/>
-            <a:ext cx="2724189" cy="661720"/>
+            <a:ext cx="2724189" cy="646331"/>
           </a:xfrm>
           <a:prstGeom prst="rect">
             <a:avLst/>
@@ -6878,17 +6891,13 @@
           <a:p>
             <a:r>
               <a:rPr lang="en-SG" sz="900" b="1" dirty="0"/>
-              <a:t>Use case:</a:t>
-            </a:r>
-            <a:r>
-              <a:rPr lang="en-SG" sz="1000" b="1" dirty="0"/>
-              <a:t> one CTF team access their </a:t>
-            </a:r>
-            <a:r>
-              <a:rPr lang="en-SG" sz="1000" b="1" dirty="0" err="1"/>
+              <a:t>Use case: one CTF team access their </a:t>
+            </a:r>
+            <a:r>
+              <a:rPr lang="en-SG" sz="900" b="1" dirty="0" err="1"/>
               <a:t>vms</a:t>
             </a:r>
-            <a:endParaRPr lang="en-SG" sz="1000" b="1" dirty="0"/>
+            <a:endParaRPr lang="en-SG" sz="900" b="1" dirty="0"/>
           </a:p>
         </p:txBody>
       </p:sp>
@@ -6927,9 +6936,10 @@
           </a:p>
           <a:p>
             <a:r>
-              <a:rPr lang="en-SG" sz="900" b="1" dirty="0"/>
-              <a:t>Multiple thread</a:t>
-            </a:r>
+              <a:rPr lang="en-SG" sz="900" b="1"/>
+              <a:t>Multiple threads</a:t>
+            </a:r>
+            <a:endParaRPr lang="en-SG" sz="900" b="1" dirty="0"/>
           </a:p>
           <a:p>
             <a:r>
@@ -6948,18 +6958,14 @@
           <a:p>
             <a:r>
               <a:rPr lang="en-SG" sz="900" b="1" dirty="0"/>
-              <a:t>Use case:</a:t>
-            </a:r>
-            <a:r>
-              <a:rPr lang="en-SG" sz="1000" b="1" dirty="0"/>
-              <a:t> Check/turn on </a:t>
-            </a:r>
-            <a:r>
-              <a:rPr lang="en-SG" sz="1000" b="1" dirty="0" err="1"/>
+              <a:t>Use case: Check/turn on </a:t>
+            </a:r>
+            <a:r>
+              <a:rPr lang="en-SG" sz="900" b="1" dirty="0" err="1"/>
               <a:t>Openstack</a:t>
             </a:r>
             <a:r>
-              <a:rPr lang="en-SG" sz="1000" b="1" dirty="0"/>
+              <a:rPr lang="en-SG" sz="900" b="1" dirty="0"/>
               <a:t> BM’s IMPI port one by one.   </a:t>
             </a:r>
           </a:p>
@@ -6980,7 +6986,7 @@
         <p:spPr>
           <a:xfrm>
             <a:off x="5468852" y="2172003"/>
-            <a:ext cx="3553266" cy="661720"/>
+            <a:ext cx="3553266" cy="646331"/>
           </a:xfrm>
           <a:prstGeom prst="rect">
             <a:avLst/>
@@ -7021,11 +7027,7 @@
           <a:p>
             <a:r>
               <a:rPr lang="en-SG" sz="900" b="1" dirty="0"/>
-              <a:t>Use case: simulate stress test for the CTFD cluster</a:t>
-            </a:r>
-            <a:r>
-              <a:rPr lang="en-SG" sz="1000" b="1" dirty="0"/>
-              <a:t>.   </a:t>
+              <a:t>Use case: simulate stress test for the CTFD cluster.   </a:t>
             </a:r>
           </a:p>
         </p:txBody>
@@ -7076,7 +7078,7 @@
         </p:nvCxnSpPr>
         <p:spPr>
           <a:xfrm flipH="1">
-            <a:off x="8014909" y="1479645"/>
+            <a:off x="7932890" y="1654079"/>
             <a:ext cx="423285" cy="1466554"/>
           </a:xfrm>
           <a:prstGeom prst="straightConnector1">
@@ -7117,7 +7119,7 @@
         </p:nvCxnSpPr>
         <p:spPr>
           <a:xfrm flipH="1">
-            <a:off x="7880038" y="1486895"/>
+            <a:off x="7798019" y="1661329"/>
             <a:ext cx="260282" cy="923428"/>
           </a:xfrm>
           <a:prstGeom prst="straightConnector1">
@@ -7283,7 +7285,7 @@
         <p:spPr>
           <a:xfrm>
             <a:off x="2978219" y="1019067"/>
-            <a:ext cx="863532" cy="246221"/>
+            <a:ext cx="1147876" cy="246221"/>
           </a:xfrm>
           <a:prstGeom prst="rect">
             <a:avLst/>
@@ -7304,7 +7306,15 @@
           <a:p>
             <a:r>
               <a:rPr lang="en-SG" sz="1000" b="1" dirty="0"/>
-              <a:t>Thread pool</a:t>
+              <a:t>Thread(</a:t>
+            </a:r>
+            <a:r>
+              <a:rPr lang="en-SG" sz="1000" b="1" dirty="0" err="1"/>
+              <a:t>bg</a:t>
+            </a:r>
+            <a:r>
+              <a:rPr lang="en-SG" sz="1000" b="1" dirty="0"/>
+              <a:t>) pool</a:t>
             </a:r>
           </a:p>
         </p:txBody>
@@ -7525,6 +7535,7 @@
             </a:extLst>
           </p:cNvPr>
           <p:cNvCxnSpPr>
+            <a:cxnSpLocks/>
             <a:stCxn id="8" idx="1"/>
             <a:endCxn id="10" idx="1"/>
           </p:cNvCxnSpPr>
@@ -7537,7 +7548,7 @@
           </a:xfrm>
           <a:prstGeom prst="bentConnector3">
             <a:avLst>
-              <a:gd name="adj1" fmla="val 1595878"/>
+              <a:gd name="adj1" fmla="val 1895053"/>
             </a:avLst>
           </a:prstGeom>
           <a:ln>
@@ -8880,7 +8891,7 @@
         </p:nvSpPr>
         <p:spPr>
           <a:xfrm>
-            <a:off x="8324399" y="389407"/>
+            <a:off x="8242380" y="563841"/>
             <a:ext cx="1091525" cy="246221"/>
           </a:xfrm>
           <a:prstGeom prst="rect">
@@ -8930,7 +8941,7 @@
         </p:nvSpPr>
         <p:spPr>
           <a:xfrm>
-            <a:off x="8321726" y="389407"/>
+            <a:off x="8239707" y="563841"/>
             <a:ext cx="1022624" cy="246221"/>
           </a:xfrm>
           <a:prstGeom prst="rect">
@@ -8968,7 +8979,7 @@
         </p:nvCxnSpPr>
         <p:spPr>
           <a:xfrm flipH="1">
-            <a:off x="8321726" y="635628"/>
+            <a:off x="8239707" y="810062"/>
             <a:ext cx="321904" cy="573270"/>
           </a:xfrm>
           <a:prstGeom prst="straightConnector1">
@@ -9007,7 +9018,7 @@
         </p:nvSpPr>
         <p:spPr>
           <a:xfrm>
-            <a:off x="7813087" y="1208898"/>
+            <a:off x="7731068" y="1383332"/>
             <a:ext cx="1091525" cy="246221"/>
           </a:xfrm>
           <a:prstGeom prst="rect">
@@ -9057,7 +9068,7 @@
         </p:nvSpPr>
         <p:spPr>
           <a:xfrm>
-            <a:off x="7810414" y="1208898"/>
+            <a:off x="7728395" y="1383332"/>
             <a:ext cx="1022624" cy="246221"/>
           </a:xfrm>
           <a:prstGeom prst="rect">
@@ -9094,7 +9105,7 @@
         </p:nvCxnSpPr>
         <p:spPr>
           <a:xfrm flipH="1">
-            <a:off x="7752522" y="1487954"/>
+            <a:off x="7670503" y="1662388"/>
             <a:ext cx="127516" cy="483361"/>
           </a:xfrm>
           <a:prstGeom prst="straightConnector1">
@@ -9133,7 +9144,7 @@
         </p:nvSpPr>
         <p:spPr>
           <a:xfrm>
-            <a:off x="7371399" y="2004150"/>
+            <a:off x="7289380" y="2178584"/>
             <a:ext cx="1091525" cy="246221"/>
           </a:xfrm>
           <a:prstGeom prst="rect">
@@ -9183,7 +9194,7 @@
         </p:nvSpPr>
         <p:spPr>
           <a:xfrm>
-            <a:off x="7368726" y="2004150"/>
+            <a:off x="7286707" y="2178584"/>
             <a:ext cx="1022624" cy="246221"/>
           </a:xfrm>
           <a:prstGeom prst="rect">
@@ -9218,7 +9229,7 @@
         </p:nvSpPr>
         <p:spPr>
           <a:xfrm>
-            <a:off x="7371399" y="2445052"/>
+            <a:off x="7289380" y="2619486"/>
             <a:ext cx="1091525" cy="246221"/>
           </a:xfrm>
           <a:prstGeom prst="rect">
@@ -9268,7 +9279,7 @@
         </p:nvSpPr>
         <p:spPr>
           <a:xfrm>
-            <a:off x="7368726" y="2445052"/>
+            <a:off x="7286707" y="2619486"/>
             <a:ext cx="1022624" cy="246221"/>
           </a:xfrm>
           <a:prstGeom prst="rect">
@@ -9303,7 +9314,7 @@
         </p:nvSpPr>
         <p:spPr>
           <a:xfrm>
-            <a:off x="7371399" y="2962983"/>
+            <a:off x="7289380" y="3137417"/>
             <a:ext cx="1091525" cy="246221"/>
           </a:xfrm>
           <a:prstGeom prst="rect">
@@ -9353,7 +9364,7 @@
         </p:nvSpPr>
         <p:spPr>
           <a:xfrm>
-            <a:off x="7368726" y="2962983"/>
+            <a:off x="7286707" y="3137417"/>
             <a:ext cx="1022624" cy="246221"/>
           </a:xfrm>
           <a:prstGeom prst="rect">
@@ -9390,7 +9401,7 @@
         </p:nvCxnSpPr>
         <p:spPr>
           <a:xfrm>
-            <a:off x="9226516" y="635628"/>
+            <a:off x="9144497" y="810062"/>
             <a:ext cx="392899" cy="584381"/>
           </a:xfrm>
           <a:prstGeom prst="straightConnector1">
@@ -9429,7 +9440,7 @@
         </p:nvSpPr>
         <p:spPr>
           <a:xfrm>
-            <a:off x="9110776" y="1220009"/>
+            <a:off x="9132151" y="1393821"/>
             <a:ext cx="1091525" cy="246221"/>
           </a:xfrm>
           <a:prstGeom prst="rect">
@@ -9479,7 +9490,7 @@
         </p:nvSpPr>
         <p:spPr>
           <a:xfrm>
-            <a:off x="9094587" y="1236210"/>
+            <a:off x="9115962" y="1410022"/>
             <a:ext cx="1022624" cy="246221"/>
           </a:xfrm>
           <a:prstGeom prst="rect">
@@ -9516,7 +9527,7 @@
         </p:nvCxnSpPr>
         <p:spPr>
           <a:xfrm>
-            <a:off x="9312169" y="1468062"/>
+            <a:off x="9262331" y="1640664"/>
             <a:ext cx="0" cy="207223"/>
           </a:xfrm>
           <a:prstGeom prst="straightConnector1">
@@ -9555,7 +9566,7 @@
         </p:nvSpPr>
         <p:spPr>
           <a:xfrm>
-            <a:off x="9176815" y="1706686"/>
+            <a:off x="9183576" y="1881119"/>
             <a:ext cx="1091525" cy="246221"/>
           </a:xfrm>
           <a:prstGeom prst="rect">
@@ -9605,7 +9616,7 @@
         </p:nvSpPr>
         <p:spPr>
           <a:xfrm>
-            <a:off x="9164390" y="1697480"/>
+            <a:off x="9171151" y="1871913"/>
             <a:ext cx="1022624" cy="246221"/>
           </a:xfrm>
           <a:prstGeom prst="rect">
@@ -9642,7 +9653,7 @@
         </p:nvCxnSpPr>
         <p:spPr>
           <a:xfrm>
-            <a:off x="10177939" y="1829796"/>
+            <a:off x="10193775" y="2004231"/>
             <a:ext cx="0" cy="320443"/>
           </a:xfrm>
           <a:prstGeom prst="straightConnector1">
@@ -9681,7 +9692,7 @@
         </p:nvSpPr>
         <p:spPr>
           <a:xfrm>
-            <a:off x="9967427" y="2187830"/>
+            <a:off x="9885408" y="2362264"/>
             <a:ext cx="1091525" cy="246221"/>
           </a:xfrm>
           <a:prstGeom prst="rect">
@@ -9731,7 +9742,7 @@
         </p:nvSpPr>
         <p:spPr>
           <a:xfrm>
-            <a:off x="9945849" y="2163240"/>
+            <a:off x="9863830" y="2337674"/>
             <a:ext cx="1022624" cy="246221"/>
           </a:xfrm>
           <a:prstGeom prst="rect">
@@ -9768,7 +9779,7 @@
         </p:nvCxnSpPr>
         <p:spPr>
           <a:xfrm>
-            <a:off x="10918648" y="2329524"/>
+            <a:off x="10836629" y="2503958"/>
             <a:ext cx="0" cy="290270"/>
           </a:xfrm>
           <a:prstGeom prst="straightConnector1">
@@ -9807,7 +9818,7 @@
         </p:nvSpPr>
         <p:spPr>
           <a:xfrm>
-            <a:off x="10789242" y="2659938"/>
+            <a:off x="10707223" y="2834372"/>
             <a:ext cx="1091525" cy="246221"/>
           </a:xfrm>
           <a:prstGeom prst="rect">
@@ -9857,7 +9868,7 @@
         </p:nvSpPr>
         <p:spPr>
           <a:xfrm>
-            <a:off x="10767664" y="2635348"/>
+            <a:off x="10685645" y="2809782"/>
             <a:ext cx="1022624" cy="246221"/>
           </a:xfrm>
           <a:prstGeom prst="rect">
@@ -9894,7 +9905,7 @@
         </p:nvCxnSpPr>
         <p:spPr>
           <a:xfrm>
-            <a:off x="8866861" y="173103"/>
+            <a:off x="8784842" y="347537"/>
             <a:ext cx="0" cy="216304"/>
           </a:xfrm>
           <a:prstGeom prst="straightConnector1">
@@ -9933,7 +9944,7 @@
         </p:nvSpPr>
         <p:spPr>
           <a:xfrm>
-            <a:off x="8187357" y="-38602"/>
+            <a:off x="8105338" y="135832"/>
             <a:ext cx="1552114" cy="246221"/>
           </a:xfrm>
           <a:prstGeom prst="rect">
@@ -9968,7 +9979,7 @@
         </p:nvSpPr>
         <p:spPr>
           <a:xfrm rot="16200000">
-            <a:off x="7871419" y="2643256"/>
+            <a:off x="7789400" y="2817690"/>
             <a:ext cx="383796" cy="1560792"/>
           </a:xfrm>
           <a:prstGeom prst="leftBrace">
@@ -10012,7 +10023,7 @@
         </p:nvSpPr>
         <p:spPr>
           <a:xfrm rot="16200000">
-            <a:off x="10430159" y="2003460"/>
+            <a:off x="10348140" y="2177894"/>
             <a:ext cx="383796" cy="2840383"/>
           </a:xfrm>
           <a:prstGeom prst="leftBrace">
@@ -10056,8 +10067,8 @@
         </p:nvSpPr>
         <p:spPr>
           <a:xfrm>
-            <a:off x="7710374" y="3645688"/>
-            <a:ext cx="1222704" cy="369332"/>
+            <a:off x="7497182" y="3801533"/>
+            <a:ext cx="1384213" cy="369332"/>
           </a:xfrm>
           <a:prstGeom prst="rect">
             <a:avLst/>
@@ -10084,6 +10095,22 @@
                   <a:srgbClr val="002060"/>
                 </a:solidFill>
               </a:rPr>
+              <a:t>ssh_connectors</a:t>
+            </a:r>
+            <a:r>
+              <a:rPr lang="en-SG" sz="900" dirty="0">
+                <a:solidFill>
+                  <a:srgbClr val="002060"/>
+                </a:solidFill>
+              </a:rPr>
+              <a:t>’ </a:t>
+            </a:r>
+            <a:r>
+              <a:rPr lang="en-SG" sz="900" dirty="0" err="1">
+                <a:solidFill>
+                  <a:srgbClr val="002060"/>
+                </a:solidFill>
+              </a:rPr>
               <a:t>cmds</a:t>
             </a:r>
             <a:r>
@@ -10111,8 +10138,8 @@
         </p:nvSpPr>
         <p:spPr>
           <a:xfrm>
-            <a:off x="10357121" y="3597481"/>
-            <a:ext cx="1222704" cy="369332"/>
+            <a:off x="10275101" y="3771915"/>
+            <a:ext cx="1560792" cy="369332"/>
           </a:xfrm>
           <a:prstGeom prst="rect">
             <a:avLst/>
@@ -10139,7 +10166,23 @@
                   <a:srgbClr val="002060"/>
                 </a:solidFill>
               </a:rPr>
-              <a:t>cmd</a:t>
+              <a:t>ssh_connectors</a:t>
+            </a:r>
+            <a:r>
+              <a:rPr lang="en-SG" sz="900" dirty="0">
+                <a:solidFill>
+                  <a:srgbClr val="002060"/>
+                </a:solidFill>
+              </a:rPr>
+              <a:t>’ </a:t>
+            </a:r>
+            <a:r>
+              <a:rPr lang="en-SG" sz="900" dirty="0" err="1">
+                <a:solidFill>
+                  <a:srgbClr val="002060"/>
+                </a:solidFill>
+              </a:rPr>
+              <a:t>cmds</a:t>
             </a:r>
             <a:r>
               <a:rPr lang="en-SG" sz="900" dirty="0">
@@ -10149,6 +10192,42 @@
               </a:rPr>
               <a:t> execution</a:t>
             </a:r>
+          </a:p>
+        </p:txBody>
+      </p:sp>
+      <p:sp>
+        <p:nvSpPr>
+          <p:cNvPr id="137" name="TextBox 136">
+            <a:extLst>
+              <a:ext uri="{FF2B5EF4-FFF2-40B4-BE49-F238E27FC236}">
+                <a16:creationId xmlns:a16="http://schemas.microsoft.com/office/drawing/2014/main" id="{E3671C70-4638-B85E-1AB9-AECCBFB69AA0}"/>
+              </a:ext>
+            </a:extLst>
+          </p:cNvPr>
+          <p:cNvSpPr txBox="1"/>
+          <p:nvPr/>
+        </p:nvSpPr>
+        <p:spPr>
+          <a:xfrm>
+            <a:off x="8824924" y="1259359"/>
+            <a:ext cx="362198" cy="369332"/>
+          </a:xfrm>
+          <a:prstGeom prst="rect">
+            <a:avLst/>
+          </a:prstGeom>
+          <a:noFill/>
+        </p:spPr>
+        <p:txBody>
+          <a:bodyPr wrap="square" rtlCol="0">
+            <a:spAutoFit/>
+          </a:bodyPr>
+          <a:lstStyle/>
+          <a:p>
+            <a:r>
+              <a:rPr lang="en-US" dirty="0"/>
+              <a:t>…</a:t>
+            </a:r>
+            <a:endParaRPr lang="en-SG" dirty="0"/>
           </a:p>
         </p:txBody>
       </p:sp>

--- a/doc/designDoc.pptx
+++ b/doc/designDoc.pptx
@@ -262,7 +262,7 @@
           <a:p>
             <a:fld id="{21CF26C0-3F45-4AEC-B024-E55C3E18A278}" type="datetimeFigureOut">
               <a:rPr lang="en-SG" smtClean="0"/>
-              <a:t>3/8/2022</a:t>
+              <a:t>9/8/2022</a:t>
             </a:fld>
             <a:endParaRPr lang="en-SG"/>
           </a:p>
@@ -462,7 +462,7 @@
           <a:p>
             <a:fld id="{21CF26C0-3F45-4AEC-B024-E55C3E18A278}" type="datetimeFigureOut">
               <a:rPr lang="en-SG" smtClean="0"/>
-              <a:t>3/8/2022</a:t>
+              <a:t>9/8/2022</a:t>
             </a:fld>
             <a:endParaRPr lang="en-SG"/>
           </a:p>
@@ -672,7 +672,7 @@
           <a:p>
             <a:fld id="{21CF26C0-3F45-4AEC-B024-E55C3E18A278}" type="datetimeFigureOut">
               <a:rPr lang="en-SG" smtClean="0"/>
-              <a:t>3/8/2022</a:t>
+              <a:t>9/8/2022</a:t>
             </a:fld>
             <a:endParaRPr lang="en-SG"/>
           </a:p>
@@ -872,7 +872,7 @@
           <a:p>
             <a:fld id="{21CF26C0-3F45-4AEC-B024-E55C3E18A278}" type="datetimeFigureOut">
               <a:rPr lang="en-SG" smtClean="0"/>
-              <a:t>3/8/2022</a:t>
+              <a:t>9/8/2022</a:t>
             </a:fld>
             <a:endParaRPr lang="en-SG"/>
           </a:p>
@@ -1148,7 +1148,7 @@
           <a:p>
             <a:fld id="{21CF26C0-3F45-4AEC-B024-E55C3E18A278}" type="datetimeFigureOut">
               <a:rPr lang="en-SG" smtClean="0"/>
-              <a:t>3/8/2022</a:t>
+              <a:t>9/8/2022</a:t>
             </a:fld>
             <a:endParaRPr lang="en-SG"/>
           </a:p>
@@ -1416,7 +1416,7 @@
           <a:p>
             <a:fld id="{21CF26C0-3F45-4AEC-B024-E55C3E18A278}" type="datetimeFigureOut">
               <a:rPr lang="en-SG" smtClean="0"/>
-              <a:t>3/8/2022</a:t>
+              <a:t>9/8/2022</a:t>
             </a:fld>
             <a:endParaRPr lang="en-SG"/>
           </a:p>
@@ -1831,7 +1831,7 @@
           <a:p>
             <a:fld id="{21CF26C0-3F45-4AEC-B024-E55C3E18A278}" type="datetimeFigureOut">
               <a:rPr lang="en-SG" smtClean="0"/>
-              <a:t>3/8/2022</a:t>
+              <a:t>9/8/2022</a:t>
             </a:fld>
             <a:endParaRPr lang="en-SG"/>
           </a:p>
@@ -1973,7 +1973,7 @@
           <a:p>
             <a:fld id="{21CF26C0-3F45-4AEC-B024-E55C3E18A278}" type="datetimeFigureOut">
               <a:rPr lang="en-SG" smtClean="0"/>
-              <a:t>3/8/2022</a:t>
+              <a:t>9/8/2022</a:t>
             </a:fld>
             <a:endParaRPr lang="en-SG"/>
           </a:p>
@@ -2086,7 +2086,7 @@
           <a:p>
             <a:fld id="{21CF26C0-3F45-4AEC-B024-E55C3E18A278}" type="datetimeFigureOut">
               <a:rPr lang="en-SG" smtClean="0"/>
-              <a:t>3/8/2022</a:t>
+              <a:t>9/8/2022</a:t>
             </a:fld>
             <a:endParaRPr lang="en-SG"/>
           </a:p>
@@ -2399,7 +2399,7 @@
           <a:p>
             <a:fld id="{21CF26C0-3F45-4AEC-B024-E55C3E18A278}" type="datetimeFigureOut">
               <a:rPr lang="en-SG" smtClean="0"/>
-              <a:t>3/8/2022</a:t>
+              <a:t>9/8/2022</a:t>
             </a:fld>
             <a:endParaRPr lang="en-SG"/>
           </a:p>
@@ -2688,7 +2688,7 @@
           <a:p>
             <a:fld id="{21CF26C0-3F45-4AEC-B024-E55C3E18A278}" type="datetimeFigureOut">
               <a:rPr lang="en-SG" smtClean="0"/>
-              <a:t>3/8/2022</a:t>
+              <a:t>9/8/2022</a:t>
             </a:fld>
             <a:endParaRPr lang="en-SG"/>
           </a:p>
@@ -2931,7 +2931,7 @@
           <a:p>
             <a:fld id="{21CF26C0-3F45-4AEC-B024-E55C3E18A278}" type="datetimeFigureOut">
               <a:rPr lang="en-SG" smtClean="0"/>
-              <a:t>3/8/2022</a:t>
+              <a:t>9/8/2022</a:t>
             </a:fld>
             <a:endParaRPr lang="en-SG"/>
           </a:p>
@@ -4713,13 +4713,14 @@
         </p:nvCxnSpPr>
         <p:spPr>
           <a:xfrm>
-            <a:off x="1090532" y="2982225"/>
-            <a:ext cx="445658" cy="0"/>
+            <a:off x="1103340" y="5525491"/>
+            <a:ext cx="812096" cy="0"/>
           </a:xfrm>
           <a:prstGeom prst="straightConnector1">
             <a:avLst/>
           </a:prstGeom>
           <a:ln>
+            <a:prstDash val="dash"/>
             <a:tailEnd type="triangle"/>
           </a:ln>
         </p:spPr>
@@ -7028,6 +7029,1159 @@
             <a:r>
               <a:rPr lang="en-SG" sz="900" b="1" dirty="0"/>
               <a:t>Use case: simulate stress test for the CTFD cluster.   </a:t>
+            </a:r>
+          </a:p>
+        </p:txBody>
+      </p:sp>
+      <p:pic>
+        <p:nvPicPr>
+          <p:cNvPr id="2" name="Picture 4">
+            <a:extLst>
+              <a:ext uri="{FF2B5EF4-FFF2-40B4-BE49-F238E27FC236}">
+                <a16:creationId xmlns:a16="http://schemas.microsoft.com/office/drawing/2014/main" id="{77384891-A4D2-1312-4F32-CBBC4125607F}"/>
+              </a:ext>
+            </a:extLst>
+          </p:cNvPr>
+          <p:cNvPicPr>
+            <a:picLocks noChangeAspect="1" noChangeArrowheads="1"/>
+          </p:cNvPicPr>
+          <p:nvPr/>
+        </p:nvPicPr>
+        <p:blipFill>
+          <a:blip r:embed="rId2">
+            <a:extLst>
+              <a:ext uri="{28A0092B-C50C-407E-A947-70E740481C1C}">
+                <a14:useLocalDpi xmlns:a14="http://schemas.microsoft.com/office/drawing/2010/main" val="0"/>
+              </a:ext>
+            </a:extLst>
+          </a:blip>
+          <a:srcRect/>
+          <a:stretch>
+            <a:fillRect/>
+          </a:stretch>
+        </p:blipFill>
+        <p:spPr bwMode="auto">
+          <a:xfrm>
+            <a:off x="642130" y="5310584"/>
+            <a:ext cx="429814" cy="429814"/>
+          </a:xfrm>
+          <a:prstGeom prst="rect">
+            <a:avLst/>
+          </a:prstGeom>
+          <a:noFill/>
+          <a:extLst>
+            <a:ext uri="{909E8E84-426E-40DD-AFC4-6F175D3DCCD1}">
+              <a14:hiddenFill xmlns:a14="http://schemas.microsoft.com/office/drawing/2010/main">
+                <a:solidFill>
+                  <a:srgbClr val="FFFFFF"/>
+                </a:solidFill>
+              </a14:hiddenFill>
+            </a:ext>
+          </a:extLst>
+        </p:spPr>
+      </p:pic>
+      <p:pic>
+        <p:nvPicPr>
+          <p:cNvPr id="7" name="Picture 6">
+            <a:extLst>
+              <a:ext uri="{FF2B5EF4-FFF2-40B4-BE49-F238E27FC236}">
+                <a16:creationId xmlns:a16="http://schemas.microsoft.com/office/drawing/2014/main" id="{E58CE004-2FCC-1AD5-8A27-A3CC84BAD000}"/>
+              </a:ext>
+            </a:extLst>
+          </p:cNvPr>
+          <p:cNvPicPr>
+            <a:picLocks noChangeAspect="1"/>
+          </p:cNvPicPr>
+          <p:nvPr/>
+        </p:nvPicPr>
+        <p:blipFill>
+          <a:blip r:embed="rId3"/>
+          <a:stretch>
+            <a:fillRect/>
+          </a:stretch>
+        </p:blipFill>
+        <p:spPr>
+          <a:xfrm>
+            <a:off x="1949862" y="5394686"/>
+            <a:ext cx="357596" cy="261610"/>
+          </a:xfrm>
+          <a:prstGeom prst="rect">
+            <a:avLst/>
+          </a:prstGeom>
+          <a:ln w="3175">
+            <a:solidFill>
+              <a:schemeClr val="tx1"/>
+            </a:solidFill>
+          </a:ln>
+        </p:spPr>
+      </p:pic>
+      <p:cxnSp>
+        <p:nvCxnSpPr>
+          <p:cNvPr id="8" name="Straight Arrow Connector 7">
+            <a:extLst>
+              <a:ext uri="{FF2B5EF4-FFF2-40B4-BE49-F238E27FC236}">
+                <a16:creationId xmlns:a16="http://schemas.microsoft.com/office/drawing/2014/main" id="{2110BF41-049C-FCCF-A6AE-A7495012AFA4}"/>
+              </a:ext>
+            </a:extLst>
+          </p:cNvPr>
+          <p:cNvCxnSpPr>
+            <a:cxnSpLocks/>
+          </p:cNvCxnSpPr>
+          <p:nvPr/>
+        </p:nvCxnSpPr>
+        <p:spPr>
+          <a:xfrm flipV="1">
+            <a:off x="2385375" y="5530758"/>
+            <a:ext cx="390171" cy="1893"/>
+          </a:xfrm>
+          <a:prstGeom prst="straightConnector1">
+            <a:avLst/>
+          </a:prstGeom>
+          <a:ln>
+            <a:tailEnd type="triangle"/>
+          </a:ln>
+        </p:spPr>
+        <p:style>
+          <a:lnRef idx="1">
+            <a:schemeClr val="accent1"/>
+          </a:lnRef>
+          <a:fillRef idx="0">
+            <a:schemeClr val="accent1"/>
+          </a:fillRef>
+          <a:effectRef idx="0">
+            <a:schemeClr val="accent1"/>
+          </a:effectRef>
+          <a:fontRef idx="minor">
+            <a:schemeClr val="tx1"/>
+          </a:fontRef>
+        </p:style>
+      </p:cxnSp>
+      <p:pic>
+        <p:nvPicPr>
+          <p:cNvPr id="10" name="Picture 9">
+            <a:extLst>
+              <a:ext uri="{FF2B5EF4-FFF2-40B4-BE49-F238E27FC236}">
+                <a16:creationId xmlns:a16="http://schemas.microsoft.com/office/drawing/2014/main" id="{B8E56B20-B3CD-D09D-FE57-05BE09774D07}"/>
+              </a:ext>
+            </a:extLst>
+          </p:cNvPr>
+          <p:cNvPicPr>
+            <a:picLocks noChangeAspect="1"/>
+          </p:cNvPicPr>
+          <p:nvPr/>
+        </p:nvPicPr>
+        <p:blipFill>
+          <a:blip r:embed="rId3"/>
+          <a:stretch>
+            <a:fillRect/>
+          </a:stretch>
+        </p:blipFill>
+        <p:spPr>
+          <a:xfrm>
+            <a:off x="2829354" y="5401846"/>
+            <a:ext cx="357596" cy="261610"/>
+          </a:xfrm>
+          <a:prstGeom prst="rect">
+            <a:avLst/>
+          </a:prstGeom>
+          <a:ln w="3175">
+            <a:solidFill>
+              <a:schemeClr val="tx1"/>
+            </a:solidFill>
+          </a:ln>
+        </p:spPr>
+      </p:pic>
+      <p:sp>
+        <p:nvSpPr>
+          <p:cNvPr id="12" name="TextBox 11">
+            <a:extLst>
+              <a:ext uri="{FF2B5EF4-FFF2-40B4-BE49-F238E27FC236}">
+                <a16:creationId xmlns:a16="http://schemas.microsoft.com/office/drawing/2014/main" id="{6947F463-40A2-AC36-38E9-75E747C562D7}"/>
+              </a:ext>
+            </a:extLst>
+          </p:cNvPr>
+          <p:cNvSpPr txBox="1"/>
+          <p:nvPr/>
+        </p:nvSpPr>
+        <p:spPr>
+          <a:xfrm>
+            <a:off x="3203238" y="5309080"/>
+            <a:ext cx="362198" cy="369332"/>
+          </a:xfrm>
+          <a:prstGeom prst="rect">
+            <a:avLst/>
+          </a:prstGeom>
+          <a:noFill/>
+        </p:spPr>
+        <p:txBody>
+          <a:bodyPr wrap="square" rtlCol="0">
+            <a:spAutoFit/>
+          </a:bodyPr>
+          <a:lstStyle/>
+          <a:p>
+            <a:r>
+              <a:rPr lang="en-US" dirty="0"/>
+              <a:t>…</a:t>
+            </a:r>
+            <a:endParaRPr lang="en-SG" dirty="0"/>
+          </a:p>
+        </p:txBody>
+      </p:sp>
+      <p:pic>
+        <p:nvPicPr>
+          <p:cNvPr id="13" name="Picture 12">
+            <a:extLst>
+              <a:ext uri="{FF2B5EF4-FFF2-40B4-BE49-F238E27FC236}">
+                <a16:creationId xmlns:a16="http://schemas.microsoft.com/office/drawing/2014/main" id="{7F7A3C49-025E-1A49-A298-3A7DA7124EA6}"/>
+              </a:ext>
+            </a:extLst>
+          </p:cNvPr>
+          <p:cNvPicPr>
+            <a:picLocks noChangeAspect="1"/>
+          </p:cNvPicPr>
+          <p:nvPr/>
+        </p:nvPicPr>
+        <p:blipFill>
+          <a:blip r:embed="rId3"/>
+          <a:stretch>
+            <a:fillRect/>
+          </a:stretch>
+        </p:blipFill>
+        <p:spPr>
+          <a:xfrm>
+            <a:off x="3530048" y="5394686"/>
+            <a:ext cx="357596" cy="261610"/>
+          </a:xfrm>
+          <a:prstGeom prst="rect">
+            <a:avLst/>
+          </a:prstGeom>
+          <a:ln w="3175">
+            <a:solidFill>
+              <a:schemeClr val="tx1"/>
+            </a:solidFill>
+          </a:ln>
+        </p:spPr>
+      </p:pic>
+      <p:pic>
+        <p:nvPicPr>
+          <p:cNvPr id="15" name="Picture 14">
+            <a:extLst>
+              <a:ext uri="{FF2B5EF4-FFF2-40B4-BE49-F238E27FC236}">
+                <a16:creationId xmlns:a16="http://schemas.microsoft.com/office/drawing/2014/main" id="{8F1443B9-8090-F780-5BDE-D888F3A79E17}"/>
+              </a:ext>
+            </a:extLst>
+          </p:cNvPr>
+          <p:cNvPicPr>
+            <a:picLocks noChangeAspect="1"/>
+          </p:cNvPicPr>
+          <p:nvPr/>
+        </p:nvPicPr>
+        <p:blipFill>
+          <a:blip r:embed="rId5"/>
+          <a:stretch>
+            <a:fillRect/>
+          </a:stretch>
+        </p:blipFill>
+        <p:spPr>
+          <a:xfrm>
+            <a:off x="2326086" y="5928138"/>
+            <a:ext cx="338693" cy="346110"/>
+          </a:xfrm>
+          <a:prstGeom prst="rect">
+            <a:avLst/>
+          </a:prstGeom>
+        </p:spPr>
+      </p:pic>
+      <p:cxnSp>
+        <p:nvCxnSpPr>
+          <p:cNvPr id="17" name="Straight Arrow Connector 16">
+            <a:extLst>
+              <a:ext uri="{FF2B5EF4-FFF2-40B4-BE49-F238E27FC236}">
+                <a16:creationId xmlns:a16="http://schemas.microsoft.com/office/drawing/2014/main" id="{03EE8A19-2173-5B53-491F-0E6F474D0B89}"/>
+              </a:ext>
+            </a:extLst>
+          </p:cNvPr>
+          <p:cNvCxnSpPr>
+            <a:cxnSpLocks/>
+            <a:stCxn id="7" idx="2"/>
+            <a:endCxn id="15" idx="0"/>
+          </p:cNvCxnSpPr>
+          <p:nvPr/>
+        </p:nvCxnSpPr>
+        <p:spPr>
+          <a:xfrm>
+            <a:off x="2128660" y="5656296"/>
+            <a:ext cx="366773" cy="271842"/>
+          </a:xfrm>
+          <a:prstGeom prst="straightConnector1">
+            <a:avLst/>
+          </a:prstGeom>
+          <a:ln>
+            <a:tailEnd type="triangle"/>
+          </a:ln>
+        </p:spPr>
+        <p:style>
+          <a:lnRef idx="1">
+            <a:schemeClr val="accent1"/>
+          </a:lnRef>
+          <a:fillRef idx="0">
+            <a:schemeClr val="accent1"/>
+          </a:fillRef>
+          <a:effectRef idx="0">
+            <a:schemeClr val="accent1"/>
+          </a:effectRef>
+          <a:fontRef idx="minor">
+            <a:schemeClr val="tx1"/>
+          </a:fontRef>
+        </p:style>
+      </p:cxnSp>
+      <p:pic>
+        <p:nvPicPr>
+          <p:cNvPr id="19" name="Picture 18">
+            <a:extLst>
+              <a:ext uri="{FF2B5EF4-FFF2-40B4-BE49-F238E27FC236}">
+                <a16:creationId xmlns:a16="http://schemas.microsoft.com/office/drawing/2014/main" id="{CCC44A42-7E25-9A2C-00A1-7054C980EB77}"/>
+              </a:ext>
+            </a:extLst>
+          </p:cNvPr>
+          <p:cNvPicPr>
+            <a:picLocks noChangeAspect="1"/>
+          </p:cNvPicPr>
+          <p:nvPr/>
+        </p:nvPicPr>
+        <p:blipFill>
+          <a:blip r:embed="rId3"/>
+          <a:stretch>
+            <a:fillRect/>
+          </a:stretch>
+        </p:blipFill>
+        <p:spPr>
+          <a:xfrm>
+            <a:off x="3104791" y="5941266"/>
+            <a:ext cx="334496" cy="244711"/>
+          </a:xfrm>
+          <a:prstGeom prst="rect">
+            <a:avLst/>
+          </a:prstGeom>
+          <a:ln w="3175">
+            <a:solidFill>
+              <a:schemeClr val="tx1"/>
+            </a:solidFill>
+          </a:ln>
+        </p:spPr>
+      </p:pic>
+      <p:cxnSp>
+        <p:nvCxnSpPr>
+          <p:cNvPr id="20" name="Straight Arrow Connector 19">
+            <a:extLst>
+              <a:ext uri="{FF2B5EF4-FFF2-40B4-BE49-F238E27FC236}">
+                <a16:creationId xmlns:a16="http://schemas.microsoft.com/office/drawing/2014/main" id="{9CE24489-0446-3CFC-0DF1-8FF0B2416221}"/>
+              </a:ext>
+            </a:extLst>
+          </p:cNvPr>
+          <p:cNvCxnSpPr>
+            <a:cxnSpLocks/>
+            <a:endCxn id="19" idx="0"/>
+          </p:cNvCxnSpPr>
+          <p:nvPr/>
+        </p:nvCxnSpPr>
+        <p:spPr>
+          <a:xfrm>
+            <a:off x="2974003" y="5638641"/>
+            <a:ext cx="298036" cy="302625"/>
+          </a:xfrm>
+          <a:prstGeom prst="straightConnector1">
+            <a:avLst/>
+          </a:prstGeom>
+          <a:ln>
+            <a:tailEnd type="triangle"/>
+          </a:ln>
+        </p:spPr>
+        <p:style>
+          <a:lnRef idx="1">
+            <a:schemeClr val="accent1"/>
+          </a:lnRef>
+          <a:fillRef idx="0">
+            <a:schemeClr val="accent1"/>
+          </a:fillRef>
+          <a:effectRef idx="0">
+            <a:schemeClr val="accent1"/>
+          </a:effectRef>
+          <a:fontRef idx="minor">
+            <a:schemeClr val="tx1"/>
+          </a:fontRef>
+        </p:style>
+      </p:cxnSp>
+      <p:pic>
+        <p:nvPicPr>
+          <p:cNvPr id="22" name="Picture 21">
+            <a:extLst>
+              <a:ext uri="{FF2B5EF4-FFF2-40B4-BE49-F238E27FC236}">
+                <a16:creationId xmlns:a16="http://schemas.microsoft.com/office/drawing/2014/main" id="{D6A823D9-3258-478B-3E71-683AEBC7CDF6}"/>
+              </a:ext>
+            </a:extLst>
+          </p:cNvPr>
+          <p:cNvPicPr>
+            <a:picLocks noChangeAspect="1"/>
+          </p:cNvPicPr>
+          <p:nvPr/>
+        </p:nvPicPr>
+        <p:blipFill>
+          <a:blip r:embed="rId5"/>
+          <a:stretch>
+            <a:fillRect/>
+          </a:stretch>
+        </p:blipFill>
+        <p:spPr>
+          <a:xfrm>
+            <a:off x="3388115" y="6426144"/>
+            <a:ext cx="338693" cy="346110"/>
+          </a:xfrm>
+          <a:prstGeom prst="rect">
+            <a:avLst/>
+          </a:prstGeom>
+        </p:spPr>
+      </p:pic>
+      <p:cxnSp>
+        <p:nvCxnSpPr>
+          <p:cNvPr id="23" name="Straight Arrow Connector 22">
+            <a:extLst>
+              <a:ext uri="{FF2B5EF4-FFF2-40B4-BE49-F238E27FC236}">
+                <a16:creationId xmlns:a16="http://schemas.microsoft.com/office/drawing/2014/main" id="{BD9F6756-64F9-4DC3-77B0-9363B08B28DB}"/>
+              </a:ext>
+            </a:extLst>
+          </p:cNvPr>
+          <p:cNvCxnSpPr>
+            <a:cxnSpLocks/>
+            <a:stCxn id="19" idx="2"/>
+            <a:endCxn id="22" idx="0"/>
+          </p:cNvCxnSpPr>
+          <p:nvPr/>
+        </p:nvCxnSpPr>
+        <p:spPr>
+          <a:xfrm>
+            <a:off x="3272039" y="6185977"/>
+            <a:ext cx="285423" cy="240167"/>
+          </a:xfrm>
+          <a:prstGeom prst="straightConnector1">
+            <a:avLst/>
+          </a:prstGeom>
+          <a:ln>
+            <a:tailEnd type="triangle"/>
+          </a:ln>
+        </p:spPr>
+        <p:style>
+          <a:lnRef idx="1">
+            <a:schemeClr val="accent1"/>
+          </a:lnRef>
+          <a:fillRef idx="0">
+            <a:schemeClr val="accent1"/>
+          </a:fillRef>
+          <a:effectRef idx="0">
+            <a:schemeClr val="accent1"/>
+          </a:effectRef>
+          <a:fontRef idx="minor">
+            <a:schemeClr val="tx1"/>
+          </a:fontRef>
+        </p:style>
+      </p:cxnSp>
+      <p:cxnSp>
+        <p:nvCxnSpPr>
+          <p:cNvPr id="30" name="Straight Arrow Connector 29">
+            <a:extLst>
+              <a:ext uri="{FF2B5EF4-FFF2-40B4-BE49-F238E27FC236}">
+                <a16:creationId xmlns:a16="http://schemas.microsoft.com/office/drawing/2014/main" id="{6C6F5C89-5E83-15EF-4C28-6F827C609338}"/>
+              </a:ext>
+            </a:extLst>
+          </p:cNvPr>
+          <p:cNvCxnSpPr>
+            <a:cxnSpLocks/>
+            <a:endCxn id="35" idx="1"/>
+          </p:cNvCxnSpPr>
+          <p:nvPr/>
+        </p:nvCxnSpPr>
+        <p:spPr>
+          <a:xfrm>
+            <a:off x="3880733" y="5569194"/>
+            <a:ext cx="345269" cy="358944"/>
+          </a:xfrm>
+          <a:prstGeom prst="straightConnector1">
+            <a:avLst/>
+          </a:prstGeom>
+          <a:ln>
+            <a:tailEnd type="triangle"/>
+          </a:ln>
+        </p:spPr>
+        <p:style>
+          <a:lnRef idx="1">
+            <a:schemeClr val="accent1"/>
+          </a:lnRef>
+          <a:fillRef idx="0">
+            <a:schemeClr val="accent1"/>
+          </a:fillRef>
+          <a:effectRef idx="0">
+            <a:schemeClr val="accent1"/>
+          </a:effectRef>
+          <a:fontRef idx="minor">
+            <a:schemeClr val="tx1"/>
+          </a:fontRef>
+        </p:style>
+      </p:cxnSp>
+      <p:cxnSp>
+        <p:nvCxnSpPr>
+          <p:cNvPr id="32" name="Straight Arrow Connector 31">
+            <a:extLst>
+              <a:ext uri="{FF2B5EF4-FFF2-40B4-BE49-F238E27FC236}">
+                <a16:creationId xmlns:a16="http://schemas.microsoft.com/office/drawing/2014/main" id="{0C05B9AA-6032-E278-8BB4-93CA25C9E832}"/>
+              </a:ext>
+            </a:extLst>
+          </p:cNvPr>
+          <p:cNvCxnSpPr>
+            <a:cxnSpLocks/>
+          </p:cNvCxnSpPr>
+          <p:nvPr/>
+        </p:nvCxnSpPr>
+        <p:spPr>
+          <a:xfrm>
+            <a:off x="3880733" y="5524470"/>
+            <a:ext cx="333721" cy="0"/>
+          </a:xfrm>
+          <a:prstGeom prst="straightConnector1">
+            <a:avLst/>
+          </a:prstGeom>
+          <a:ln>
+            <a:tailEnd type="triangle"/>
+          </a:ln>
+        </p:spPr>
+        <p:style>
+          <a:lnRef idx="1">
+            <a:schemeClr val="accent1"/>
+          </a:lnRef>
+          <a:fillRef idx="0">
+            <a:schemeClr val="accent1"/>
+          </a:fillRef>
+          <a:effectRef idx="0">
+            <a:schemeClr val="accent1"/>
+          </a:effectRef>
+          <a:fontRef idx="minor">
+            <a:schemeClr val="tx1"/>
+          </a:fontRef>
+        </p:style>
+      </p:cxnSp>
+      <p:pic>
+        <p:nvPicPr>
+          <p:cNvPr id="34" name="Picture 33">
+            <a:extLst>
+              <a:ext uri="{FF2B5EF4-FFF2-40B4-BE49-F238E27FC236}">
+                <a16:creationId xmlns:a16="http://schemas.microsoft.com/office/drawing/2014/main" id="{F6D048AB-2B23-F530-1710-9589C0E2B42C}"/>
+              </a:ext>
+            </a:extLst>
+          </p:cNvPr>
+          <p:cNvPicPr>
+            <a:picLocks noChangeAspect="1"/>
+          </p:cNvPicPr>
+          <p:nvPr/>
+        </p:nvPicPr>
+        <p:blipFill>
+          <a:blip r:embed="rId5"/>
+          <a:stretch>
+            <a:fillRect/>
+          </a:stretch>
+        </p:blipFill>
+        <p:spPr>
+          <a:xfrm>
+            <a:off x="4226002" y="5320691"/>
+            <a:ext cx="338693" cy="346110"/>
+          </a:xfrm>
+          <a:prstGeom prst="rect">
+            <a:avLst/>
+          </a:prstGeom>
+        </p:spPr>
+      </p:pic>
+      <p:pic>
+        <p:nvPicPr>
+          <p:cNvPr id="35" name="Picture 34">
+            <a:extLst>
+              <a:ext uri="{FF2B5EF4-FFF2-40B4-BE49-F238E27FC236}">
+                <a16:creationId xmlns:a16="http://schemas.microsoft.com/office/drawing/2014/main" id="{C6AFCD8E-6A78-2A56-113C-1E5B0057F111}"/>
+              </a:ext>
+            </a:extLst>
+          </p:cNvPr>
+          <p:cNvPicPr>
+            <a:picLocks noChangeAspect="1"/>
+          </p:cNvPicPr>
+          <p:nvPr/>
+        </p:nvPicPr>
+        <p:blipFill>
+          <a:blip r:embed="rId5"/>
+          <a:stretch>
+            <a:fillRect/>
+          </a:stretch>
+        </p:blipFill>
+        <p:spPr>
+          <a:xfrm>
+            <a:off x="4226002" y="5755083"/>
+            <a:ext cx="347129" cy="346110"/>
+          </a:xfrm>
+          <a:prstGeom prst="rect">
+            <a:avLst/>
+          </a:prstGeom>
+        </p:spPr>
+      </p:pic>
+      <p:sp>
+        <p:nvSpPr>
+          <p:cNvPr id="37" name="TextBox 36">
+            <a:extLst>
+              <a:ext uri="{FF2B5EF4-FFF2-40B4-BE49-F238E27FC236}">
+                <a16:creationId xmlns:a16="http://schemas.microsoft.com/office/drawing/2014/main" id="{A7755252-F5A5-A7D8-B2EE-AC1E1D1AD47C}"/>
+              </a:ext>
+            </a:extLst>
+          </p:cNvPr>
+          <p:cNvSpPr txBox="1"/>
+          <p:nvPr/>
+        </p:nvSpPr>
+        <p:spPr>
+          <a:xfrm>
+            <a:off x="1693183" y="5130004"/>
+            <a:ext cx="802249" cy="230832"/>
+          </a:xfrm>
+          <a:prstGeom prst="rect">
+            <a:avLst/>
+          </a:prstGeom>
+          <a:noFill/>
+        </p:spPr>
+        <p:txBody>
+          <a:bodyPr wrap="square" rtlCol="0">
+            <a:spAutoFit/>
+          </a:bodyPr>
+          <a:lstStyle/>
+          <a:p>
+            <a:r>
+              <a:rPr lang="en-SG" sz="900" dirty="0">
+                <a:solidFill>
+                  <a:srgbClr val="002060"/>
+                </a:solidFill>
+              </a:rPr>
+              <a:t>jumphost1</a:t>
+            </a:r>
+          </a:p>
+        </p:txBody>
+      </p:sp>
+      <p:sp>
+        <p:nvSpPr>
+          <p:cNvPr id="38" name="TextBox 37">
+            <a:extLst>
+              <a:ext uri="{FF2B5EF4-FFF2-40B4-BE49-F238E27FC236}">
+                <a16:creationId xmlns:a16="http://schemas.microsoft.com/office/drawing/2014/main" id="{C1C95A8C-1A3E-AD03-89BF-28F66D6A654F}"/>
+              </a:ext>
+            </a:extLst>
+          </p:cNvPr>
+          <p:cNvSpPr txBox="1"/>
+          <p:nvPr/>
+        </p:nvSpPr>
+        <p:spPr>
+          <a:xfrm>
+            <a:off x="2606308" y="5135654"/>
+            <a:ext cx="802249" cy="230832"/>
+          </a:xfrm>
+          <a:prstGeom prst="rect">
+            <a:avLst/>
+          </a:prstGeom>
+          <a:noFill/>
+        </p:spPr>
+        <p:txBody>
+          <a:bodyPr wrap="square" rtlCol="0">
+            <a:spAutoFit/>
+          </a:bodyPr>
+          <a:lstStyle/>
+          <a:p>
+            <a:r>
+              <a:rPr lang="en-SG" sz="900" dirty="0">
+                <a:solidFill>
+                  <a:srgbClr val="002060"/>
+                </a:solidFill>
+              </a:rPr>
+              <a:t>jumphost2</a:t>
+            </a:r>
+          </a:p>
+        </p:txBody>
+      </p:sp>
+      <p:sp>
+        <p:nvSpPr>
+          <p:cNvPr id="39" name="TextBox 38">
+            <a:extLst>
+              <a:ext uri="{FF2B5EF4-FFF2-40B4-BE49-F238E27FC236}">
+                <a16:creationId xmlns:a16="http://schemas.microsoft.com/office/drawing/2014/main" id="{55BC5E86-E304-EFAE-AFB4-9B50FF695BBE}"/>
+              </a:ext>
+            </a:extLst>
+          </p:cNvPr>
+          <p:cNvSpPr txBox="1"/>
+          <p:nvPr/>
+        </p:nvSpPr>
+        <p:spPr>
+          <a:xfrm>
+            <a:off x="3382589" y="5121765"/>
+            <a:ext cx="802249" cy="230832"/>
+          </a:xfrm>
+          <a:prstGeom prst="rect">
+            <a:avLst/>
+          </a:prstGeom>
+          <a:noFill/>
+        </p:spPr>
+        <p:txBody>
+          <a:bodyPr wrap="square" rtlCol="0">
+            <a:spAutoFit/>
+          </a:bodyPr>
+          <a:lstStyle/>
+          <a:p>
+            <a:r>
+              <a:rPr lang="en-SG" sz="900" dirty="0" err="1">
+                <a:solidFill>
+                  <a:srgbClr val="002060"/>
+                </a:solidFill>
+              </a:rPr>
+              <a:t>Jumphost</a:t>
+            </a:r>
+            <a:r>
+              <a:rPr lang="en-SG" sz="900" dirty="0">
+                <a:solidFill>
+                  <a:srgbClr val="002060"/>
+                </a:solidFill>
+              </a:rPr>
+              <a:t> N</a:t>
+            </a:r>
+          </a:p>
+        </p:txBody>
+      </p:sp>
+      <p:sp>
+        <p:nvSpPr>
+          <p:cNvPr id="40" name="TextBox 39">
+            <a:extLst>
+              <a:ext uri="{FF2B5EF4-FFF2-40B4-BE49-F238E27FC236}">
+                <a16:creationId xmlns:a16="http://schemas.microsoft.com/office/drawing/2014/main" id="{3852DA1E-55C1-1C6F-2EE8-D902F312D28E}"/>
+              </a:ext>
+            </a:extLst>
+          </p:cNvPr>
+          <p:cNvSpPr txBox="1"/>
+          <p:nvPr/>
+        </p:nvSpPr>
+        <p:spPr>
+          <a:xfrm>
+            <a:off x="4605859" y="5282236"/>
+            <a:ext cx="1890206" cy="230832"/>
+          </a:xfrm>
+          <a:prstGeom prst="rect">
+            <a:avLst/>
+          </a:prstGeom>
+          <a:noFill/>
+        </p:spPr>
+        <p:txBody>
+          <a:bodyPr wrap="square" rtlCol="0">
+            <a:spAutoFit/>
+          </a:bodyPr>
+          <a:lstStyle/>
+          <a:p>
+            <a:r>
+              <a:rPr lang="en-US" sz="900" dirty="0">
+                <a:solidFill>
+                  <a:srgbClr val="002060"/>
+                </a:solidFill>
+              </a:rPr>
+              <a:t>RemoteWebHost-3: 80</a:t>
+            </a:r>
+            <a:endParaRPr lang="en-SG" sz="900" dirty="0">
+              <a:solidFill>
+                <a:srgbClr val="002060"/>
+              </a:solidFill>
+            </a:endParaRPr>
+          </a:p>
+        </p:txBody>
+      </p:sp>
+      <p:sp>
+        <p:nvSpPr>
+          <p:cNvPr id="41" name="TextBox 40">
+            <a:extLst>
+              <a:ext uri="{FF2B5EF4-FFF2-40B4-BE49-F238E27FC236}">
+                <a16:creationId xmlns:a16="http://schemas.microsoft.com/office/drawing/2014/main" id="{30CAC46D-2EA5-650B-D679-EFB4A3234D48}"/>
+              </a:ext>
+            </a:extLst>
+          </p:cNvPr>
+          <p:cNvSpPr txBox="1"/>
+          <p:nvPr/>
+        </p:nvSpPr>
+        <p:spPr>
+          <a:xfrm>
+            <a:off x="4624978" y="5755083"/>
+            <a:ext cx="1890206" cy="230832"/>
+          </a:xfrm>
+          <a:prstGeom prst="rect">
+            <a:avLst/>
+          </a:prstGeom>
+          <a:noFill/>
+        </p:spPr>
+        <p:txBody>
+          <a:bodyPr wrap="square" rtlCol="0">
+            <a:spAutoFit/>
+          </a:bodyPr>
+          <a:lstStyle/>
+          <a:p>
+            <a:r>
+              <a:rPr lang="en-US" sz="900" dirty="0" err="1">
+                <a:solidFill>
+                  <a:srgbClr val="002060"/>
+                </a:solidFill>
+              </a:rPr>
+              <a:t>ServerIPMIweb</a:t>
+            </a:r>
+            <a:r>
+              <a:rPr lang="en-US" sz="900" dirty="0">
+                <a:solidFill>
+                  <a:srgbClr val="002060"/>
+                </a:solidFill>
+              </a:rPr>
+              <a:t>: 623</a:t>
+            </a:r>
+            <a:endParaRPr lang="en-SG" sz="900" dirty="0">
+              <a:solidFill>
+                <a:srgbClr val="002060"/>
+              </a:solidFill>
+            </a:endParaRPr>
+          </a:p>
+        </p:txBody>
+      </p:sp>
+      <p:sp>
+        <p:nvSpPr>
+          <p:cNvPr id="42" name="TextBox 41">
+            <a:extLst>
+              <a:ext uri="{FF2B5EF4-FFF2-40B4-BE49-F238E27FC236}">
+                <a16:creationId xmlns:a16="http://schemas.microsoft.com/office/drawing/2014/main" id="{9610BCC2-16FA-ED24-3A21-478925D0DCE8}"/>
+              </a:ext>
+            </a:extLst>
+          </p:cNvPr>
+          <p:cNvSpPr txBox="1"/>
+          <p:nvPr/>
+        </p:nvSpPr>
+        <p:spPr>
+          <a:xfrm>
+            <a:off x="3207138" y="5755083"/>
+            <a:ext cx="802249" cy="230832"/>
+          </a:xfrm>
+          <a:prstGeom prst="rect">
+            <a:avLst/>
+          </a:prstGeom>
+          <a:noFill/>
+        </p:spPr>
+        <p:txBody>
+          <a:bodyPr wrap="square" rtlCol="0">
+            <a:spAutoFit/>
+          </a:bodyPr>
+          <a:lstStyle/>
+          <a:p>
+            <a:r>
+              <a:rPr lang="en-SG" sz="900" dirty="0" err="1">
+                <a:solidFill>
+                  <a:srgbClr val="002060"/>
+                </a:solidFill>
+              </a:rPr>
+              <a:t>jumphostN</a:t>
+            </a:r>
+            <a:endParaRPr lang="en-SG" sz="900" dirty="0">
+              <a:solidFill>
+                <a:srgbClr val="002060"/>
+              </a:solidFill>
+            </a:endParaRPr>
+          </a:p>
+        </p:txBody>
+      </p:sp>
+      <p:sp>
+        <p:nvSpPr>
+          <p:cNvPr id="43" name="TextBox 42">
+            <a:extLst>
+              <a:ext uri="{FF2B5EF4-FFF2-40B4-BE49-F238E27FC236}">
+                <a16:creationId xmlns:a16="http://schemas.microsoft.com/office/drawing/2014/main" id="{83B94470-B3BD-41EC-FE07-C3FE967370A5}"/>
+              </a:ext>
+            </a:extLst>
+          </p:cNvPr>
+          <p:cNvSpPr txBox="1"/>
+          <p:nvPr/>
+        </p:nvSpPr>
+        <p:spPr>
+          <a:xfrm>
+            <a:off x="1947198" y="6288540"/>
+            <a:ext cx="1890206" cy="230832"/>
+          </a:xfrm>
+          <a:prstGeom prst="rect">
+            <a:avLst/>
+          </a:prstGeom>
+          <a:noFill/>
+        </p:spPr>
+        <p:txBody>
+          <a:bodyPr wrap="square" rtlCol="0">
+            <a:spAutoFit/>
+          </a:bodyPr>
+          <a:lstStyle/>
+          <a:p>
+            <a:r>
+              <a:rPr lang="en-US" sz="900" dirty="0">
+                <a:solidFill>
+                  <a:srgbClr val="002060"/>
+                </a:solidFill>
+              </a:rPr>
+              <a:t>RemoteWebHost-1: 443</a:t>
+            </a:r>
+            <a:endParaRPr lang="en-SG" sz="900" dirty="0">
+              <a:solidFill>
+                <a:srgbClr val="002060"/>
+              </a:solidFill>
+            </a:endParaRPr>
+          </a:p>
+        </p:txBody>
+      </p:sp>
+      <p:sp>
+        <p:nvSpPr>
+          <p:cNvPr id="44" name="TextBox 43">
+            <a:extLst>
+              <a:ext uri="{FF2B5EF4-FFF2-40B4-BE49-F238E27FC236}">
+                <a16:creationId xmlns:a16="http://schemas.microsoft.com/office/drawing/2014/main" id="{5130EB6D-D4FC-2746-8FDC-9285E532C082}"/>
+              </a:ext>
+            </a:extLst>
+          </p:cNvPr>
+          <p:cNvSpPr txBox="1"/>
+          <p:nvPr/>
+        </p:nvSpPr>
+        <p:spPr>
+          <a:xfrm>
+            <a:off x="3725295" y="6448472"/>
+            <a:ext cx="1890206" cy="230832"/>
+          </a:xfrm>
+          <a:prstGeom prst="rect">
+            <a:avLst/>
+          </a:prstGeom>
+          <a:noFill/>
+        </p:spPr>
+        <p:txBody>
+          <a:bodyPr wrap="square" rtlCol="0">
+            <a:spAutoFit/>
+          </a:bodyPr>
+          <a:lstStyle/>
+          <a:p>
+            <a:r>
+              <a:rPr lang="en-US" sz="900" dirty="0">
+                <a:solidFill>
+                  <a:srgbClr val="002060"/>
+                </a:solidFill>
+              </a:rPr>
+              <a:t>RemoteWebHost-2: 8080</a:t>
+            </a:r>
+            <a:endParaRPr lang="en-SG" sz="900" dirty="0">
+              <a:solidFill>
+                <a:srgbClr val="002060"/>
+              </a:solidFill>
+            </a:endParaRPr>
+          </a:p>
+        </p:txBody>
+      </p:sp>
+      <p:sp>
+        <p:nvSpPr>
+          <p:cNvPr id="45" name="TextBox 44">
+            <a:extLst>
+              <a:ext uri="{FF2B5EF4-FFF2-40B4-BE49-F238E27FC236}">
+                <a16:creationId xmlns:a16="http://schemas.microsoft.com/office/drawing/2014/main" id="{3EBAD0EF-51BA-C523-F4E4-6E6F33E64D55}"/>
+              </a:ext>
+            </a:extLst>
+          </p:cNvPr>
+          <p:cNvSpPr txBox="1"/>
+          <p:nvPr/>
+        </p:nvSpPr>
+        <p:spPr>
+          <a:xfrm>
+            <a:off x="324379" y="4467360"/>
+            <a:ext cx="2901331" cy="646331"/>
+          </a:xfrm>
+          <a:prstGeom prst="rect">
+            <a:avLst/>
+          </a:prstGeom>
+          <a:noFill/>
+        </p:spPr>
+        <p:txBody>
+          <a:bodyPr wrap="square" rtlCol="0">
+            <a:spAutoFit/>
+          </a:bodyPr>
+          <a:lstStyle/>
+          <a:p>
+            <a:r>
+              <a:rPr lang="en-US" sz="900" dirty="0">
+                <a:solidFill>
+                  <a:srgbClr val="002060"/>
+                </a:solidFill>
+              </a:rPr>
+              <a:t>http:// 127.0.0.1:8080  &lt;= … =&gt; RemoteWebHost-3: 80</a:t>
+            </a:r>
+          </a:p>
+          <a:p>
+            <a:r>
+              <a:rPr lang="en-US" sz="900" dirty="0">
+                <a:solidFill>
+                  <a:srgbClr val="002060"/>
+                </a:solidFill>
+              </a:rPr>
+              <a:t>https:// 127.0.0.1:8081  &lt;= … =&gt; RemoteWebHost-1: 443</a:t>
+            </a:r>
+          </a:p>
+          <a:p>
+            <a:r>
+              <a:rPr lang="en-US" sz="900" dirty="0">
+                <a:solidFill>
+                  <a:srgbClr val="002060"/>
+                </a:solidFill>
+              </a:rPr>
+              <a:t>http:// 127.0.0.1:8082  &lt;= … =&gt; RemoteWebHost-3: 8080</a:t>
+            </a:r>
+          </a:p>
+          <a:p>
+            <a:r>
+              <a:rPr lang="en-US" sz="900" dirty="0">
+                <a:solidFill>
+                  <a:srgbClr val="002060"/>
+                </a:solidFill>
+              </a:rPr>
+              <a:t>https:// 127.0.0.1:8083  &lt;= … =&gt; RemoteWebHost-3: 623</a:t>
+            </a:r>
+          </a:p>
+        </p:txBody>
+      </p:sp>
+      <p:sp>
+        <p:nvSpPr>
+          <p:cNvPr id="46" name="TextBox 45">
+            <a:extLst>
+              <a:ext uri="{FF2B5EF4-FFF2-40B4-BE49-F238E27FC236}">
+                <a16:creationId xmlns:a16="http://schemas.microsoft.com/office/drawing/2014/main" id="{61C2EDF5-262D-D533-B96D-916BC15F32C3}"/>
+              </a:ext>
+            </a:extLst>
+          </p:cNvPr>
+          <p:cNvSpPr txBox="1"/>
+          <p:nvPr/>
+        </p:nvSpPr>
+        <p:spPr>
+          <a:xfrm>
+            <a:off x="972508" y="5589743"/>
+            <a:ext cx="802249" cy="230832"/>
+          </a:xfrm>
+          <a:prstGeom prst="rect">
+            <a:avLst/>
+          </a:prstGeom>
+          <a:noFill/>
+        </p:spPr>
+        <p:txBody>
+          <a:bodyPr wrap="square" rtlCol="0">
+            <a:spAutoFit/>
+          </a:bodyPr>
+          <a:lstStyle/>
+          <a:p>
+            <a:r>
+              <a:rPr lang="en-US" sz="900" dirty="0" err="1">
+                <a:solidFill>
+                  <a:srgbClr val="002060"/>
+                </a:solidFill>
+              </a:rPr>
+              <a:t>ssh</a:t>
+            </a:r>
+            <a:endParaRPr lang="en-SG" sz="900" dirty="0">
+              <a:solidFill>
+                <a:srgbClr val="002060"/>
+              </a:solidFill>
+            </a:endParaRPr>
+          </a:p>
+        </p:txBody>
+      </p:sp>
+      <p:cxnSp>
+        <p:nvCxnSpPr>
+          <p:cNvPr id="48" name="Straight Connector 47">
+            <a:extLst>
+              <a:ext uri="{FF2B5EF4-FFF2-40B4-BE49-F238E27FC236}">
+                <a16:creationId xmlns:a16="http://schemas.microsoft.com/office/drawing/2014/main" id="{A3DE38F6-BD6F-2189-4C8B-6EF2661A6003}"/>
+              </a:ext>
+            </a:extLst>
+          </p:cNvPr>
+          <p:cNvCxnSpPr>
+            <a:cxnSpLocks/>
+          </p:cNvCxnSpPr>
+          <p:nvPr/>
+        </p:nvCxnSpPr>
+        <p:spPr>
+          <a:xfrm>
+            <a:off x="1456422" y="5121765"/>
+            <a:ext cx="0" cy="1144244"/>
+          </a:xfrm>
+          <a:prstGeom prst="line">
+            <a:avLst/>
+          </a:prstGeom>
+          <a:ln>
+            <a:solidFill>
+              <a:srgbClr val="FF0000"/>
+            </a:solidFill>
+          </a:ln>
+        </p:spPr>
+        <p:style>
+          <a:lnRef idx="1">
+            <a:schemeClr val="accent1"/>
+          </a:lnRef>
+          <a:fillRef idx="0">
+            <a:schemeClr val="accent1"/>
+          </a:fillRef>
+          <a:effectRef idx="0">
+            <a:schemeClr val="accent1"/>
+          </a:effectRef>
+          <a:fontRef idx="minor">
+            <a:schemeClr val="tx1"/>
+          </a:fontRef>
+        </p:style>
+      </p:cxnSp>
+      <p:sp>
+        <p:nvSpPr>
+          <p:cNvPr id="51" name="TextBox 50">
+            <a:extLst>
+              <a:ext uri="{FF2B5EF4-FFF2-40B4-BE49-F238E27FC236}">
+                <a16:creationId xmlns:a16="http://schemas.microsoft.com/office/drawing/2014/main" id="{05951C27-10C8-2932-DBCA-70D3C2683154}"/>
+              </a:ext>
+            </a:extLst>
+          </p:cNvPr>
+          <p:cNvSpPr txBox="1"/>
+          <p:nvPr/>
+        </p:nvSpPr>
+        <p:spPr>
+          <a:xfrm>
+            <a:off x="690254" y="6295684"/>
+            <a:ext cx="1256944" cy="369332"/>
+          </a:xfrm>
+          <a:prstGeom prst="rect">
+            <a:avLst/>
+          </a:prstGeom>
+          <a:noFill/>
+        </p:spPr>
+        <p:txBody>
+          <a:bodyPr wrap="square" rtlCol="0">
+            <a:spAutoFit/>
+          </a:bodyPr>
+          <a:lstStyle/>
+          <a:p>
+            <a:r>
+              <a:rPr lang="en-US" sz="900" b="1" dirty="0">
+                <a:solidFill>
+                  <a:srgbClr val="FF0000"/>
+                </a:solidFill>
+                <a:effectLst/>
+              </a:rPr>
+              <a:t>FIREWALL (only port 22 is open</a:t>
+            </a:r>
+            <a:r>
+              <a:rPr lang="en-US" sz="900" b="0" dirty="0">
+                <a:solidFill>
+                  <a:srgbClr val="FF0000"/>
+                </a:solidFill>
+                <a:effectLst/>
+              </a:rPr>
+              <a:t>)</a:t>
             </a:r>
           </a:p>
         </p:txBody>

--- a/doc/designDoc.pptx
+++ b/doc/designDoc.pptx
@@ -7927,7 +7927,7 @@
                   <a:srgbClr val="002060"/>
                 </a:solidFill>
               </a:rPr>
-              <a:t>RemoteWebHost-1: 443</a:t>
+              <a:t>BMCWebHost-1: 443</a:t>
             </a:r>
             <a:endParaRPr lang="en-SG" sz="900" dirty="0">
               <a:solidFill>

--- a/doc/designDoc.pptx
+++ b/doc/designDoc.pptx
@@ -7,6 +7,7 @@
   <p:sldIdLst>
     <p:sldId id="256" r:id="rId2"/>
     <p:sldId id="257" r:id="rId3"/>
+    <p:sldId id="258" r:id="rId4"/>
   </p:sldIdLst>
   <p:sldSz cx="12192000" cy="6858000"/>
   <p:notesSz cx="6858000" cy="9144000"/>
@@ -262,7 +263,7 @@
           <a:p>
             <a:fld id="{21CF26C0-3F45-4AEC-B024-E55C3E18A278}" type="datetimeFigureOut">
               <a:rPr lang="en-SG" smtClean="0"/>
-              <a:t>9/8/2022</a:t>
+              <a:t>26/6/2023</a:t>
             </a:fld>
             <a:endParaRPr lang="en-SG"/>
           </a:p>
@@ -462,7 +463,7 @@
           <a:p>
             <a:fld id="{21CF26C0-3F45-4AEC-B024-E55C3E18A278}" type="datetimeFigureOut">
               <a:rPr lang="en-SG" smtClean="0"/>
-              <a:t>9/8/2022</a:t>
+              <a:t>26/6/2023</a:t>
             </a:fld>
             <a:endParaRPr lang="en-SG"/>
           </a:p>
@@ -672,7 +673,7 @@
           <a:p>
             <a:fld id="{21CF26C0-3F45-4AEC-B024-E55C3E18A278}" type="datetimeFigureOut">
               <a:rPr lang="en-SG" smtClean="0"/>
-              <a:t>9/8/2022</a:t>
+              <a:t>26/6/2023</a:t>
             </a:fld>
             <a:endParaRPr lang="en-SG"/>
           </a:p>
@@ -872,7 +873,7 @@
           <a:p>
             <a:fld id="{21CF26C0-3F45-4AEC-B024-E55C3E18A278}" type="datetimeFigureOut">
               <a:rPr lang="en-SG" smtClean="0"/>
-              <a:t>9/8/2022</a:t>
+              <a:t>26/6/2023</a:t>
             </a:fld>
             <a:endParaRPr lang="en-SG"/>
           </a:p>
@@ -1148,7 +1149,7 @@
           <a:p>
             <a:fld id="{21CF26C0-3F45-4AEC-B024-E55C3E18A278}" type="datetimeFigureOut">
               <a:rPr lang="en-SG" smtClean="0"/>
-              <a:t>9/8/2022</a:t>
+              <a:t>26/6/2023</a:t>
             </a:fld>
             <a:endParaRPr lang="en-SG"/>
           </a:p>
@@ -1416,7 +1417,7 @@
           <a:p>
             <a:fld id="{21CF26C0-3F45-4AEC-B024-E55C3E18A278}" type="datetimeFigureOut">
               <a:rPr lang="en-SG" smtClean="0"/>
-              <a:t>9/8/2022</a:t>
+              <a:t>26/6/2023</a:t>
             </a:fld>
             <a:endParaRPr lang="en-SG"/>
           </a:p>
@@ -1831,7 +1832,7 @@
           <a:p>
             <a:fld id="{21CF26C0-3F45-4AEC-B024-E55C3E18A278}" type="datetimeFigureOut">
               <a:rPr lang="en-SG" smtClean="0"/>
-              <a:t>9/8/2022</a:t>
+              <a:t>26/6/2023</a:t>
             </a:fld>
             <a:endParaRPr lang="en-SG"/>
           </a:p>
@@ -1973,7 +1974,7 @@
           <a:p>
             <a:fld id="{21CF26C0-3F45-4AEC-B024-E55C3E18A278}" type="datetimeFigureOut">
               <a:rPr lang="en-SG" smtClean="0"/>
-              <a:t>9/8/2022</a:t>
+              <a:t>26/6/2023</a:t>
             </a:fld>
             <a:endParaRPr lang="en-SG"/>
           </a:p>
@@ -2086,7 +2087,7 @@
           <a:p>
             <a:fld id="{21CF26C0-3F45-4AEC-B024-E55C3E18A278}" type="datetimeFigureOut">
               <a:rPr lang="en-SG" smtClean="0"/>
-              <a:t>9/8/2022</a:t>
+              <a:t>26/6/2023</a:t>
             </a:fld>
             <a:endParaRPr lang="en-SG"/>
           </a:p>
@@ -2399,7 +2400,7 @@
           <a:p>
             <a:fld id="{21CF26C0-3F45-4AEC-B024-E55C3E18A278}" type="datetimeFigureOut">
               <a:rPr lang="en-SG" smtClean="0"/>
-              <a:t>9/8/2022</a:t>
+              <a:t>26/6/2023</a:t>
             </a:fld>
             <a:endParaRPr lang="en-SG"/>
           </a:p>
@@ -2688,7 +2689,7 @@
           <a:p>
             <a:fld id="{21CF26C0-3F45-4AEC-B024-E55C3E18A278}" type="datetimeFigureOut">
               <a:rPr lang="en-SG" smtClean="0"/>
-              <a:t>9/8/2022</a:t>
+              <a:t>26/6/2023</a:t>
             </a:fld>
             <a:endParaRPr lang="en-SG"/>
           </a:p>
@@ -2931,7 +2932,7 @@
           <a:p>
             <a:fld id="{21CF26C0-3F45-4AEC-B024-E55C3E18A278}" type="datetimeFigureOut">
               <a:rPr lang="en-SG" smtClean="0"/>
-              <a:t>9/8/2022</a:t>
+              <a:t>26/6/2023</a:t>
             </a:fld>
             <a:endParaRPr lang="en-SG"/>
           </a:p>
@@ -11398,6 +11399,1724 @@
 </p:sld>
 </file>
 
+<file path=ppt/slides/slide3.xml><?xml version="1.0" encoding="utf-8"?>
+<p:sld xmlns:a="http://schemas.openxmlformats.org/drawingml/2006/main" xmlns:r="http://schemas.openxmlformats.org/officeDocument/2006/relationships" xmlns:p="http://schemas.openxmlformats.org/presentationml/2006/main">
+  <p:cSld>
+    <p:spTree>
+      <p:nvGrpSpPr>
+        <p:cNvPr id="1" name=""/>
+        <p:cNvGrpSpPr/>
+        <p:nvPr/>
+      </p:nvGrpSpPr>
+      <p:grpSpPr>
+        <a:xfrm>
+          <a:off x="0" y="0"/>
+          <a:ext cx="0" cy="0"/>
+          <a:chOff x="0" y="0"/>
+          <a:chExt cx="0" cy="0"/>
+        </a:xfrm>
+      </p:grpSpPr>
+      <p:sp>
+        <p:nvSpPr>
+          <p:cNvPr id="32" name="Rectangle 31">
+            <a:extLst>
+              <a:ext uri="{FF2B5EF4-FFF2-40B4-BE49-F238E27FC236}">
+                <a16:creationId xmlns:a16="http://schemas.microsoft.com/office/drawing/2014/main" id="{1E269692-D51F-4FB5-809C-B1CF596CF5C4}"/>
+              </a:ext>
+            </a:extLst>
+          </p:cNvPr>
+          <p:cNvSpPr/>
+          <p:nvPr/>
+        </p:nvSpPr>
+        <p:spPr>
+          <a:xfrm>
+            <a:off x="7836487" y="1831867"/>
+            <a:ext cx="881727" cy="815723"/>
+          </a:xfrm>
+          <a:prstGeom prst="rect">
+            <a:avLst/>
+          </a:prstGeom>
+          <a:ln>
+            <a:solidFill>
+              <a:srgbClr val="0070C0"/>
+            </a:solidFill>
+            <a:prstDash val="dash"/>
+          </a:ln>
+        </p:spPr>
+        <p:style>
+          <a:lnRef idx="2">
+            <a:schemeClr val="accent6"/>
+          </a:lnRef>
+          <a:fillRef idx="1">
+            <a:schemeClr val="lt1"/>
+          </a:fillRef>
+          <a:effectRef idx="0">
+            <a:schemeClr val="accent6"/>
+          </a:effectRef>
+          <a:fontRef idx="minor">
+            <a:schemeClr val="dk1"/>
+          </a:fontRef>
+        </p:style>
+        <p:txBody>
+          <a:bodyPr rtlCol="0" anchor="ctr"/>
+          <a:lstStyle/>
+          <a:p>
+            <a:pPr algn="ctr"/>
+            <a:endParaRPr lang="en-SG" dirty="0"/>
+          </a:p>
+        </p:txBody>
+      </p:sp>
+      <p:sp>
+        <p:nvSpPr>
+          <p:cNvPr id="4" name="TextBox 3">
+            <a:extLst>
+              <a:ext uri="{FF2B5EF4-FFF2-40B4-BE49-F238E27FC236}">
+                <a16:creationId xmlns:a16="http://schemas.microsoft.com/office/drawing/2014/main" id="{110CB7E1-58EE-E973-B907-3DE916B15C94}"/>
+              </a:ext>
+            </a:extLst>
+          </p:cNvPr>
+          <p:cNvSpPr txBox="1"/>
+          <p:nvPr/>
+        </p:nvSpPr>
+        <p:spPr>
+          <a:xfrm>
+            <a:off x="1664496" y="1777556"/>
+            <a:ext cx="822672" cy="246221"/>
+          </a:xfrm>
+          <a:prstGeom prst="rect">
+            <a:avLst/>
+          </a:prstGeom>
+          <a:noFill/>
+          <a:ln w="12700">
+            <a:solidFill>
+              <a:schemeClr val="tx1"/>
+            </a:solidFill>
+            <a:prstDash val="solid"/>
+          </a:ln>
+        </p:spPr>
+        <p:txBody>
+          <a:bodyPr wrap="square" rtlCol="0">
+            <a:spAutoFit/>
+          </a:bodyPr>
+          <a:lstStyle/>
+          <a:p>
+            <a:r>
+              <a:rPr lang="en-SG" sz="1000" b="1" dirty="0"/>
+              <a:t>Load tester</a:t>
+            </a:r>
+          </a:p>
+        </p:txBody>
+      </p:sp>
+      <p:cxnSp>
+        <p:nvCxnSpPr>
+          <p:cNvPr id="5" name="Straight Arrow Connector 4">
+            <a:extLst>
+              <a:ext uri="{FF2B5EF4-FFF2-40B4-BE49-F238E27FC236}">
+                <a16:creationId xmlns:a16="http://schemas.microsoft.com/office/drawing/2014/main" id="{E7BD9D0F-D208-D29C-0084-CB69576BD2B7}"/>
+              </a:ext>
+            </a:extLst>
+          </p:cNvPr>
+          <p:cNvCxnSpPr>
+            <a:cxnSpLocks/>
+          </p:cNvCxnSpPr>
+          <p:nvPr/>
+        </p:nvCxnSpPr>
+        <p:spPr>
+          <a:xfrm>
+            <a:off x="2487168" y="1900666"/>
+            <a:ext cx="429768" cy="0"/>
+          </a:xfrm>
+          <a:prstGeom prst="straightConnector1">
+            <a:avLst/>
+          </a:prstGeom>
+          <a:ln w="19050">
+            <a:tailEnd type="triangle"/>
+          </a:ln>
+        </p:spPr>
+        <p:style>
+          <a:lnRef idx="1">
+            <a:schemeClr val="accent1"/>
+          </a:lnRef>
+          <a:fillRef idx="0">
+            <a:schemeClr val="accent1"/>
+          </a:fillRef>
+          <a:effectRef idx="0">
+            <a:schemeClr val="accent1"/>
+          </a:effectRef>
+          <a:fontRef idx="minor">
+            <a:schemeClr val="tx1"/>
+          </a:fontRef>
+        </p:style>
+      </p:cxnSp>
+      <p:sp>
+        <p:nvSpPr>
+          <p:cNvPr id="7" name="TextBox 6">
+            <a:extLst>
+              <a:ext uri="{FF2B5EF4-FFF2-40B4-BE49-F238E27FC236}">
+                <a16:creationId xmlns:a16="http://schemas.microsoft.com/office/drawing/2014/main" id="{30E24429-7323-492F-8B57-1568C6322CD7}"/>
+              </a:ext>
+            </a:extLst>
+          </p:cNvPr>
+          <p:cNvSpPr txBox="1"/>
+          <p:nvPr/>
+        </p:nvSpPr>
+        <p:spPr>
+          <a:xfrm>
+            <a:off x="2916936" y="1777555"/>
+            <a:ext cx="822672" cy="246221"/>
+          </a:xfrm>
+          <a:prstGeom prst="rect">
+            <a:avLst/>
+          </a:prstGeom>
+          <a:noFill/>
+          <a:ln w="12700">
+            <a:solidFill>
+              <a:schemeClr val="tx1"/>
+            </a:solidFill>
+            <a:prstDash val="solid"/>
+          </a:ln>
+        </p:spPr>
+        <p:txBody>
+          <a:bodyPr wrap="square" rtlCol="0">
+            <a:spAutoFit/>
+          </a:bodyPr>
+          <a:lstStyle/>
+          <a:p>
+            <a:r>
+              <a:rPr lang="en-SG" sz="1000" b="1" dirty="0"/>
+              <a:t>Team tester</a:t>
+            </a:r>
+          </a:p>
+        </p:txBody>
+      </p:sp>
+      <p:cxnSp>
+        <p:nvCxnSpPr>
+          <p:cNvPr id="8" name="Straight Arrow Connector 7">
+            <a:extLst>
+              <a:ext uri="{FF2B5EF4-FFF2-40B4-BE49-F238E27FC236}">
+                <a16:creationId xmlns:a16="http://schemas.microsoft.com/office/drawing/2014/main" id="{DFA65867-A8F7-1C88-FC56-CFA87A3EC520}"/>
+              </a:ext>
+            </a:extLst>
+          </p:cNvPr>
+          <p:cNvCxnSpPr>
+            <a:cxnSpLocks/>
+          </p:cNvCxnSpPr>
+          <p:nvPr/>
+        </p:nvCxnSpPr>
+        <p:spPr>
+          <a:xfrm>
+            <a:off x="2487168" y="1900665"/>
+            <a:ext cx="429768" cy="540783"/>
+          </a:xfrm>
+          <a:prstGeom prst="straightConnector1">
+            <a:avLst/>
+          </a:prstGeom>
+          <a:ln w="19050">
+            <a:tailEnd type="triangle"/>
+          </a:ln>
+        </p:spPr>
+        <p:style>
+          <a:lnRef idx="1">
+            <a:schemeClr val="accent1"/>
+          </a:lnRef>
+          <a:fillRef idx="0">
+            <a:schemeClr val="accent1"/>
+          </a:fillRef>
+          <a:effectRef idx="0">
+            <a:schemeClr val="accent1"/>
+          </a:effectRef>
+          <a:fontRef idx="minor">
+            <a:schemeClr val="tx1"/>
+          </a:fontRef>
+        </p:style>
+      </p:cxnSp>
+      <p:sp>
+        <p:nvSpPr>
+          <p:cNvPr id="11" name="TextBox 10">
+            <a:extLst>
+              <a:ext uri="{FF2B5EF4-FFF2-40B4-BE49-F238E27FC236}">
+                <a16:creationId xmlns:a16="http://schemas.microsoft.com/office/drawing/2014/main" id="{181A3E75-3E46-4C83-EEF7-84B565958FD0}"/>
+              </a:ext>
+            </a:extLst>
+          </p:cNvPr>
+          <p:cNvSpPr txBox="1"/>
+          <p:nvPr/>
+        </p:nvSpPr>
+        <p:spPr>
+          <a:xfrm>
+            <a:off x="2916936" y="2271331"/>
+            <a:ext cx="822672" cy="246221"/>
+          </a:xfrm>
+          <a:prstGeom prst="rect">
+            <a:avLst/>
+          </a:prstGeom>
+          <a:noFill/>
+          <a:ln w="12700">
+            <a:solidFill>
+              <a:schemeClr val="tx1"/>
+            </a:solidFill>
+            <a:prstDash val="solid"/>
+          </a:ln>
+        </p:spPr>
+        <p:txBody>
+          <a:bodyPr wrap="square" rtlCol="0">
+            <a:spAutoFit/>
+          </a:bodyPr>
+          <a:lstStyle/>
+          <a:p>
+            <a:r>
+              <a:rPr lang="en-SG" sz="1000" b="1" dirty="0"/>
+              <a:t>Team tester</a:t>
+            </a:r>
+          </a:p>
+        </p:txBody>
+      </p:sp>
+      <p:sp>
+        <p:nvSpPr>
+          <p:cNvPr id="12" name="TextBox 11">
+            <a:extLst>
+              <a:ext uri="{FF2B5EF4-FFF2-40B4-BE49-F238E27FC236}">
+                <a16:creationId xmlns:a16="http://schemas.microsoft.com/office/drawing/2014/main" id="{6C70A98F-D138-5F2D-278D-295BF45963C9}"/>
+              </a:ext>
+            </a:extLst>
+          </p:cNvPr>
+          <p:cNvSpPr txBox="1"/>
+          <p:nvPr/>
+        </p:nvSpPr>
+        <p:spPr>
+          <a:xfrm>
+            <a:off x="3128741" y="1926312"/>
+            <a:ext cx="362198" cy="369332"/>
+          </a:xfrm>
+          <a:prstGeom prst="rect">
+            <a:avLst/>
+          </a:prstGeom>
+          <a:noFill/>
+        </p:spPr>
+        <p:txBody>
+          <a:bodyPr wrap="square" rtlCol="0">
+            <a:spAutoFit/>
+          </a:bodyPr>
+          <a:lstStyle/>
+          <a:p>
+            <a:r>
+              <a:rPr lang="en-US" dirty="0"/>
+              <a:t>…</a:t>
+            </a:r>
+          </a:p>
+        </p:txBody>
+      </p:sp>
+      <p:cxnSp>
+        <p:nvCxnSpPr>
+          <p:cNvPr id="13" name="Straight Arrow Connector 12">
+            <a:extLst>
+              <a:ext uri="{FF2B5EF4-FFF2-40B4-BE49-F238E27FC236}">
+                <a16:creationId xmlns:a16="http://schemas.microsoft.com/office/drawing/2014/main" id="{A43325EE-766A-C24D-6E1E-D449E5FF4C2F}"/>
+              </a:ext>
+            </a:extLst>
+          </p:cNvPr>
+          <p:cNvCxnSpPr>
+            <a:cxnSpLocks/>
+          </p:cNvCxnSpPr>
+          <p:nvPr/>
+        </p:nvCxnSpPr>
+        <p:spPr>
+          <a:xfrm>
+            <a:off x="3739608" y="1921978"/>
+            <a:ext cx="429768" cy="0"/>
+          </a:xfrm>
+          <a:prstGeom prst="straightConnector1">
+            <a:avLst/>
+          </a:prstGeom>
+          <a:ln w="19050">
+            <a:tailEnd type="triangle"/>
+          </a:ln>
+        </p:spPr>
+        <p:style>
+          <a:lnRef idx="1">
+            <a:schemeClr val="accent1"/>
+          </a:lnRef>
+          <a:fillRef idx="0">
+            <a:schemeClr val="accent1"/>
+          </a:fillRef>
+          <a:effectRef idx="0">
+            <a:schemeClr val="accent1"/>
+          </a:effectRef>
+          <a:fontRef idx="minor">
+            <a:schemeClr val="tx1"/>
+          </a:fontRef>
+        </p:style>
+      </p:cxnSp>
+      <p:sp>
+        <p:nvSpPr>
+          <p:cNvPr id="14" name="Rectangle 13">
+            <a:extLst>
+              <a:ext uri="{FF2B5EF4-FFF2-40B4-BE49-F238E27FC236}">
+                <a16:creationId xmlns:a16="http://schemas.microsoft.com/office/drawing/2014/main" id="{26AF511A-514F-6AEC-7720-92AE293E78B2}"/>
+              </a:ext>
+            </a:extLst>
+          </p:cNvPr>
+          <p:cNvSpPr/>
+          <p:nvPr/>
+        </p:nvSpPr>
+        <p:spPr>
+          <a:xfrm>
+            <a:off x="4172938" y="1781173"/>
+            <a:ext cx="1249263" cy="815723"/>
+          </a:xfrm>
+          <a:prstGeom prst="rect">
+            <a:avLst/>
+          </a:prstGeom>
+          <a:ln>
+            <a:solidFill>
+              <a:srgbClr val="0070C0"/>
+            </a:solidFill>
+            <a:prstDash val="dash"/>
+          </a:ln>
+        </p:spPr>
+        <p:style>
+          <a:lnRef idx="2">
+            <a:schemeClr val="accent6"/>
+          </a:lnRef>
+          <a:fillRef idx="1">
+            <a:schemeClr val="lt1"/>
+          </a:fillRef>
+          <a:effectRef idx="0">
+            <a:schemeClr val="accent6"/>
+          </a:effectRef>
+          <a:fontRef idx="minor">
+            <a:schemeClr val="dk1"/>
+          </a:fontRef>
+        </p:style>
+        <p:txBody>
+          <a:bodyPr rtlCol="0" anchor="ctr"/>
+          <a:lstStyle/>
+          <a:p>
+            <a:pPr algn="ctr"/>
+            <a:endParaRPr lang="en-SG" dirty="0"/>
+          </a:p>
+        </p:txBody>
+      </p:sp>
+      <p:sp>
+        <p:nvSpPr>
+          <p:cNvPr id="15" name="TextBox 14">
+            <a:extLst>
+              <a:ext uri="{FF2B5EF4-FFF2-40B4-BE49-F238E27FC236}">
+                <a16:creationId xmlns:a16="http://schemas.microsoft.com/office/drawing/2014/main" id="{19BD4D87-2DE7-88A0-A388-B34F0AC93F39}"/>
+              </a:ext>
+            </a:extLst>
+          </p:cNvPr>
+          <p:cNvSpPr txBox="1"/>
+          <p:nvPr/>
+        </p:nvSpPr>
+        <p:spPr>
+          <a:xfrm>
+            <a:off x="4086890" y="1563960"/>
+            <a:ext cx="988029" cy="230832"/>
+          </a:xfrm>
+          <a:prstGeom prst="rect">
+            <a:avLst/>
+          </a:prstGeom>
+          <a:noFill/>
+        </p:spPr>
+        <p:txBody>
+          <a:bodyPr wrap="square" rtlCol="0">
+            <a:spAutoFit/>
+          </a:bodyPr>
+          <a:lstStyle/>
+          <a:p>
+            <a:r>
+              <a:rPr lang="en-SG" sz="900" dirty="0">
+                <a:solidFill>
+                  <a:srgbClr val="002060"/>
+                </a:solidFill>
+              </a:rPr>
+              <a:t>Threads Pool</a:t>
+            </a:r>
+          </a:p>
+        </p:txBody>
+      </p:sp>
+      <p:sp>
+        <p:nvSpPr>
+          <p:cNvPr id="16" name="TextBox 15">
+            <a:extLst>
+              <a:ext uri="{FF2B5EF4-FFF2-40B4-BE49-F238E27FC236}">
+                <a16:creationId xmlns:a16="http://schemas.microsoft.com/office/drawing/2014/main" id="{FBFAD6E9-8BBA-E80E-2C1A-150AA18A8DB2}"/>
+              </a:ext>
+            </a:extLst>
+          </p:cNvPr>
+          <p:cNvSpPr txBox="1"/>
+          <p:nvPr/>
+        </p:nvSpPr>
+        <p:spPr>
+          <a:xfrm>
+            <a:off x="4313611" y="1864757"/>
+            <a:ext cx="822672" cy="246221"/>
+          </a:xfrm>
+          <a:prstGeom prst="rect">
+            <a:avLst/>
+          </a:prstGeom>
+          <a:noFill/>
+          <a:ln w="12700">
+            <a:solidFill>
+              <a:schemeClr val="tx1"/>
+            </a:solidFill>
+            <a:prstDash val="solid"/>
+          </a:ln>
+        </p:spPr>
+        <p:txBody>
+          <a:bodyPr wrap="square" rtlCol="0">
+            <a:spAutoFit/>
+          </a:bodyPr>
+          <a:lstStyle/>
+          <a:p>
+            <a:r>
+              <a:rPr lang="en-SG" sz="1000" b="1" dirty="0"/>
+              <a:t>User tester</a:t>
+            </a:r>
+          </a:p>
+        </p:txBody>
+      </p:sp>
+      <p:sp>
+        <p:nvSpPr>
+          <p:cNvPr id="18" name="TextBox 17">
+            <a:extLst>
+              <a:ext uri="{FF2B5EF4-FFF2-40B4-BE49-F238E27FC236}">
+                <a16:creationId xmlns:a16="http://schemas.microsoft.com/office/drawing/2014/main" id="{0E22F415-98A3-1780-82B1-33B64E608929}"/>
+              </a:ext>
+            </a:extLst>
+          </p:cNvPr>
+          <p:cNvSpPr txBox="1"/>
+          <p:nvPr/>
+        </p:nvSpPr>
+        <p:spPr>
+          <a:xfrm>
+            <a:off x="4591731" y="1996277"/>
+            <a:ext cx="362198" cy="369332"/>
+          </a:xfrm>
+          <a:prstGeom prst="rect">
+            <a:avLst/>
+          </a:prstGeom>
+          <a:noFill/>
+        </p:spPr>
+        <p:txBody>
+          <a:bodyPr wrap="square" rtlCol="0">
+            <a:spAutoFit/>
+          </a:bodyPr>
+          <a:lstStyle/>
+          <a:p>
+            <a:r>
+              <a:rPr lang="en-US" dirty="0"/>
+              <a:t>…</a:t>
+            </a:r>
+          </a:p>
+        </p:txBody>
+      </p:sp>
+      <p:sp>
+        <p:nvSpPr>
+          <p:cNvPr id="19" name="TextBox 18">
+            <a:extLst>
+              <a:ext uri="{FF2B5EF4-FFF2-40B4-BE49-F238E27FC236}">
+                <a16:creationId xmlns:a16="http://schemas.microsoft.com/office/drawing/2014/main" id="{EC2D86D8-B902-315F-9CDC-48FF61A12BD2}"/>
+              </a:ext>
+            </a:extLst>
+          </p:cNvPr>
+          <p:cNvSpPr txBox="1"/>
+          <p:nvPr/>
+        </p:nvSpPr>
+        <p:spPr>
+          <a:xfrm>
+            <a:off x="4329254" y="2295644"/>
+            <a:ext cx="822672" cy="246221"/>
+          </a:xfrm>
+          <a:prstGeom prst="rect">
+            <a:avLst/>
+          </a:prstGeom>
+          <a:noFill/>
+          <a:ln w="12700">
+            <a:solidFill>
+              <a:schemeClr val="tx1"/>
+            </a:solidFill>
+            <a:prstDash val="solid"/>
+          </a:ln>
+        </p:spPr>
+        <p:txBody>
+          <a:bodyPr wrap="square" rtlCol="0">
+            <a:spAutoFit/>
+          </a:bodyPr>
+          <a:lstStyle/>
+          <a:p>
+            <a:r>
+              <a:rPr lang="en-SG" sz="1000" b="1" dirty="0"/>
+              <a:t>User tester</a:t>
+            </a:r>
+          </a:p>
+        </p:txBody>
+      </p:sp>
+      <p:cxnSp>
+        <p:nvCxnSpPr>
+          <p:cNvPr id="20" name="Straight Arrow Connector 19">
+            <a:extLst>
+              <a:ext uri="{FF2B5EF4-FFF2-40B4-BE49-F238E27FC236}">
+                <a16:creationId xmlns:a16="http://schemas.microsoft.com/office/drawing/2014/main" id="{2043096B-D890-2752-C190-901C3AB1B31F}"/>
+              </a:ext>
+            </a:extLst>
+          </p:cNvPr>
+          <p:cNvCxnSpPr>
+            <a:cxnSpLocks/>
+            <a:stCxn id="16" idx="3"/>
+          </p:cNvCxnSpPr>
+          <p:nvPr/>
+        </p:nvCxnSpPr>
+        <p:spPr>
+          <a:xfrm>
+            <a:off x="5136283" y="1987868"/>
+            <a:ext cx="633581" cy="0"/>
+          </a:xfrm>
+          <a:prstGeom prst="straightConnector1">
+            <a:avLst/>
+          </a:prstGeom>
+          <a:ln w="19050">
+            <a:tailEnd type="triangle"/>
+          </a:ln>
+        </p:spPr>
+        <p:style>
+          <a:lnRef idx="1">
+            <a:schemeClr val="accent1"/>
+          </a:lnRef>
+          <a:fillRef idx="0">
+            <a:schemeClr val="accent1"/>
+          </a:fillRef>
+          <a:effectRef idx="0">
+            <a:schemeClr val="accent1"/>
+          </a:effectRef>
+          <a:fontRef idx="minor">
+            <a:schemeClr val="tx1"/>
+          </a:fontRef>
+        </p:style>
+      </p:cxnSp>
+      <p:pic>
+        <p:nvPicPr>
+          <p:cNvPr id="24" name="Picture 23">
+            <a:extLst>
+              <a:ext uri="{FF2B5EF4-FFF2-40B4-BE49-F238E27FC236}">
+                <a16:creationId xmlns:a16="http://schemas.microsoft.com/office/drawing/2014/main" id="{24CAFC28-D9C1-36E0-3C42-2AC9E59C71D3}"/>
+              </a:ext>
+            </a:extLst>
+          </p:cNvPr>
+          <p:cNvPicPr>
+            <a:picLocks noChangeAspect="1"/>
+          </p:cNvPicPr>
+          <p:nvPr/>
+        </p:nvPicPr>
+        <p:blipFill>
+          <a:blip r:embed="rId2"/>
+          <a:stretch>
+            <a:fillRect/>
+          </a:stretch>
+        </p:blipFill>
+        <p:spPr>
+          <a:xfrm>
+            <a:off x="5840994" y="1892971"/>
+            <a:ext cx="357596" cy="261610"/>
+          </a:xfrm>
+          <a:prstGeom prst="rect">
+            <a:avLst/>
+          </a:prstGeom>
+          <a:ln w="3175">
+            <a:solidFill>
+              <a:schemeClr val="tx1"/>
+            </a:solidFill>
+          </a:ln>
+        </p:spPr>
+      </p:pic>
+      <p:sp>
+        <p:nvSpPr>
+          <p:cNvPr id="25" name="TextBox 24">
+            <a:extLst>
+              <a:ext uri="{FF2B5EF4-FFF2-40B4-BE49-F238E27FC236}">
+                <a16:creationId xmlns:a16="http://schemas.microsoft.com/office/drawing/2014/main" id="{DF6479E3-59C7-C13D-4CE5-7B76A7804D99}"/>
+              </a:ext>
+            </a:extLst>
+          </p:cNvPr>
+          <p:cNvSpPr txBox="1"/>
+          <p:nvPr/>
+        </p:nvSpPr>
+        <p:spPr>
+          <a:xfrm>
+            <a:off x="5617737" y="1613299"/>
+            <a:ext cx="988029" cy="230832"/>
+          </a:xfrm>
+          <a:prstGeom prst="rect">
+            <a:avLst/>
+          </a:prstGeom>
+          <a:noFill/>
+        </p:spPr>
+        <p:txBody>
+          <a:bodyPr wrap="square" rtlCol="0">
+            <a:spAutoFit/>
+          </a:bodyPr>
+          <a:lstStyle/>
+          <a:p>
+            <a:r>
+              <a:rPr lang="en-SG" sz="900" dirty="0">
+                <a:solidFill>
+                  <a:srgbClr val="002060"/>
+                </a:solidFill>
+              </a:rPr>
+              <a:t>NCL gateway</a:t>
+            </a:r>
+          </a:p>
+        </p:txBody>
+      </p:sp>
+      <p:cxnSp>
+        <p:nvCxnSpPr>
+          <p:cNvPr id="26" name="Straight Arrow Connector 25">
+            <a:extLst>
+              <a:ext uri="{FF2B5EF4-FFF2-40B4-BE49-F238E27FC236}">
+                <a16:creationId xmlns:a16="http://schemas.microsoft.com/office/drawing/2014/main" id="{CEDABCB2-2039-0084-AD44-6FCDC3FD3955}"/>
+              </a:ext>
+            </a:extLst>
+          </p:cNvPr>
+          <p:cNvCxnSpPr>
+            <a:cxnSpLocks/>
+          </p:cNvCxnSpPr>
+          <p:nvPr/>
+        </p:nvCxnSpPr>
+        <p:spPr>
+          <a:xfrm>
+            <a:off x="6226022" y="1996277"/>
+            <a:ext cx="633581" cy="0"/>
+          </a:xfrm>
+          <a:prstGeom prst="straightConnector1">
+            <a:avLst/>
+          </a:prstGeom>
+          <a:ln w="19050">
+            <a:tailEnd type="triangle"/>
+          </a:ln>
+        </p:spPr>
+        <p:style>
+          <a:lnRef idx="1">
+            <a:schemeClr val="accent1"/>
+          </a:lnRef>
+          <a:fillRef idx="0">
+            <a:schemeClr val="accent1"/>
+          </a:fillRef>
+          <a:effectRef idx="0">
+            <a:schemeClr val="accent1"/>
+          </a:effectRef>
+          <a:fontRef idx="minor">
+            <a:schemeClr val="tx1"/>
+          </a:fontRef>
+        </p:style>
+      </p:cxnSp>
+      <p:pic>
+        <p:nvPicPr>
+          <p:cNvPr id="28" name="Picture 27">
+            <a:extLst>
+              <a:ext uri="{FF2B5EF4-FFF2-40B4-BE49-F238E27FC236}">
+                <a16:creationId xmlns:a16="http://schemas.microsoft.com/office/drawing/2014/main" id="{800A9A95-9A20-EB84-E763-08FB0E22D9E6}"/>
+              </a:ext>
+            </a:extLst>
+          </p:cNvPr>
+          <p:cNvPicPr>
+            <a:picLocks noChangeAspect="1"/>
+          </p:cNvPicPr>
+          <p:nvPr/>
+        </p:nvPicPr>
+        <p:blipFill>
+          <a:blip r:embed="rId3"/>
+          <a:stretch>
+            <a:fillRect/>
+          </a:stretch>
+        </p:blipFill>
+        <p:spPr>
+          <a:xfrm>
+            <a:off x="6954150" y="1857066"/>
+            <a:ext cx="471234" cy="333420"/>
+          </a:xfrm>
+          <a:prstGeom prst="rect">
+            <a:avLst/>
+          </a:prstGeom>
+        </p:spPr>
+      </p:pic>
+      <p:sp>
+        <p:nvSpPr>
+          <p:cNvPr id="29" name="TextBox 28">
+            <a:extLst>
+              <a:ext uri="{FF2B5EF4-FFF2-40B4-BE49-F238E27FC236}">
+                <a16:creationId xmlns:a16="http://schemas.microsoft.com/office/drawing/2014/main" id="{19A15163-75CF-D937-B9AE-AB26231E3DF9}"/>
+              </a:ext>
+            </a:extLst>
+          </p:cNvPr>
+          <p:cNvSpPr txBox="1"/>
+          <p:nvPr/>
+        </p:nvSpPr>
+        <p:spPr>
+          <a:xfrm>
+            <a:off x="6742156" y="1601815"/>
+            <a:ext cx="988029" cy="230832"/>
+          </a:xfrm>
+          <a:prstGeom prst="rect">
+            <a:avLst/>
+          </a:prstGeom>
+          <a:noFill/>
+        </p:spPr>
+        <p:txBody>
+          <a:bodyPr wrap="square" rtlCol="0">
+            <a:spAutoFit/>
+          </a:bodyPr>
+          <a:lstStyle/>
+          <a:p>
+            <a:r>
+              <a:rPr lang="en-SG" sz="900" dirty="0">
+                <a:solidFill>
+                  <a:srgbClr val="002060"/>
+                </a:solidFill>
+              </a:rPr>
+              <a:t>NCL firewall</a:t>
+            </a:r>
+          </a:p>
+        </p:txBody>
+      </p:sp>
+      <p:cxnSp>
+        <p:nvCxnSpPr>
+          <p:cNvPr id="30" name="Straight Arrow Connector 29">
+            <a:extLst>
+              <a:ext uri="{FF2B5EF4-FFF2-40B4-BE49-F238E27FC236}">
+                <a16:creationId xmlns:a16="http://schemas.microsoft.com/office/drawing/2014/main" id="{30B76974-9E85-0784-0906-0CA90EA81D1D}"/>
+              </a:ext>
+            </a:extLst>
+          </p:cNvPr>
+          <p:cNvCxnSpPr>
+            <a:cxnSpLocks/>
+          </p:cNvCxnSpPr>
+          <p:nvPr/>
+        </p:nvCxnSpPr>
+        <p:spPr>
+          <a:xfrm>
+            <a:off x="7472540" y="2023776"/>
+            <a:ext cx="633581" cy="0"/>
+          </a:xfrm>
+          <a:prstGeom prst="straightConnector1">
+            <a:avLst/>
+          </a:prstGeom>
+          <a:ln w="19050">
+            <a:tailEnd type="triangle"/>
+          </a:ln>
+        </p:spPr>
+        <p:style>
+          <a:lnRef idx="1">
+            <a:schemeClr val="accent1"/>
+          </a:lnRef>
+          <a:fillRef idx="0">
+            <a:schemeClr val="accent1"/>
+          </a:fillRef>
+          <a:effectRef idx="0">
+            <a:schemeClr val="accent1"/>
+          </a:effectRef>
+          <a:fontRef idx="minor">
+            <a:schemeClr val="tx1"/>
+          </a:fontRef>
+        </p:style>
+      </p:cxnSp>
+      <p:pic>
+        <p:nvPicPr>
+          <p:cNvPr id="31" name="Picture 30">
+            <a:extLst>
+              <a:ext uri="{FF2B5EF4-FFF2-40B4-BE49-F238E27FC236}">
+                <a16:creationId xmlns:a16="http://schemas.microsoft.com/office/drawing/2014/main" id="{0579A18A-3808-261F-D664-02FA49AFED72}"/>
+              </a:ext>
+            </a:extLst>
+          </p:cNvPr>
+          <p:cNvPicPr>
+            <a:picLocks noChangeAspect="1"/>
+          </p:cNvPicPr>
+          <p:nvPr/>
+        </p:nvPicPr>
+        <p:blipFill>
+          <a:blip r:embed="rId4"/>
+          <a:stretch>
+            <a:fillRect/>
+          </a:stretch>
+        </p:blipFill>
+        <p:spPr>
+          <a:xfrm>
+            <a:off x="8153277" y="1932006"/>
+            <a:ext cx="324269" cy="222575"/>
+          </a:xfrm>
+          <a:prstGeom prst="rect">
+            <a:avLst/>
+          </a:prstGeom>
+        </p:spPr>
+      </p:pic>
+      <p:cxnSp>
+        <p:nvCxnSpPr>
+          <p:cNvPr id="33" name="Straight Arrow Connector 32">
+            <a:extLst>
+              <a:ext uri="{FF2B5EF4-FFF2-40B4-BE49-F238E27FC236}">
+                <a16:creationId xmlns:a16="http://schemas.microsoft.com/office/drawing/2014/main" id="{20CDE03C-60A2-8FEE-DDDF-8CEB7F316D33}"/>
+              </a:ext>
+            </a:extLst>
+          </p:cNvPr>
+          <p:cNvCxnSpPr>
+            <a:cxnSpLocks/>
+          </p:cNvCxnSpPr>
+          <p:nvPr/>
+        </p:nvCxnSpPr>
+        <p:spPr>
+          <a:xfrm flipV="1">
+            <a:off x="5151926" y="2110978"/>
+            <a:ext cx="617938" cy="330374"/>
+          </a:xfrm>
+          <a:prstGeom prst="straightConnector1">
+            <a:avLst/>
+          </a:prstGeom>
+          <a:ln w="19050">
+            <a:tailEnd type="triangle"/>
+          </a:ln>
+        </p:spPr>
+        <p:style>
+          <a:lnRef idx="1">
+            <a:schemeClr val="accent1"/>
+          </a:lnRef>
+          <a:fillRef idx="0">
+            <a:schemeClr val="accent1"/>
+          </a:fillRef>
+          <a:effectRef idx="0">
+            <a:schemeClr val="accent1"/>
+          </a:effectRef>
+          <a:fontRef idx="minor">
+            <a:schemeClr val="tx1"/>
+          </a:fontRef>
+        </p:style>
+      </p:cxnSp>
+      <p:cxnSp>
+        <p:nvCxnSpPr>
+          <p:cNvPr id="35" name="Straight Arrow Connector 34">
+            <a:extLst>
+              <a:ext uri="{FF2B5EF4-FFF2-40B4-BE49-F238E27FC236}">
+                <a16:creationId xmlns:a16="http://schemas.microsoft.com/office/drawing/2014/main" id="{FC13E8DE-FB57-2DE3-7D23-D00646EBA663}"/>
+              </a:ext>
+            </a:extLst>
+          </p:cNvPr>
+          <p:cNvCxnSpPr>
+            <a:cxnSpLocks/>
+          </p:cNvCxnSpPr>
+          <p:nvPr/>
+        </p:nvCxnSpPr>
+        <p:spPr>
+          <a:xfrm>
+            <a:off x="6216878" y="2110978"/>
+            <a:ext cx="633581" cy="0"/>
+          </a:xfrm>
+          <a:prstGeom prst="straightConnector1">
+            <a:avLst/>
+          </a:prstGeom>
+          <a:ln w="19050">
+            <a:tailEnd type="triangle"/>
+          </a:ln>
+        </p:spPr>
+        <p:style>
+          <a:lnRef idx="1">
+            <a:schemeClr val="accent1"/>
+          </a:lnRef>
+          <a:fillRef idx="0">
+            <a:schemeClr val="accent1"/>
+          </a:fillRef>
+          <a:effectRef idx="0">
+            <a:schemeClr val="accent1"/>
+          </a:effectRef>
+          <a:fontRef idx="minor">
+            <a:schemeClr val="tx1"/>
+          </a:fontRef>
+        </p:style>
+      </p:cxnSp>
+      <p:cxnSp>
+        <p:nvCxnSpPr>
+          <p:cNvPr id="38" name="Straight Arrow Connector 37">
+            <a:extLst>
+              <a:ext uri="{FF2B5EF4-FFF2-40B4-BE49-F238E27FC236}">
+                <a16:creationId xmlns:a16="http://schemas.microsoft.com/office/drawing/2014/main" id="{A99CA486-58AD-B530-8600-FFC27EE28630}"/>
+              </a:ext>
+            </a:extLst>
+          </p:cNvPr>
+          <p:cNvCxnSpPr>
+            <a:cxnSpLocks/>
+          </p:cNvCxnSpPr>
+          <p:nvPr/>
+        </p:nvCxnSpPr>
+        <p:spPr>
+          <a:xfrm>
+            <a:off x="7472540" y="2144885"/>
+            <a:ext cx="680737" cy="237811"/>
+          </a:xfrm>
+          <a:prstGeom prst="straightConnector1">
+            <a:avLst/>
+          </a:prstGeom>
+          <a:ln w="19050">
+            <a:tailEnd type="triangle"/>
+          </a:ln>
+        </p:spPr>
+        <p:style>
+          <a:lnRef idx="1">
+            <a:schemeClr val="accent1"/>
+          </a:lnRef>
+          <a:fillRef idx="0">
+            <a:schemeClr val="accent1"/>
+          </a:fillRef>
+          <a:effectRef idx="0">
+            <a:schemeClr val="accent1"/>
+          </a:effectRef>
+          <a:fontRef idx="minor">
+            <a:schemeClr val="tx1"/>
+          </a:fontRef>
+        </p:style>
+      </p:cxnSp>
+      <p:pic>
+        <p:nvPicPr>
+          <p:cNvPr id="40" name="Picture 39">
+            <a:extLst>
+              <a:ext uri="{FF2B5EF4-FFF2-40B4-BE49-F238E27FC236}">
+                <a16:creationId xmlns:a16="http://schemas.microsoft.com/office/drawing/2014/main" id="{B835C40D-689E-6D21-60BC-F9F53CE868B2}"/>
+              </a:ext>
+            </a:extLst>
+          </p:cNvPr>
+          <p:cNvPicPr>
+            <a:picLocks noChangeAspect="1"/>
+          </p:cNvPicPr>
+          <p:nvPr/>
+        </p:nvPicPr>
+        <p:blipFill>
+          <a:blip r:embed="rId4"/>
+          <a:stretch>
+            <a:fillRect/>
+          </a:stretch>
+        </p:blipFill>
+        <p:spPr>
+          <a:xfrm>
+            <a:off x="8184150" y="2307466"/>
+            <a:ext cx="324269" cy="222575"/>
+          </a:xfrm>
+          <a:prstGeom prst="rect">
+            <a:avLst/>
+          </a:prstGeom>
+        </p:spPr>
+      </p:pic>
+      <p:sp>
+        <p:nvSpPr>
+          <p:cNvPr id="41" name="TextBox 40">
+            <a:extLst>
+              <a:ext uri="{FF2B5EF4-FFF2-40B4-BE49-F238E27FC236}">
+                <a16:creationId xmlns:a16="http://schemas.microsoft.com/office/drawing/2014/main" id="{AE3902BB-09D8-9DDB-3DE0-6020A2A30984}"/>
+              </a:ext>
+            </a:extLst>
+          </p:cNvPr>
+          <p:cNvSpPr txBox="1"/>
+          <p:nvPr/>
+        </p:nvSpPr>
+        <p:spPr>
+          <a:xfrm>
+            <a:off x="7730185" y="1545174"/>
+            <a:ext cx="988029" cy="230832"/>
+          </a:xfrm>
+          <a:prstGeom prst="rect">
+            <a:avLst/>
+          </a:prstGeom>
+          <a:noFill/>
+        </p:spPr>
+        <p:txBody>
+          <a:bodyPr wrap="square" rtlCol="0">
+            <a:spAutoFit/>
+          </a:bodyPr>
+          <a:lstStyle/>
+          <a:p>
+            <a:r>
+              <a:rPr lang="en-SG" sz="900" dirty="0">
+                <a:solidFill>
+                  <a:srgbClr val="002060"/>
+                </a:solidFill>
+              </a:rPr>
+              <a:t>NCL Server</a:t>
+            </a:r>
+          </a:p>
+        </p:txBody>
+      </p:sp>
+      <p:sp>
+        <p:nvSpPr>
+          <p:cNvPr id="42" name="Rectangle 41">
+            <a:extLst>
+              <a:ext uri="{FF2B5EF4-FFF2-40B4-BE49-F238E27FC236}">
+                <a16:creationId xmlns:a16="http://schemas.microsoft.com/office/drawing/2014/main" id="{C7FDF853-402F-94DD-45D6-A5B442EACC61}"/>
+              </a:ext>
+            </a:extLst>
+          </p:cNvPr>
+          <p:cNvSpPr/>
+          <p:nvPr/>
+        </p:nvSpPr>
+        <p:spPr>
+          <a:xfrm>
+            <a:off x="4172938" y="2941530"/>
+            <a:ext cx="1249263" cy="815723"/>
+          </a:xfrm>
+          <a:prstGeom prst="rect">
+            <a:avLst/>
+          </a:prstGeom>
+          <a:ln>
+            <a:solidFill>
+              <a:srgbClr val="0070C0"/>
+            </a:solidFill>
+            <a:prstDash val="dash"/>
+          </a:ln>
+        </p:spPr>
+        <p:style>
+          <a:lnRef idx="2">
+            <a:schemeClr val="accent6"/>
+          </a:lnRef>
+          <a:fillRef idx="1">
+            <a:schemeClr val="lt1"/>
+          </a:fillRef>
+          <a:effectRef idx="0">
+            <a:schemeClr val="accent6"/>
+          </a:effectRef>
+          <a:fontRef idx="minor">
+            <a:schemeClr val="dk1"/>
+          </a:fontRef>
+        </p:style>
+        <p:txBody>
+          <a:bodyPr rtlCol="0" anchor="ctr"/>
+          <a:lstStyle/>
+          <a:p>
+            <a:pPr algn="ctr"/>
+            <a:endParaRPr lang="en-SG" dirty="0"/>
+          </a:p>
+        </p:txBody>
+      </p:sp>
+      <p:sp>
+        <p:nvSpPr>
+          <p:cNvPr id="43" name="TextBox 42">
+            <a:extLst>
+              <a:ext uri="{FF2B5EF4-FFF2-40B4-BE49-F238E27FC236}">
+                <a16:creationId xmlns:a16="http://schemas.microsoft.com/office/drawing/2014/main" id="{E7A0A5AE-3F5D-FB55-607E-B9B774AD7737}"/>
+              </a:ext>
+            </a:extLst>
+          </p:cNvPr>
+          <p:cNvSpPr txBox="1"/>
+          <p:nvPr/>
+        </p:nvSpPr>
+        <p:spPr>
+          <a:xfrm>
+            <a:off x="4086890" y="2724317"/>
+            <a:ext cx="988029" cy="230832"/>
+          </a:xfrm>
+          <a:prstGeom prst="rect">
+            <a:avLst/>
+          </a:prstGeom>
+          <a:noFill/>
+        </p:spPr>
+        <p:txBody>
+          <a:bodyPr wrap="square" rtlCol="0">
+            <a:spAutoFit/>
+          </a:bodyPr>
+          <a:lstStyle/>
+          <a:p>
+            <a:r>
+              <a:rPr lang="en-SG" sz="900" dirty="0">
+                <a:solidFill>
+                  <a:srgbClr val="002060"/>
+                </a:solidFill>
+              </a:rPr>
+              <a:t>Threads Pool</a:t>
+            </a:r>
+          </a:p>
+        </p:txBody>
+      </p:sp>
+      <p:sp>
+        <p:nvSpPr>
+          <p:cNvPr id="44" name="TextBox 43">
+            <a:extLst>
+              <a:ext uri="{FF2B5EF4-FFF2-40B4-BE49-F238E27FC236}">
+                <a16:creationId xmlns:a16="http://schemas.microsoft.com/office/drawing/2014/main" id="{16AA59D9-A38F-A842-F770-D396E2261912}"/>
+              </a:ext>
+            </a:extLst>
+          </p:cNvPr>
+          <p:cNvSpPr txBox="1"/>
+          <p:nvPr/>
+        </p:nvSpPr>
+        <p:spPr>
+          <a:xfrm>
+            <a:off x="4313611" y="3025114"/>
+            <a:ext cx="822672" cy="246221"/>
+          </a:xfrm>
+          <a:prstGeom prst="rect">
+            <a:avLst/>
+          </a:prstGeom>
+          <a:noFill/>
+          <a:ln w="12700">
+            <a:solidFill>
+              <a:schemeClr val="tx1"/>
+            </a:solidFill>
+            <a:prstDash val="solid"/>
+          </a:ln>
+        </p:spPr>
+        <p:txBody>
+          <a:bodyPr wrap="square" rtlCol="0">
+            <a:spAutoFit/>
+          </a:bodyPr>
+          <a:lstStyle/>
+          <a:p>
+            <a:r>
+              <a:rPr lang="en-SG" sz="1000" b="1" dirty="0"/>
+              <a:t>User tester</a:t>
+            </a:r>
+          </a:p>
+        </p:txBody>
+      </p:sp>
+      <p:sp>
+        <p:nvSpPr>
+          <p:cNvPr id="45" name="TextBox 44">
+            <a:extLst>
+              <a:ext uri="{FF2B5EF4-FFF2-40B4-BE49-F238E27FC236}">
+                <a16:creationId xmlns:a16="http://schemas.microsoft.com/office/drawing/2014/main" id="{9A6FBC5A-8427-91C1-732D-946B5304CC77}"/>
+              </a:ext>
+            </a:extLst>
+          </p:cNvPr>
+          <p:cNvSpPr txBox="1"/>
+          <p:nvPr/>
+        </p:nvSpPr>
+        <p:spPr>
+          <a:xfrm>
+            <a:off x="4591731" y="3156634"/>
+            <a:ext cx="362198" cy="369332"/>
+          </a:xfrm>
+          <a:prstGeom prst="rect">
+            <a:avLst/>
+          </a:prstGeom>
+          <a:noFill/>
+        </p:spPr>
+        <p:txBody>
+          <a:bodyPr wrap="square" rtlCol="0">
+            <a:spAutoFit/>
+          </a:bodyPr>
+          <a:lstStyle/>
+          <a:p>
+            <a:r>
+              <a:rPr lang="en-US" dirty="0"/>
+              <a:t>…</a:t>
+            </a:r>
+          </a:p>
+        </p:txBody>
+      </p:sp>
+      <p:sp>
+        <p:nvSpPr>
+          <p:cNvPr id="46" name="TextBox 45">
+            <a:extLst>
+              <a:ext uri="{FF2B5EF4-FFF2-40B4-BE49-F238E27FC236}">
+                <a16:creationId xmlns:a16="http://schemas.microsoft.com/office/drawing/2014/main" id="{6081730F-69F8-8B16-617D-84E2EA9CD983}"/>
+              </a:ext>
+            </a:extLst>
+          </p:cNvPr>
+          <p:cNvSpPr txBox="1"/>
+          <p:nvPr/>
+        </p:nvSpPr>
+        <p:spPr>
+          <a:xfrm>
+            <a:off x="4329254" y="3456001"/>
+            <a:ext cx="822672" cy="246221"/>
+          </a:xfrm>
+          <a:prstGeom prst="rect">
+            <a:avLst/>
+          </a:prstGeom>
+          <a:noFill/>
+          <a:ln w="12700">
+            <a:solidFill>
+              <a:schemeClr val="tx1"/>
+            </a:solidFill>
+            <a:prstDash val="solid"/>
+          </a:ln>
+        </p:spPr>
+        <p:txBody>
+          <a:bodyPr wrap="square" rtlCol="0">
+            <a:spAutoFit/>
+          </a:bodyPr>
+          <a:lstStyle/>
+          <a:p>
+            <a:r>
+              <a:rPr lang="en-SG" sz="1000" b="1" dirty="0"/>
+              <a:t>User tester</a:t>
+            </a:r>
+          </a:p>
+        </p:txBody>
+      </p:sp>
+      <p:cxnSp>
+        <p:nvCxnSpPr>
+          <p:cNvPr id="47" name="Straight Arrow Connector 46">
+            <a:extLst>
+              <a:ext uri="{FF2B5EF4-FFF2-40B4-BE49-F238E27FC236}">
+                <a16:creationId xmlns:a16="http://schemas.microsoft.com/office/drawing/2014/main" id="{8F69831B-E346-0B0A-F61E-CB21045037BD}"/>
+              </a:ext>
+            </a:extLst>
+          </p:cNvPr>
+          <p:cNvCxnSpPr>
+            <a:cxnSpLocks/>
+            <a:endCxn id="42" idx="1"/>
+          </p:cNvCxnSpPr>
+          <p:nvPr/>
+        </p:nvCxnSpPr>
+        <p:spPr>
+          <a:xfrm>
+            <a:off x="3739608" y="2372242"/>
+            <a:ext cx="433330" cy="977150"/>
+          </a:xfrm>
+          <a:prstGeom prst="straightConnector1">
+            <a:avLst/>
+          </a:prstGeom>
+          <a:ln w="19050">
+            <a:tailEnd type="triangle"/>
+          </a:ln>
+        </p:spPr>
+        <p:style>
+          <a:lnRef idx="1">
+            <a:schemeClr val="accent1"/>
+          </a:lnRef>
+          <a:fillRef idx="0">
+            <a:schemeClr val="accent1"/>
+          </a:fillRef>
+          <a:effectRef idx="0">
+            <a:schemeClr val="accent1"/>
+          </a:effectRef>
+          <a:fontRef idx="minor">
+            <a:schemeClr val="tx1"/>
+          </a:fontRef>
+        </p:style>
+      </p:cxnSp>
+      <p:cxnSp>
+        <p:nvCxnSpPr>
+          <p:cNvPr id="49" name="Straight Arrow Connector 48">
+            <a:extLst>
+              <a:ext uri="{FF2B5EF4-FFF2-40B4-BE49-F238E27FC236}">
+                <a16:creationId xmlns:a16="http://schemas.microsoft.com/office/drawing/2014/main" id="{0D27D679-D49A-8772-58F2-2E9870E13F48}"/>
+              </a:ext>
+            </a:extLst>
+          </p:cNvPr>
+          <p:cNvCxnSpPr>
+            <a:cxnSpLocks/>
+          </p:cNvCxnSpPr>
+          <p:nvPr/>
+        </p:nvCxnSpPr>
+        <p:spPr>
+          <a:xfrm flipV="1">
+            <a:off x="5136283" y="2271331"/>
+            <a:ext cx="704711" cy="885303"/>
+          </a:xfrm>
+          <a:prstGeom prst="straightConnector1">
+            <a:avLst/>
+          </a:prstGeom>
+          <a:ln w="19050">
+            <a:tailEnd type="triangle"/>
+          </a:ln>
+        </p:spPr>
+        <p:style>
+          <a:lnRef idx="1">
+            <a:schemeClr val="accent1"/>
+          </a:lnRef>
+          <a:fillRef idx="0">
+            <a:schemeClr val="accent1"/>
+          </a:fillRef>
+          <a:effectRef idx="0">
+            <a:schemeClr val="accent1"/>
+          </a:effectRef>
+          <a:fontRef idx="minor">
+            <a:schemeClr val="tx1"/>
+          </a:fontRef>
+        </p:style>
+      </p:cxnSp>
+      <p:cxnSp>
+        <p:nvCxnSpPr>
+          <p:cNvPr id="51" name="Straight Arrow Connector 50">
+            <a:extLst>
+              <a:ext uri="{FF2B5EF4-FFF2-40B4-BE49-F238E27FC236}">
+                <a16:creationId xmlns:a16="http://schemas.microsoft.com/office/drawing/2014/main" id="{63549EE8-B7B8-2201-B54C-B3EC8C6E3C8E}"/>
+              </a:ext>
+            </a:extLst>
+          </p:cNvPr>
+          <p:cNvCxnSpPr>
+            <a:cxnSpLocks/>
+          </p:cNvCxnSpPr>
+          <p:nvPr/>
+        </p:nvCxnSpPr>
+        <p:spPr>
+          <a:xfrm flipV="1">
+            <a:off x="5177237" y="2277690"/>
+            <a:ext cx="781718" cy="1266178"/>
+          </a:xfrm>
+          <a:prstGeom prst="straightConnector1">
+            <a:avLst/>
+          </a:prstGeom>
+          <a:ln w="19050">
+            <a:tailEnd type="triangle"/>
+          </a:ln>
+        </p:spPr>
+        <p:style>
+          <a:lnRef idx="1">
+            <a:schemeClr val="accent1"/>
+          </a:lnRef>
+          <a:fillRef idx="0">
+            <a:schemeClr val="accent1"/>
+          </a:fillRef>
+          <a:effectRef idx="0">
+            <a:schemeClr val="accent1"/>
+          </a:effectRef>
+          <a:fontRef idx="minor">
+            <a:schemeClr val="tx1"/>
+          </a:fontRef>
+        </p:style>
+      </p:cxnSp>
+      <p:sp>
+        <p:nvSpPr>
+          <p:cNvPr id="56" name="Rectangle 55">
+            <a:extLst>
+              <a:ext uri="{FF2B5EF4-FFF2-40B4-BE49-F238E27FC236}">
+                <a16:creationId xmlns:a16="http://schemas.microsoft.com/office/drawing/2014/main" id="{E44807C8-00C3-DC41-150F-87C191435B5C}"/>
+              </a:ext>
+            </a:extLst>
+          </p:cNvPr>
+          <p:cNvSpPr/>
+          <p:nvPr/>
+        </p:nvSpPr>
+        <p:spPr>
+          <a:xfrm>
+            <a:off x="7836487" y="3005640"/>
+            <a:ext cx="881727" cy="815723"/>
+          </a:xfrm>
+          <a:prstGeom prst="rect">
+            <a:avLst/>
+          </a:prstGeom>
+          <a:ln>
+            <a:solidFill>
+              <a:srgbClr val="0070C0"/>
+            </a:solidFill>
+            <a:prstDash val="dash"/>
+          </a:ln>
+        </p:spPr>
+        <p:style>
+          <a:lnRef idx="2">
+            <a:schemeClr val="accent6"/>
+          </a:lnRef>
+          <a:fillRef idx="1">
+            <a:schemeClr val="lt1"/>
+          </a:fillRef>
+          <a:effectRef idx="0">
+            <a:schemeClr val="accent6"/>
+          </a:effectRef>
+          <a:fontRef idx="minor">
+            <a:schemeClr val="dk1"/>
+          </a:fontRef>
+        </p:style>
+        <p:txBody>
+          <a:bodyPr rtlCol="0" anchor="ctr"/>
+          <a:lstStyle/>
+          <a:p>
+            <a:pPr algn="ctr"/>
+            <a:endParaRPr lang="en-SG" dirty="0"/>
+          </a:p>
+        </p:txBody>
+      </p:sp>
+      <p:pic>
+        <p:nvPicPr>
+          <p:cNvPr id="57" name="Picture 56">
+            <a:extLst>
+              <a:ext uri="{FF2B5EF4-FFF2-40B4-BE49-F238E27FC236}">
+                <a16:creationId xmlns:a16="http://schemas.microsoft.com/office/drawing/2014/main" id="{E1682010-07F7-7DCA-6B06-6A2A72F1B2C9}"/>
+              </a:ext>
+            </a:extLst>
+          </p:cNvPr>
+          <p:cNvPicPr>
+            <a:picLocks noChangeAspect="1"/>
+          </p:cNvPicPr>
+          <p:nvPr/>
+        </p:nvPicPr>
+        <p:blipFill>
+          <a:blip r:embed="rId4"/>
+          <a:stretch>
+            <a:fillRect/>
+          </a:stretch>
+        </p:blipFill>
+        <p:spPr>
+          <a:xfrm>
+            <a:off x="8153277" y="3105779"/>
+            <a:ext cx="324269" cy="222575"/>
+          </a:xfrm>
+          <a:prstGeom prst="rect">
+            <a:avLst/>
+          </a:prstGeom>
+        </p:spPr>
+      </p:pic>
+      <p:pic>
+        <p:nvPicPr>
+          <p:cNvPr id="58" name="Picture 57">
+            <a:extLst>
+              <a:ext uri="{FF2B5EF4-FFF2-40B4-BE49-F238E27FC236}">
+                <a16:creationId xmlns:a16="http://schemas.microsoft.com/office/drawing/2014/main" id="{FB4CFDB6-54B6-6603-41B2-2154CF1CBF18}"/>
+              </a:ext>
+            </a:extLst>
+          </p:cNvPr>
+          <p:cNvPicPr>
+            <a:picLocks noChangeAspect="1"/>
+          </p:cNvPicPr>
+          <p:nvPr/>
+        </p:nvPicPr>
+        <p:blipFill>
+          <a:blip r:embed="rId4"/>
+          <a:stretch>
+            <a:fillRect/>
+          </a:stretch>
+        </p:blipFill>
+        <p:spPr>
+          <a:xfrm>
+            <a:off x="8184150" y="3481239"/>
+            <a:ext cx="324269" cy="222575"/>
+          </a:xfrm>
+          <a:prstGeom prst="rect">
+            <a:avLst/>
+          </a:prstGeom>
+        </p:spPr>
+      </p:pic>
+      <p:cxnSp>
+        <p:nvCxnSpPr>
+          <p:cNvPr id="59" name="Straight Arrow Connector 58">
+            <a:extLst>
+              <a:ext uri="{FF2B5EF4-FFF2-40B4-BE49-F238E27FC236}">
+                <a16:creationId xmlns:a16="http://schemas.microsoft.com/office/drawing/2014/main" id="{22FEEA1B-63E4-EAD3-F06F-5DD0E94A43EC}"/>
+              </a:ext>
+            </a:extLst>
+          </p:cNvPr>
+          <p:cNvCxnSpPr>
+            <a:cxnSpLocks/>
+          </p:cNvCxnSpPr>
+          <p:nvPr/>
+        </p:nvCxnSpPr>
+        <p:spPr>
+          <a:xfrm>
+            <a:off x="7155749" y="2190486"/>
+            <a:ext cx="950372" cy="966148"/>
+          </a:xfrm>
+          <a:prstGeom prst="straightConnector1">
+            <a:avLst/>
+          </a:prstGeom>
+          <a:ln w="19050">
+            <a:tailEnd type="triangle"/>
+          </a:ln>
+        </p:spPr>
+        <p:style>
+          <a:lnRef idx="1">
+            <a:schemeClr val="accent1"/>
+          </a:lnRef>
+          <a:fillRef idx="0">
+            <a:schemeClr val="accent1"/>
+          </a:fillRef>
+          <a:effectRef idx="0">
+            <a:schemeClr val="accent1"/>
+          </a:effectRef>
+          <a:fontRef idx="minor">
+            <a:schemeClr val="tx1"/>
+          </a:fontRef>
+        </p:style>
+      </p:cxnSp>
+      <p:cxnSp>
+        <p:nvCxnSpPr>
+          <p:cNvPr id="61" name="Straight Arrow Connector 60">
+            <a:extLst>
+              <a:ext uri="{FF2B5EF4-FFF2-40B4-BE49-F238E27FC236}">
+                <a16:creationId xmlns:a16="http://schemas.microsoft.com/office/drawing/2014/main" id="{3AF1B488-B1B9-6EDA-40CE-3064CCE3F063}"/>
+              </a:ext>
+            </a:extLst>
+          </p:cNvPr>
+          <p:cNvCxnSpPr>
+            <a:cxnSpLocks/>
+          </p:cNvCxnSpPr>
+          <p:nvPr/>
+        </p:nvCxnSpPr>
+        <p:spPr>
+          <a:xfrm>
+            <a:off x="7071715" y="2277690"/>
+            <a:ext cx="1034406" cy="1266178"/>
+          </a:xfrm>
+          <a:prstGeom prst="straightConnector1">
+            <a:avLst/>
+          </a:prstGeom>
+          <a:ln w="19050">
+            <a:tailEnd type="triangle"/>
+          </a:ln>
+        </p:spPr>
+        <p:style>
+          <a:lnRef idx="1">
+            <a:schemeClr val="accent1"/>
+          </a:lnRef>
+          <a:fillRef idx="0">
+            <a:schemeClr val="accent1"/>
+          </a:fillRef>
+          <a:effectRef idx="0">
+            <a:schemeClr val="accent1"/>
+          </a:effectRef>
+          <a:fontRef idx="minor">
+            <a:schemeClr val="tx1"/>
+          </a:fontRef>
+        </p:style>
+      </p:cxnSp>
+      <p:sp>
+        <p:nvSpPr>
+          <p:cNvPr id="64" name="TextBox 63">
+            <a:extLst>
+              <a:ext uri="{FF2B5EF4-FFF2-40B4-BE49-F238E27FC236}">
+                <a16:creationId xmlns:a16="http://schemas.microsoft.com/office/drawing/2014/main" id="{9AC87B1E-52AB-1BE5-34FB-C03A2FC80B9D}"/>
+              </a:ext>
+            </a:extLst>
+          </p:cNvPr>
+          <p:cNvSpPr txBox="1"/>
+          <p:nvPr/>
+        </p:nvSpPr>
+        <p:spPr>
+          <a:xfrm>
+            <a:off x="4716420" y="2505029"/>
+            <a:ext cx="362198" cy="369332"/>
+          </a:xfrm>
+          <a:prstGeom prst="rect">
+            <a:avLst/>
+          </a:prstGeom>
+          <a:noFill/>
+        </p:spPr>
+        <p:txBody>
+          <a:bodyPr wrap="square" rtlCol="0">
+            <a:spAutoFit/>
+          </a:bodyPr>
+          <a:lstStyle/>
+          <a:p>
+            <a:r>
+              <a:rPr lang="en-US" dirty="0"/>
+              <a:t>…</a:t>
+            </a:r>
+          </a:p>
+        </p:txBody>
+      </p:sp>
+      <p:sp>
+        <p:nvSpPr>
+          <p:cNvPr id="65" name="TextBox 64">
+            <a:extLst>
+              <a:ext uri="{FF2B5EF4-FFF2-40B4-BE49-F238E27FC236}">
+                <a16:creationId xmlns:a16="http://schemas.microsoft.com/office/drawing/2014/main" id="{E279B545-F03C-8A1A-175C-86F8D584DAC1}"/>
+              </a:ext>
+            </a:extLst>
+          </p:cNvPr>
+          <p:cNvSpPr txBox="1"/>
+          <p:nvPr/>
+        </p:nvSpPr>
+        <p:spPr>
+          <a:xfrm>
+            <a:off x="6331053" y="1812773"/>
+            <a:ext cx="284476" cy="369332"/>
+          </a:xfrm>
+          <a:prstGeom prst="rect">
+            <a:avLst/>
+          </a:prstGeom>
+          <a:noFill/>
+        </p:spPr>
+        <p:txBody>
+          <a:bodyPr wrap="square" rtlCol="0">
+            <a:spAutoFit/>
+          </a:bodyPr>
+          <a:lstStyle/>
+          <a:p>
+            <a:r>
+              <a:rPr lang="en-US" dirty="0"/>
+              <a:t>…</a:t>
+            </a:r>
+          </a:p>
+        </p:txBody>
+      </p:sp>
+      <p:sp>
+        <p:nvSpPr>
+          <p:cNvPr id="66" name="TextBox 65">
+            <a:extLst>
+              <a:ext uri="{FF2B5EF4-FFF2-40B4-BE49-F238E27FC236}">
+                <a16:creationId xmlns:a16="http://schemas.microsoft.com/office/drawing/2014/main" id="{1D2A5AD2-BCF4-AAA4-951A-ECA30A58403D}"/>
+              </a:ext>
+            </a:extLst>
+          </p:cNvPr>
+          <p:cNvSpPr txBox="1"/>
+          <p:nvPr/>
+        </p:nvSpPr>
+        <p:spPr>
+          <a:xfrm>
+            <a:off x="8184150" y="3192095"/>
+            <a:ext cx="362198" cy="369332"/>
+          </a:xfrm>
+          <a:prstGeom prst="rect">
+            <a:avLst/>
+          </a:prstGeom>
+          <a:noFill/>
+        </p:spPr>
+        <p:txBody>
+          <a:bodyPr wrap="square" rtlCol="0">
+            <a:spAutoFit/>
+          </a:bodyPr>
+          <a:lstStyle/>
+          <a:p>
+            <a:r>
+              <a:rPr lang="en-US" dirty="0"/>
+              <a:t>…</a:t>
+            </a:r>
+          </a:p>
+        </p:txBody>
+      </p:sp>
+      <p:sp>
+        <p:nvSpPr>
+          <p:cNvPr id="67" name="TextBox 66">
+            <a:extLst>
+              <a:ext uri="{FF2B5EF4-FFF2-40B4-BE49-F238E27FC236}">
+                <a16:creationId xmlns:a16="http://schemas.microsoft.com/office/drawing/2014/main" id="{8D6D3E28-8CC1-D34A-9DA5-873CD9F4A5E5}"/>
+              </a:ext>
+            </a:extLst>
+          </p:cNvPr>
+          <p:cNvSpPr txBox="1"/>
+          <p:nvPr/>
+        </p:nvSpPr>
+        <p:spPr>
+          <a:xfrm>
+            <a:off x="8162504" y="1987867"/>
+            <a:ext cx="362198" cy="369332"/>
+          </a:xfrm>
+          <a:prstGeom prst="rect">
+            <a:avLst/>
+          </a:prstGeom>
+          <a:noFill/>
+        </p:spPr>
+        <p:txBody>
+          <a:bodyPr wrap="square" rtlCol="0">
+            <a:spAutoFit/>
+          </a:bodyPr>
+          <a:lstStyle/>
+          <a:p>
+            <a:r>
+              <a:rPr lang="en-US" dirty="0"/>
+              <a:t>…</a:t>
+            </a:r>
+          </a:p>
+        </p:txBody>
+      </p:sp>
+    </p:spTree>
+    <p:extLst>
+      <p:ext uri="{BB962C8B-B14F-4D97-AF65-F5344CB8AC3E}">
+        <p14:creationId xmlns:p14="http://schemas.microsoft.com/office/powerpoint/2010/main" val="4117318760"/>
+      </p:ext>
+    </p:extLst>
+  </p:cSld>
+  <p:clrMapOvr>
+    <a:masterClrMapping/>
+  </p:clrMapOvr>
+</p:sld>
+</file>
+
 <file path=ppt/theme/theme1.xml><?xml version="1.0" encoding="utf-8"?>
 <a:theme xmlns:a="http://schemas.openxmlformats.org/drawingml/2006/main" name="Office Theme">
   <a:themeElements>

--- a/doc/designDoc.pptx
+++ b/doc/designDoc.pptx
@@ -5,9 +5,10 @@
     <p:sldMasterId id="2147483648" r:id="rId1"/>
   </p:sldMasterIdLst>
   <p:sldIdLst>
-    <p:sldId id="256" r:id="rId2"/>
-    <p:sldId id="257" r:id="rId3"/>
-    <p:sldId id="258" r:id="rId4"/>
+    <p:sldId id="259" r:id="rId2"/>
+    <p:sldId id="256" r:id="rId3"/>
+    <p:sldId id="257" r:id="rId4"/>
+    <p:sldId id="258" r:id="rId5"/>
   </p:sldIdLst>
   <p:sldSz cx="12192000" cy="6858000"/>
   <p:notesSz cx="6858000" cy="9144000"/>
@@ -263,7 +264,7 @@
           <a:p>
             <a:fld id="{21CF26C0-3F45-4AEC-B024-E55C3E18A278}" type="datetimeFigureOut">
               <a:rPr lang="en-SG" smtClean="0"/>
-              <a:t>26/6/2023</a:t>
+              <a:t>30/5/2024</a:t>
             </a:fld>
             <a:endParaRPr lang="en-SG"/>
           </a:p>
@@ -463,7 +464,7 @@
           <a:p>
             <a:fld id="{21CF26C0-3F45-4AEC-B024-E55C3E18A278}" type="datetimeFigureOut">
               <a:rPr lang="en-SG" smtClean="0"/>
-              <a:t>26/6/2023</a:t>
+              <a:t>30/5/2024</a:t>
             </a:fld>
             <a:endParaRPr lang="en-SG"/>
           </a:p>
@@ -673,7 +674,7 @@
           <a:p>
             <a:fld id="{21CF26C0-3F45-4AEC-B024-E55C3E18A278}" type="datetimeFigureOut">
               <a:rPr lang="en-SG" smtClean="0"/>
-              <a:t>26/6/2023</a:t>
+              <a:t>30/5/2024</a:t>
             </a:fld>
             <a:endParaRPr lang="en-SG"/>
           </a:p>
@@ -873,7 +874,7 @@
           <a:p>
             <a:fld id="{21CF26C0-3F45-4AEC-B024-E55C3E18A278}" type="datetimeFigureOut">
               <a:rPr lang="en-SG" smtClean="0"/>
-              <a:t>26/6/2023</a:t>
+              <a:t>30/5/2024</a:t>
             </a:fld>
             <a:endParaRPr lang="en-SG"/>
           </a:p>
@@ -1149,7 +1150,7 @@
           <a:p>
             <a:fld id="{21CF26C0-3F45-4AEC-B024-E55C3E18A278}" type="datetimeFigureOut">
               <a:rPr lang="en-SG" smtClean="0"/>
-              <a:t>26/6/2023</a:t>
+              <a:t>30/5/2024</a:t>
             </a:fld>
             <a:endParaRPr lang="en-SG"/>
           </a:p>
@@ -1417,7 +1418,7 @@
           <a:p>
             <a:fld id="{21CF26C0-3F45-4AEC-B024-E55C3E18A278}" type="datetimeFigureOut">
               <a:rPr lang="en-SG" smtClean="0"/>
-              <a:t>26/6/2023</a:t>
+              <a:t>30/5/2024</a:t>
             </a:fld>
             <a:endParaRPr lang="en-SG"/>
           </a:p>
@@ -1832,7 +1833,7 @@
           <a:p>
             <a:fld id="{21CF26C0-3F45-4AEC-B024-E55C3E18A278}" type="datetimeFigureOut">
               <a:rPr lang="en-SG" smtClean="0"/>
-              <a:t>26/6/2023</a:t>
+              <a:t>30/5/2024</a:t>
             </a:fld>
             <a:endParaRPr lang="en-SG"/>
           </a:p>
@@ -1974,7 +1975,7 @@
           <a:p>
             <a:fld id="{21CF26C0-3F45-4AEC-B024-E55C3E18A278}" type="datetimeFigureOut">
               <a:rPr lang="en-SG" smtClean="0"/>
-              <a:t>26/6/2023</a:t>
+              <a:t>30/5/2024</a:t>
             </a:fld>
             <a:endParaRPr lang="en-SG"/>
           </a:p>
@@ -2087,7 +2088,7 @@
           <a:p>
             <a:fld id="{21CF26C0-3F45-4AEC-B024-E55C3E18A278}" type="datetimeFigureOut">
               <a:rPr lang="en-SG" smtClean="0"/>
-              <a:t>26/6/2023</a:t>
+              <a:t>30/5/2024</a:t>
             </a:fld>
             <a:endParaRPr lang="en-SG"/>
           </a:p>
@@ -2400,7 +2401,7 @@
           <a:p>
             <a:fld id="{21CF26C0-3F45-4AEC-B024-E55C3E18A278}" type="datetimeFigureOut">
               <a:rPr lang="en-SG" smtClean="0"/>
-              <a:t>26/6/2023</a:t>
+              <a:t>30/5/2024</a:t>
             </a:fld>
             <a:endParaRPr lang="en-SG"/>
           </a:p>
@@ -2689,7 +2690,7 @@
           <a:p>
             <a:fld id="{21CF26C0-3F45-4AEC-B024-E55C3E18A278}" type="datetimeFigureOut">
               <a:rPr lang="en-SG" smtClean="0"/>
-              <a:t>26/6/2023</a:t>
+              <a:t>30/5/2024</a:t>
             </a:fld>
             <a:endParaRPr lang="en-SG"/>
           </a:p>
@@ -2932,7 +2933,7 @@
           <a:p>
             <a:fld id="{21CF26C0-3F45-4AEC-B024-E55C3E18A278}" type="datetimeFigureOut">
               <a:rPr lang="en-SG" smtClean="0"/>
-              <a:t>26/6/2023</a:t>
+              <a:t>30/5/2024</a:t>
             </a:fld>
             <a:endParaRPr lang="en-SG"/>
           </a:p>
@@ -3349,12 +3350,62 @@
           <a:chExt cx="0" cy="0"/>
         </a:xfrm>
       </p:grpSpPr>
+      <p:sp>
+        <p:nvSpPr>
+          <p:cNvPr id="14" name="Rectangle: Rounded Corners 13">
+            <a:extLst>
+              <a:ext uri="{FF2B5EF4-FFF2-40B4-BE49-F238E27FC236}">
+                <a16:creationId xmlns:a16="http://schemas.microsoft.com/office/drawing/2014/main" id="{D5F770FD-47BB-5095-07B6-9785EF2698E0}"/>
+              </a:ext>
+            </a:extLst>
+          </p:cNvPr>
+          <p:cNvSpPr/>
+          <p:nvPr/>
+        </p:nvSpPr>
+        <p:spPr>
+          <a:xfrm>
+            <a:off x="2871216" y="1499617"/>
+            <a:ext cx="2432304" cy="2020824"/>
+          </a:xfrm>
+          <a:prstGeom prst="roundRect">
+            <a:avLst/>
+          </a:prstGeom>
+          <a:noFill/>
+          <a:ln w="28575">
+            <a:prstDash val="sysDash"/>
+          </a:ln>
+        </p:spPr>
+        <p:style>
+          <a:lnRef idx="2">
+            <a:schemeClr val="accent1">
+              <a:shade val="15000"/>
+            </a:schemeClr>
+          </a:lnRef>
+          <a:fillRef idx="1">
+            <a:schemeClr val="accent1"/>
+          </a:fillRef>
+          <a:effectRef idx="0">
+            <a:schemeClr val="accent1"/>
+          </a:effectRef>
+          <a:fontRef idx="minor">
+            <a:schemeClr val="lt1"/>
+          </a:fontRef>
+        </p:style>
+        <p:txBody>
+          <a:bodyPr rtlCol="0" anchor="ctr"/>
+          <a:lstStyle/>
+          <a:p>
+            <a:pPr algn="ctr"/>
+            <a:endParaRPr lang="en-SG" dirty="0"/>
+          </a:p>
+        </p:txBody>
+      </p:sp>
       <p:pic>
         <p:nvPicPr>
-          <p:cNvPr id="170" name="Picture 4">
-            <a:extLst>
-              <a:ext uri="{FF2B5EF4-FFF2-40B4-BE49-F238E27FC236}">
-                <a16:creationId xmlns:a16="http://schemas.microsoft.com/office/drawing/2014/main" id="{82DC519D-C86E-2211-0F28-9027775ADA8C}"/>
+          <p:cNvPr id="1026" name="Picture 2" descr="Ssh - Free interface icons">
+            <a:extLst>
+              <a:ext uri="{FF2B5EF4-FFF2-40B4-BE49-F238E27FC236}">
+                <a16:creationId xmlns:a16="http://schemas.microsoft.com/office/drawing/2014/main" id="{7A3B5CEB-09D3-3789-A08A-C7685A606F2B}"/>
               </a:ext>
             </a:extLst>
           </p:cNvPr>
@@ -3378,8 +3429,8 @@
         </p:blipFill>
         <p:spPr bwMode="auto">
           <a:xfrm>
-            <a:off x="5762043" y="3089384"/>
-            <a:ext cx="429814" cy="429814"/>
+            <a:off x="3156947" y="2132312"/>
+            <a:ext cx="744956" cy="744956"/>
           </a:xfrm>
           <a:prstGeom prst="rect">
             <a:avLst/>
@@ -3398,57 +3449,49 @@
       </p:pic>
       <p:pic>
         <p:nvPicPr>
-          <p:cNvPr id="4" name="Picture 4">
-            <a:extLst>
-              <a:ext uri="{FF2B5EF4-FFF2-40B4-BE49-F238E27FC236}">
-                <a16:creationId xmlns:a16="http://schemas.microsoft.com/office/drawing/2014/main" id="{91DBCBE2-4F8B-A7A1-64ED-4C420FA18A5B}"/>
+          <p:cNvPr id="7" name="Graphic 6" descr="Connected with solid fill">
+            <a:extLst>
+              <a:ext uri="{FF2B5EF4-FFF2-40B4-BE49-F238E27FC236}">
+                <a16:creationId xmlns:a16="http://schemas.microsoft.com/office/drawing/2014/main" id="{1D570656-7CA8-67BE-A4FA-19E07445987A}"/>
               </a:ext>
             </a:extLst>
           </p:cNvPr>
           <p:cNvPicPr>
-            <a:picLocks noChangeAspect="1" noChangeArrowheads="1"/>
+            <a:picLocks noChangeAspect="1"/>
           </p:cNvPicPr>
           <p:nvPr/>
         </p:nvPicPr>
         <p:blipFill>
-          <a:blip r:embed="rId2">
+          <a:blip r:embed="rId3">
             <a:extLst>
               <a:ext uri="{28A0092B-C50C-407E-A947-70E740481C1C}">
                 <a14:useLocalDpi xmlns:a14="http://schemas.microsoft.com/office/drawing/2010/main" val="0"/>
               </a:ext>
+              <a:ext uri="{96DAC541-7B7A-43D3-8B79-37D633B846F1}">
+                <asvg:svgBlip xmlns:asvg="http://schemas.microsoft.com/office/drawing/2016/SVG/main" r:embed="rId4"/>
+              </a:ext>
             </a:extLst>
           </a:blip>
-          <a:srcRect/>
           <a:stretch>
             <a:fillRect/>
           </a:stretch>
         </p:blipFill>
-        <p:spPr bwMode="auto">
-          <a:xfrm>
-            <a:off x="580950" y="1117602"/>
-            <a:ext cx="429814" cy="429814"/>
-          </a:xfrm>
-          <a:prstGeom prst="rect">
-            <a:avLst/>
-          </a:prstGeom>
-          <a:noFill/>
-          <a:extLst>
-            <a:ext uri="{909E8E84-426E-40DD-AFC4-6F175D3DCCD1}">
-              <a14:hiddenFill xmlns:a14="http://schemas.microsoft.com/office/drawing/2010/main">
-                <a:solidFill>
-                  <a:srgbClr val="FFFFFF"/>
-                </a:solidFill>
-              </a14:hiddenFill>
-            </a:ext>
-          </a:extLst>
+        <p:spPr>
+          <a:xfrm>
+            <a:off x="3156947" y="1392965"/>
+            <a:ext cx="1870697" cy="1870697"/>
+          </a:xfrm>
+          <a:prstGeom prst="rect">
+            <a:avLst/>
+          </a:prstGeom>
         </p:spPr>
       </p:pic>
       <p:pic>
         <p:nvPicPr>
-          <p:cNvPr id="5" name="Picture 4">
-            <a:extLst>
-              <a:ext uri="{FF2B5EF4-FFF2-40B4-BE49-F238E27FC236}">
-                <a16:creationId xmlns:a16="http://schemas.microsoft.com/office/drawing/2014/main" id="{F83D49B3-0F73-07C9-7C5B-72AF1CDE9AD5}"/>
+          <p:cNvPr id="9" name="Graphic 8" descr="Single gear with solid fill">
+            <a:extLst>
+              <a:ext uri="{FF2B5EF4-FFF2-40B4-BE49-F238E27FC236}">
+                <a16:creationId xmlns:a16="http://schemas.microsoft.com/office/drawing/2014/main" id="{F6E8A9EF-56E7-F8CD-7C85-02A504E25CFD}"/>
               </a:ext>
             </a:extLst>
           </p:cNvPr>
@@ -3458,32 +3501,36 @@
           <p:nvPr/>
         </p:nvPicPr>
         <p:blipFill>
-          <a:blip r:embed="rId3"/>
+          <a:blip r:embed="rId5">
+            <a:extLst>
+              <a:ext uri="{28A0092B-C50C-407E-A947-70E740481C1C}">
+                <a14:useLocalDpi xmlns:a14="http://schemas.microsoft.com/office/drawing/2010/main" val="0"/>
+              </a:ext>
+              <a:ext uri="{96DAC541-7B7A-43D3-8B79-37D633B846F1}">
+                <asvg:svgBlip xmlns:asvg="http://schemas.microsoft.com/office/drawing/2016/SVG/main" r:embed="rId6"/>
+              </a:ext>
+            </a:extLst>
+          </a:blip>
           <a:stretch>
             <a:fillRect/>
           </a:stretch>
         </p:blipFill>
         <p:spPr>
           <a:xfrm>
-            <a:off x="1548998" y="1201704"/>
-            <a:ext cx="357596" cy="261610"/>
-          </a:xfrm>
-          <a:prstGeom prst="rect">
-            <a:avLst/>
-          </a:prstGeom>
-          <a:ln w="3175">
-            <a:solidFill>
-              <a:schemeClr val="tx1"/>
-            </a:solidFill>
-          </a:ln>
+            <a:off x="4113244" y="1677917"/>
+            <a:ext cx="914400" cy="914400"/>
+          </a:xfrm>
+          <a:prstGeom prst="rect">
+            <a:avLst/>
+          </a:prstGeom>
         </p:spPr>
       </p:pic>
       <p:sp>
         <p:nvSpPr>
-          <p:cNvPr id="6" name="TextBox 5">
-            <a:extLst>
-              <a:ext uri="{FF2B5EF4-FFF2-40B4-BE49-F238E27FC236}">
-                <a16:creationId xmlns:a16="http://schemas.microsoft.com/office/drawing/2014/main" id="{21DF7D73-AC35-DFA6-B239-6CD06E3F5DE1}"/>
+          <p:cNvPr id="10" name="TextBox 9">
+            <a:extLst>
+              <a:ext uri="{FF2B5EF4-FFF2-40B4-BE49-F238E27FC236}">
+                <a16:creationId xmlns:a16="http://schemas.microsoft.com/office/drawing/2014/main" id="{44F5099F-96F8-7579-5400-1D6D8D541230}"/>
               </a:ext>
             </a:extLst>
           </p:cNvPr>
@@ -3492,8 +3539,8 @@
         </p:nvSpPr>
         <p:spPr>
           <a:xfrm>
-            <a:off x="1398610" y="954425"/>
-            <a:ext cx="802249" cy="230832"/>
+            <a:off x="3030115" y="3038288"/>
+            <a:ext cx="2166258" cy="369332"/>
           </a:xfrm>
           <a:prstGeom prst="rect">
             <a:avLst/>
@@ -3507,4682 +3554,8 @@
           <a:lstStyle/>
           <a:p>
             <a:r>
-              <a:rPr lang="en-SG" sz="900" dirty="0">
-                <a:solidFill>
-                  <a:srgbClr val="002060"/>
-                </a:solidFill>
-              </a:rPr>
-              <a:t>jumphost1</a:t>
-            </a:r>
-          </a:p>
-        </p:txBody>
-      </p:sp>
-      <p:cxnSp>
-        <p:nvCxnSpPr>
-          <p:cNvPr id="9" name="Straight Arrow Connector 8">
-            <a:extLst>
-              <a:ext uri="{FF2B5EF4-FFF2-40B4-BE49-F238E27FC236}">
-                <a16:creationId xmlns:a16="http://schemas.microsoft.com/office/drawing/2014/main" id="{CC11BDFB-FC1C-83D6-F404-FB454CFDF040}"/>
-              </a:ext>
-            </a:extLst>
-          </p:cNvPr>
-          <p:cNvCxnSpPr>
-            <a:cxnSpLocks/>
-          </p:cNvCxnSpPr>
-          <p:nvPr/>
-        </p:nvCxnSpPr>
-        <p:spPr>
-          <a:xfrm>
-            <a:off x="1010764" y="1331451"/>
-            <a:ext cx="445658" cy="0"/>
-          </a:xfrm>
-          <a:prstGeom prst="straightConnector1">
-            <a:avLst/>
-          </a:prstGeom>
-          <a:ln>
-            <a:tailEnd type="triangle"/>
-          </a:ln>
-        </p:spPr>
-        <p:style>
-          <a:lnRef idx="1">
-            <a:schemeClr val="accent1"/>
-          </a:lnRef>
-          <a:fillRef idx="0">
-            <a:schemeClr val="accent1"/>
-          </a:fillRef>
-          <a:effectRef idx="0">
-            <a:schemeClr val="accent1"/>
-          </a:effectRef>
-          <a:fontRef idx="minor">
-            <a:schemeClr val="tx1"/>
-          </a:fontRef>
-        </p:style>
-      </p:cxnSp>
-      <p:cxnSp>
-        <p:nvCxnSpPr>
-          <p:cNvPr id="11" name="Straight Arrow Connector 10">
-            <a:extLst>
-              <a:ext uri="{FF2B5EF4-FFF2-40B4-BE49-F238E27FC236}">
-                <a16:creationId xmlns:a16="http://schemas.microsoft.com/office/drawing/2014/main" id="{4A5FDF52-4100-50D5-9FF7-698DDA987FCE}"/>
-              </a:ext>
-            </a:extLst>
-          </p:cNvPr>
-          <p:cNvCxnSpPr>
-            <a:cxnSpLocks/>
-          </p:cNvCxnSpPr>
-          <p:nvPr/>
-        </p:nvCxnSpPr>
-        <p:spPr>
-          <a:xfrm flipV="1">
-            <a:off x="1915436" y="1331451"/>
-            <a:ext cx="390171" cy="1893"/>
-          </a:xfrm>
-          <a:prstGeom prst="straightConnector1">
-            <a:avLst/>
-          </a:prstGeom>
-          <a:ln>
-            <a:tailEnd type="triangle"/>
-          </a:ln>
-        </p:spPr>
-        <p:style>
-          <a:lnRef idx="1">
-            <a:schemeClr val="accent1"/>
-          </a:lnRef>
-          <a:fillRef idx="0">
-            <a:schemeClr val="accent1"/>
-          </a:fillRef>
-          <a:effectRef idx="0">
-            <a:schemeClr val="accent1"/>
-          </a:effectRef>
-          <a:fontRef idx="minor">
-            <a:schemeClr val="tx1"/>
-          </a:fontRef>
-        </p:style>
-      </p:cxnSp>
-      <p:sp>
-        <p:nvSpPr>
-          <p:cNvPr id="16" name="TextBox 15">
-            <a:extLst>
-              <a:ext uri="{FF2B5EF4-FFF2-40B4-BE49-F238E27FC236}">
-                <a16:creationId xmlns:a16="http://schemas.microsoft.com/office/drawing/2014/main" id="{D94C3085-7D0F-BA4F-837D-FDFB1030EFE3}"/>
-              </a:ext>
-            </a:extLst>
-          </p:cNvPr>
-          <p:cNvSpPr txBox="1"/>
-          <p:nvPr/>
-        </p:nvSpPr>
-        <p:spPr>
-          <a:xfrm>
-            <a:off x="3077663" y="1146785"/>
-            <a:ext cx="362198" cy="369332"/>
-          </a:xfrm>
-          <a:prstGeom prst="rect">
-            <a:avLst/>
-          </a:prstGeom>
-          <a:noFill/>
-        </p:spPr>
-        <p:txBody>
-          <a:bodyPr wrap="square" rtlCol="0">
-            <a:spAutoFit/>
-          </a:bodyPr>
-          <a:lstStyle/>
-          <a:p>
-            <a:r>
-              <a:rPr lang="en-US" dirty="0"/>
-              <a:t>…</a:t>
-            </a:r>
-            <a:endParaRPr lang="en-SG" dirty="0"/>
-          </a:p>
-        </p:txBody>
-      </p:sp>
-      <p:pic>
-        <p:nvPicPr>
-          <p:cNvPr id="67" name="Picture 66">
-            <a:extLst>
-              <a:ext uri="{FF2B5EF4-FFF2-40B4-BE49-F238E27FC236}">
-                <a16:creationId xmlns:a16="http://schemas.microsoft.com/office/drawing/2014/main" id="{8AAB9710-1C6F-1012-D404-14FEDE9EFCF7}"/>
-              </a:ext>
-            </a:extLst>
-          </p:cNvPr>
-          <p:cNvPicPr>
-            <a:picLocks noChangeAspect="1"/>
-          </p:cNvPicPr>
-          <p:nvPr/>
-        </p:nvPicPr>
-        <p:blipFill>
-          <a:blip r:embed="rId3"/>
-          <a:stretch>
-            <a:fillRect/>
-          </a:stretch>
-        </p:blipFill>
-        <p:spPr>
-          <a:xfrm>
-            <a:off x="2362471" y="1200646"/>
-            <a:ext cx="357596" cy="261610"/>
-          </a:xfrm>
-          <a:prstGeom prst="rect">
-            <a:avLst/>
-          </a:prstGeom>
-          <a:ln w="3175">
-            <a:solidFill>
-              <a:schemeClr val="tx1"/>
-            </a:solidFill>
-          </a:ln>
-        </p:spPr>
-      </p:pic>
-      <p:cxnSp>
-        <p:nvCxnSpPr>
-          <p:cNvPr id="68" name="Straight Arrow Connector 67">
-            <a:extLst>
-              <a:ext uri="{FF2B5EF4-FFF2-40B4-BE49-F238E27FC236}">
-                <a16:creationId xmlns:a16="http://schemas.microsoft.com/office/drawing/2014/main" id="{7160B36B-BA37-61E6-969B-D7A3CA2F2A24}"/>
-              </a:ext>
-            </a:extLst>
-          </p:cNvPr>
-          <p:cNvCxnSpPr>
-            <a:cxnSpLocks/>
-          </p:cNvCxnSpPr>
-          <p:nvPr/>
-        </p:nvCxnSpPr>
-        <p:spPr>
-          <a:xfrm>
-            <a:off x="2720067" y="1331451"/>
-            <a:ext cx="344468" cy="0"/>
-          </a:xfrm>
-          <a:prstGeom prst="straightConnector1">
-            <a:avLst/>
-          </a:prstGeom>
-          <a:ln>
-            <a:tailEnd type="triangle"/>
-          </a:ln>
-        </p:spPr>
-        <p:style>
-          <a:lnRef idx="1">
-            <a:schemeClr val="accent1"/>
-          </a:lnRef>
-          <a:fillRef idx="0">
-            <a:schemeClr val="accent1"/>
-          </a:fillRef>
-          <a:effectRef idx="0">
-            <a:schemeClr val="accent1"/>
-          </a:effectRef>
-          <a:fontRef idx="minor">
-            <a:schemeClr val="tx1"/>
-          </a:fontRef>
-        </p:style>
-      </p:cxnSp>
-      <p:cxnSp>
-        <p:nvCxnSpPr>
-          <p:cNvPr id="70" name="Straight Arrow Connector 69">
-            <a:extLst>
-              <a:ext uri="{FF2B5EF4-FFF2-40B4-BE49-F238E27FC236}">
-                <a16:creationId xmlns:a16="http://schemas.microsoft.com/office/drawing/2014/main" id="{EC941D5B-9E93-265A-C397-094DA98B3BD8}"/>
-              </a:ext>
-            </a:extLst>
-          </p:cNvPr>
-          <p:cNvCxnSpPr>
-            <a:cxnSpLocks/>
-          </p:cNvCxnSpPr>
-          <p:nvPr/>
-        </p:nvCxnSpPr>
-        <p:spPr>
-          <a:xfrm>
-            <a:off x="3382589" y="1331451"/>
-            <a:ext cx="247281" cy="0"/>
-          </a:xfrm>
-          <a:prstGeom prst="straightConnector1">
-            <a:avLst/>
-          </a:prstGeom>
-          <a:ln>
-            <a:tailEnd type="triangle"/>
-          </a:ln>
-        </p:spPr>
-        <p:style>
-          <a:lnRef idx="1">
-            <a:schemeClr val="accent1"/>
-          </a:lnRef>
-          <a:fillRef idx="0">
-            <a:schemeClr val="accent1"/>
-          </a:fillRef>
-          <a:effectRef idx="0">
-            <a:schemeClr val="accent1"/>
-          </a:effectRef>
-          <a:fontRef idx="minor">
-            <a:schemeClr val="tx1"/>
-          </a:fontRef>
-        </p:style>
-      </p:cxnSp>
-      <p:pic>
-        <p:nvPicPr>
-          <p:cNvPr id="72" name="Picture 71">
-            <a:extLst>
-              <a:ext uri="{FF2B5EF4-FFF2-40B4-BE49-F238E27FC236}">
-                <a16:creationId xmlns:a16="http://schemas.microsoft.com/office/drawing/2014/main" id="{D89FCD26-F2F3-FC35-F1FD-6225BFDF7C74}"/>
-              </a:ext>
-            </a:extLst>
-          </p:cNvPr>
-          <p:cNvPicPr>
-            <a:picLocks noChangeAspect="1"/>
-          </p:cNvPicPr>
-          <p:nvPr/>
-        </p:nvPicPr>
-        <p:blipFill>
-          <a:blip r:embed="rId3"/>
-          <a:stretch>
-            <a:fillRect/>
-          </a:stretch>
-        </p:blipFill>
-        <p:spPr>
-          <a:xfrm>
-            <a:off x="3747765" y="1193397"/>
-            <a:ext cx="357596" cy="261610"/>
-          </a:xfrm>
-          <a:prstGeom prst="rect">
-            <a:avLst/>
-          </a:prstGeom>
-          <a:ln w="3175">
-            <a:solidFill>
-              <a:schemeClr val="tx1"/>
-            </a:solidFill>
-          </a:ln>
-        </p:spPr>
-      </p:pic>
-      <p:sp>
-        <p:nvSpPr>
-          <p:cNvPr id="73" name="TextBox 72">
-            <a:extLst>
-              <a:ext uri="{FF2B5EF4-FFF2-40B4-BE49-F238E27FC236}">
-                <a16:creationId xmlns:a16="http://schemas.microsoft.com/office/drawing/2014/main" id="{794F778A-9188-A89F-4EDD-099B4099ABE7}"/>
-              </a:ext>
-            </a:extLst>
-          </p:cNvPr>
-          <p:cNvSpPr txBox="1"/>
-          <p:nvPr/>
-        </p:nvSpPr>
-        <p:spPr>
-          <a:xfrm>
-            <a:off x="2213987" y="942707"/>
-            <a:ext cx="802249" cy="230832"/>
-          </a:xfrm>
-          <a:prstGeom prst="rect">
-            <a:avLst/>
-          </a:prstGeom>
-          <a:noFill/>
-        </p:spPr>
-        <p:txBody>
-          <a:bodyPr wrap="square" rtlCol="0">
-            <a:spAutoFit/>
-          </a:bodyPr>
-          <a:lstStyle/>
-          <a:p>
-            <a:r>
-              <a:rPr lang="en-SG" sz="900" dirty="0">
-                <a:solidFill>
-                  <a:srgbClr val="002060"/>
-                </a:solidFill>
-              </a:rPr>
-              <a:t>jumphost2</a:t>
-            </a:r>
-          </a:p>
-        </p:txBody>
-      </p:sp>
-      <p:sp>
-        <p:nvSpPr>
-          <p:cNvPr id="74" name="TextBox 73">
-            <a:extLst>
-              <a:ext uri="{FF2B5EF4-FFF2-40B4-BE49-F238E27FC236}">
-                <a16:creationId xmlns:a16="http://schemas.microsoft.com/office/drawing/2014/main" id="{0DAA67DA-0CEA-93D7-A34A-EA42C8DE62D8}"/>
-              </a:ext>
-            </a:extLst>
-          </p:cNvPr>
-          <p:cNvSpPr txBox="1"/>
-          <p:nvPr/>
-        </p:nvSpPr>
-        <p:spPr>
-          <a:xfrm>
-            <a:off x="3583606" y="942707"/>
-            <a:ext cx="802249" cy="230832"/>
-          </a:xfrm>
-          <a:prstGeom prst="rect">
-            <a:avLst/>
-          </a:prstGeom>
-          <a:noFill/>
-        </p:spPr>
-        <p:txBody>
-          <a:bodyPr wrap="square" rtlCol="0">
-            <a:spAutoFit/>
-          </a:bodyPr>
-          <a:lstStyle/>
-          <a:p>
-            <a:r>
-              <a:rPr lang="en-US" sz="900" dirty="0" err="1">
-                <a:solidFill>
-                  <a:srgbClr val="002060"/>
-                </a:solidFill>
-              </a:rPr>
-              <a:t>targethost</a:t>
-            </a:r>
-            <a:r>
-              <a:rPr lang="en-US" sz="900" dirty="0">
-                <a:solidFill>
-                  <a:srgbClr val="002060"/>
-                </a:solidFill>
-              </a:rPr>
-              <a:t>-N</a:t>
-            </a:r>
-            <a:endParaRPr lang="en-SG" sz="900" dirty="0">
-              <a:solidFill>
-                <a:srgbClr val="002060"/>
-              </a:solidFill>
-            </a:endParaRPr>
-          </a:p>
-        </p:txBody>
-      </p:sp>
-      <p:pic>
-        <p:nvPicPr>
-          <p:cNvPr id="76" name="Picture 75">
-            <a:extLst>
-              <a:ext uri="{FF2B5EF4-FFF2-40B4-BE49-F238E27FC236}">
-                <a16:creationId xmlns:a16="http://schemas.microsoft.com/office/drawing/2014/main" id="{5475BACC-E55E-13F8-2B90-23748F9B6CA7}"/>
-              </a:ext>
-            </a:extLst>
-          </p:cNvPr>
-          <p:cNvPicPr>
-            <a:picLocks noChangeAspect="1"/>
-          </p:cNvPicPr>
-          <p:nvPr/>
-        </p:nvPicPr>
-        <p:blipFill>
-          <a:blip r:embed="rId3"/>
-          <a:stretch>
-            <a:fillRect/>
-          </a:stretch>
-        </p:blipFill>
-        <p:spPr>
-          <a:xfrm>
-            <a:off x="6515184" y="1424918"/>
-            <a:ext cx="357596" cy="261610"/>
-          </a:xfrm>
-          <a:prstGeom prst="rect">
-            <a:avLst/>
-          </a:prstGeom>
-          <a:ln w="3175">
-            <a:solidFill>
-              <a:schemeClr val="tx1"/>
-            </a:solidFill>
-          </a:ln>
-        </p:spPr>
-      </p:pic>
-      <p:sp>
-        <p:nvSpPr>
-          <p:cNvPr id="77" name="TextBox 76">
-            <a:extLst>
-              <a:ext uri="{FF2B5EF4-FFF2-40B4-BE49-F238E27FC236}">
-                <a16:creationId xmlns:a16="http://schemas.microsoft.com/office/drawing/2014/main" id="{43E21528-F57F-F86B-4505-6E59D1EA21D7}"/>
-              </a:ext>
-            </a:extLst>
-          </p:cNvPr>
-          <p:cNvSpPr txBox="1"/>
-          <p:nvPr/>
-        </p:nvSpPr>
-        <p:spPr>
-          <a:xfrm>
-            <a:off x="6356268" y="1190927"/>
-            <a:ext cx="802249" cy="230832"/>
-          </a:xfrm>
-          <a:prstGeom prst="rect">
-            <a:avLst/>
-          </a:prstGeom>
-          <a:noFill/>
-        </p:spPr>
-        <p:txBody>
-          <a:bodyPr wrap="square" rtlCol="0">
-            <a:spAutoFit/>
-          </a:bodyPr>
-          <a:lstStyle/>
-          <a:p>
-            <a:r>
-              <a:rPr lang="en-SG" sz="900" dirty="0">
-                <a:solidFill>
-                  <a:srgbClr val="002060"/>
-                </a:solidFill>
-              </a:rPr>
-              <a:t>jumphost1</a:t>
-            </a:r>
-          </a:p>
-        </p:txBody>
-      </p:sp>
-      <p:cxnSp>
-        <p:nvCxnSpPr>
-          <p:cNvPr id="78" name="Straight Arrow Connector 77">
-            <a:extLst>
-              <a:ext uri="{FF2B5EF4-FFF2-40B4-BE49-F238E27FC236}">
-                <a16:creationId xmlns:a16="http://schemas.microsoft.com/office/drawing/2014/main" id="{4755DC27-B0BD-536B-F208-035B274D6A38}"/>
-              </a:ext>
-            </a:extLst>
-          </p:cNvPr>
-          <p:cNvCxnSpPr>
-            <a:cxnSpLocks/>
-          </p:cNvCxnSpPr>
-          <p:nvPr/>
-        </p:nvCxnSpPr>
-        <p:spPr>
-          <a:xfrm>
-            <a:off x="5976950" y="1458803"/>
-            <a:ext cx="445658" cy="0"/>
-          </a:xfrm>
-          <a:prstGeom prst="straightConnector1">
-            <a:avLst/>
-          </a:prstGeom>
-          <a:ln>
-            <a:tailEnd type="triangle"/>
-          </a:ln>
-        </p:spPr>
-        <p:style>
-          <a:lnRef idx="1">
-            <a:schemeClr val="accent1"/>
-          </a:lnRef>
-          <a:fillRef idx="0">
-            <a:schemeClr val="accent1"/>
-          </a:fillRef>
-          <a:effectRef idx="0">
-            <a:schemeClr val="accent1"/>
-          </a:effectRef>
-          <a:fontRef idx="minor">
-            <a:schemeClr val="tx1"/>
-          </a:fontRef>
-        </p:style>
-      </p:cxnSp>
-      <p:cxnSp>
-        <p:nvCxnSpPr>
-          <p:cNvPr id="79" name="Straight Arrow Connector 78">
-            <a:extLst>
-              <a:ext uri="{FF2B5EF4-FFF2-40B4-BE49-F238E27FC236}">
-                <a16:creationId xmlns:a16="http://schemas.microsoft.com/office/drawing/2014/main" id="{5790AAC7-43AC-F93C-8695-9F79F9256249}"/>
-              </a:ext>
-            </a:extLst>
-          </p:cNvPr>
-          <p:cNvCxnSpPr>
-            <a:cxnSpLocks/>
-          </p:cNvCxnSpPr>
-          <p:nvPr/>
-        </p:nvCxnSpPr>
-        <p:spPr>
-          <a:xfrm flipV="1">
-            <a:off x="6873058" y="1453472"/>
-            <a:ext cx="390171" cy="1893"/>
-          </a:xfrm>
-          <a:prstGeom prst="straightConnector1">
-            <a:avLst/>
-          </a:prstGeom>
-          <a:ln>
-            <a:tailEnd type="triangle"/>
-          </a:ln>
-        </p:spPr>
-        <p:style>
-          <a:lnRef idx="1">
-            <a:schemeClr val="accent1"/>
-          </a:lnRef>
-          <a:fillRef idx="0">
-            <a:schemeClr val="accent1"/>
-          </a:fillRef>
-          <a:effectRef idx="0">
-            <a:schemeClr val="accent1"/>
-          </a:effectRef>
-          <a:fontRef idx="minor">
-            <a:schemeClr val="tx1"/>
-          </a:fontRef>
-        </p:style>
-      </p:cxnSp>
-      <p:sp>
-        <p:nvSpPr>
-          <p:cNvPr id="80" name="TextBox 79">
-            <a:extLst>
-              <a:ext uri="{FF2B5EF4-FFF2-40B4-BE49-F238E27FC236}">
-                <a16:creationId xmlns:a16="http://schemas.microsoft.com/office/drawing/2014/main" id="{6CBC11FE-F464-37F1-179D-55E69BA782A3}"/>
-              </a:ext>
-            </a:extLst>
-          </p:cNvPr>
-          <p:cNvSpPr txBox="1"/>
-          <p:nvPr/>
-        </p:nvSpPr>
-        <p:spPr>
-          <a:xfrm>
-            <a:off x="8043849" y="1369999"/>
-            <a:ext cx="362198" cy="369332"/>
-          </a:xfrm>
-          <a:prstGeom prst="rect">
-            <a:avLst/>
-          </a:prstGeom>
-          <a:noFill/>
-        </p:spPr>
-        <p:txBody>
-          <a:bodyPr wrap="square" rtlCol="0">
-            <a:spAutoFit/>
-          </a:bodyPr>
-          <a:lstStyle/>
-          <a:p>
-            <a:r>
-              <a:rPr lang="en-US" dirty="0"/>
-              <a:t>…</a:t>
-            </a:r>
-            <a:endParaRPr lang="en-SG" dirty="0"/>
-          </a:p>
-        </p:txBody>
-      </p:sp>
-      <p:pic>
-        <p:nvPicPr>
-          <p:cNvPr id="81" name="Picture 80">
-            <a:extLst>
-              <a:ext uri="{FF2B5EF4-FFF2-40B4-BE49-F238E27FC236}">
-                <a16:creationId xmlns:a16="http://schemas.microsoft.com/office/drawing/2014/main" id="{ABAE8E8A-1FE4-0DEF-5E5F-5173DCB84885}"/>
-              </a:ext>
-            </a:extLst>
-          </p:cNvPr>
-          <p:cNvPicPr>
-            <a:picLocks noChangeAspect="1"/>
-          </p:cNvPicPr>
-          <p:nvPr/>
-        </p:nvPicPr>
-        <p:blipFill>
-          <a:blip r:embed="rId3"/>
-          <a:stretch>
-            <a:fillRect/>
-          </a:stretch>
-        </p:blipFill>
-        <p:spPr>
-          <a:xfrm>
-            <a:off x="7328657" y="1423860"/>
-            <a:ext cx="357596" cy="261610"/>
-          </a:xfrm>
-          <a:prstGeom prst="rect">
-            <a:avLst/>
-          </a:prstGeom>
-          <a:ln w="3175">
-            <a:solidFill>
-              <a:schemeClr val="tx1"/>
-            </a:solidFill>
-          </a:ln>
-        </p:spPr>
-      </p:pic>
-      <p:cxnSp>
-        <p:nvCxnSpPr>
-          <p:cNvPr id="82" name="Straight Arrow Connector 81">
-            <a:extLst>
-              <a:ext uri="{FF2B5EF4-FFF2-40B4-BE49-F238E27FC236}">
-                <a16:creationId xmlns:a16="http://schemas.microsoft.com/office/drawing/2014/main" id="{3A8454B8-B347-0E1B-4973-EE6474E64F2A}"/>
-              </a:ext>
-            </a:extLst>
-          </p:cNvPr>
-          <p:cNvCxnSpPr>
-            <a:cxnSpLocks/>
-          </p:cNvCxnSpPr>
-          <p:nvPr/>
-        </p:nvCxnSpPr>
-        <p:spPr>
-          <a:xfrm>
-            <a:off x="7698953" y="1459797"/>
-            <a:ext cx="344468" cy="0"/>
-          </a:xfrm>
-          <a:prstGeom prst="straightConnector1">
-            <a:avLst/>
-          </a:prstGeom>
-          <a:ln>
-            <a:tailEnd type="triangle"/>
-          </a:ln>
-        </p:spPr>
-        <p:style>
-          <a:lnRef idx="1">
-            <a:schemeClr val="accent1"/>
-          </a:lnRef>
-          <a:fillRef idx="0">
-            <a:schemeClr val="accent1"/>
-          </a:fillRef>
-          <a:effectRef idx="0">
-            <a:schemeClr val="accent1"/>
-          </a:effectRef>
-          <a:fontRef idx="minor">
-            <a:schemeClr val="tx1"/>
-          </a:fontRef>
-        </p:style>
-      </p:cxnSp>
-      <p:cxnSp>
-        <p:nvCxnSpPr>
-          <p:cNvPr id="83" name="Straight Arrow Connector 82">
-            <a:extLst>
-              <a:ext uri="{FF2B5EF4-FFF2-40B4-BE49-F238E27FC236}">
-                <a16:creationId xmlns:a16="http://schemas.microsoft.com/office/drawing/2014/main" id="{5BDE63C3-B238-04EA-5B80-29478089C3A3}"/>
-              </a:ext>
-            </a:extLst>
-          </p:cNvPr>
-          <p:cNvCxnSpPr>
-            <a:cxnSpLocks/>
-          </p:cNvCxnSpPr>
-          <p:nvPr/>
-        </p:nvCxnSpPr>
-        <p:spPr>
-          <a:xfrm>
-            <a:off x="8350495" y="1453472"/>
-            <a:ext cx="247281" cy="0"/>
-          </a:xfrm>
-          <a:prstGeom prst="straightConnector1">
-            <a:avLst/>
-          </a:prstGeom>
-          <a:ln>
-            <a:tailEnd type="triangle"/>
-          </a:ln>
-        </p:spPr>
-        <p:style>
-          <a:lnRef idx="1">
-            <a:schemeClr val="accent1"/>
-          </a:lnRef>
-          <a:fillRef idx="0">
-            <a:schemeClr val="accent1"/>
-          </a:fillRef>
-          <a:effectRef idx="0">
-            <a:schemeClr val="accent1"/>
-          </a:effectRef>
-          <a:fontRef idx="minor">
-            <a:schemeClr val="tx1"/>
-          </a:fontRef>
-        </p:style>
-      </p:cxnSp>
-      <p:pic>
-        <p:nvPicPr>
-          <p:cNvPr id="84" name="Picture 83">
-            <a:extLst>
-              <a:ext uri="{FF2B5EF4-FFF2-40B4-BE49-F238E27FC236}">
-                <a16:creationId xmlns:a16="http://schemas.microsoft.com/office/drawing/2014/main" id="{4540BAB3-5A80-1BA5-ADF7-CA085BB46083}"/>
-              </a:ext>
-            </a:extLst>
-          </p:cNvPr>
-          <p:cNvPicPr>
-            <a:picLocks noChangeAspect="1"/>
-          </p:cNvPicPr>
-          <p:nvPr/>
-        </p:nvPicPr>
-        <p:blipFill>
-          <a:blip r:embed="rId3"/>
-          <a:stretch>
-            <a:fillRect/>
-          </a:stretch>
-        </p:blipFill>
-        <p:spPr>
-          <a:xfrm>
-            <a:off x="8713951" y="1416611"/>
-            <a:ext cx="357596" cy="261610"/>
-          </a:xfrm>
-          <a:prstGeom prst="rect">
-            <a:avLst/>
-          </a:prstGeom>
-          <a:ln w="3175">
-            <a:solidFill>
-              <a:schemeClr val="tx1"/>
-            </a:solidFill>
-          </a:ln>
-        </p:spPr>
-      </p:pic>
-      <p:sp>
-        <p:nvSpPr>
-          <p:cNvPr id="85" name="TextBox 84">
-            <a:extLst>
-              <a:ext uri="{FF2B5EF4-FFF2-40B4-BE49-F238E27FC236}">
-                <a16:creationId xmlns:a16="http://schemas.microsoft.com/office/drawing/2014/main" id="{DA9D377E-A419-E3A9-5502-8E0E71B7BD7B}"/>
-              </a:ext>
-            </a:extLst>
-          </p:cNvPr>
-          <p:cNvSpPr txBox="1"/>
-          <p:nvPr/>
-        </p:nvSpPr>
-        <p:spPr>
-          <a:xfrm>
-            <a:off x="7180173" y="1165921"/>
-            <a:ext cx="802249" cy="230832"/>
-          </a:xfrm>
-          <a:prstGeom prst="rect">
-            <a:avLst/>
-          </a:prstGeom>
-          <a:noFill/>
-        </p:spPr>
-        <p:txBody>
-          <a:bodyPr wrap="square" rtlCol="0">
-            <a:spAutoFit/>
-          </a:bodyPr>
-          <a:lstStyle/>
-          <a:p>
-            <a:r>
-              <a:rPr lang="en-SG" sz="900" dirty="0">
-                <a:solidFill>
-                  <a:srgbClr val="002060"/>
-                </a:solidFill>
-              </a:rPr>
-              <a:t>jumphost2</a:t>
-            </a:r>
-          </a:p>
-        </p:txBody>
-      </p:sp>
-      <p:sp>
-        <p:nvSpPr>
-          <p:cNvPr id="86" name="TextBox 85">
-            <a:extLst>
-              <a:ext uri="{FF2B5EF4-FFF2-40B4-BE49-F238E27FC236}">
-                <a16:creationId xmlns:a16="http://schemas.microsoft.com/office/drawing/2014/main" id="{9659D940-8B0B-A156-8080-296B758B51A7}"/>
-              </a:ext>
-            </a:extLst>
-          </p:cNvPr>
-          <p:cNvSpPr txBox="1"/>
-          <p:nvPr/>
-        </p:nvSpPr>
-        <p:spPr>
-          <a:xfrm>
-            <a:off x="8549792" y="1165921"/>
-            <a:ext cx="802249" cy="230832"/>
-          </a:xfrm>
-          <a:prstGeom prst="rect">
-            <a:avLst/>
-          </a:prstGeom>
-          <a:noFill/>
-        </p:spPr>
-        <p:txBody>
-          <a:bodyPr wrap="square" rtlCol="0">
-            <a:spAutoFit/>
-          </a:bodyPr>
-          <a:lstStyle/>
-          <a:p>
-            <a:r>
-              <a:rPr lang="en-US" sz="900" dirty="0" err="1">
-                <a:solidFill>
-                  <a:srgbClr val="002060"/>
-                </a:solidFill>
-              </a:rPr>
-              <a:t>targethost</a:t>
-            </a:r>
-            <a:r>
-              <a:rPr lang="en-US" sz="900" dirty="0">
-                <a:solidFill>
-                  <a:srgbClr val="002060"/>
-                </a:solidFill>
-              </a:rPr>
-              <a:t>-N</a:t>
-            </a:r>
-            <a:endParaRPr lang="en-SG" sz="900" dirty="0">
-              <a:solidFill>
-                <a:srgbClr val="002060"/>
-              </a:solidFill>
-            </a:endParaRPr>
-          </a:p>
-        </p:txBody>
-      </p:sp>
-      <p:cxnSp>
-        <p:nvCxnSpPr>
-          <p:cNvPr id="87" name="Straight Arrow Connector 86">
-            <a:extLst>
-              <a:ext uri="{FF2B5EF4-FFF2-40B4-BE49-F238E27FC236}">
-                <a16:creationId xmlns:a16="http://schemas.microsoft.com/office/drawing/2014/main" id="{2B0B5457-CD0C-D160-8092-2AE42C50BBC0}"/>
-              </a:ext>
-            </a:extLst>
-          </p:cNvPr>
-          <p:cNvCxnSpPr>
-            <a:cxnSpLocks/>
-          </p:cNvCxnSpPr>
-          <p:nvPr/>
-        </p:nvCxnSpPr>
-        <p:spPr>
-          <a:xfrm>
-            <a:off x="5976950" y="1559184"/>
-            <a:ext cx="445658" cy="0"/>
-          </a:xfrm>
-          <a:prstGeom prst="straightConnector1">
-            <a:avLst/>
-          </a:prstGeom>
-          <a:ln>
-            <a:prstDash val="dash"/>
-            <a:tailEnd type="triangle"/>
-          </a:ln>
-        </p:spPr>
-        <p:style>
-          <a:lnRef idx="1">
-            <a:schemeClr val="accent1"/>
-          </a:lnRef>
-          <a:fillRef idx="0">
-            <a:schemeClr val="accent1"/>
-          </a:fillRef>
-          <a:effectRef idx="0">
-            <a:schemeClr val="accent1"/>
-          </a:effectRef>
-          <a:fontRef idx="minor">
-            <a:schemeClr val="tx1"/>
-          </a:fontRef>
-        </p:style>
-      </p:cxnSp>
-      <p:cxnSp>
-        <p:nvCxnSpPr>
-          <p:cNvPr id="89" name="Straight Arrow Connector 88">
-            <a:extLst>
-              <a:ext uri="{FF2B5EF4-FFF2-40B4-BE49-F238E27FC236}">
-                <a16:creationId xmlns:a16="http://schemas.microsoft.com/office/drawing/2014/main" id="{33EBA6EF-11ED-A087-B0BF-3DA4D28A07CD}"/>
-              </a:ext>
-            </a:extLst>
-          </p:cNvPr>
-          <p:cNvCxnSpPr>
-            <a:cxnSpLocks/>
-          </p:cNvCxnSpPr>
-          <p:nvPr/>
-        </p:nvCxnSpPr>
-        <p:spPr>
-          <a:xfrm>
-            <a:off x="5976950" y="1642362"/>
-            <a:ext cx="445658" cy="0"/>
-          </a:xfrm>
-          <a:prstGeom prst="straightConnector1">
-            <a:avLst/>
-          </a:prstGeom>
-          <a:ln>
-            <a:prstDash val="dash"/>
-            <a:tailEnd type="triangle"/>
-          </a:ln>
-        </p:spPr>
-        <p:style>
-          <a:lnRef idx="1">
-            <a:schemeClr val="accent1"/>
-          </a:lnRef>
-          <a:fillRef idx="0">
-            <a:schemeClr val="accent1"/>
-          </a:fillRef>
-          <a:effectRef idx="0">
-            <a:schemeClr val="accent1"/>
-          </a:effectRef>
-          <a:fontRef idx="minor">
-            <a:schemeClr val="tx1"/>
-          </a:fontRef>
-        </p:style>
-      </p:cxnSp>
-      <p:cxnSp>
-        <p:nvCxnSpPr>
-          <p:cNvPr id="90" name="Straight Arrow Connector 89">
-            <a:extLst>
-              <a:ext uri="{FF2B5EF4-FFF2-40B4-BE49-F238E27FC236}">
-                <a16:creationId xmlns:a16="http://schemas.microsoft.com/office/drawing/2014/main" id="{0637B61D-52E2-DC4C-9B3F-FF41ADADA14E}"/>
-              </a:ext>
-            </a:extLst>
-          </p:cNvPr>
-          <p:cNvCxnSpPr>
-            <a:cxnSpLocks/>
-          </p:cNvCxnSpPr>
-          <p:nvPr/>
-        </p:nvCxnSpPr>
-        <p:spPr>
-          <a:xfrm>
-            <a:off x="6881622" y="1547416"/>
-            <a:ext cx="381607" cy="0"/>
-          </a:xfrm>
-          <a:prstGeom prst="straightConnector1">
-            <a:avLst/>
-          </a:prstGeom>
-          <a:ln>
-            <a:prstDash val="dash"/>
-            <a:tailEnd type="triangle"/>
-          </a:ln>
-        </p:spPr>
-        <p:style>
-          <a:lnRef idx="1">
-            <a:schemeClr val="accent1"/>
-          </a:lnRef>
-          <a:fillRef idx="0">
-            <a:schemeClr val="accent1"/>
-          </a:fillRef>
-          <a:effectRef idx="0">
-            <a:schemeClr val="accent1"/>
-          </a:effectRef>
-          <a:fontRef idx="minor">
-            <a:schemeClr val="tx1"/>
-          </a:fontRef>
-        </p:style>
-      </p:cxnSp>
-      <p:cxnSp>
-        <p:nvCxnSpPr>
-          <p:cNvPr id="92" name="Straight Arrow Connector 91">
-            <a:extLst>
-              <a:ext uri="{FF2B5EF4-FFF2-40B4-BE49-F238E27FC236}">
-                <a16:creationId xmlns:a16="http://schemas.microsoft.com/office/drawing/2014/main" id="{BADF4FE4-0531-1428-BE45-825C7173BAF6}"/>
-              </a:ext>
-            </a:extLst>
-          </p:cNvPr>
-          <p:cNvCxnSpPr>
-            <a:cxnSpLocks/>
-          </p:cNvCxnSpPr>
-          <p:nvPr/>
-        </p:nvCxnSpPr>
-        <p:spPr>
-          <a:xfrm>
-            <a:off x="6882812" y="1645342"/>
-            <a:ext cx="381607" cy="0"/>
-          </a:xfrm>
-          <a:prstGeom prst="straightConnector1">
-            <a:avLst/>
-          </a:prstGeom>
-          <a:ln>
-            <a:prstDash val="dash"/>
-            <a:tailEnd type="triangle"/>
-          </a:ln>
-        </p:spPr>
-        <p:style>
-          <a:lnRef idx="1">
-            <a:schemeClr val="accent1"/>
-          </a:lnRef>
-          <a:fillRef idx="0">
-            <a:schemeClr val="accent1"/>
-          </a:fillRef>
-          <a:effectRef idx="0">
-            <a:schemeClr val="accent1"/>
-          </a:effectRef>
-          <a:fontRef idx="minor">
-            <a:schemeClr val="tx1"/>
-          </a:fontRef>
-        </p:style>
-      </p:cxnSp>
-      <p:cxnSp>
-        <p:nvCxnSpPr>
-          <p:cNvPr id="93" name="Straight Arrow Connector 92">
-            <a:extLst>
-              <a:ext uri="{FF2B5EF4-FFF2-40B4-BE49-F238E27FC236}">
-                <a16:creationId xmlns:a16="http://schemas.microsoft.com/office/drawing/2014/main" id="{05C0FEC9-DA5E-7DA7-78F4-F6D9FFD449B5}"/>
-              </a:ext>
-            </a:extLst>
-          </p:cNvPr>
-          <p:cNvCxnSpPr>
-            <a:cxnSpLocks/>
-            <a:stCxn id="81" idx="3"/>
-            <a:endCxn id="80" idx="1"/>
-          </p:cNvCxnSpPr>
-          <p:nvPr/>
-        </p:nvCxnSpPr>
-        <p:spPr>
-          <a:xfrm>
-            <a:off x="7686253" y="1554665"/>
-            <a:ext cx="357596" cy="0"/>
-          </a:xfrm>
-          <a:prstGeom prst="straightConnector1">
-            <a:avLst/>
-          </a:prstGeom>
-          <a:ln>
-            <a:prstDash val="dash"/>
-            <a:tailEnd type="triangle"/>
-          </a:ln>
-        </p:spPr>
-        <p:style>
-          <a:lnRef idx="1">
-            <a:schemeClr val="accent1"/>
-          </a:lnRef>
-          <a:fillRef idx="0">
-            <a:schemeClr val="accent1"/>
-          </a:fillRef>
-          <a:effectRef idx="0">
-            <a:schemeClr val="accent1"/>
-          </a:effectRef>
-          <a:fontRef idx="minor">
-            <a:schemeClr val="tx1"/>
-          </a:fontRef>
-        </p:style>
-      </p:cxnSp>
-      <p:cxnSp>
-        <p:nvCxnSpPr>
-          <p:cNvPr id="96" name="Straight Arrow Connector 95">
-            <a:extLst>
-              <a:ext uri="{FF2B5EF4-FFF2-40B4-BE49-F238E27FC236}">
-                <a16:creationId xmlns:a16="http://schemas.microsoft.com/office/drawing/2014/main" id="{EFCF136A-542D-158D-B607-7EF056512E6B}"/>
-              </a:ext>
-            </a:extLst>
-          </p:cNvPr>
-          <p:cNvCxnSpPr>
-            <a:cxnSpLocks/>
-          </p:cNvCxnSpPr>
-          <p:nvPr/>
-        </p:nvCxnSpPr>
-        <p:spPr>
-          <a:xfrm>
-            <a:off x="7690209" y="1642362"/>
-            <a:ext cx="357596" cy="0"/>
-          </a:xfrm>
-          <a:prstGeom prst="straightConnector1">
-            <a:avLst/>
-          </a:prstGeom>
-          <a:ln>
-            <a:prstDash val="dash"/>
-            <a:tailEnd type="triangle"/>
-          </a:ln>
-        </p:spPr>
-        <p:style>
-          <a:lnRef idx="1">
-            <a:schemeClr val="accent1"/>
-          </a:lnRef>
-          <a:fillRef idx="0">
-            <a:schemeClr val="accent1"/>
-          </a:fillRef>
-          <a:effectRef idx="0">
-            <a:schemeClr val="accent1"/>
-          </a:effectRef>
-          <a:fontRef idx="minor">
-            <a:schemeClr val="tx1"/>
-          </a:fontRef>
-        </p:style>
-      </p:cxnSp>
-      <p:cxnSp>
-        <p:nvCxnSpPr>
-          <p:cNvPr id="97" name="Straight Arrow Connector 96">
-            <a:extLst>
-              <a:ext uri="{FF2B5EF4-FFF2-40B4-BE49-F238E27FC236}">
-                <a16:creationId xmlns:a16="http://schemas.microsoft.com/office/drawing/2014/main" id="{7FF8091E-C37D-CDA5-2FF5-8CD6CB57C98A}"/>
-              </a:ext>
-            </a:extLst>
-          </p:cNvPr>
-          <p:cNvCxnSpPr>
-            <a:cxnSpLocks/>
-          </p:cNvCxnSpPr>
-          <p:nvPr/>
-        </p:nvCxnSpPr>
-        <p:spPr>
-          <a:xfrm>
-            <a:off x="8357132" y="1554665"/>
-            <a:ext cx="247281" cy="0"/>
-          </a:xfrm>
-          <a:prstGeom prst="straightConnector1">
-            <a:avLst/>
-          </a:prstGeom>
-          <a:ln>
-            <a:prstDash val="dash"/>
-            <a:tailEnd type="triangle"/>
-          </a:ln>
-        </p:spPr>
-        <p:style>
-          <a:lnRef idx="1">
-            <a:schemeClr val="accent1"/>
-          </a:lnRef>
-          <a:fillRef idx="0">
-            <a:schemeClr val="accent1"/>
-          </a:fillRef>
-          <a:effectRef idx="0">
-            <a:schemeClr val="accent1"/>
-          </a:effectRef>
-          <a:fontRef idx="minor">
-            <a:schemeClr val="tx1"/>
-          </a:fontRef>
-        </p:style>
-      </p:cxnSp>
-      <p:cxnSp>
-        <p:nvCxnSpPr>
-          <p:cNvPr id="98" name="Straight Arrow Connector 97">
-            <a:extLst>
-              <a:ext uri="{FF2B5EF4-FFF2-40B4-BE49-F238E27FC236}">
-                <a16:creationId xmlns:a16="http://schemas.microsoft.com/office/drawing/2014/main" id="{55C1B72F-DB20-4031-FCA1-81A53746E1B7}"/>
-              </a:ext>
-            </a:extLst>
-          </p:cNvPr>
-          <p:cNvCxnSpPr>
-            <a:cxnSpLocks/>
-          </p:cNvCxnSpPr>
-          <p:nvPr/>
-        </p:nvCxnSpPr>
-        <p:spPr>
-          <a:xfrm>
-            <a:off x="8357377" y="1646229"/>
-            <a:ext cx="247281" cy="0"/>
-          </a:xfrm>
-          <a:prstGeom prst="straightConnector1">
-            <a:avLst/>
-          </a:prstGeom>
-          <a:ln>
-            <a:prstDash val="dash"/>
-            <a:tailEnd type="triangle"/>
-          </a:ln>
-        </p:spPr>
-        <p:style>
-          <a:lnRef idx="1">
-            <a:schemeClr val="accent1"/>
-          </a:lnRef>
-          <a:fillRef idx="0">
-            <a:schemeClr val="accent1"/>
-          </a:fillRef>
-          <a:effectRef idx="0">
-            <a:schemeClr val="accent1"/>
-          </a:effectRef>
-          <a:fontRef idx="minor">
-            <a:schemeClr val="tx1"/>
-          </a:fontRef>
-        </p:style>
-      </p:cxnSp>
-      <p:pic>
-        <p:nvPicPr>
-          <p:cNvPr id="101" name="Picture 4">
-            <a:extLst>
-              <a:ext uri="{FF2B5EF4-FFF2-40B4-BE49-F238E27FC236}">
-                <a16:creationId xmlns:a16="http://schemas.microsoft.com/office/drawing/2014/main" id="{A69EB937-F560-980D-D8D7-5213014A200A}"/>
-              </a:ext>
-            </a:extLst>
-          </p:cNvPr>
-          <p:cNvPicPr>
-            <a:picLocks noChangeAspect="1" noChangeArrowheads="1"/>
-          </p:cNvPicPr>
-          <p:nvPr/>
-        </p:nvPicPr>
-        <p:blipFill>
-          <a:blip r:embed="rId2">
-            <a:extLst>
-              <a:ext uri="{28A0092B-C50C-407E-A947-70E740481C1C}">
-                <a14:useLocalDpi xmlns:a14="http://schemas.microsoft.com/office/drawing/2010/main" val="0"/>
-              </a:ext>
-            </a:extLst>
-          </a:blip>
-          <a:srcRect/>
-          <a:stretch>
-            <a:fillRect/>
-          </a:stretch>
-        </p:blipFill>
-        <p:spPr bwMode="auto">
-          <a:xfrm>
-            <a:off x="622794" y="2824239"/>
-            <a:ext cx="429814" cy="429814"/>
-          </a:xfrm>
-          <a:prstGeom prst="rect">
-            <a:avLst/>
-          </a:prstGeom>
-          <a:noFill/>
-          <a:extLst>
-            <a:ext uri="{909E8E84-426E-40DD-AFC4-6F175D3DCCD1}">
-              <a14:hiddenFill xmlns:a14="http://schemas.microsoft.com/office/drawing/2010/main">
-                <a:solidFill>
-                  <a:srgbClr val="FFFFFF"/>
-                </a:solidFill>
-              </a14:hiddenFill>
-            </a:ext>
-          </a:extLst>
-        </p:spPr>
-      </p:pic>
-      <p:cxnSp>
-        <p:nvCxnSpPr>
-          <p:cNvPr id="102" name="Straight Arrow Connector 101">
-            <a:extLst>
-              <a:ext uri="{FF2B5EF4-FFF2-40B4-BE49-F238E27FC236}">
-                <a16:creationId xmlns:a16="http://schemas.microsoft.com/office/drawing/2014/main" id="{56A62553-E0B7-9991-6714-A37FD555D9B2}"/>
-              </a:ext>
-            </a:extLst>
-          </p:cNvPr>
-          <p:cNvCxnSpPr>
-            <a:cxnSpLocks/>
-          </p:cNvCxnSpPr>
-          <p:nvPr/>
-        </p:nvCxnSpPr>
-        <p:spPr>
-          <a:xfrm>
-            <a:off x="1103340" y="5525491"/>
-            <a:ext cx="812096" cy="0"/>
-          </a:xfrm>
-          <a:prstGeom prst="straightConnector1">
-            <a:avLst/>
-          </a:prstGeom>
-          <a:ln>
-            <a:prstDash val="dash"/>
-            <a:tailEnd type="triangle"/>
-          </a:ln>
-        </p:spPr>
-        <p:style>
-          <a:lnRef idx="1">
-            <a:schemeClr val="accent1"/>
-          </a:lnRef>
-          <a:fillRef idx="0">
-            <a:schemeClr val="accent1"/>
-          </a:fillRef>
-          <a:effectRef idx="0">
-            <a:schemeClr val="accent1"/>
-          </a:effectRef>
-          <a:fontRef idx="minor">
-            <a:schemeClr val="tx1"/>
-          </a:fontRef>
-        </p:style>
-      </p:cxnSp>
-      <p:pic>
-        <p:nvPicPr>
-          <p:cNvPr id="104" name="Picture 103">
-            <a:extLst>
-              <a:ext uri="{FF2B5EF4-FFF2-40B4-BE49-F238E27FC236}">
-                <a16:creationId xmlns:a16="http://schemas.microsoft.com/office/drawing/2014/main" id="{1949565A-B154-1A06-27D5-A2A4996A7BC9}"/>
-              </a:ext>
-            </a:extLst>
-          </p:cNvPr>
-          <p:cNvPicPr>
-            <a:picLocks noChangeAspect="1"/>
-          </p:cNvPicPr>
-          <p:nvPr/>
-        </p:nvPicPr>
-        <p:blipFill>
-          <a:blip r:embed="rId3"/>
-          <a:stretch>
-            <a:fillRect/>
-          </a:stretch>
-        </p:blipFill>
-        <p:spPr>
-          <a:xfrm>
-            <a:off x="1608408" y="2918240"/>
-            <a:ext cx="357596" cy="261610"/>
-          </a:xfrm>
-          <a:prstGeom prst="rect">
-            <a:avLst/>
-          </a:prstGeom>
-          <a:ln w="3175">
-            <a:solidFill>
-              <a:schemeClr val="tx1"/>
-            </a:solidFill>
-          </a:ln>
-        </p:spPr>
-      </p:pic>
-      <p:sp>
-        <p:nvSpPr>
-          <p:cNvPr id="105" name="TextBox 104">
-            <a:extLst>
-              <a:ext uri="{FF2B5EF4-FFF2-40B4-BE49-F238E27FC236}">
-                <a16:creationId xmlns:a16="http://schemas.microsoft.com/office/drawing/2014/main" id="{676A5FCF-80A3-1317-E1DA-F1819066A101}"/>
-              </a:ext>
-            </a:extLst>
-          </p:cNvPr>
-          <p:cNvSpPr txBox="1"/>
-          <p:nvPr/>
-        </p:nvSpPr>
-        <p:spPr>
-          <a:xfrm>
-            <a:off x="1436457" y="2669799"/>
-            <a:ext cx="802249" cy="230832"/>
-          </a:xfrm>
-          <a:prstGeom prst="rect">
-            <a:avLst/>
-          </a:prstGeom>
-          <a:noFill/>
-        </p:spPr>
-        <p:txBody>
-          <a:bodyPr wrap="square" rtlCol="0">
-            <a:spAutoFit/>
-          </a:bodyPr>
-          <a:lstStyle/>
-          <a:p>
-            <a:r>
-              <a:rPr lang="en-SG" sz="900" dirty="0">
-                <a:solidFill>
-                  <a:srgbClr val="002060"/>
-                </a:solidFill>
-              </a:rPr>
-              <a:t>Jumphost1-N</a:t>
-            </a:r>
-          </a:p>
-        </p:txBody>
-      </p:sp>
-      <p:cxnSp>
-        <p:nvCxnSpPr>
-          <p:cNvPr id="106" name="Straight Arrow Connector 105">
-            <a:extLst>
-              <a:ext uri="{FF2B5EF4-FFF2-40B4-BE49-F238E27FC236}">
-                <a16:creationId xmlns:a16="http://schemas.microsoft.com/office/drawing/2014/main" id="{E9E6CA6E-5EEF-C73B-A04C-6F4A9AAB2ED5}"/>
-              </a:ext>
-            </a:extLst>
-          </p:cNvPr>
-          <p:cNvCxnSpPr>
-            <a:cxnSpLocks/>
-          </p:cNvCxnSpPr>
-          <p:nvPr/>
-        </p:nvCxnSpPr>
-        <p:spPr>
-          <a:xfrm flipV="1">
-            <a:off x="1995204" y="2965162"/>
-            <a:ext cx="390171" cy="1893"/>
-          </a:xfrm>
-          <a:prstGeom prst="straightConnector1">
-            <a:avLst/>
-          </a:prstGeom>
-          <a:ln>
-            <a:tailEnd type="triangle"/>
-          </a:ln>
-        </p:spPr>
-        <p:style>
-          <a:lnRef idx="1">
-            <a:schemeClr val="accent1"/>
-          </a:lnRef>
-          <a:fillRef idx="0">
-            <a:schemeClr val="accent1"/>
-          </a:fillRef>
-          <a:effectRef idx="0">
-            <a:schemeClr val="accent1"/>
-          </a:effectRef>
-          <a:fontRef idx="minor">
-            <a:schemeClr val="tx1"/>
-          </a:fontRef>
-        </p:style>
-      </p:cxnSp>
-      <p:pic>
-        <p:nvPicPr>
-          <p:cNvPr id="107" name="Picture 106">
-            <a:extLst>
-              <a:ext uri="{FF2B5EF4-FFF2-40B4-BE49-F238E27FC236}">
-                <a16:creationId xmlns:a16="http://schemas.microsoft.com/office/drawing/2014/main" id="{4C353AF3-DA3A-FA18-4AD5-E185D5E944C8}"/>
-              </a:ext>
-            </a:extLst>
-          </p:cNvPr>
-          <p:cNvPicPr>
-            <a:picLocks noChangeAspect="1"/>
-          </p:cNvPicPr>
-          <p:nvPr/>
-        </p:nvPicPr>
-        <p:blipFill>
-          <a:blip r:embed="rId3"/>
-          <a:stretch>
-            <a:fillRect/>
-          </a:stretch>
-        </p:blipFill>
-        <p:spPr>
-          <a:xfrm>
-            <a:off x="2440323" y="2908341"/>
-            <a:ext cx="357596" cy="261610"/>
-          </a:xfrm>
-          <a:prstGeom prst="rect">
-            <a:avLst/>
-          </a:prstGeom>
-          <a:ln w="3175">
-            <a:solidFill>
-              <a:schemeClr val="tx1"/>
-            </a:solidFill>
-          </a:ln>
-        </p:spPr>
-      </p:pic>
-      <p:cxnSp>
-        <p:nvCxnSpPr>
-          <p:cNvPr id="108" name="Straight Arrow Connector 107">
-            <a:extLst>
-              <a:ext uri="{FF2B5EF4-FFF2-40B4-BE49-F238E27FC236}">
-                <a16:creationId xmlns:a16="http://schemas.microsoft.com/office/drawing/2014/main" id="{C845C243-78AC-6BF5-9EC7-0D15A7579A4B}"/>
-              </a:ext>
-            </a:extLst>
-          </p:cNvPr>
-          <p:cNvCxnSpPr>
-            <a:cxnSpLocks/>
-          </p:cNvCxnSpPr>
-          <p:nvPr/>
-        </p:nvCxnSpPr>
-        <p:spPr>
-          <a:xfrm>
-            <a:off x="1995293" y="3117719"/>
-            <a:ext cx="381518" cy="287803"/>
-          </a:xfrm>
-          <a:prstGeom prst="straightConnector1">
-            <a:avLst/>
-          </a:prstGeom>
-          <a:ln>
-            <a:tailEnd type="triangle"/>
-          </a:ln>
-        </p:spPr>
-        <p:style>
-          <a:lnRef idx="1">
-            <a:schemeClr val="accent1"/>
-          </a:lnRef>
-          <a:fillRef idx="0">
-            <a:schemeClr val="accent1"/>
-          </a:fillRef>
-          <a:effectRef idx="0">
-            <a:schemeClr val="accent1"/>
-          </a:effectRef>
-          <a:fontRef idx="minor">
-            <a:schemeClr val="tx1"/>
-          </a:fontRef>
-        </p:style>
-      </p:cxnSp>
-      <p:pic>
-        <p:nvPicPr>
-          <p:cNvPr id="111" name="Picture 110">
-            <a:extLst>
-              <a:ext uri="{FF2B5EF4-FFF2-40B4-BE49-F238E27FC236}">
-                <a16:creationId xmlns:a16="http://schemas.microsoft.com/office/drawing/2014/main" id="{2B9CF67F-A9E9-47E7-C702-CF82B9D5220C}"/>
-              </a:ext>
-            </a:extLst>
-          </p:cNvPr>
-          <p:cNvPicPr>
-            <a:picLocks noChangeAspect="1"/>
-          </p:cNvPicPr>
-          <p:nvPr/>
-        </p:nvPicPr>
-        <p:blipFill>
-          <a:blip r:embed="rId3"/>
-          <a:stretch>
-            <a:fillRect/>
-          </a:stretch>
-        </p:blipFill>
-        <p:spPr>
-          <a:xfrm>
-            <a:off x="2440323" y="3335411"/>
-            <a:ext cx="357596" cy="261610"/>
-          </a:xfrm>
-          <a:prstGeom prst="rect">
-            <a:avLst/>
-          </a:prstGeom>
-          <a:ln w="3175">
-            <a:solidFill>
-              <a:schemeClr val="tx1"/>
-            </a:solidFill>
-          </a:ln>
-        </p:spPr>
-      </p:pic>
-      <p:sp>
-        <p:nvSpPr>
-          <p:cNvPr id="113" name="TextBox 112">
-            <a:extLst>
-              <a:ext uri="{FF2B5EF4-FFF2-40B4-BE49-F238E27FC236}">
-                <a16:creationId xmlns:a16="http://schemas.microsoft.com/office/drawing/2014/main" id="{E3924D85-5136-6611-7D86-D26273131D15}"/>
-              </a:ext>
-            </a:extLst>
-          </p:cNvPr>
-          <p:cNvSpPr txBox="1"/>
-          <p:nvPr/>
-        </p:nvSpPr>
-        <p:spPr>
-          <a:xfrm>
-            <a:off x="2431759" y="3000987"/>
-            <a:ext cx="362198" cy="369332"/>
-          </a:xfrm>
-          <a:prstGeom prst="rect">
-            <a:avLst/>
-          </a:prstGeom>
-          <a:noFill/>
-        </p:spPr>
-        <p:txBody>
-          <a:bodyPr wrap="square" rtlCol="0">
-            <a:spAutoFit/>
-          </a:bodyPr>
-          <a:lstStyle/>
-          <a:p>
-            <a:r>
-              <a:rPr lang="en-US" dirty="0"/>
-              <a:t>…</a:t>
-            </a:r>
-            <a:endParaRPr lang="en-SG" dirty="0"/>
-          </a:p>
-        </p:txBody>
-      </p:sp>
-      <p:cxnSp>
-        <p:nvCxnSpPr>
-          <p:cNvPr id="114" name="Straight Arrow Connector 113">
-            <a:extLst>
-              <a:ext uri="{FF2B5EF4-FFF2-40B4-BE49-F238E27FC236}">
-                <a16:creationId xmlns:a16="http://schemas.microsoft.com/office/drawing/2014/main" id="{8465C2FF-8830-6977-73C2-46CBDC0A2AFB}"/>
-              </a:ext>
-            </a:extLst>
-          </p:cNvPr>
-          <p:cNvCxnSpPr>
-            <a:cxnSpLocks/>
-          </p:cNvCxnSpPr>
-          <p:nvPr/>
-        </p:nvCxnSpPr>
-        <p:spPr>
-          <a:xfrm flipV="1">
-            <a:off x="2813067" y="2970743"/>
-            <a:ext cx="390171" cy="1893"/>
-          </a:xfrm>
-          <a:prstGeom prst="straightConnector1">
-            <a:avLst/>
-          </a:prstGeom>
-          <a:ln>
-            <a:tailEnd type="triangle"/>
-          </a:ln>
-        </p:spPr>
-        <p:style>
-          <a:lnRef idx="1">
-            <a:schemeClr val="accent1"/>
-          </a:lnRef>
-          <a:fillRef idx="0">
-            <a:schemeClr val="accent1"/>
-          </a:fillRef>
-          <a:effectRef idx="0">
-            <a:schemeClr val="accent1"/>
-          </a:effectRef>
-          <a:fontRef idx="minor">
-            <a:schemeClr val="tx1"/>
-          </a:fontRef>
-        </p:style>
-      </p:cxnSp>
-      <p:cxnSp>
-        <p:nvCxnSpPr>
-          <p:cNvPr id="115" name="Straight Arrow Connector 114">
-            <a:extLst>
-              <a:ext uri="{FF2B5EF4-FFF2-40B4-BE49-F238E27FC236}">
-                <a16:creationId xmlns:a16="http://schemas.microsoft.com/office/drawing/2014/main" id="{92FF5931-D5B5-670B-18B8-B9265C476C60}"/>
-              </a:ext>
-            </a:extLst>
-          </p:cNvPr>
-          <p:cNvCxnSpPr>
-            <a:cxnSpLocks/>
-          </p:cNvCxnSpPr>
-          <p:nvPr/>
-        </p:nvCxnSpPr>
-        <p:spPr>
-          <a:xfrm>
-            <a:off x="2813067" y="3031022"/>
-            <a:ext cx="390171" cy="178676"/>
-          </a:xfrm>
-          <a:prstGeom prst="straightConnector1">
-            <a:avLst/>
-          </a:prstGeom>
-          <a:ln>
-            <a:tailEnd type="triangle"/>
-          </a:ln>
-        </p:spPr>
-        <p:style>
-          <a:lnRef idx="1">
-            <a:schemeClr val="accent1"/>
-          </a:lnRef>
-          <a:fillRef idx="0">
-            <a:schemeClr val="accent1"/>
-          </a:fillRef>
-          <a:effectRef idx="0">
-            <a:schemeClr val="accent1"/>
-          </a:effectRef>
-          <a:fontRef idx="minor">
-            <a:schemeClr val="tx1"/>
-          </a:fontRef>
-        </p:style>
-      </p:cxnSp>
-      <p:cxnSp>
-        <p:nvCxnSpPr>
-          <p:cNvPr id="117" name="Straight Arrow Connector 116">
-            <a:extLst>
-              <a:ext uri="{FF2B5EF4-FFF2-40B4-BE49-F238E27FC236}">
-                <a16:creationId xmlns:a16="http://schemas.microsoft.com/office/drawing/2014/main" id="{35628A10-4689-8B55-8206-F03683C8753C}"/>
-              </a:ext>
-            </a:extLst>
-          </p:cNvPr>
-          <p:cNvCxnSpPr>
-            <a:cxnSpLocks/>
-          </p:cNvCxnSpPr>
-          <p:nvPr/>
-        </p:nvCxnSpPr>
-        <p:spPr>
-          <a:xfrm flipV="1">
-            <a:off x="2813067" y="3497858"/>
-            <a:ext cx="390171" cy="1893"/>
-          </a:xfrm>
-          <a:prstGeom prst="straightConnector1">
-            <a:avLst/>
-          </a:prstGeom>
-          <a:ln>
-            <a:tailEnd type="triangle"/>
-          </a:ln>
-        </p:spPr>
-        <p:style>
-          <a:lnRef idx="1">
-            <a:schemeClr val="accent1"/>
-          </a:lnRef>
-          <a:fillRef idx="0">
-            <a:schemeClr val="accent1"/>
-          </a:fillRef>
-          <a:effectRef idx="0">
-            <a:schemeClr val="accent1"/>
-          </a:effectRef>
-          <a:fontRef idx="minor">
-            <a:schemeClr val="tx1"/>
-          </a:fontRef>
-        </p:style>
-      </p:cxnSp>
-      <p:cxnSp>
-        <p:nvCxnSpPr>
-          <p:cNvPr id="119" name="Straight Arrow Connector 118">
-            <a:extLst>
-              <a:ext uri="{FF2B5EF4-FFF2-40B4-BE49-F238E27FC236}">
-                <a16:creationId xmlns:a16="http://schemas.microsoft.com/office/drawing/2014/main" id="{F144E804-2943-A420-AE80-F5F1D37D61C1}"/>
-              </a:ext>
-            </a:extLst>
-          </p:cNvPr>
-          <p:cNvCxnSpPr>
-            <a:cxnSpLocks/>
-          </p:cNvCxnSpPr>
-          <p:nvPr/>
-        </p:nvCxnSpPr>
-        <p:spPr>
-          <a:xfrm>
-            <a:off x="2803791" y="3565739"/>
-            <a:ext cx="390171" cy="178676"/>
-          </a:xfrm>
-          <a:prstGeom prst="straightConnector1">
-            <a:avLst/>
-          </a:prstGeom>
-          <a:ln>
-            <a:tailEnd type="triangle"/>
-          </a:ln>
-        </p:spPr>
-        <p:style>
-          <a:lnRef idx="1">
-            <a:schemeClr val="accent1"/>
-          </a:lnRef>
-          <a:fillRef idx="0">
-            <a:schemeClr val="accent1"/>
-          </a:fillRef>
-          <a:effectRef idx="0">
-            <a:schemeClr val="accent1"/>
-          </a:effectRef>
-          <a:fontRef idx="minor">
-            <a:schemeClr val="tx1"/>
-          </a:fontRef>
-        </p:style>
-      </p:cxnSp>
-      <p:pic>
-        <p:nvPicPr>
-          <p:cNvPr id="120" name="Picture 119">
-            <a:extLst>
-              <a:ext uri="{FF2B5EF4-FFF2-40B4-BE49-F238E27FC236}">
-                <a16:creationId xmlns:a16="http://schemas.microsoft.com/office/drawing/2014/main" id="{CA080C8C-C067-B620-4ABA-66917C12EFDE}"/>
-              </a:ext>
-            </a:extLst>
-          </p:cNvPr>
-          <p:cNvPicPr>
-            <a:picLocks noChangeAspect="1"/>
-          </p:cNvPicPr>
-          <p:nvPr/>
-        </p:nvPicPr>
-        <p:blipFill>
-          <a:blip r:embed="rId3"/>
-          <a:stretch>
-            <a:fillRect/>
-          </a:stretch>
-        </p:blipFill>
-        <p:spPr>
-          <a:xfrm>
-            <a:off x="3627188" y="2802692"/>
-            <a:ext cx="324268" cy="237228"/>
-          </a:xfrm>
-          <a:prstGeom prst="rect">
-            <a:avLst/>
-          </a:prstGeom>
-          <a:ln w="3175">
-            <a:solidFill>
-              <a:schemeClr val="tx1"/>
-            </a:solidFill>
-          </a:ln>
-        </p:spPr>
-      </p:pic>
-      <p:pic>
-        <p:nvPicPr>
-          <p:cNvPr id="121" name="Picture 120">
-            <a:extLst>
-              <a:ext uri="{FF2B5EF4-FFF2-40B4-BE49-F238E27FC236}">
-                <a16:creationId xmlns:a16="http://schemas.microsoft.com/office/drawing/2014/main" id="{84B21813-4DBD-4BFA-D232-9567A3443047}"/>
-              </a:ext>
-            </a:extLst>
-          </p:cNvPr>
-          <p:cNvPicPr>
-            <a:picLocks noChangeAspect="1"/>
-          </p:cNvPicPr>
-          <p:nvPr/>
-        </p:nvPicPr>
-        <p:blipFill>
-          <a:blip r:embed="rId3"/>
-          <a:stretch>
-            <a:fillRect/>
-          </a:stretch>
-        </p:blipFill>
-        <p:spPr>
-          <a:xfrm>
-            <a:off x="3616960" y="3108443"/>
-            <a:ext cx="334496" cy="244711"/>
-          </a:xfrm>
-          <a:prstGeom prst="rect">
-            <a:avLst/>
-          </a:prstGeom>
-          <a:ln w="3175">
-            <a:solidFill>
-              <a:schemeClr val="tx1"/>
-            </a:solidFill>
-          </a:ln>
-        </p:spPr>
-      </p:pic>
-      <p:pic>
-        <p:nvPicPr>
-          <p:cNvPr id="122" name="Picture 121">
-            <a:extLst>
-              <a:ext uri="{FF2B5EF4-FFF2-40B4-BE49-F238E27FC236}">
-                <a16:creationId xmlns:a16="http://schemas.microsoft.com/office/drawing/2014/main" id="{98FE47FF-88E6-9A75-136C-0683367E400E}"/>
-              </a:ext>
-            </a:extLst>
-          </p:cNvPr>
-          <p:cNvPicPr>
-            <a:picLocks noChangeAspect="1"/>
-          </p:cNvPicPr>
-          <p:nvPr/>
-        </p:nvPicPr>
-        <p:blipFill>
-          <a:blip r:embed="rId3"/>
-          <a:stretch>
-            <a:fillRect/>
-          </a:stretch>
-        </p:blipFill>
-        <p:spPr>
-          <a:xfrm>
-            <a:off x="3616945" y="3472326"/>
-            <a:ext cx="334496" cy="244711"/>
-          </a:xfrm>
-          <a:prstGeom prst="rect">
-            <a:avLst/>
-          </a:prstGeom>
-          <a:ln w="3175">
-            <a:solidFill>
-              <a:schemeClr val="tx1"/>
-            </a:solidFill>
-          </a:ln>
-        </p:spPr>
-      </p:pic>
-      <p:pic>
-        <p:nvPicPr>
-          <p:cNvPr id="123" name="Picture 122">
-            <a:extLst>
-              <a:ext uri="{FF2B5EF4-FFF2-40B4-BE49-F238E27FC236}">
-                <a16:creationId xmlns:a16="http://schemas.microsoft.com/office/drawing/2014/main" id="{7D314CDA-B5CF-17B4-C9C8-51D4BA55FB13}"/>
-              </a:ext>
-            </a:extLst>
-          </p:cNvPr>
-          <p:cNvPicPr>
-            <a:picLocks noChangeAspect="1"/>
-          </p:cNvPicPr>
-          <p:nvPr/>
-        </p:nvPicPr>
-        <p:blipFill>
-          <a:blip r:embed="rId3"/>
-          <a:stretch>
-            <a:fillRect/>
-          </a:stretch>
-        </p:blipFill>
-        <p:spPr>
-          <a:xfrm>
-            <a:off x="3629068" y="3836209"/>
-            <a:ext cx="324268" cy="237228"/>
-          </a:xfrm>
-          <a:prstGeom prst="rect">
-            <a:avLst/>
-          </a:prstGeom>
-          <a:ln w="3175">
-            <a:solidFill>
-              <a:schemeClr val="tx1"/>
-            </a:solidFill>
-          </a:ln>
-        </p:spPr>
-      </p:pic>
-      <p:cxnSp>
-        <p:nvCxnSpPr>
-          <p:cNvPr id="124" name="Straight Arrow Connector 123">
-            <a:extLst>
-              <a:ext uri="{FF2B5EF4-FFF2-40B4-BE49-F238E27FC236}">
-                <a16:creationId xmlns:a16="http://schemas.microsoft.com/office/drawing/2014/main" id="{E82494D8-DEC4-4904-44C7-87CB902E55EA}"/>
-              </a:ext>
-            </a:extLst>
-          </p:cNvPr>
-          <p:cNvCxnSpPr>
-            <a:cxnSpLocks/>
-          </p:cNvCxnSpPr>
-          <p:nvPr/>
-        </p:nvCxnSpPr>
-        <p:spPr>
-          <a:xfrm>
-            <a:off x="3462357" y="2965162"/>
-            <a:ext cx="155102" cy="0"/>
-          </a:xfrm>
-          <a:prstGeom prst="straightConnector1">
-            <a:avLst/>
-          </a:prstGeom>
-          <a:ln>
-            <a:tailEnd type="triangle"/>
-          </a:ln>
-        </p:spPr>
-        <p:style>
-          <a:lnRef idx="1">
-            <a:schemeClr val="accent1"/>
-          </a:lnRef>
-          <a:fillRef idx="0">
-            <a:schemeClr val="accent1"/>
-          </a:fillRef>
-          <a:effectRef idx="0">
-            <a:schemeClr val="accent1"/>
-          </a:effectRef>
-          <a:fontRef idx="minor">
-            <a:schemeClr val="tx1"/>
-          </a:fontRef>
-        </p:style>
-      </p:cxnSp>
-      <p:sp>
-        <p:nvSpPr>
-          <p:cNvPr id="126" name="TextBox 125">
-            <a:extLst>
-              <a:ext uri="{FF2B5EF4-FFF2-40B4-BE49-F238E27FC236}">
-                <a16:creationId xmlns:a16="http://schemas.microsoft.com/office/drawing/2014/main" id="{792D0298-B5D7-C974-5B01-2223B9A8C696}"/>
-              </a:ext>
-            </a:extLst>
-          </p:cNvPr>
-          <p:cNvSpPr txBox="1"/>
-          <p:nvPr/>
-        </p:nvSpPr>
-        <p:spPr>
-          <a:xfrm>
-            <a:off x="3177710" y="2710552"/>
-            <a:ext cx="362198" cy="369332"/>
-          </a:xfrm>
-          <a:prstGeom prst="rect">
-            <a:avLst/>
-          </a:prstGeom>
-          <a:noFill/>
-        </p:spPr>
-        <p:txBody>
-          <a:bodyPr wrap="square" rtlCol="0">
-            <a:spAutoFit/>
-          </a:bodyPr>
-          <a:lstStyle/>
-          <a:p>
-            <a:r>
-              <a:rPr lang="en-US" dirty="0"/>
-              <a:t>…</a:t>
-            </a:r>
-          </a:p>
-        </p:txBody>
-      </p:sp>
-      <p:cxnSp>
-        <p:nvCxnSpPr>
-          <p:cNvPr id="127" name="Straight Arrow Connector 126">
-            <a:extLst>
-              <a:ext uri="{FF2B5EF4-FFF2-40B4-BE49-F238E27FC236}">
-                <a16:creationId xmlns:a16="http://schemas.microsoft.com/office/drawing/2014/main" id="{F4847D65-B147-F395-C2EE-DB4C38C39EEF}"/>
-              </a:ext>
-            </a:extLst>
-          </p:cNvPr>
-          <p:cNvCxnSpPr>
-            <a:cxnSpLocks/>
-          </p:cNvCxnSpPr>
-          <p:nvPr/>
-        </p:nvCxnSpPr>
-        <p:spPr>
-          <a:xfrm>
-            <a:off x="3442078" y="3261620"/>
-            <a:ext cx="155102" cy="0"/>
-          </a:xfrm>
-          <a:prstGeom prst="straightConnector1">
-            <a:avLst/>
-          </a:prstGeom>
-          <a:ln>
-            <a:tailEnd type="triangle"/>
-          </a:ln>
-        </p:spPr>
-        <p:style>
-          <a:lnRef idx="1">
-            <a:schemeClr val="accent1"/>
-          </a:lnRef>
-          <a:fillRef idx="0">
-            <a:schemeClr val="accent1"/>
-          </a:fillRef>
-          <a:effectRef idx="0">
-            <a:schemeClr val="accent1"/>
-          </a:effectRef>
-          <a:fontRef idx="minor">
-            <a:schemeClr val="tx1"/>
-          </a:fontRef>
-        </p:style>
-      </p:cxnSp>
-      <p:sp>
-        <p:nvSpPr>
-          <p:cNvPr id="128" name="TextBox 127">
-            <a:extLst>
-              <a:ext uri="{FF2B5EF4-FFF2-40B4-BE49-F238E27FC236}">
-                <a16:creationId xmlns:a16="http://schemas.microsoft.com/office/drawing/2014/main" id="{9DFD4318-F76B-0E80-2A57-2849EA64F90B}"/>
-              </a:ext>
-            </a:extLst>
-          </p:cNvPr>
-          <p:cNvSpPr txBox="1"/>
-          <p:nvPr/>
-        </p:nvSpPr>
-        <p:spPr>
-          <a:xfrm>
-            <a:off x="3177710" y="3019660"/>
-            <a:ext cx="362198" cy="369332"/>
-          </a:xfrm>
-          <a:prstGeom prst="rect">
-            <a:avLst/>
-          </a:prstGeom>
-          <a:noFill/>
-        </p:spPr>
-        <p:txBody>
-          <a:bodyPr wrap="square" rtlCol="0">
-            <a:spAutoFit/>
-          </a:bodyPr>
-          <a:lstStyle/>
-          <a:p>
-            <a:r>
-              <a:rPr lang="en-US" dirty="0"/>
-              <a:t>…</a:t>
-            </a:r>
-          </a:p>
-        </p:txBody>
-      </p:sp>
-      <p:sp>
-        <p:nvSpPr>
-          <p:cNvPr id="129" name="TextBox 128">
-            <a:extLst>
-              <a:ext uri="{FF2B5EF4-FFF2-40B4-BE49-F238E27FC236}">
-                <a16:creationId xmlns:a16="http://schemas.microsoft.com/office/drawing/2014/main" id="{5877958A-3E41-B128-D9CA-FDC1EE2B230A}"/>
-              </a:ext>
-            </a:extLst>
-          </p:cNvPr>
-          <p:cNvSpPr txBox="1"/>
-          <p:nvPr/>
-        </p:nvSpPr>
-        <p:spPr>
-          <a:xfrm>
-            <a:off x="3173748" y="3259382"/>
-            <a:ext cx="362198" cy="369332"/>
-          </a:xfrm>
-          <a:prstGeom prst="rect">
-            <a:avLst/>
-          </a:prstGeom>
-          <a:noFill/>
-        </p:spPr>
-        <p:txBody>
-          <a:bodyPr wrap="square" rtlCol="0">
-            <a:spAutoFit/>
-          </a:bodyPr>
-          <a:lstStyle/>
-          <a:p>
-            <a:r>
-              <a:rPr lang="en-US" dirty="0"/>
-              <a:t>…</a:t>
-            </a:r>
-          </a:p>
-        </p:txBody>
-      </p:sp>
-      <p:cxnSp>
-        <p:nvCxnSpPr>
-          <p:cNvPr id="130" name="Straight Arrow Connector 129">
-            <a:extLst>
-              <a:ext uri="{FF2B5EF4-FFF2-40B4-BE49-F238E27FC236}">
-                <a16:creationId xmlns:a16="http://schemas.microsoft.com/office/drawing/2014/main" id="{1941C201-8A65-A19A-8CB6-DCB2AE83855B}"/>
-              </a:ext>
-            </a:extLst>
-          </p:cNvPr>
-          <p:cNvCxnSpPr>
-            <a:cxnSpLocks/>
-          </p:cNvCxnSpPr>
-          <p:nvPr/>
-        </p:nvCxnSpPr>
-        <p:spPr>
-          <a:xfrm>
-            <a:off x="3455401" y="3513887"/>
-            <a:ext cx="155102" cy="0"/>
-          </a:xfrm>
-          <a:prstGeom prst="straightConnector1">
-            <a:avLst/>
-          </a:prstGeom>
-          <a:ln>
-            <a:tailEnd type="triangle"/>
-          </a:ln>
-        </p:spPr>
-        <p:style>
-          <a:lnRef idx="1">
-            <a:schemeClr val="accent1"/>
-          </a:lnRef>
-          <a:fillRef idx="0">
-            <a:schemeClr val="accent1"/>
-          </a:fillRef>
-          <a:effectRef idx="0">
-            <a:schemeClr val="accent1"/>
-          </a:effectRef>
-          <a:fontRef idx="minor">
-            <a:schemeClr val="tx1"/>
-          </a:fontRef>
-        </p:style>
-      </p:cxnSp>
-      <p:sp>
-        <p:nvSpPr>
-          <p:cNvPr id="131" name="TextBox 130">
-            <a:extLst>
-              <a:ext uri="{FF2B5EF4-FFF2-40B4-BE49-F238E27FC236}">
-                <a16:creationId xmlns:a16="http://schemas.microsoft.com/office/drawing/2014/main" id="{02BABF14-B936-1E45-2035-03EA74089D7B}"/>
-              </a:ext>
-            </a:extLst>
-          </p:cNvPr>
-          <p:cNvSpPr txBox="1"/>
-          <p:nvPr/>
-        </p:nvSpPr>
-        <p:spPr>
-          <a:xfrm>
-            <a:off x="3155918" y="3555839"/>
-            <a:ext cx="362198" cy="369332"/>
-          </a:xfrm>
-          <a:prstGeom prst="rect">
-            <a:avLst/>
-          </a:prstGeom>
-          <a:noFill/>
-        </p:spPr>
-        <p:txBody>
-          <a:bodyPr wrap="square" rtlCol="0">
-            <a:spAutoFit/>
-          </a:bodyPr>
-          <a:lstStyle/>
-          <a:p>
-            <a:r>
-              <a:rPr lang="en-US" dirty="0"/>
-              <a:t>…</a:t>
-            </a:r>
-          </a:p>
-        </p:txBody>
-      </p:sp>
-      <p:cxnSp>
-        <p:nvCxnSpPr>
-          <p:cNvPr id="132" name="Straight Arrow Connector 131">
-            <a:extLst>
-              <a:ext uri="{FF2B5EF4-FFF2-40B4-BE49-F238E27FC236}">
-                <a16:creationId xmlns:a16="http://schemas.microsoft.com/office/drawing/2014/main" id="{785052B2-6768-A4F3-1ECD-95480F99FAB1}"/>
-              </a:ext>
-            </a:extLst>
-          </p:cNvPr>
-          <p:cNvCxnSpPr>
-            <a:cxnSpLocks/>
-          </p:cNvCxnSpPr>
-          <p:nvPr/>
-        </p:nvCxnSpPr>
-        <p:spPr>
-          <a:xfrm>
-            <a:off x="3439287" y="3836209"/>
-            <a:ext cx="155102" cy="65765"/>
-          </a:xfrm>
-          <a:prstGeom prst="straightConnector1">
-            <a:avLst/>
-          </a:prstGeom>
-          <a:ln>
-            <a:tailEnd type="triangle"/>
-          </a:ln>
-        </p:spPr>
-        <p:style>
-          <a:lnRef idx="1">
-            <a:schemeClr val="accent1"/>
-          </a:lnRef>
-          <a:fillRef idx="0">
-            <a:schemeClr val="accent1"/>
-          </a:fillRef>
-          <a:effectRef idx="0">
-            <a:schemeClr val="accent1"/>
-          </a:effectRef>
-          <a:fontRef idx="minor">
-            <a:schemeClr val="tx1"/>
-          </a:fontRef>
-        </p:style>
-      </p:cxnSp>
-      <p:sp>
-        <p:nvSpPr>
-          <p:cNvPr id="134" name="TextBox 133">
-            <a:extLst>
-              <a:ext uri="{FF2B5EF4-FFF2-40B4-BE49-F238E27FC236}">
-                <a16:creationId xmlns:a16="http://schemas.microsoft.com/office/drawing/2014/main" id="{A0707427-58C7-B27B-5927-1425096F495B}"/>
-              </a:ext>
-            </a:extLst>
-          </p:cNvPr>
-          <p:cNvSpPr txBox="1"/>
-          <p:nvPr/>
-        </p:nvSpPr>
-        <p:spPr>
-          <a:xfrm>
-            <a:off x="3455401" y="2579637"/>
-            <a:ext cx="802249" cy="230832"/>
-          </a:xfrm>
-          <a:prstGeom prst="rect">
-            <a:avLst/>
-          </a:prstGeom>
-          <a:noFill/>
-        </p:spPr>
-        <p:txBody>
-          <a:bodyPr wrap="square" rtlCol="0">
-            <a:spAutoFit/>
-          </a:bodyPr>
-          <a:lstStyle/>
-          <a:p>
-            <a:r>
-              <a:rPr lang="en-US" sz="900" dirty="0" err="1">
-                <a:solidFill>
-                  <a:srgbClr val="002060"/>
-                </a:solidFill>
-              </a:rPr>
-              <a:t>targethost</a:t>
-            </a:r>
-            <a:r>
-              <a:rPr lang="en-US" sz="900" dirty="0">
-                <a:solidFill>
-                  <a:srgbClr val="002060"/>
-                </a:solidFill>
-              </a:rPr>
-              <a:t>-N</a:t>
-            </a:r>
-            <a:endParaRPr lang="en-SG" sz="900" dirty="0">
-              <a:solidFill>
-                <a:srgbClr val="002060"/>
-              </a:solidFill>
-            </a:endParaRPr>
-          </a:p>
-        </p:txBody>
-      </p:sp>
-      <p:sp>
-        <p:nvSpPr>
-          <p:cNvPr id="135" name="TextBox 134">
-            <a:extLst>
-              <a:ext uri="{FF2B5EF4-FFF2-40B4-BE49-F238E27FC236}">
-                <a16:creationId xmlns:a16="http://schemas.microsoft.com/office/drawing/2014/main" id="{F55B2A57-7A43-4AE1-159A-67B0219BDCCE}"/>
-              </a:ext>
-            </a:extLst>
-          </p:cNvPr>
-          <p:cNvSpPr txBox="1"/>
-          <p:nvPr/>
-        </p:nvSpPr>
-        <p:spPr>
-          <a:xfrm>
-            <a:off x="2269303" y="2660270"/>
-            <a:ext cx="802249" cy="230832"/>
-          </a:xfrm>
-          <a:prstGeom prst="rect">
-            <a:avLst/>
-          </a:prstGeom>
-          <a:noFill/>
-        </p:spPr>
-        <p:txBody>
-          <a:bodyPr wrap="square" rtlCol="0">
-            <a:spAutoFit/>
-          </a:bodyPr>
-          <a:lstStyle/>
-          <a:p>
-            <a:r>
-              <a:rPr lang="en-SG" sz="900" dirty="0">
-                <a:solidFill>
-                  <a:srgbClr val="002060"/>
-                </a:solidFill>
-              </a:rPr>
-              <a:t>Jumphost2-N</a:t>
-            </a:r>
-          </a:p>
-        </p:txBody>
-      </p:sp>
-      <p:pic>
-        <p:nvPicPr>
-          <p:cNvPr id="138" name="Picture 4">
-            <a:extLst>
-              <a:ext uri="{FF2B5EF4-FFF2-40B4-BE49-F238E27FC236}">
-                <a16:creationId xmlns:a16="http://schemas.microsoft.com/office/drawing/2014/main" id="{908E345B-8ABE-3EC7-B389-3CAF80786303}"/>
-              </a:ext>
-            </a:extLst>
-          </p:cNvPr>
-          <p:cNvPicPr>
-            <a:picLocks noChangeAspect="1" noChangeArrowheads="1"/>
-          </p:cNvPicPr>
-          <p:nvPr/>
-        </p:nvPicPr>
-        <p:blipFill>
-          <a:blip r:embed="rId2">
-            <a:extLst>
-              <a:ext uri="{28A0092B-C50C-407E-A947-70E740481C1C}">
-                <a14:useLocalDpi xmlns:a14="http://schemas.microsoft.com/office/drawing/2010/main" val="0"/>
-              </a:ext>
-            </a:extLst>
-          </a:blip>
-          <a:srcRect/>
-          <a:stretch>
-            <a:fillRect/>
-          </a:stretch>
-        </p:blipFill>
-        <p:spPr bwMode="auto">
-          <a:xfrm>
-            <a:off x="5537029" y="1349545"/>
-            <a:ext cx="429814" cy="429814"/>
-          </a:xfrm>
-          <a:prstGeom prst="rect">
-            <a:avLst/>
-          </a:prstGeom>
-          <a:noFill/>
-          <a:extLst>
-            <a:ext uri="{909E8E84-426E-40DD-AFC4-6F175D3DCCD1}">
-              <a14:hiddenFill xmlns:a14="http://schemas.microsoft.com/office/drawing/2010/main">
-                <a:solidFill>
-                  <a:srgbClr val="FFFFFF"/>
-                </a:solidFill>
-              </a14:hiddenFill>
-            </a:ext>
-          </a:extLst>
-        </p:spPr>
-      </p:pic>
-      <p:cxnSp>
-        <p:nvCxnSpPr>
-          <p:cNvPr id="140" name="Straight Arrow Connector 139">
-            <a:extLst>
-              <a:ext uri="{FF2B5EF4-FFF2-40B4-BE49-F238E27FC236}">
-                <a16:creationId xmlns:a16="http://schemas.microsoft.com/office/drawing/2014/main" id="{95BAF071-625F-EF40-37BA-9B399897F077}"/>
-              </a:ext>
-            </a:extLst>
-          </p:cNvPr>
-          <p:cNvCxnSpPr>
-            <a:cxnSpLocks/>
-          </p:cNvCxnSpPr>
-          <p:nvPr/>
-        </p:nvCxnSpPr>
-        <p:spPr>
-          <a:xfrm>
-            <a:off x="1090532" y="3079884"/>
-            <a:ext cx="445658" cy="0"/>
-          </a:xfrm>
-          <a:prstGeom prst="straightConnector1">
-            <a:avLst/>
-          </a:prstGeom>
-          <a:ln>
-            <a:prstDash val="dash"/>
-            <a:tailEnd type="triangle"/>
-          </a:ln>
-        </p:spPr>
-        <p:style>
-          <a:lnRef idx="1">
-            <a:schemeClr val="accent1"/>
-          </a:lnRef>
-          <a:fillRef idx="0">
-            <a:schemeClr val="accent1"/>
-          </a:fillRef>
-          <a:effectRef idx="0">
-            <a:schemeClr val="accent1"/>
-          </a:effectRef>
-          <a:fontRef idx="minor">
-            <a:schemeClr val="tx1"/>
-          </a:fontRef>
-        </p:style>
-      </p:cxnSp>
-      <p:pic>
-        <p:nvPicPr>
-          <p:cNvPr id="141" name="Picture 4">
-            <a:extLst>
-              <a:ext uri="{FF2B5EF4-FFF2-40B4-BE49-F238E27FC236}">
-                <a16:creationId xmlns:a16="http://schemas.microsoft.com/office/drawing/2014/main" id="{9BBC4933-CD60-E922-1D2C-966C360BC8CE}"/>
-              </a:ext>
-            </a:extLst>
-          </p:cNvPr>
-          <p:cNvPicPr>
-            <a:picLocks noChangeAspect="1" noChangeArrowheads="1"/>
-          </p:cNvPicPr>
-          <p:nvPr/>
-        </p:nvPicPr>
-        <p:blipFill>
-          <a:blip r:embed="rId2">
-            <a:extLst>
-              <a:ext uri="{28A0092B-C50C-407E-A947-70E740481C1C}">
-                <a14:useLocalDpi xmlns:a14="http://schemas.microsoft.com/office/drawing/2010/main" val="0"/>
-              </a:ext>
-            </a:extLst>
-          </a:blip>
-          <a:srcRect/>
-          <a:stretch>
-            <a:fillRect/>
-          </a:stretch>
-        </p:blipFill>
-        <p:spPr bwMode="auto">
-          <a:xfrm>
-            <a:off x="5654759" y="3178902"/>
-            <a:ext cx="429814" cy="429814"/>
-          </a:xfrm>
-          <a:prstGeom prst="rect">
-            <a:avLst/>
-          </a:prstGeom>
-          <a:noFill/>
-          <a:extLst>
-            <a:ext uri="{909E8E84-426E-40DD-AFC4-6F175D3DCCD1}">
-              <a14:hiddenFill xmlns:a14="http://schemas.microsoft.com/office/drawing/2010/main">
-                <a:solidFill>
-                  <a:srgbClr val="FFFFFF"/>
-                </a:solidFill>
-              </a14:hiddenFill>
-            </a:ext>
-          </a:extLst>
-        </p:spPr>
-      </p:pic>
-      <p:cxnSp>
-        <p:nvCxnSpPr>
-          <p:cNvPr id="142" name="Straight Arrow Connector 141">
-            <a:extLst>
-              <a:ext uri="{FF2B5EF4-FFF2-40B4-BE49-F238E27FC236}">
-                <a16:creationId xmlns:a16="http://schemas.microsoft.com/office/drawing/2014/main" id="{04160B86-83FD-ED0F-7627-3217361A013A}"/>
-              </a:ext>
-            </a:extLst>
-          </p:cNvPr>
-          <p:cNvCxnSpPr>
-            <a:cxnSpLocks/>
-          </p:cNvCxnSpPr>
-          <p:nvPr/>
-        </p:nvCxnSpPr>
-        <p:spPr>
-          <a:xfrm>
-            <a:off x="6135373" y="3393809"/>
-            <a:ext cx="445658" cy="0"/>
-          </a:xfrm>
-          <a:prstGeom prst="straightConnector1">
-            <a:avLst/>
-          </a:prstGeom>
-          <a:ln>
-            <a:tailEnd type="triangle"/>
-          </a:ln>
-        </p:spPr>
-        <p:style>
-          <a:lnRef idx="1">
-            <a:schemeClr val="accent1"/>
-          </a:lnRef>
-          <a:fillRef idx="0">
-            <a:schemeClr val="accent1"/>
-          </a:fillRef>
-          <a:effectRef idx="0">
-            <a:schemeClr val="accent1"/>
-          </a:effectRef>
-          <a:fontRef idx="minor">
-            <a:schemeClr val="tx1"/>
-          </a:fontRef>
-        </p:style>
-      </p:cxnSp>
-      <p:pic>
-        <p:nvPicPr>
-          <p:cNvPr id="143" name="Picture 142">
-            <a:extLst>
-              <a:ext uri="{FF2B5EF4-FFF2-40B4-BE49-F238E27FC236}">
-                <a16:creationId xmlns:a16="http://schemas.microsoft.com/office/drawing/2014/main" id="{ED99BBDF-8669-3642-D3FA-F50D6D7A20FD}"/>
-              </a:ext>
-            </a:extLst>
-          </p:cNvPr>
-          <p:cNvPicPr>
-            <a:picLocks noChangeAspect="1"/>
-          </p:cNvPicPr>
-          <p:nvPr/>
-        </p:nvPicPr>
-        <p:blipFill>
-          <a:blip r:embed="rId3"/>
-          <a:stretch>
-            <a:fillRect/>
-          </a:stretch>
-        </p:blipFill>
-        <p:spPr>
-          <a:xfrm>
-            <a:off x="6646820" y="3263004"/>
-            <a:ext cx="357596" cy="261610"/>
-          </a:xfrm>
-          <a:prstGeom prst="rect">
-            <a:avLst/>
-          </a:prstGeom>
-          <a:ln w="3175">
-            <a:solidFill>
-              <a:schemeClr val="tx1"/>
-            </a:solidFill>
-          </a:ln>
-        </p:spPr>
-      </p:pic>
-      <p:pic>
-        <p:nvPicPr>
-          <p:cNvPr id="144" name="Picture 143">
-            <a:extLst>
-              <a:ext uri="{FF2B5EF4-FFF2-40B4-BE49-F238E27FC236}">
-                <a16:creationId xmlns:a16="http://schemas.microsoft.com/office/drawing/2014/main" id="{FB5B8570-9BCE-9994-49B4-D467F37ABFF5}"/>
-              </a:ext>
-            </a:extLst>
-          </p:cNvPr>
-          <p:cNvPicPr>
-            <a:picLocks noChangeAspect="1"/>
-          </p:cNvPicPr>
-          <p:nvPr/>
-        </p:nvPicPr>
-        <p:blipFill>
-          <a:blip r:embed="rId3"/>
-          <a:stretch>
-            <a:fillRect/>
-          </a:stretch>
-        </p:blipFill>
-        <p:spPr>
-          <a:xfrm>
-            <a:off x="6643345" y="3905521"/>
-            <a:ext cx="357596" cy="261610"/>
-          </a:xfrm>
-          <a:prstGeom prst="rect">
-            <a:avLst/>
-          </a:prstGeom>
-          <a:ln w="3175">
-            <a:solidFill>
-              <a:schemeClr val="tx1"/>
-            </a:solidFill>
-          </a:ln>
-        </p:spPr>
-      </p:pic>
-      <p:pic>
-        <p:nvPicPr>
-          <p:cNvPr id="145" name="Picture 4">
-            <a:extLst>
-              <a:ext uri="{FF2B5EF4-FFF2-40B4-BE49-F238E27FC236}">
-                <a16:creationId xmlns:a16="http://schemas.microsoft.com/office/drawing/2014/main" id="{72DEEDA0-69FA-841E-758D-28BAF71C45D7}"/>
-              </a:ext>
-            </a:extLst>
-          </p:cNvPr>
-          <p:cNvPicPr>
-            <a:picLocks noChangeAspect="1" noChangeArrowheads="1"/>
-          </p:cNvPicPr>
-          <p:nvPr/>
-        </p:nvPicPr>
-        <p:blipFill>
-          <a:blip r:embed="rId2">
-            <a:extLst>
-              <a:ext uri="{28A0092B-C50C-407E-A947-70E740481C1C}">
-                <a14:useLocalDpi xmlns:a14="http://schemas.microsoft.com/office/drawing/2010/main" val="0"/>
-              </a:ext>
-            </a:extLst>
-          </a:blip>
-          <a:srcRect/>
-          <a:stretch>
-            <a:fillRect/>
-          </a:stretch>
-        </p:blipFill>
-        <p:spPr bwMode="auto">
-          <a:xfrm>
-            <a:off x="5670052" y="3825678"/>
-            <a:ext cx="429814" cy="429814"/>
-          </a:xfrm>
-          <a:prstGeom prst="rect">
-            <a:avLst/>
-          </a:prstGeom>
-          <a:noFill/>
-          <a:extLst>
-            <a:ext uri="{909E8E84-426E-40DD-AFC4-6F175D3DCCD1}">
-              <a14:hiddenFill xmlns:a14="http://schemas.microsoft.com/office/drawing/2010/main">
-                <a:solidFill>
-                  <a:srgbClr val="FFFFFF"/>
-                </a:solidFill>
-              </a14:hiddenFill>
-            </a:ext>
-          </a:extLst>
-        </p:spPr>
-      </p:pic>
-      <p:cxnSp>
-        <p:nvCxnSpPr>
-          <p:cNvPr id="146" name="Straight Arrow Connector 145">
-            <a:extLst>
-              <a:ext uri="{FF2B5EF4-FFF2-40B4-BE49-F238E27FC236}">
-                <a16:creationId xmlns:a16="http://schemas.microsoft.com/office/drawing/2014/main" id="{D3D125A8-D3BF-D1A7-0FDE-056FCFEA6917}"/>
-              </a:ext>
-            </a:extLst>
-          </p:cNvPr>
-          <p:cNvCxnSpPr>
-            <a:cxnSpLocks/>
-          </p:cNvCxnSpPr>
-          <p:nvPr/>
-        </p:nvCxnSpPr>
-        <p:spPr>
-          <a:xfrm>
-            <a:off x="6148073" y="4036326"/>
-            <a:ext cx="445658" cy="0"/>
-          </a:xfrm>
-          <a:prstGeom prst="straightConnector1">
-            <a:avLst/>
-          </a:prstGeom>
-          <a:ln>
-            <a:tailEnd type="triangle"/>
-          </a:ln>
-        </p:spPr>
-        <p:style>
-          <a:lnRef idx="1">
-            <a:schemeClr val="accent1"/>
-          </a:lnRef>
-          <a:fillRef idx="0">
-            <a:schemeClr val="accent1"/>
-          </a:fillRef>
-          <a:effectRef idx="0">
-            <a:schemeClr val="accent1"/>
-          </a:effectRef>
-          <a:fontRef idx="minor">
-            <a:schemeClr val="tx1"/>
-          </a:fontRef>
-        </p:style>
-      </p:cxnSp>
-      <p:sp>
-        <p:nvSpPr>
-          <p:cNvPr id="147" name="TextBox 146">
-            <a:extLst>
-              <a:ext uri="{FF2B5EF4-FFF2-40B4-BE49-F238E27FC236}">
-                <a16:creationId xmlns:a16="http://schemas.microsoft.com/office/drawing/2014/main" id="{E8F4287D-F0D2-AF0F-50F3-B5BA9DD424AA}"/>
-              </a:ext>
-            </a:extLst>
-          </p:cNvPr>
-          <p:cNvSpPr txBox="1"/>
-          <p:nvPr/>
-        </p:nvSpPr>
-        <p:spPr>
-          <a:xfrm>
-            <a:off x="5703860" y="3458141"/>
-            <a:ext cx="362198" cy="369332"/>
-          </a:xfrm>
-          <a:prstGeom prst="rect">
-            <a:avLst/>
-          </a:prstGeom>
-          <a:noFill/>
-        </p:spPr>
-        <p:txBody>
-          <a:bodyPr wrap="square" rtlCol="0">
-            <a:spAutoFit/>
-          </a:bodyPr>
-          <a:lstStyle/>
-          <a:p>
-            <a:r>
-              <a:rPr lang="en-US" dirty="0"/>
-              <a:t>…</a:t>
-            </a:r>
-          </a:p>
-        </p:txBody>
-      </p:sp>
-      <p:sp>
-        <p:nvSpPr>
-          <p:cNvPr id="149" name="TextBox 148">
-            <a:extLst>
-              <a:ext uri="{FF2B5EF4-FFF2-40B4-BE49-F238E27FC236}">
-                <a16:creationId xmlns:a16="http://schemas.microsoft.com/office/drawing/2014/main" id="{8F6D026A-B526-1572-50F0-C76075C32B8B}"/>
-              </a:ext>
-            </a:extLst>
-          </p:cNvPr>
-          <p:cNvSpPr txBox="1"/>
-          <p:nvPr/>
-        </p:nvSpPr>
-        <p:spPr>
-          <a:xfrm>
-            <a:off x="6177103" y="3451715"/>
-            <a:ext cx="362198" cy="369332"/>
-          </a:xfrm>
-          <a:prstGeom prst="rect">
-            <a:avLst/>
-          </a:prstGeom>
-          <a:noFill/>
-        </p:spPr>
-        <p:txBody>
-          <a:bodyPr wrap="square" rtlCol="0">
-            <a:spAutoFit/>
-          </a:bodyPr>
-          <a:lstStyle/>
-          <a:p>
-            <a:r>
-              <a:rPr lang="en-US" dirty="0"/>
-              <a:t>…</a:t>
-            </a:r>
-          </a:p>
-        </p:txBody>
-      </p:sp>
-      <p:sp>
-        <p:nvSpPr>
-          <p:cNvPr id="150" name="TextBox 149">
-            <a:extLst>
-              <a:ext uri="{FF2B5EF4-FFF2-40B4-BE49-F238E27FC236}">
-                <a16:creationId xmlns:a16="http://schemas.microsoft.com/office/drawing/2014/main" id="{39893352-5F3F-B2A1-5799-3D037964D3B1}"/>
-              </a:ext>
-            </a:extLst>
-          </p:cNvPr>
-          <p:cNvSpPr txBox="1"/>
-          <p:nvPr/>
-        </p:nvSpPr>
-        <p:spPr>
-          <a:xfrm>
-            <a:off x="6667092" y="3458141"/>
-            <a:ext cx="362198" cy="369332"/>
-          </a:xfrm>
-          <a:prstGeom prst="rect">
-            <a:avLst/>
-          </a:prstGeom>
-          <a:noFill/>
-        </p:spPr>
-        <p:txBody>
-          <a:bodyPr wrap="square" rtlCol="0">
-            <a:spAutoFit/>
-          </a:bodyPr>
-          <a:lstStyle/>
-          <a:p>
-            <a:r>
-              <a:rPr lang="en-US" dirty="0"/>
-              <a:t>…</a:t>
-            </a:r>
-          </a:p>
-        </p:txBody>
-      </p:sp>
-      <p:cxnSp>
-        <p:nvCxnSpPr>
-          <p:cNvPr id="151" name="Straight Arrow Connector 150">
-            <a:extLst>
-              <a:ext uri="{FF2B5EF4-FFF2-40B4-BE49-F238E27FC236}">
-                <a16:creationId xmlns:a16="http://schemas.microsoft.com/office/drawing/2014/main" id="{BC4C1A33-41FB-7827-2C9C-BA48B0BFF1EA}"/>
-              </a:ext>
-            </a:extLst>
-          </p:cNvPr>
-          <p:cNvCxnSpPr>
-            <a:cxnSpLocks/>
-          </p:cNvCxnSpPr>
-          <p:nvPr/>
-        </p:nvCxnSpPr>
-        <p:spPr>
-          <a:xfrm>
-            <a:off x="7054857" y="3395590"/>
-            <a:ext cx="394409" cy="247217"/>
-          </a:xfrm>
-          <a:prstGeom prst="straightConnector1">
-            <a:avLst/>
-          </a:prstGeom>
-          <a:ln>
-            <a:tailEnd type="triangle"/>
-          </a:ln>
-        </p:spPr>
-        <p:style>
-          <a:lnRef idx="1">
-            <a:schemeClr val="accent1"/>
-          </a:lnRef>
-          <a:fillRef idx="0">
-            <a:schemeClr val="accent1"/>
-          </a:fillRef>
-          <a:effectRef idx="0">
-            <a:schemeClr val="accent1"/>
-          </a:effectRef>
-          <a:fontRef idx="minor">
-            <a:schemeClr val="tx1"/>
-          </a:fontRef>
-        </p:style>
-      </p:cxnSp>
-      <p:cxnSp>
-        <p:nvCxnSpPr>
-          <p:cNvPr id="153" name="Straight Arrow Connector 152">
-            <a:extLst>
-              <a:ext uri="{FF2B5EF4-FFF2-40B4-BE49-F238E27FC236}">
-                <a16:creationId xmlns:a16="http://schemas.microsoft.com/office/drawing/2014/main" id="{61B4369E-C1E1-959F-4E51-2F8EBF5BED5B}"/>
-              </a:ext>
-            </a:extLst>
-          </p:cNvPr>
-          <p:cNvCxnSpPr>
-            <a:cxnSpLocks/>
-          </p:cNvCxnSpPr>
-          <p:nvPr/>
-        </p:nvCxnSpPr>
-        <p:spPr>
-          <a:xfrm flipV="1">
-            <a:off x="7029290" y="3750023"/>
-            <a:ext cx="432390" cy="285697"/>
-          </a:xfrm>
-          <a:prstGeom prst="straightConnector1">
-            <a:avLst/>
-          </a:prstGeom>
-          <a:ln>
-            <a:tailEnd type="triangle"/>
-          </a:ln>
-        </p:spPr>
-        <p:style>
-          <a:lnRef idx="1">
-            <a:schemeClr val="accent1"/>
-          </a:lnRef>
-          <a:fillRef idx="0">
-            <a:schemeClr val="accent1"/>
-          </a:fillRef>
-          <a:effectRef idx="0">
-            <a:schemeClr val="accent1"/>
-          </a:effectRef>
-          <a:fontRef idx="minor">
-            <a:schemeClr val="tx1"/>
-          </a:fontRef>
-        </p:style>
-      </p:cxnSp>
-      <p:pic>
-        <p:nvPicPr>
-          <p:cNvPr id="155" name="Picture 154">
-            <a:extLst>
-              <a:ext uri="{FF2B5EF4-FFF2-40B4-BE49-F238E27FC236}">
-                <a16:creationId xmlns:a16="http://schemas.microsoft.com/office/drawing/2014/main" id="{C04EB7C8-A71B-F93A-ACF7-6168B635A4CF}"/>
-              </a:ext>
-            </a:extLst>
-          </p:cNvPr>
-          <p:cNvPicPr>
-            <a:picLocks noChangeAspect="1"/>
-          </p:cNvPicPr>
-          <p:nvPr/>
-        </p:nvPicPr>
-        <p:blipFill>
-          <a:blip r:embed="rId3"/>
-          <a:stretch>
-            <a:fillRect/>
-          </a:stretch>
-        </p:blipFill>
-        <p:spPr>
-          <a:xfrm>
-            <a:off x="7510122" y="3584923"/>
-            <a:ext cx="357596" cy="261610"/>
-          </a:xfrm>
-          <a:prstGeom prst="rect">
-            <a:avLst/>
-          </a:prstGeom>
-          <a:ln w="3175">
-            <a:solidFill>
-              <a:schemeClr val="tx1"/>
-            </a:solidFill>
-          </a:ln>
-        </p:spPr>
-      </p:pic>
-      <p:sp>
-        <p:nvSpPr>
-          <p:cNvPr id="156" name="TextBox 155">
-            <a:extLst>
-              <a:ext uri="{FF2B5EF4-FFF2-40B4-BE49-F238E27FC236}">
-                <a16:creationId xmlns:a16="http://schemas.microsoft.com/office/drawing/2014/main" id="{9894AFA8-1A3B-8419-7CE1-B1AFAA7CB465}"/>
-              </a:ext>
-            </a:extLst>
-          </p:cNvPr>
-          <p:cNvSpPr txBox="1"/>
-          <p:nvPr/>
-        </p:nvSpPr>
-        <p:spPr>
-          <a:xfrm>
-            <a:off x="6505856" y="3021467"/>
-            <a:ext cx="802249" cy="230832"/>
-          </a:xfrm>
-          <a:prstGeom prst="rect">
-            <a:avLst/>
-          </a:prstGeom>
-          <a:noFill/>
-        </p:spPr>
-        <p:txBody>
-          <a:bodyPr wrap="square" rtlCol="0">
-            <a:spAutoFit/>
-          </a:bodyPr>
-          <a:lstStyle/>
-          <a:p>
-            <a:r>
-              <a:rPr lang="en-SG" sz="900" dirty="0">
-                <a:solidFill>
-                  <a:srgbClr val="002060"/>
-                </a:solidFill>
-              </a:rPr>
-              <a:t>jumphost1</a:t>
-            </a:r>
-          </a:p>
-        </p:txBody>
-      </p:sp>
-      <p:sp>
-        <p:nvSpPr>
-          <p:cNvPr id="157" name="TextBox 156">
-            <a:extLst>
-              <a:ext uri="{FF2B5EF4-FFF2-40B4-BE49-F238E27FC236}">
-                <a16:creationId xmlns:a16="http://schemas.microsoft.com/office/drawing/2014/main" id="{C5B34BD7-6C42-822D-C5AE-A446582FDB26}"/>
-              </a:ext>
-            </a:extLst>
-          </p:cNvPr>
-          <p:cNvSpPr txBox="1"/>
-          <p:nvPr/>
-        </p:nvSpPr>
-        <p:spPr>
-          <a:xfrm>
-            <a:off x="6496065" y="3694339"/>
-            <a:ext cx="802249" cy="230832"/>
-          </a:xfrm>
-          <a:prstGeom prst="rect">
-            <a:avLst/>
-          </a:prstGeom>
-          <a:noFill/>
-        </p:spPr>
-        <p:txBody>
-          <a:bodyPr wrap="square" rtlCol="0">
-            <a:spAutoFit/>
-          </a:bodyPr>
-          <a:lstStyle/>
-          <a:p>
-            <a:r>
-              <a:rPr lang="en-SG" sz="900" dirty="0">
-                <a:solidFill>
-                  <a:srgbClr val="002060"/>
-                </a:solidFill>
-              </a:rPr>
-              <a:t>Jumphost1-N</a:t>
-            </a:r>
-          </a:p>
-        </p:txBody>
-      </p:sp>
-      <p:sp>
-        <p:nvSpPr>
-          <p:cNvPr id="158" name="TextBox 157">
-            <a:extLst>
-              <a:ext uri="{FF2B5EF4-FFF2-40B4-BE49-F238E27FC236}">
-                <a16:creationId xmlns:a16="http://schemas.microsoft.com/office/drawing/2014/main" id="{49D3BF01-9906-4A0B-0461-2F10A94D508A}"/>
-              </a:ext>
-            </a:extLst>
-          </p:cNvPr>
-          <p:cNvSpPr txBox="1"/>
-          <p:nvPr/>
-        </p:nvSpPr>
-        <p:spPr>
-          <a:xfrm>
-            <a:off x="7380936" y="3350167"/>
-            <a:ext cx="802249" cy="230832"/>
-          </a:xfrm>
-          <a:prstGeom prst="rect">
-            <a:avLst/>
-          </a:prstGeom>
-          <a:noFill/>
-        </p:spPr>
-        <p:txBody>
-          <a:bodyPr wrap="square" rtlCol="0">
-            <a:spAutoFit/>
-          </a:bodyPr>
-          <a:lstStyle/>
-          <a:p>
-            <a:r>
-              <a:rPr lang="en-SG" sz="900" dirty="0">
-                <a:solidFill>
-                  <a:srgbClr val="002060"/>
-                </a:solidFill>
-              </a:rPr>
-              <a:t>jumphost2</a:t>
-            </a:r>
-          </a:p>
-        </p:txBody>
-      </p:sp>
-      <p:cxnSp>
-        <p:nvCxnSpPr>
-          <p:cNvPr id="159" name="Straight Arrow Connector 158">
-            <a:extLst>
-              <a:ext uri="{FF2B5EF4-FFF2-40B4-BE49-F238E27FC236}">
-                <a16:creationId xmlns:a16="http://schemas.microsoft.com/office/drawing/2014/main" id="{F21BF079-E43D-B367-380B-D1484E82E1BE}"/>
-              </a:ext>
-            </a:extLst>
-          </p:cNvPr>
-          <p:cNvCxnSpPr>
-            <a:cxnSpLocks/>
-          </p:cNvCxnSpPr>
-          <p:nvPr/>
-        </p:nvCxnSpPr>
-        <p:spPr>
-          <a:xfrm flipV="1">
-            <a:off x="7920359" y="3690941"/>
-            <a:ext cx="390171" cy="1893"/>
-          </a:xfrm>
-          <a:prstGeom prst="straightConnector1">
-            <a:avLst/>
-          </a:prstGeom>
-          <a:ln>
-            <a:tailEnd type="triangle"/>
-          </a:ln>
-        </p:spPr>
-        <p:style>
-          <a:lnRef idx="1">
-            <a:schemeClr val="accent1"/>
-          </a:lnRef>
-          <a:fillRef idx="0">
-            <a:schemeClr val="accent1"/>
-          </a:fillRef>
-          <a:effectRef idx="0">
-            <a:schemeClr val="accent1"/>
-          </a:effectRef>
-          <a:fontRef idx="minor">
-            <a:schemeClr val="tx1"/>
-          </a:fontRef>
-        </p:style>
-      </p:cxnSp>
-      <p:pic>
-        <p:nvPicPr>
-          <p:cNvPr id="160" name="Picture 159">
-            <a:extLst>
-              <a:ext uri="{FF2B5EF4-FFF2-40B4-BE49-F238E27FC236}">
-                <a16:creationId xmlns:a16="http://schemas.microsoft.com/office/drawing/2014/main" id="{73F4F0DD-2BAE-33DD-EA03-59887DEECC46}"/>
-              </a:ext>
-            </a:extLst>
-          </p:cNvPr>
-          <p:cNvPicPr>
-            <a:picLocks noChangeAspect="1"/>
-          </p:cNvPicPr>
-          <p:nvPr/>
-        </p:nvPicPr>
-        <p:blipFill>
-          <a:blip r:embed="rId4"/>
-          <a:stretch>
-            <a:fillRect/>
-          </a:stretch>
-        </p:blipFill>
-        <p:spPr>
-          <a:xfrm>
-            <a:off x="8752692" y="3587180"/>
-            <a:ext cx="324269" cy="222575"/>
-          </a:xfrm>
-          <a:prstGeom prst="rect">
-            <a:avLst/>
-          </a:prstGeom>
-        </p:spPr>
-      </p:pic>
-      <p:cxnSp>
-        <p:nvCxnSpPr>
-          <p:cNvPr id="161" name="Straight Arrow Connector 160">
-            <a:extLst>
-              <a:ext uri="{FF2B5EF4-FFF2-40B4-BE49-F238E27FC236}">
-                <a16:creationId xmlns:a16="http://schemas.microsoft.com/office/drawing/2014/main" id="{9F0052F4-91B7-D049-0C38-6591B68636C5}"/>
-              </a:ext>
-            </a:extLst>
-          </p:cNvPr>
-          <p:cNvCxnSpPr>
-            <a:cxnSpLocks/>
-            <a:endCxn id="166" idx="1"/>
-          </p:cNvCxnSpPr>
-          <p:nvPr/>
-        </p:nvCxnSpPr>
-        <p:spPr>
-          <a:xfrm>
-            <a:off x="7916160" y="3784334"/>
-            <a:ext cx="317010" cy="246865"/>
-          </a:xfrm>
-          <a:prstGeom prst="straightConnector1">
-            <a:avLst/>
-          </a:prstGeom>
-          <a:ln>
-            <a:tailEnd type="triangle"/>
-          </a:ln>
-        </p:spPr>
-        <p:style>
-          <a:lnRef idx="1">
-            <a:schemeClr val="accent1"/>
-          </a:lnRef>
-          <a:fillRef idx="0">
-            <a:schemeClr val="accent1"/>
-          </a:fillRef>
-          <a:effectRef idx="0">
-            <a:schemeClr val="accent1"/>
-          </a:effectRef>
-          <a:fontRef idx="minor">
-            <a:schemeClr val="tx1"/>
-          </a:fontRef>
-        </p:style>
-      </p:cxnSp>
-      <p:pic>
-        <p:nvPicPr>
-          <p:cNvPr id="163" name="Picture 162">
-            <a:extLst>
-              <a:ext uri="{FF2B5EF4-FFF2-40B4-BE49-F238E27FC236}">
-                <a16:creationId xmlns:a16="http://schemas.microsoft.com/office/drawing/2014/main" id="{005C37A5-0E17-C3CB-77BA-B308D3EDFF6C}"/>
-              </a:ext>
-            </a:extLst>
-          </p:cNvPr>
-          <p:cNvPicPr>
-            <a:picLocks noChangeAspect="1"/>
-          </p:cNvPicPr>
-          <p:nvPr/>
-        </p:nvPicPr>
-        <p:blipFill>
-          <a:blip r:embed="rId4"/>
-          <a:stretch>
-            <a:fillRect/>
-          </a:stretch>
-        </p:blipFill>
-        <p:spPr>
-          <a:xfrm>
-            <a:off x="8759670" y="4018577"/>
-            <a:ext cx="324269" cy="222575"/>
-          </a:xfrm>
-          <a:prstGeom prst="rect">
-            <a:avLst/>
-          </a:prstGeom>
-        </p:spPr>
-      </p:pic>
-      <p:sp>
-        <p:nvSpPr>
-          <p:cNvPr id="164" name="TextBox 163">
-            <a:extLst>
-              <a:ext uri="{FF2B5EF4-FFF2-40B4-BE49-F238E27FC236}">
-                <a16:creationId xmlns:a16="http://schemas.microsoft.com/office/drawing/2014/main" id="{4ACD3CEE-1804-B204-D83E-0F37872FFA35}"/>
-              </a:ext>
-            </a:extLst>
-          </p:cNvPr>
-          <p:cNvSpPr txBox="1"/>
-          <p:nvPr/>
-        </p:nvSpPr>
-        <p:spPr>
-          <a:xfrm>
-            <a:off x="8274100" y="3451715"/>
-            <a:ext cx="362198" cy="369332"/>
-          </a:xfrm>
-          <a:prstGeom prst="rect">
-            <a:avLst/>
-          </a:prstGeom>
-          <a:noFill/>
-        </p:spPr>
-        <p:txBody>
-          <a:bodyPr wrap="square" rtlCol="0">
-            <a:spAutoFit/>
-          </a:bodyPr>
-          <a:lstStyle/>
-          <a:p>
-            <a:r>
-              <a:rPr lang="en-US" dirty="0"/>
-              <a:t>…</a:t>
-            </a:r>
-          </a:p>
-        </p:txBody>
-      </p:sp>
-      <p:cxnSp>
-        <p:nvCxnSpPr>
-          <p:cNvPr id="165" name="Straight Arrow Connector 164">
-            <a:extLst>
-              <a:ext uri="{FF2B5EF4-FFF2-40B4-BE49-F238E27FC236}">
-                <a16:creationId xmlns:a16="http://schemas.microsoft.com/office/drawing/2014/main" id="{49A6A41A-D85C-F32D-E279-AA421172EAE1}"/>
-              </a:ext>
-            </a:extLst>
-          </p:cNvPr>
-          <p:cNvCxnSpPr>
-            <a:cxnSpLocks/>
-          </p:cNvCxnSpPr>
-          <p:nvPr/>
-        </p:nvCxnSpPr>
-        <p:spPr>
-          <a:xfrm>
-            <a:off x="8572039" y="3690941"/>
-            <a:ext cx="155102" cy="0"/>
-          </a:xfrm>
-          <a:prstGeom prst="straightConnector1">
-            <a:avLst/>
-          </a:prstGeom>
-          <a:ln>
-            <a:tailEnd type="triangle"/>
-          </a:ln>
-        </p:spPr>
-        <p:style>
-          <a:lnRef idx="1">
-            <a:schemeClr val="accent1"/>
-          </a:lnRef>
-          <a:fillRef idx="0">
-            <a:schemeClr val="accent1"/>
-          </a:fillRef>
-          <a:effectRef idx="0">
-            <a:schemeClr val="accent1"/>
-          </a:effectRef>
-          <a:fontRef idx="minor">
-            <a:schemeClr val="tx1"/>
-          </a:fontRef>
-        </p:style>
-      </p:cxnSp>
-      <p:sp>
-        <p:nvSpPr>
-          <p:cNvPr id="166" name="TextBox 165">
-            <a:extLst>
-              <a:ext uri="{FF2B5EF4-FFF2-40B4-BE49-F238E27FC236}">
-                <a16:creationId xmlns:a16="http://schemas.microsoft.com/office/drawing/2014/main" id="{71E23FB7-E528-1CE5-B3D8-6BA6645A91A1}"/>
-              </a:ext>
-            </a:extLst>
-          </p:cNvPr>
-          <p:cNvSpPr txBox="1"/>
-          <p:nvPr/>
-        </p:nvSpPr>
-        <p:spPr>
-          <a:xfrm>
-            <a:off x="8233170" y="3846533"/>
-            <a:ext cx="362198" cy="369332"/>
-          </a:xfrm>
-          <a:prstGeom prst="rect">
-            <a:avLst/>
-          </a:prstGeom>
-          <a:noFill/>
-        </p:spPr>
-        <p:txBody>
-          <a:bodyPr wrap="square" rtlCol="0">
-            <a:spAutoFit/>
-          </a:bodyPr>
-          <a:lstStyle/>
-          <a:p>
-            <a:r>
-              <a:rPr lang="en-US" dirty="0"/>
-              <a:t>…</a:t>
-            </a:r>
-          </a:p>
-        </p:txBody>
-      </p:sp>
-      <p:cxnSp>
-        <p:nvCxnSpPr>
-          <p:cNvPr id="167" name="Straight Arrow Connector 166">
-            <a:extLst>
-              <a:ext uri="{FF2B5EF4-FFF2-40B4-BE49-F238E27FC236}">
-                <a16:creationId xmlns:a16="http://schemas.microsoft.com/office/drawing/2014/main" id="{ADC96986-8009-B2AC-8B99-B84A754F21C4}"/>
-              </a:ext>
-            </a:extLst>
-          </p:cNvPr>
-          <p:cNvCxnSpPr>
-            <a:cxnSpLocks/>
-          </p:cNvCxnSpPr>
-          <p:nvPr/>
-        </p:nvCxnSpPr>
-        <p:spPr>
-          <a:xfrm>
-            <a:off x="8548577" y="4110041"/>
-            <a:ext cx="155102" cy="0"/>
-          </a:xfrm>
-          <a:prstGeom prst="straightConnector1">
-            <a:avLst/>
-          </a:prstGeom>
-          <a:ln>
-            <a:tailEnd type="triangle"/>
-          </a:ln>
-        </p:spPr>
-        <p:style>
-          <a:lnRef idx="1">
-            <a:schemeClr val="accent1"/>
-          </a:lnRef>
-          <a:fillRef idx="0">
-            <a:schemeClr val="accent1"/>
-          </a:fillRef>
-          <a:effectRef idx="0">
-            <a:schemeClr val="accent1"/>
-          </a:effectRef>
-          <a:fontRef idx="minor">
-            <a:schemeClr val="tx1"/>
-          </a:fontRef>
-        </p:style>
-      </p:cxnSp>
-      <p:sp>
-        <p:nvSpPr>
-          <p:cNvPr id="168" name="TextBox 167">
-            <a:extLst>
-              <a:ext uri="{FF2B5EF4-FFF2-40B4-BE49-F238E27FC236}">
-                <a16:creationId xmlns:a16="http://schemas.microsoft.com/office/drawing/2014/main" id="{45462088-A0B3-B312-8B27-35D38D7983AA}"/>
-              </a:ext>
-            </a:extLst>
-          </p:cNvPr>
-          <p:cNvSpPr txBox="1"/>
-          <p:nvPr/>
-        </p:nvSpPr>
-        <p:spPr>
-          <a:xfrm>
-            <a:off x="8573756" y="3327506"/>
-            <a:ext cx="802249" cy="230832"/>
-          </a:xfrm>
-          <a:prstGeom prst="rect">
-            <a:avLst/>
-          </a:prstGeom>
-          <a:noFill/>
-        </p:spPr>
-        <p:txBody>
-          <a:bodyPr wrap="square" rtlCol="0">
-            <a:spAutoFit/>
-          </a:bodyPr>
-          <a:lstStyle/>
-          <a:p>
-            <a:r>
-              <a:rPr lang="en-US" sz="900" dirty="0" err="1">
-                <a:solidFill>
-                  <a:srgbClr val="002060"/>
-                </a:solidFill>
-              </a:rPr>
-              <a:t>targethost</a:t>
-            </a:r>
-            <a:r>
-              <a:rPr lang="en-US" sz="900" dirty="0">
-                <a:solidFill>
-                  <a:srgbClr val="002060"/>
-                </a:solidFill>
-              </a:rPr>
-              <a:t>-N</a:t>
-            </a:r>
-            <a:endParaRPr lang="en-SG" sz="900" dirty="0">
-              <a:solidFill>
-                <a:srgbClr val="002060"/>
-              </a:solidFill>
-            </a:endParaRPr>
-          </a:p>
-        </p:txBody>
-      </p:sp>
-      <p:cxnSp>
-        <p:nvCxnSpPr>
-          <p:cNvPr id="169" name="Straight Arrow Connector 168">
-            <a:extLst>
-              <a:ext uri="{FF2B5EF4-FFF2-40B4-BE49-F238E27FC236}">
-                <a16:creationId xmlns:a16="http://schemas.microsoft.com/office/drawing/2014/main" id="{F0C2922F-B9DE-BAA2-64F0-832BC027C6FF}"/>
-              </a:ext>
-            </a:extLst>
-          </p:cNvPr>
-          <p:cNvCxnSpPr>
-            <a:cxnSpLocks/>
-          </p:cNvCxnSpPr>
-          <p:nvPr/>
-        </p:nvCxnSpPr>
-        <p:spPr>
-          <a:xfrm>
-            <a:off x="6135373" y="3512490"/>
-            <a:ext cx="445658" cy="0"/>
-          </a:xfrm>
-          <a:prstGeom prst="straightConnector1">
-            <a:avLst/>
-          </a:prstGeom>
-          <a:ln>
-            <a:prstDash val="dash"/>
-            <a:tailEnd type="triangle"/>
-          </a:ln>
-        </p:spPr>
-        <p:style>
-          <a:lnRef idx="1">
-            <a:schemeClr val="accent1"/>
-          </a:lnRef>
-          <a:fillRef idx="0">
-            <a:schemeClr val="accent1"/>
-          </a:fillRef>
-          <a:effectRef idx="0">
-            <a:schemeClr val="accent1"/>
-          </a:effectRef>
-          <a:fontRef idx="minor">
-            <a:schemeClr val="tx1"/>
-          </a:fontRef>
-        </p:style>
-      </p:cxnSp>
-      <p:sp>
-        <p:nvSpPr>
-          <p:cNvPr id="172" name="TextBox 171">
-            <a:extLst>
-              <a:ext uri="{FF2B5EF4-FFF2-40B4-BE49-F238E27FC236}">
-                <a16:creationId xmlns:a16="http://schemas.microsoft.com/office/drawing/2014/main" id="{829B619B-EE39-5538-584C-A82F24E551D8}"/>
-              </a:ext>
-            </a:extLst>
-          </p:cNvPr>
-          <p:cNvSpPr txBox="1"/>
-          <p:nvPr/>
-        </p:nvSpPr>
-        <p:spPr>
-          <a:xfrm>
-            <a:off x="658400" y="208292"/>
-            <a:ext cx="2724189" cy="661720"/>
-          </a:xfrm>
-          <a:prstGeom prst="rect">
-            <a:avLst/>
-          </a:prstGeom>
-          <a:noFill/>
-        </p:spPr>
-        <p:txBody>
-          <a:bodyPr wrap="square" rtlCol="0">
-            <a:spAutoFit/>
-          </a:bodyPr>
-          <a:lstStyle/>
-          <a:p>
-            <a:r>
-              <a:rPr lang="en-SG" sz="900" b="1" dirty="0"/>
-              <a:t>Single account</a:t>
-            </a:r>
-          </a:p>
-          <a:p>
-            <a:r>
-              <a:rPr lang="en-SG" sz="900" b="1" dirty="0"/>
-              <a:t>Single thread</a:t>
-            </a:r>
-          </a:p>
-          <a:p>
-            <a:r>
-              <a:rPr lang="en-SG" sz="900" b="1" dirty="0"/>
-              <a:t>Single </a:t>
-            </a:r>
-            <a:r>
-              <a:rPr lang="en-SG" sz="900" b="1" dirty="0" err="1"/>
-              <a:t>ssh</a:t>
-            </a:r>
-            <a:r>
-              <a:rPr lang="en-SG" sz="900" b="1" dirty="0"/>
-              <a:t> tunnel</a:t>
-            </a:r>
-          </a:p>
-          <a:p>
-            <a:r>
-              <a:rPr lang="en-SG" sz="900" b="1" dirty="0"/>
-              <a:t>Use case: normal user access </a:t>
-            </a:r>
-            <a:r>
-              <a:rPr lang="en-SG" sz="900" b="1" dirty="0" err="1"/>
-              <a:t>ncl</a:t>
-            </a:r>
-            <a:r>
-              <a:rPr lang="en-SG" sz="900" b="1" dirty="0"/>
-              <a:t> testbed</a:t>
-            </a:r>
-            <a:r>
-              <a:rPr lang="en-SG" sz="1000" b="1" dirty="0"/>
-              <a:t>.</a:t>
-            </a:r>
-          </a:p>
-        </p:txBody>
-      </p:sp>
-      <p:sp>
-        <p:nvSpPr>
-          <p:cNvPr id="173" name="TextBox 172">
-            <a:extLst>
-              <a:ext uri="{FF2B5EF4-FFF2-40B4-BE49-F238E27FC236}">
-                <a16:creationId xmlns:a16="http://schemas.microsoft.com/office/drawing/2014/main" id="{016990CA-86D4-ED6F-AD3C-2D978468A763}"/>
-              </a:ext>
-            </a:extLst>
-          </p:cNvPr>
-          <p:cNvSpPr txBox="1"/>
-          <p:nvPr/>
-        </p:nvSpPr>
-        <p:spPr>
-          <a:xfrm>
-            <a:off x="5513869" y="348251"/>
-            <a:ext cx="2724189" cy="646331"/>
-          </a:xfrm>
-          <a:prstGeom prst="rect">
-            <a:avLst/>
-          </a:prstGeom>
-          <a:noFill/>
-        </p:spPr>
-        <p:txBody>
-          <a:bodyPr wrap="square" rtlCol="0">
-            <a:spAutoFit/>
-          </a:bodyPr>
-          <a:lstStyle/>
-          <a:p>
-            <a:r>
-              <a:rPr lang="en-SG" sz="900" b="1" dirty="0"/>
-              <a:t>Single account</a:t>
-            </a:r>
-          </a:p>
-          <a:p>
-            <a:r>
-              <a:rPr lang="en-SG" sz="900" b="1" dirty="0"/>
-              <a:t>Multiple thread</a:t>
-            </a:r>
-          </a:p>
-          <a:p>
-            <a:r>
-              <a:rPr lang="en-SG" sz="900" b="1" dirty="0"/>
-              <a:t>Single </a:t>
-            </a:r>
-            <a:r>
-              <a:rPr lang="en-SG" sz="900" b="1" dirty="0" err="1"/>
-              <a:t>ssh</a:t>
-            </a:r>
-            <a:r>
-              <a:rPr lang="en-SG" sz="900" b="1" dirty="0"/>
-              <a:t> tunnel</a:t>
-            </a:r>
-          </a:p>
-          <a:p>
-            <a:r>
-              <a:rPr lang="en-SG" sz="900" b="1" dirty="0"/>
-              <a:t>Use case: one CTF team access their </a:t>
-            </a:r>
-            <a:r>
-              <a:rPr lang="en-SG" sz="900" b="1" dirty="0" err="1"/>
-              <a:t>vms</a:t>
-            </a:r>
-            <a:endParaRPr lang="en-SG" sz="900" b="1" dirty="0"/>
-          </a:p>
-        </p:txBody>
-      </p:sp>
-      <p:sp>
-        <p:nvSpPr>
-          <p:cNvPr id="174" name="TextBox 173">
-            <a:extLst>
-              <a:ext uri="{FF2B5EF4-FFF2-40B4-BE49-F238E27FC236}">
-                <a16:creationId xmlns:a16="http://schemas.microsoft.com/office/drawing/2014/main" id="{D5CA6162-24A5-18DD-739B-B22DA5D9BDD5}"/>
-              </a:ext>
-            </a:extLst>
-          </p:cNvPr>
-          <p:cNvSpPr txBox="1"/>
-          <p:nvPr/>
-        </p:nvSpPr>
-        <p:spPr>
-          <a:xfrm>
-            <a:off x="618684" y="1916972"/>
-            <a:ext cx="3553266" cy="661720"/>
-          </a:xfrm>
-          <a:prstGeom prst="rect">
-            <a:avLst/>
-          </a:prstGeom>
-          <a:noFill/>
-        </p:spPr>
-        <p:txBody>
-          <a:bodyPr wrap="square" rtlCol="0">
-            <a:spAutoFit/>
-          </a:bodyPr>
-          <a:lstStyle/>
-          <a:p>
-            <a:r>
-              <a:rPr lang="en-SG" sz="900" b="1" dirty="0"/>
-              <a:t>Single account</a:t>
-            </a:r>
-          </a:p>
-          <a:p>
-            <a:r>
-              <a:rPr lang="en-SG" sz="900" b="1"/>
-              <a:t>Multiple threads</a:t>
-            </a:r>
-            <a:endParaRPr lang="en-SG" sz="900" b="1" dirty="0"/>
-          </a:p>
-          <a:p>
-            <a:r>
-              <a:rPr lang="en-SG" sz="900" b="1" dirty="0"/>
-              <a:t>Multiple </a:t>
-            </a:r>
-            <a:r>
-              <a:rPr lang="en-SG" sz="900" b="1" dirty="0" err="1"/>
-              <a:t>ssh</a:t>
-            </a:r>
-            <a:r>
-              <a:rPr lang="en-SG" sz="900" b="1" dirty="0"/>
-              <a:t> tunnels</a:t>
-            </a:r>
-          </a:p>
-          <a:p>
-            <a:r>
-              <a:rPr lang="en-SG" sz="900" b="1" dirty="0"/>
-              <a:t>Use case: Check/turn on </a:t>
-            </a:r>
-            <a:r>
-              <a:rPr lang="en-SG" sz="900" b="1" dirty="0" err="1"/>
-              <a:t>Openstack</a:t>
-            </a:r>
-            <a:r>
-              <a:rPr lang="en-SG" sz="900" b="1" dirty="0"/>
-              <a:t> BM’s IMPI port one by one.   </a:t>
-            </a:r>
-          </a:p>
-        </p:txBody>
-      </p:sp>
-      <p:sp>
-        <p:nvSpPr>
-          <p:cNvPr id="175" name="TextBox 174">
-            <a:extLst>
-              <a:ext uri="{FF2B5EF4-FFF2-40B4-BE49-F238E27FC236}">
-                <a16:creationId xmlns:a16="http://schemas.microsoft.com/office/drawing/2014/main" id="{D1E1BE3B-E7D8-58DE-B416-E06E12D3C6C2}"/>
-              </a:ext>
-            </a:extLst>
-          </p:cNvPr>
-          <p:cNvSpPr txBox="1"/>
-          <p:nvPr/>
-        </p:nvSpPr>
-        <p:spPr>
-          <a:xfrm>
-            <a:off x="5468852" y="2172003"/>
-            <a:ext cx="3553266" cy="646331"/>
-          </a:xfrm>
-          <a:prstGeom prst="rect">
-            <a:avLst/>
-          </a:prstGeom>
-          <a:noFill/>
-        </p:spPr>
-        <p:txBody>
-          <a:bodyPr wrap="square" rtlCol="0">
-            <a:spAutoFit/>
-          </a:bodyPr>
-          <a:lstStyle/>
-          <a:p>
-            <a:r>
-              <a:rPr lang="en-SG" sz="900" b="1" dirty="0"/>
-              <a:t>Multiple accounts</a:t>
-            </a:r>
-          </a:p>
-          <a:p>
-            <a:r>
-              <a:rPr lang="en-SG" sz="900" b="1" dirty="0"/>
-              <a:t>Multiple thread</a:t>
-            </a:r>
-          </a:p>
-          <a:p>
-            <a:r>
-              <a:rPr lang="en-SG" sz="900" b="1" dirty="0"/>
-              <a:t>Multiple </a:t>
-            </a:r>
-            <a:r>
-              <a:rPr lang="en-SG" sz="900" b="1" dirty="0" err="1"/>
-              <a:t>ssh</a:t>
-            </a:r>
-            <a:r>
-              <a:rPr lang="en-SG" sz="900" b="1" dirty="0"/>
-              <a:t> tunnels</a:t>
-            </a:r>
-          </a:p>
-          <a:p>
-            <a:r>
-              <a:rPr lang="en-SG" sz="900" b="1" dirty="0"/>
-              <a:t>Use case: simulate stress test for the CTFD cluster.   </a:t>
-            </a:r>
-          </a:p>
-        </p:txBody>
-      </p:sp>
-      <p:pic>
-        <p:nvPicPr>
-          <p:cNvPr id="2" name="Picture 4">
-            <a:extLst>
-              <a:ext uri="{FF2B5EF4-FFF2-40B4-BE49-F238E27FC236}">
-                <a16:creationId xmlns:a16="http://schemas.microsoft.com/office/drawing/2014/main" id="{77384891-A4D2-1312-4F32-CBBC4125607F}"/>
-              </a:ext>
-            </a:extLst>
-          </p:cNvPr>
-          <p:cNvPicPr>
-            <a:picLocks noChangeAspect="1" noChangeArrowheads="1"/>
-          </p:cNvPicPr>
-          <p:nvPr/>
-        </p:nvPicPr>
-        <p:blipFill>
-          <a:blip r:embed="rId2">
-            <a:extLst>
-              <a:ext uri="{28A0092B-C50C-407E-A947-70E740481C1C}">
-                <a14:useLocalDpi xmlns:a14="http://schemas.microsoft.com/office/drawing/2010/main" val="0"/>
-              </a:ext>
-            </a:extLst>
-          </a:blip>
-          <a:srcRect/>
-          <a:stretch>
-            <a:fillRect/>
-          </a:stretch>
-        </p:blipFill>
-        <p:spPr bwMode="auto">
-          <a:xfrm>
-            <a:off x="642130" y="5310584"/>
-            <a:ext cx="429814" cy="429814"/>
-          </a:xfrm>
-          <a:prstGeom prst="rect">
-            <a:avLst/>
-          </a:prstGeom>
-          <a:noFill/>
-          <a:extLst>
-            <a:ext uri="{909E8E84-426E-40DD-AFC4-6F175D3DCCD1}">
-              <a14:hiddenFill xmlns:a14="http://schemas.microsoft.com/office/drawing/2010/main">
-                <a:solidFill>
-                  <a:srgbClr val="FFFFFF"/>
-                </a:solidFill>
-              </a14:hiddenFill>
-            </a:ext>
-          </a:extLst>
-        </p:spPr>
-      </p:pic>
-      <p:pic>
-        <p:nvPicPr>
-          <p:cNvPr id="7" name="Picture 6">
-            <a:extLst>
-              <a:ext uri="{FF2B5EF4-FFF2-40B4-BE49-F238E27FC236}">
-                <a16:creationId xmlns:a16="http://schemas.microsoft.com/office/drawing/2014/main" id="{E58CE004-2FCC-1AD5-8A27-A3CC84BAD000}"/>
-              </a:ext>
-            </a:extLst>
-          </p:cNvPr>
-          <p:cNvPicPr>
-            <a:picLocks noChangeAspect="1"/>
-          </p:cNvPicPr>
-          <p:nvPr/>
-        </p:nvPicPr>
-        <p:blipFill>
-          <a:blip r:embed="rId3"/>
-          <a:stretch>
-            <a:fillRect/>
-          </a:stretch>
-        </p:blipFill>
-        <p:spPr>
-          <a:xfrm>
-            <a:off x="1949862" y="5394686"/>
-            <a:ext cx="357596" cy="261610"/>
-          </a:xfrm>
-          <a:prstGeom prst="rect">
-            <a:avLst/>
-          </a:prstGeom>
-          <a:ln w="3175">
-            <a:solidFill>
-              <a:schemeClr val="tx1"/>
-            </a:solidFill>
-          </a:ln>
-        </p:spPr>
-      </p:pic>
-      <p:cxnSp>
-        <p:nvCxnSpPr>
-          <p:cNvPr id="8" name="Straight Arrow Connector 7">
-            <a:extLst>
-              <a:ext uri="{FF2B5EF4-FFF2-40B4-BE49-F238E27FC236}">
-                <a16:creationId xmlns:a16="http://schemas.microsoft.com/office/drawing/2014/main" id="{2110BF41-049C-FCCF-A6AE-A7495012AFA4}"/>
-              </a:ext>
-            </a:extLst>
-          </p:cNvPr>
-          <p:cNvCxnSpPr>
-            <a:cxnSpLocks/>
-          </p:cNvCxnSpPr>
-          <p:nvPr/>
-        </p:nvCxnSpPr>
-        <p:spPr>
-          <a:xfrm flipV="1">
-            <a:off x="2385375" y="5530758"/>
-            <a:ext cx="390171" cy="1893"/>
-          </a:xfrm>
-          <a:prstGeom prst="straightConnector1">
-            <a:avLst/>
-          </a:prstGeom>
-          <a:ln>
-            <a:tailEnd type="triangle"/>
-          </a:ln>
-        </p:spPr>
-        <p:style>
-          <a:lnRef idx="1">
-            <a:schemeClr val="accent1"/>
-          </a:lnRef>
-          <a:fillRef idx="0">
-            <a:schemeClr val="accent1"/>
-          </a:fillRef>
-          <a:effectRef idx="0">
-            <a:schemeClr val="accent1"/>
-          </a:effectRef>
-          <a:fontRef idx="minor">
-            <a:schemeClr val="tx1"/>
-          </a:fontRef>
-        </p:style>
-      </p:cxnSp>
-      <p:pic>
-        <p:nvPicPr>
-          <p:cNvPr id="10" name="Picture 9">
-            <a:extLst>
-              <a:ext uri="{FF2B5EF4-FFF2-40B4-BE49-F238E27FC236}">
-                <a16:creationId xmlns:a16="http://schemas.microsoft.com/office/drawing/2014/main" id="{B8E56B20-B3CD-D09D-FE57-05BE09774D07}"/>
-              </a:ext>
-            </a:extLst>
-          </p:cNvPr>
-          <p:cNvPicPr>
-            <a:picLocks noChangeAspect="1"/>
-          </p:cNvPicPr>
-          <p:nvPr/>
-        </p:nvPicPr>
-        <p:blipFill>
-          <a:blip r:embed="rId3"/>
-          <a:stretch>
-            <a:fillRect/>
-          </a:stretch>
-        </p:blipFill>
-        <p:spPr>
-          <a:xfrm>
-            <a:off x="2829354" y="5401846"/>
-            <a:ext cx="357596" cy="261610"/>
-          </a:xfrm>
-          <a:prstGeom prst="rect">
-            <a:avLst/>
-          </a:prstGeom>
-          <a:ln w="3175">
-            <a:solidFill>
-              <a:schemeClr val="tx1"/>
-            </a:solidFill>
-          </a:ln>
-        </p:spPr>
-      </p:pic>
-      <p:sp>
-        <p:nvSpPr>
-          <p:cNvPr id="12" name="TextBox 11">
-            <a:extLst>
-              <a:ext uri="{FF2B5EF4-FFF2-40B4-BE49-F238E27FC236}">
-                <a16:creationId xmlns:a16="http://schemas.microsoft.com/office/drawing/2014/main" id="{6947F463-40A2-AC36-38E9-75E747C562D7}"/>
-              </a:ext>
-            </a:extLst>
-          </p:cNvPr>
-          <p:cNvSpPr txBox="1"/>
-          <p:nvPr/>
-        </p:nvSpPr>
-        <p:spPr>
-          <a:xfrm>
-            <a:off x="3203238" y="5309080"/>
-            <a:ext cx="362198" cy="369332"/>
-          </a:xfrm>
-          <a:prstGeom prst="rect">
-            <a:avLst/>
-          </a:prstGeom>
-          <a:noFill/>
-        </p:spPr>
-        <p:txBody>
-          <a:bodyPr wrap="square" rtlCol="0">
-            <a:spAutoFit/>
-          </a:bodyPr>
-          <a:lstStyle/>
-          <a:p>
-            <a:r>
-              <a:rPr lang="en-US" dirty="0"/>
-              <a:t>…</a:t>
-            </a:r>
-            <a:endParaRPr lang="en-SG" dirty="0"/>
-          </a:p>
-        </p:txBody>
-      </p:sp>
-      <p:pic>
-        <p:nvPicPr>
-          <p:cNvPr id="13" name="Picture 12">
-            <a:extLst>
-              <a:ext uri="{FF2B5EF4-FFF2-40B4-BE49-F238E27FC236}">
-                <a16:creationId xmlns:a16="http://schemas.microsoft.com/office/drawing/2014/main" id="{7F7A3C49-025E-1A49-A298-3A7DA7124EA6}"/>
-              </a:ext>
-            </a:extLst>
-          </p:cNvPr>
-          <p:cNvPicPr>
-            <a:picLocks noChangeAspect="1"/>
-          </p:cNvPicPr>
-          <p:nvPr/>
-        </p:nvPicPr>
-        <p:blipFill>
-          <a:blip r:embed="rId3"/>
-          <a:stretch>
-            <a:fillRect/>
-          </a:stretch>
-        </p:blipFill>
-        <p:spPr>
-          <a:xfrm>
-            <a:off x="3530048" y="5394686"/>
-            <a:ext cx="357596" cy="261610"/>
-          </a:xfrm>
-          <a:prstGeom prst="rect">
-            <a:avLst/>
-          </a:prstGeom>
-          <a:ln w="3175">
-            <a:solidFill>
-              <a:schemeClr val="tx1"/>
-            </a:solidFill>
-          </a:ln>
-        </p:spPr>
-      </p:pic>
-      <p:pic>
-        <p:nvPicPr>
-          <p:cNvPr id="15" name="Picture 14">
-            <a:extLst>
-              <a:ext uri="{FF2B5EF4-FFF2-40B4-BE49-F238E27FC236}">
-                <a16:creationId xmlns:a16="http://schemas.microsoft.com/office/drawing/2014/main" id="{8F1443B9-8090-F780-5BDE-D888F3A79E17}"/>
-              </a:ext>
-            </a:extLst>
-          </p:cNvPr>
-          <p:cNvPicPr>
-            <a:picLocks noChangeAspect="1"/>
-          </p:cNvPicPr>
-          <p:nvPr/>
-        </p:nvPicPr>
-        <p:blipFill>
-          <a:blip r:embed="rId5"/>
-          <a:stretch>
-            <a:fillRect/>
-          </a:stretch>
-        </p:blipFill>
-        <p:spPr>
-          <a:xfrm>
-            <a:off x="2326086" y="5928138"/>
-            <a:ext cx="338693" cy="346110"/>
-          </a:xfrm>
-          <a:prstGeom prst="rect">
-            <a:avLst/>
-          </a:prstGeom>
-        </p:spPr>
-      </p:pic>
-      <p:cxnSp>
-        <p:nvCxnSpPr>
-          <p:cNvPr id="17" name="Straight Arrow Connector 16">
-            <a:extLst>
-              <a:ext uri="{FF2B5EF4-FFF2-40B4-BE49-F238E27FC236}">
-                <a16:creationId xmlns:a16="http://schemas.microsoft.com/office/drawing/2014/main" id="{03EE8A19-2173-5B53-491F-0E6F474D0B89}"/>
-              </a:ext>
-            </a:extLst>
-          </p:cNvPr>
-          <p:cNvCxnSpPr>
-            <a:cxnSpLocks/>
-            <a:stCxn id="7" idx="2"/>
-            <a:endCxn id="15" idx="0"/>
-          </p:cNvCxnSpPr>
-          <p:nvPr/>
-        </p:nvCxnSpPr>
-        <p:spPr>
-          <a:xfrm>
-            <a:off x="2128660" y="5656296"/>
-            <a:ext cx="366773" cy="271842"/>
-          </a:xfrm>
-          <a:prstGeom prst="straightConnector1">
-            <a:avLst/>
-          </a:prstGeom>
-          <a:ln>
-            <a:tailEnd type="triangle"/>
-          </a:ln>
-        </p:spPr>
-        <p:style>
-          <a:lnRef idx="1">
-            <a:schemeClr val="accent1"/>
-          </a:lnRef>
-          <a:fillRef idx="0">
-            <a:schemeClr val="accent1"/>
-          </a:fillRef>
-          <a:effectRef idx="0">
-            <a:schemeClr val="accent1"/>
-          </a:effectRef>
-          <a:fontRef idx="minor">
-            <a:schemeClr val="tx1"/>
-          </a:fontRef>
-        </p:style>
-      </p:cxnSp>
-      <p:pic>
-        <p:nvPicPr>
-          <p:cNvPr id="19" name="Picture 18">
-            <a:extLst>
-              <a:ext uri="{FF2B5EF4-FFF2-40B4-BE49-F238E27FC236}">
-                <a16:creationId xmlns:a16="http://schemas.microsoft.com/office/drawing/2014/main" id="{CCC44A42-7E25-9A2C-00A1-7054C980EB77}"/>
-              </a:ext>
-            </a:extLst>
-          </p:cNvPr>
-          <p:cNvPicPr>
-            <a:picLocks noChangeAspect="1"/>
-          </p:cNvPicPr>
-          <p:nvPr/>
-        </p:nvPicPr>
-        <p:blipFill>
-          <a:blip r:embed="rId3"/>
-          <a:stretch>
-            <a:fillRect/>
-          </a:stretch>
-        </p:blipFill>
-        <p:spPr>
-          <a:xfrm>
-            <a:off x="3104791" y="5941266"/>
-            <a:ext cx="334496" cy="244711"/>
-          </a:xfrm>
-          <a:prstGeom prst="rect">
-            <a:avLst/>
-          </a:prstGeom>
-          <a:ln w="3175">
-            <a:solidFill>
-              <a:schemeClr val="tx1"/>
-            </a:solidFill>
-          </a:ln>
-        </p:spPr>
-      </p:pic>
-      <p:cxnSp>
-        <p:nvCxnSpPr>
-          <p:cNvPr id="20" name="Straight Arrow Connector 19">
-            <a:extLst>
-              <a:ext uri="{FF2B5EF4-FFF2-40B4-BE49-F238E27FC236}">
-                <a16:creationId xmlns:a16="http://schemas.microsoft.com/office/drawing/2014/main" id="{9CE24489-0446-3CFC-0DF1-8FF0B2416221}"/>
-              </a:ext>
-            </a:extLst>
-          </p:cNvPr>
-          <p:cNvCxnSpPr>
-            <a:cxnSpLocks/>
-            <a:endCxn id="19" idx="0"/>
-          </p:cNvCxnSpPr>
-          <p:nvPr/>
-        </p:nvCxnSpPr>
-        <p:spPr>
-          <a:xfrm>
-            <a:off x="2974003" y="5638641"/>
-            <a:ext cx="298036" cy="302625"/>
-          </a:xfrm>
-          <a:prstGeom prst="straightConnector1">
-            <a:avLst/>
-          </a:prstGeom>
-          <a:ln>
-            <a:tailEnd type="triangle"/>
-          </a:ln>
-        </p:spPr>
-        <p:style>
-          <a:lnRef idx="1">
-            <a:schemeClr val="accent1"/>
-          </a:lnRef>
-          <a:fillRef idx="0">
-            <a:schemeClr val="accent1"/>
-          </a:fillRef>
-          <a:effectRef idx="0">
-            <a:schemeClr val="accent1"/>
-          </a:effectRef>
-          <a:fontRef idx="minor">
-            <a:schemeClr val="tx1"/>
-          </a:fontRef>
-        </p:style>
-      </p:cxnSp>
-      <p:pic>
-        <p:nvPicPr>
-          <p:cNvPr id="22" name="Picture 21">
-            <a:extLst>
-              <a:ext uri="{FF2B5EF4-FFF2-40B4-BE49-F238E27FC236}">
-                <a16:creationId xmlns:a16="http://schemas.microsoft.com/office/drawing/2014/main" id="{D6A823D9-3258-478B-3E71-683AEBC7CDF6}"/>
-              </a:ext>
-            </a:extLst>
-          </p:cNvPr>
-          <p:cNvPicPr>
-            <a:picLocks noChangeAspect="1"/>
-          </p:cNvPicPr>
-          <p:nvPr/>
-        </p:nvPicPr>
-        <p:blipFill>
-          <a:blip r:embed="rId5"/>
-          <a:stretch>
-            <a:fillRect/>
-          </a:stretch>
-        </p:blipFill>
-        <p:spPr>
-          <a:xfrm>
-            <a:off x="3388115" y="6426144"/>
-            <a:ext cx="338693" cy="346110"/>
-          </a:xfrm>
-          <a:prstGeom prst="rect">
-            <a:avLst/>
-          </a:prstGeom>
-        </p:spPr>
-      </p:pic>
-      <p:cxnSp>
-        <p:nvCxnSpPr>
-          <p:cNvPr id="23" name="Straight Arrow Connector 22">
-            <a:extLst>
-              <a:ext uri="{FF2B5EF4-FFF2-40B4-BE49-F238E27FC236}">
-                <a16:creationId xmlns:a16="http://schemas.microsoft.com/office/drawing/2014/main" id="{BD9F6756-64F9-4DC3-77B0-9363B08B28DB}"/>
-              </a:ext>
-            </a:extLst>
-          </p:cNvPr>
-          <p:cNvCxnSpPr>
-            <a:cxnSpLocks/>
-            <a:stCxn id="19" idx="2"/>
-            <a:endCxn id="22" idx="0"/>
-          </p:cNvCxnSpPr>
-          <p:nvPr/>
-        </p:nvCxnSpPr>
-        <p:spPr>
-          <a:xfrm>
-            <a:off x="3272039" y="6185977"/>
-            <a:ext cx="285423" cy="240167"/>
-          </a:xfrm>
-          <a:prstGeom prst="straightConnector1">
-            <a:avLst/>
-          </a:prstGeom>
-          <a:ln>
-            <a:tailEnd type="triangle"/>
-          </a:ln>
-        </p:spPr>
-        <p:style>
-          <a:lnRef idx="1">
-            <a:schemeClr val="accent1"/>
-          </a:lnRef>
-          <a:fillRef idx="0">
-            <a:schemeClr val="accent1"/>
-          </a:fillRef>
-          <a:effectRef idx="0">
-            <a:schemeClr val="accent1"/>
-          </a:effectRef>
-          <a:fontRef idx="minor">
-            <a:schemeClr val="tx1"/>
-          </a:fontRef>
-        </p:style>
-      </p:cxnSp>
-      <p:cxnSp>
-        <p:nvCxnSpPr>
-          <p:cNvPr id="30" name="Straight Arrow Connector 29">
-            <a:extLst>
-              <a:ext uri="{FF2B5EF4-FFF2-40B4-BE49-F238E27FC236}">
-                <a16:creationId xmlns:a16="http://schemas.microsoft.com/office/drawing/2014/main" id="{6C6F5C89-5E83-15EF-4C28-6F827C609338}"/>
-              </a:ext>
-            </a:extLst>
-          </p:cNvPr>
-          <p:cNvCxnSpPr>
-            <a:cxnSpLocks/>
-            <a:endCxn id="35" idx="1"/>
-          </p:cNvCxnSpPr>
-          <p:nvPr/>
-        </p:nvCxnSpPr>
-        <p:spPr>
-          <a:xfrm>
-            <a:off x="3880733" y="5569194"/>
-            <a:ext cx="345269" cy="358944"/>
-          </a:xfrm>
-          <a:prstGeom prst="straightConnector1">
-            <a:avLst/>
-          </a:prstGeom>
-          <a:ln>
-            <a:tailEnd type="triangle"/>
-          </a:ln>
-        </p:spPr>
-        <p:style>
-          <a:lnRef idx="1">
-            <a:schemeClr val="accent1"/>
-          </a:lnRef>
-          <a:fillRef idx="0">
-            <a:schemeClr val="accent1"/>
-          </a:fillRef>
-          <a:effectRef idx="0">
-            <a:schemeClr val="accent1"/>
-          </a:effectRef>
-          <a:fontRef idx="minor">
-            <a:schemeClr val="tx1"/>
-          </a:fontRef>
-        </p:style>
-      </p:cxnSp>
-      <p:cxnSp>
-        <p:nvCxnSpPr>
-          <p:cNvPr id="32" name="Straight Arrow Connector 31">
-            <a:extLst>
-              <a:ext uri="{FF2B5EF4-FFF2-40B4-BE49-F238E27FC236}">
-                <a16:creationId xmlns:a16="http://schemas.microsoft.com/office/drawing/2014/main" id="{0C05B9AA-6032-E278-8BB4-93CA25C9E832}"/>
-              </a:ext>
-            </a:extLst>
-          </p:cNvPr>
-          <p:cNvCxnSpPr>
-            <a:cxnSpLocks/>
-          </p:cNvCxnSpPr>
-          <p:nvPr/>
-        </p:nvCxnSpPr>
-        <p:spPr>
-          <a:xfrm>
-            <a:off x="3880733" y="5524470"/>
-            <a:ext cx="333721" cy="0"/>
-          </a:xfrm>
-          <a:prstGeom prst="straightConnector1">
-            <a:avLst/>
-          </a:prstGeom>
-          <a:ln>
-            <a:tailEnd type="triangle"/>
-          </a:ln>
-        </p:spPr>
-        <p:style>
-          <a:lnRef idx="1">
-            <a:schemeClr val="accent1"/>
-          </a:lnRef>
-          <a:fillRef idx="0">
-            <a:schemeClr val="accent1"/>
-          </a:fillRef>
-          <a:effectRef idx="0">
-            <a:schemeClr val="accent1"/>
-          </a:effectRef>
-          <a:fontRef idx="minor">
-            <a:schemeClr val="tx1"/>
-          </a:fontRef>
-        </p:style>
-      </p:cxnSp>
-      <p:pic>
-        <p:nvPicPr>
-          <p:cNvPr id="34" name="Picture 33">
-            <a:extLst>
-              <a:ext uri="{FF2B5EF4-FFF2-40B4-BE49-F238E27FC236}">
-                <a16:creationId xmlns:a16="http://schemas.microsoft.com/office/drawing/2014/main" id="{F6D048AB-2B23-F530-1710-9589C0E2B42C}"/>
-              </a:ext>
-            </a:extLst>
-          </p:cNvPr>
-          <p:cNvPicPr>
-            <a:picLocks noChangeAspect="1"/>
-          </p:cNvPicPr>
-          <p:nvPr/>
-        </p:nvPicPr>
-        <p:blipFill>
-          <a:blip r:embed="rId5"/>
-          <a:stretch>
-            <a:fillRect/>
-          </a:stretch>
-        </p:blipFill>
-        <p:spPr>
-          <a:xfrm>
-            <a:off x="4226002" y="5320691"/>
-            <a:ext cx="338693" cy="346110"/>
-          </a:xfrm>
-          <a:prstGeom prst="rect">
-            <a:avLst/>
-          </a:prstGeom>
-        </p:spPr>
-      </p:pic>
-      <p:pic>
-        <p:nvPicPr>
-          <p:cNvPr id="35" name="Picture 34">
-            <a:extLst>
-              <a:ext uri="{FF2B5EF4-FFF2-40B4-BE49-F238E27FC236}">
-                <a16:creationId xmlns:a16="http://schemas.microsoft.com/office/drawing/2014/main" id="{C6AFCD8E-6A78-2A56-113C-1E5B0057F111}"/>
-              </a:ext>
-            </a:extLst>
-          </p:cNvPr>
-          <p:cNvPicPr>
-            <a:picLocks noChangeAspect="1"/>
-          </p:cNvPicPr>
-          <p:nvPr/>
-        </p:nvPicPr>
-        <p:blipFill>
-          <a:blip r:embed="rId5"/>
-          <a:stretch>
-            <a:fillRect/>
-          </a:stretch>
-        </p:blipFill>
-        <p:spPr>
-          <a:xfrm>
-            <a:off x="4226002" y="5755083"/>
-            <a:ext cx="347129" cy="346110"/>
-          </a:xfrm>
-          <a:prstGeom prst="rect">
-            <a:avLst/>
-          </a:prstGeom>
-        </p:spPr>
-      </p:pic>
-      <p:sp>
-        <p:nvSpPr>
-          <p:cNvPr id="37" name="TextBox 36">
-            <a:extLst>
-              <a:ext uri="{FF2B5EF4-FFF2-40B4-BE49-F238E27FC236}">
-                <a16:creationId xmlns:a16="http://schemas.microsoft.com/office/drawing/2014/main" id="{A7755252-F5A5-A7D8-B2EE-AC1E1D1AD47C}"/>
-              </a:ext>
-            </a:extLst>
-          </p:cNvPr>
-          <p:cNvSpPr txBox="1"/>
-          <p:nvPr/>
-        </p:nvSpPr>
-        <p:spPr>
-          <a:xfrm>
-            <a:off x="1693183" y="5130004"/>
-            <a:ext cx="802249" cy="230832"/>
-          </a:xfrm>
-          <a:prstGeom prst="rect">
-            <a:avLst/>
-          </a:prstGeom>
-          <a:noFill/>
-        </p:spPr>
-        <p:txBody>
-          <a:bodyPr wrap="square" rtlCol="0">
-            <a:spAutoFit/>
-          </a:bodyPr>
-          <a:lstStyle/>
-          <a:p>
-            <a:r>
-              <a:rPr lang="en-SG" sz="900" dirty="0">
-                <a:solidFill>
-                  <a:srgbClr val="002060"/>
-                </a:solidFill>
-              </a:rPr>
-              <a:t>jumphost1</a:t>
-            </a:r>
-          </a:p>
-        </p:txBody>
-      </p:sp>
-      <p:sp>
-        <p:nvSpPr>
-          <p:cNvPr id="38" name="TextBox 37">
-            <a:extLst>
-              <a:ext uri="{FF2B5EF4-FFF2-40B4-BE49-F238E27FC236}">
-                <a16:creationId xmlns:a16="http://schemas.microsoft.com/office/drawing/2014/main" id="{C1C95A8C-1A3E-AD03-89BF-28F66D6A654F}"/>
-              </a:ext>
-            </a:extLst>
-          </p:cNvPr>
-          <p:cNvSpPr txBox="1"/>
-          <p:nvPr/>
-        </p:nvSpPr>
-        <p:spPr>
-          <a:xfrm>
-            <a:off x="2606308" y="5135654"/>
-            <a:ext cx="802249" cy="230832"/>
-          </a:xfrm>
-          <a:prstGeom prst="rect">
-            <a:avLst/>
-          </a:prstGeom>
-          <a:noFill/>
-        </p:spPr>
-        <p:txBody>
-          <a:bodyPr wrap="square" rtlCol="0">
-            <a:spAutoFit/>
-          </a:bodyPr>
-          <a:lstStyle/>
-          <a:p>
-            <a:r>
-              <a:rPr lang="en-SG" sz="900" dirty="0">
-                <a:solidFill>
-                  <a:srgbClr val="002060"/>
-                </a:solidFill>
-              </a:rPr>
-              <a:t>jumphost2</a:t>
-            </a:r>
-          </a:p>
-        </p:txBody>
-      </p:sp>
-      <p:sp>
-        <p:nvSpPr>
-          <p:cNvPr id="39" name="TextBox 38">
-            <a:extLst>
-              <a:ext uri="{FF2B5EF4-FFF2-40B4-BE49-F238E27FC236}">
-                <a16:creationId xmlns:a16="http://schemas.microsoft.com/office/drawing/2014/main" id="{55BC5E86-E304-EFAE-AFB4-9B50FF695BBE}"/>
-              </a:ext>
-            </a:extLst>
-          </p:cNvPr>
-          <p:cNvSpPr txBox="1"/>
-          <p:nvPr/>
-        </p:nvSpPr>
-        <p:spPr>
-          <a:xfrm>
-            <a:off x="3382589" y="5121765"/>
-            <a:ext cx="802249" cy="230832"/>
-          </a:xfrm>
-          <a:prstGeom prst="rect">
-            <a:avLst/>
-          </a:prstGeom>
-          <a:noFill/>
-        </p:spPr>
-        <p:txBody>
-          <a:bodyPr wrap="square" rtlCol="0">
-            <a:spAutoFit/>
-          </a:bodyPr>
-          <a:lstStyle/>
-          <a:p>
-            <a:r>
-              <a:rPr lang="en-SG" sz="900" dirty="0" err="1">
-                <a:solidFill>
-                  <a:srgbClr val="002060"/>
-                </a:solidFill>
-              </a:rPr>
-              <a:t>Jumphost</a:t>
-            </a:r>
-            <a:r>
-              <a:rPr lang="en-SG" sz="900" dirty="0">
-                <a:solidFill>
-                  <a:srgbClr val="002060"/>
-                </a:solidFill>
-              </a:rPr>
-              <a:t> N</a:t>
-            </a:r>
-          </a:p>
-        </p:txBody>
-      </p:sp>
-      <p:sp>
-        <p:nvSpPr>
-          <p:cNvPr id="40" name="TextBox 39">
-            <a:extLst>
-              <a:ext uri="{FF2B5EF4-FFF2-40B4-BE49-F238E27FC236}">
-                <a16:creationId xmlns:a16="http://schemas.microsoft.com/office/drawing/2014/main" id="{3852DA1E-55C1-1C6F-2EE8-D902F312D28E}"/>
-              </a:ext>
-            </a:extLst>
-          </p:cNvPr>
-          <p:cNvSpPr txBox="1"/>
-          <p:nvPr/>
-        </p:nvSpPr>
-        <p:spPr>
-          <a:xfrm>
-            <a:off x="4605859" y="5282236"/>
-            <a:ext cx="1890206" cy="230832"/>
-          </a:xfrm>
-          <a:prstGeom prst="rect">
-            <a:avLst/>
-          </a:prstGeom>
-          <a:noFill/>
-        </p:spPr>
-        <p:txBody>
-          <a:bodyPr wrap="square" rtlCol="0">
-            <a:spAutoFit/>
-          </a:bodyPr>
-          <a:lstStyle/>
-          <a:p>
-            <a:r>
-              <a:rPr lang="en-US" sz="900" dirty="0">
-                <a:solidFill>
-                  <a:srgbClr val="002060"/>
-                </a:solidFill>
-              </a:rPr>
-              <a:t>RemoteWebHost-3: 80</a:t>
-            </a:r>
-            <a:endParaRPr lang="en-SG" sz="900" dirty="0">
-              <a:solidFill>
-                <a:srgbClr val="002060"/>
-              </a:solidFill>
-            </a:endParaRPr>
-          </a:p>
-        </p:txBody>
-      </p:sp>
-      <p:sp>
-        <p:nvSpPr>
-          <p:cNvPr id="41" name="TextBox 40">
-            <a:extLst>
-              <a:ext uri="{FF2B5EF4-FFF2-40B4-BE49-F238E27FC236}">
-                <a16:creationId xmlns:a16="http://schemas.microsoft.com/office/drawing/2014/main" id="{30CAC46D-2EA5-650B-D679-EFB4A3234D48}"/>
-              </a:ext>
-            </a:extLst>
-          </p:cNvPr>
-          <p:cNvSpPr txBox="1"/>
-          <p:nvPr/>
-        </p:nvSpPr>
-        <p:spPr>
-          <a:xfrm>
-            <a:off x="4624978" y="5755083"/>
-            <a:ext cx="1890206" cy="230832"/>
-          </a:xfrm>
-          <a:prstGeom prst="rect">
-            <a:avLst/>
-          </a:prstGeom>
-          <a:noFill/>
-        </p:spPr>
-        <p:txBody>
-          <a:bodyPr wrap="square" rtlCol="0">
-            <a:spAutoFit/>
-          </a:bodyPr>
-          <a:lstStyle/>
-          <a:p>
-            <a:r>
-              <a:rPr lang="en-US" sz="900" dirty="0" err="1">
-                <a:solidFill>
-                  <a:srgbClr val="002060"/>
-                </a:solidFill>
-              </a:rPr>
-              <a:t>ServerIPMIweb</a:t>
-            </a:r>
-            <a:r>
-              <a:rPr lang="en-US" sz="900" dirty="0">
-                <a:solidFill>
-                  <a:srgbClr val="002060"/>
-                </a:solidFill>
-              </a:rPr>
-              <a:t>: 623</a:t>
-            </a:r>
-            <a:endParaRPr lang="en-SG" sz="900" dirty="0">
-              <a:solidFill>
-                <a:srgbClr val="002060"/>
-              </a:solidFill>
-            </a:endParaRPr>
-          </a:p>
-        </p:txBody>
-      </p:sp>
-      <p:sp>
-        <p:nvSpPr>
-          <p:cNvPr id="42" name="TextBox 41">
-            <a:extLst>
-              <a:ext uri="{FF2B5EF4-FFF2-40B4-BE49-F238E27FC236}">
-                <a16:creationId xmlns:a16="http://schemas.microsoft.com/office/drawing/2014/main" id="{9610BCC2-16FA-ED24-3A21-478925D0DCE8}"/>
-              </a:ext>
-            </a:extLst>
-          </p:cNvPr>
-          <p:cNvSpPr txBox="1"/>
-          <p:nvPr/>
-        </p:nvSpPr>
-        <p:spPr>
-          <a:xfrm>
-            <a:off x="3207138" y="5755083"/>
-            <a:ext cx="802249" cy="230832"/>
-          </a:xfrm>
-          <a:prstGeom prst="rect">
-            <a:avLst/>
-          </a:prstGeom>
-          <a:noFill/>
-        </p:spPr>
-        <p:txBody>
-          <a:bodyPr wrap="square" rtlCol="0">
-            <a:spAutoFit/>
-          </a:bodyPr>
-          <a:lstStyle/>
-          <a:p>
-            <a:r>
-              <a:rPr lang="en-SG" sz="900" dirty="0" err="1">
-                <a:solidFill>
-                  <a:srgbClr val="002060"/>
-                </a:solidFill>
-              </a:rPr>
-              <a:t>jumphostN</a:t>
-            </a:r>
-            <a:endParaRPr lang="en-SG" sz="900" dirty="0">
-              <a:solidFill>
-                <a:srgbClr val="002060"/>
-              </a:solidFill>
-            </a:endParaRPr>
-          </a:p>
-        </p:txBody>
-      </p:sp>
-      <p:sp>
-        <p:nvSpPr>
-          <p:cNvPr id="43" name="TextBox 42">
-            <a:extLst>
-              <a:ext uri="{FF2B5EF4-FFF2-40B4-BE49-F238E27FC236}">
-                <a16:creationId xmlns:a16="http://schemas.microsoft.com/office/drawing/2014/main" id="{83B94470-B3BD-41EC-FE07-C3FE967370A5}"/>
-              </a:ext>
-            </a:extLst>
-          </p:cNvPr>
-          <p:cNvSpPr txBox="1"/>
-          <p:nvPr/>
-        </p:nvSpPr>
-        <p:spPr>
-          <a:xfrm>
-            <a:off x="1947198" y="6288540"/>
-            <a:ext cx="1890206" cy="230832"/>
-          </a:xfrm>
-          <a:prstGeom prst="rect">
-            <a:avLst/>
-          </a:prstGeom>
-          <a:noFill/>
-        </p:spPr>
-        <p:txBody>
-          <a:bodyPr wrap="square" rtlCol="0">
-            <a:spAutoFit/>
-          </a:bodyPr>
-          <a:lstStyle/>
-          <a:p>
-            <a:r>
-              <a:rPr lang="en-US" sz="900" dirty="0">
-                <a:solidFill>
-                  <a:srgbClr val="002060"/>
-                </a:solidFill>
-              </a:rPr>
-              <a:t>BMCWebHost-1: 443</a:t>
-            </a:r>
-            <a:endParaRPr lang="en-SG" sz="900" dirty="0">
-              <a:solidFill>
-                <a:srgbClr val="002060"/>
-              </a:solidFill>
-            </a:endParaRPr>
-          </a:p>
-        </p:txBody>
-      </p:sp>
-      <p:sp>
-        <p:nvSpPr>
-          <p:cNvPr id="44" name="TextBox 43">
-            <a:extLst>
-              <a:ext uri="{FF2B5EF4-FFF2-40B4-BE49-F238E27FC236}">
-                <a16:creationId xmlns:a16="http://schemas.microsoft.com/office/drawing/2014/main" id="{5130EB6D-D4FC-2746-8FDC-9285E532C082}"/>
-              </a:ext>
-            </a:extLst>
-          </p:cNvPr>
-          <p:cNvSpPr txBox="1"/>
-          <p:nvPr/>
-        </p:nvSpPr>
-        <p:spPr>
-          <a:xfrm>
-            <a:off x="3725295" y="6448472"/>
-            <a:ext cx="1890206" cy="230832"/>
-          </a:xfrm>
-          <a:prstGeom prst="rect">
-            <a:avLst/>
-          </a:prstGeom>
-          <a:noFill/>
-        </p:spPr>
-        <p:txBody>
-          <a:bodyPr wrap="square" rtlCol="0">
-            <a:spAutoFit/>
-          </a:bodyPr>
-          <a:lstStyle/>
-          <a:p>
-            <a:r>
-              <a:rPr lang="en-US" sz="900" dirty="0">
-                <a:solidFill>
-                  <a:srgbClr val="002060"/>
-                </a:solidFill>
-              </a:rPr>
-              <a:t>RemoteWebHost-2: 8080</a:t>
-            </a:r>
-            <a:endParaRPr lang="en-SG" sz="900" dirty="0">
-              <a:solidFill>
-                <a:srgbClr val="002060"/>
-              </a:solidFill>
-            </a:endParaRPr>
-          </a:p>
-        </p:txBody>
-      </p:sp>
-      <p:sp>
-        <p:nvSpPr>
-          <p:cNvPr id="45" name="TextBox 44">
-            <a:extLst>
-              <a:ext uri="{FF2B5EF4-FFF2-40B4-BE49-F238E27FC236}">
-                <a16:creationId xmlns:a16="http://schemas.microsoft.com/office/drawing/2014/main" id="{3EBAD0EF-51BA-C523-F4E4-6E6F33E64D55}"/>
-              </a:ext>
-            </a:extLst>
-          </p:cNvPr>
-          <p:cNvSpPr txBox="1"/>
-          <p:nvPr/>
-        </p:nvSpPr>
-        <p:spPr>
-          <a:xfrm>
-            <a:off x="324379" y="4467360"/>
-            <a:ext cx="2901331" cy="646331"/>
-          </a:xfrm>
-          <a:prstGeom prst="rect">
-            <a:avLst/>
-          </a:prstGeom>
-          <a:noFill/>
-        </p:spPr>
-        <p:txBody>
-          <a:bodyPr wrap="square" rtlCol="0">
-            <a:spAutoFit/>
-          </a:bodyPr>
-          <a:lstStyle/>
-          <a:p>
-            <a:r>
-              <a:rPr lang="en-US" sz="900" dirty="0">
-                <a:solidFill>
-                  <a:srgbClr val="002060"/>
-                </a:solidFill>
-              </a:rPr>
-              <a:t>http:// 127.0.0.1:8080  &lt;= … =&gt; RemoteWebHost-3: 80</a:t>
-            </a:r>
-          </a:p>
-          <a:p>
-            <a:r>
-              <a:rPr lang="en-US" sz="900" dirty="0">
-                <a:solidFill>
-                  <a:srgbClr val="002060"/>
-                </a:solidFill>
-              </a:rPr>
-              <a:t>https:// 127.0.0.1:8081  &lt;= … =&gt; RemoteWebHost-1: 443</a:t>
-            </a:r>
-          </a:p>
-          <a:p>
-            <a:r>
-              <a:rPr lang="en-US" sz="900" dirty="0">
-                <a:solidFill>
-                  <a:srgbClr val="002060"/>
-                </a:solidFill>
-              </a:rPr>
-              <a:t>http:// 127.0.0.1:8082  &lt;= … =&gt; RemoteWebHost-3: 8080</a:t>
-            </a:r>
-          </a:p>
-          <a:p>
-            <a:r>
-              <a:rPr lang="en-US" sz="900" dirty="0">
-                <a:solidFill>
-                  <a:srgbClr val="002060"/>
-                </a:solidFill>
-              </a:rPr>
-              <a:t>https:// 127.0.0.1:8083  &lt;= … =&gt; RemoteWebHost-3: 623</a:t>
-            </a:r>
-          </a:p>
-        </p:txBody>
-      </p:sp>
-      <p:sp>
-        <p:nvSpPr>
-          <p:cNvPr id="46" name="TextBox 45">
-            <a:extLst>
-              <a:ext uri="{FF2B5EF4-FFF2-40B4-BE49-F238E27FC236}">
-                <a16:creationId xmlns:a16="http://schemas.microsoft.com/office/drawing/2014/main" id="{61C2EDF5-262D-D533-B96D-916BC15F32C3}"/>
-              </a:ext>
-            </a:extLst>
-          </p:cNvPr>
-          <p:cNvSpPr txBox="1"/>
-          <p:nvPr/>
-        </p:nvSpPr>
-        <p:spPr>
-          <a:xfrm>
-            <a:off x="972508" y="5589743"/>
-            <a:ext cx="802249" cy="230832"/>
-          </a:xfrm>
-          <a:prstGeom prst="rect">
-            <a:avLst/>
-          </a:prstGeom>
-          <a:noFill/>
-        </p:spPr>
-        <p:txBody>
-          <a:bodyPr wrap="square" rtlCol="0">
-            <a:spAutoFit/>
-          </a:bodyPr>
-          <a:lstStyle/>
-          <a:p>
-            <a:r>
-              <a:rPr lang="en-US" sz="900" dirty="0" err="1">
-                <a:solidFill>
-                  <a:srgbClr val="002060"/>
-                </a:solidFill>
-              </a:rPr>
-              <a:t>ssh</a:t>
-            </a:r>
-            <a:endParaRPr lang="en-SG" sz="900" dirty="0">
-              <a:solidFill>
-                <a:srgbClr val="002060"/>
-              </a:solidFill>
-            </a:endParaRPr>
-          </a:p>
-        </p:txBody>
-      </p:sp>
-      <p:cxnSp>
-        <p:nvCxnSpPr>
-          <p:cNvPr id="48" name="Straight Connector 47">
-            <a:extLst>
-              <a:ext uri="{FF2B5EF4-FFF2-40B4-BE49-F238E27FC236}">
-                <a16:creationId xmlns:a16="http://schemas.microsoft.com/office/drawing/2014/main" id="{A3DE38F6-BD6F-2189-4C8B-6EF2661A6003}"/>
-              </a:ext>
-            </a:extLst>
-          </p:cNvPr>
-          <p:cNvCxnSpPr>
-            <a:cxnSpLocks/>
-          </p:cNvCxnSpPr>
-          <p:nvPr/>
-        </p:nvCxnSpPr>
-        <p:spPr>
-          <a:xfrm>
-            <a:off x="1456422" y="5121765"/>
-            <a:ext cx="0" cy="1144244"/>
-          </a:xfrm>
-          <a:prstGeom prst="line">
-            <a:avLst/>
-          </a:prstGeom>
-          <a:ln>
-            <a:solidFill>
-              <a:srgbClr val="FF0000"/>
-            </a:solidFill>
-          </a:ln>
-        </p:spPr>
-        <p:style>
-          <a:lnRef idx="1">
-            <a:schemeClr val="accent1"/>
-          </a:lnRef>
-          <a:fillRef idx="0">
-            <a:schemeClr val="accent1"/>
-          </a:fillRef>
-          <a:effectRef idx="0">
-            <a:schemeClr val="accent1"/>
-          </a:effectRef>
-          <a:fontRef idx="minor">
-            <a:schemeClr val="tx1"/>
-          </a:fontRef>
-        </p:style>
-      </p:cxnSp>
-      <p:sp>
-        <p:nvSpPr>
-          <p:cNvPr id="51" name="TextBox 50">
-            <a:extLst>
-              <a:ext uri="{FF2B5EF4-FFF2-40B4-BE49-F238E27FC236}">
-                <a16:creationId xmlns:a16="http://schemas.microsoft.com/office/drawing/2014/main" id="{05951C27-10C8-2932-DBCA-70D3C2683154}"/>
-              </a:ext>
-            </a:extLst>
-          </p:cNvPr>
-          <p:cNvSpPr txBox="1"/>
-          <p:nvPr/>
-        </p:nvSpPr>
-        <p:spPr>
-          <a:xfrm>
-            <a:off x="690254" y="6295684"/>
-            <a:ext cx="1256944" cy="369332"/>
-          </a:xfrm>
-          <a:prstGeom prst="rect">
-            <a:avLst/>
-          </a:prstGeom>
-          <a:noFill/>
-        </p:spPr>
-        <p:txBody>
-          <a:bodyPr wrap="square" rtlCol="0">
-            <a:spAutoFit/>
-          </a:bodyPr>
-          <a:lstStyle/>
-          <a:p>
-            <a:r>
-              <a:rPr lang="en-US" sz="900" b="1" dirty="0">
-                <a:solidFill>
-                  <a:srgbClr val="FF0000"/>
-                </a:solidFill>
-                <a:effectLst/>
-              </a:rPr>
-              <a:t>FIREWALL (only port 22 is open</a:t>
-            </a:r>
-            <a:r>
-              <a:rPr lang="en-US" sz="900" b="0" dirty="0">
-                <a:solidFill>
-                  <a:srgbClr val="FF0000"/>
-                </a:solidFill>
-                <a:effectLst/>
-              </a:rPr>
-              <a:t>)</a:t>
+              <a:rPr lang="en-SG" b="1" dirty="0"/>
+              <a:t>SSH Connection Tool</a:t>
             </a:r>
           </a:p>
         </p:txBody>
@@ -8190,7 +3563,7 @@
     </p:spTree>
     <p:extLst>
       <p:ext uri="{BB962C8B-B14F-4D97-AF65-F5344CB8AC3E}">
-        <p14:creationId xmlns:p14="http://schemas.microsoft.com/office/powerpoint/2010/main" val="3559052162"/>
+        <p14:creationId xmlns:p14="http://schemas.microsoft.com/office/powerpoint/2010/main" val="420282249"/>
       </p:ext>
     </p:extLst>
   </p:cSld>
@@ -8217,6 +3590,4874 @@
           <a:chExt cx="0" cy="0"/>
         </a:xfrm>
       </p:grpSpPr>
+      <p:pic>
+        <p:nvPicPr>
+          <p:cNvPr id="170" name="Picture 4">
+            <a:extLst>
+              <a:ext uri="{FF2B5EF4-FFF2-40B4-BE49-F238E27FC236}">
+                <a16:creationId xmlns:a16="http://schemas.microsoft.com/office/drawing/2014/main" id="{82DC519D-C86E-2211-0F28-9027775ADA8C}"/>
+              </a:ext>
+            </a:extLst>
+          </p:cNvPr>
+          <p:cNvPicPr>
+            <a:picLocks noChangeAspect="1" noChangeArrowheads="1"/>
+          </p:cNvPicPr>
+          <p:nvPr/>
+        </p:nvPicPr>
+        <p:blipFill>
+          <a:blip r:embed="rId2">
+            <a:extLst>
+              <a:ext uri="{28A0092B-C50C-407E-A947-70E740481C1C}">
+                <a14:useLocalDpi xmlns:a14="http://schemas.microsoft.com/office/drawing/2010/main" val="0"/>
+              </a:ext>
+            </a:extLst>
+          </a:blip>
+          <a:srcRect/>
+          <a:stretch>
+            <a:fillRect/>
+          </a:stretch>
+        </p:blipFill>
+        <p:spPr bwMode="auto">
+          <a:xfrm>
+            <a:off x="5762043" y="3089384"/>
+            <a:ext cx="429814" cy="429814"/>
+          </a:xfrm>
+          <a:prstGeom prst="rect">
+            <a:avLst/>
+          </a:prstGeom>
+          <a:noFill/>
+          <a:extLst>
+            <a:ext uri="{909E8E84-426E-40DD-AFC4-6F175D3DCCD1}">
+              <a14:hiddenFill xmlns:a14="http://schemas.microsoft.com/office/drawing/2010/main">
+                <a:solidFill>
+                  <a:srgbClr val="FFFFFF"/>
+                </a:solidFill>
+              </a14:hiddenFill>
+            </a:ext>
+          </a:extLst>
+        </p:spPr>
+      </p:pic>
+      <p:pic>
+        <p:nvPicPr>
+          <p:cNvPr id="4" name="Picture 4">
+            <a:extLst>
+              <a:ext uri="{FF2B5EF4-FFF2-40B4-BE49-F238E27FC236}">
+                <a16:creationId xmlns:a16="http://schemas.microsoft.com/office/drawing/2014/main" id="{91DBCBE2-4F8B-A7A1-64ED-4C420FA18A5B}"/>
+              </a:ext>
+            </a:extLst>
+          </p:cNvPr>
+          <p:cNvPicPr>
+            <a:picLocks noChangeAspect="1" noChangeArrowheads="1"/>
+          </p:cNvPicPr>
+          <p:nvPr/>
+        </p:nvPicPr>
+        <p:blipFill>
+          <a:blip r:embed="rId2">
+            <a:extLst>
+              <a:ext uri="{28A0092B-C50C-407E-A947-70E740481C1C}">
+                <a14:useLocalDpi xmlns:a14="http://schemas.microsoft.com/office/drawing/2010/main" val="0"/>
+              </a:ext>
+            </a:extLst>
+          </a:blip>
+          <a:srcRect/>
+          <a:stretch>
+            <a:fillRect/>
+          </a:stretch>
+        </p:blipFill>
+        <p:spPr bwMode="auto">
+          <a:xfrm>
+            <a:off x="580950" y="1117602"/>
+            <a:ext cx="429814" cy="429814"/>
+          </a:xfrm>
+          <a:prstGeom prst="rect">
+            <a:avLst/>
+          </a:prstGeom>
+          <a:noFill/>
+          <a:extLst>
+            <a:ext uri="{909E8E84-426E-40DD-AFC4-6F175D3DCCD1}">
+              <a14:hiddenFill xmlns:a14="http://schemas.microsoft.com/office/drawing/2010/main">
+                <a:solidFill>
+                  <a:srgbClr val="FFFFFF"/>
+                </a:solidFill>
+              </a14:hiddenFill>
+            </a:ext>
+          </a:extLst>
+        </p:spPr>
+      </p:pic>
+      <p:pic>
+        <p:nvPicPr>
+          <p:cNvPr id="5" name="Picture 4">
+            <a:extLst>
+              <a:ext uri="{FF2B5EF4-FFF2-40B4-BE49-F238E27FC236}">
+                <a16:creationId xmlns:a16="http://schemas.microsoft.com/office/drawing/2014/main" id="{F83D49B3-0F73-07C9-7C5B-72AF1CDE9AD5}"/>
+              </a:ext>
+            </a:extLst>
+          </p:cNvPr>
+          <p:cNvPicPr>
+            <a:picLocks noChangeAspect="1"/>
+          </p:cNvPicPr>
+          <p:nvPr/>
+        </p:nvPicPr>
+        <p:blipFill>
+          <a:blip r:embed="rId3"/>
+          <a:stretch>
+            <a:fillRect/>
+          </a:stretch>
+        </p:blipFill>
+        <p:spPr>
+          <a:xfrm>
+            <a:off x="1548998" y="1201704"/>
+            <a:ext cx="357596" cy="261610"/>
+          </a:xfrm>
+          <a:prstGeom prst="rect">
+            <a:avLst/>
+          </a:prstGeom>
+          <a:ln w="3175">
+            <a:solidFill>
+              <a:schemeClr val="tx1"/>
+            </a:solidFill>
+          </a:ln>
+        </p:spPr>
+      </p:pic>
+      <p:sp>
+        <p:nvSpPr>
+          <p:cNvPr id="6" name="TextBox 5">
+            <a:extLst>
+              <a:ext uri="{FF2B5EF4-FFF2-40B4-BE49-F238E27FC236}">
+                <a16:creationId xmlns:a16="http://schemas.microsoft.com/office/drawing/2014/main" id="{21DF7D73-AC35-DFA6-B239-6CD06E3F5DE1}"/>
+              </a:ext>
+            </a:extLst>
+          </p:cNvPr>
+          <p:cNvSpPr txBox="1"/>
+          <p:nvPr/>
+        </p:nvSpPr>
+        <p:spPr>
+          <a:xfrm>
+            <a:off x="1398610" y="954425"/>
+            <a:ext cx="802249" cy="230832"/>
+          </a:xfrm>
+          <a:prstGeom prst="rect">
+            <a:avLst/>
+          </a:prstGeom>
+          <a:noFill/>
+        </p:spPr>
+        <p:txBody>
+          <a:bodyPr wrap="square" rtlCol="0">
+            <a:spAutoFit/>
+          </a:bodyPr>
+          <a:lstStyle/>
+          <a:p>
+            <a:r>
+              <a:rPr lang="en-SG" sz="900" dirty="0">
+                <a:solidFill>
+                  <a:srgbClr val="002060"/>
+                </a:solidFill>
+              </a:rPr>
+              <a:t>jumphost1</a:t>
+            </a:r>
+          </a:p>
+        </p:txBody>
+      </p:sp>
+      <p:cxnSp>
+        <p:nvCxnSpPr>
+          <p:cNvPr id="9" name="Straight Arrow Connector 8">
+            <a:extLst>
+              <a:ext uri="{FF2B5EF4-FFF2-40B4-BE49-F238E27FC236}">
+                <a16:creationId xmlns:a16="http://schemas.microsoft.com/office/drawing/2014/main" id="{CC11BDFB-FC1C-83D6-F404-FB454CFDF040}"/>
+              </a:ext>
+            </a:extLst>
+          </p:cNvPr>
+          <p:cNvCxnSpPr>
+            <a:cxnSpLocks/>
+          </p:cNvCxnSpPr>
+          <p:nvPr/>
+        </p:nvCxnSpPr>
+        <p:spPr>
+          <a:xfrm>
+            <a:off x="1010764" y="1331451"/>
+            <a:ext cx="445658" cy="0"/>
+          </a:xfrm>
+          <a:prstGeom prst="straightConnector1">
+            <a:avLst/>
+          </a:prstGeom>
+          <a:ln>
+            <a:tailEnd type="triangle"/>
+          </a:ln>
+        </p:spPr>
+        <p:style>
+          <a:lnRef idx="1">
+            <a:schemeClr val="accent1"/>
+          </a:lnRef>
+          <a:fillRef idx="0">
+            <a:schemeClr val="accent1"/>
+          </a:fillRef>
+          <a:effectRef idx="0">
+            <a:schemeClr val="accent1"/>
+          </a:effectRef>
+          <a:fontRef idx="minor">
+            <a:schemeClr val="tx1"/>
+          </a:fontRef>
+        </p:style>
+      </p:cxnSp>
+      <p:cxnSp>
+        <p:nvCxnSpPr>
+          <p:cNvPr id="11" name="Straight Arrow Connector 10">
+            <a:extLst>
+              <a:ext uri="{FF2B5EF4-FFF2-40B4-BE49-F238E27FC236}">
+                <a16:creationId xmlns:a16="http://schemas.microsoft.com/office/drawing/2014/main" id="{4A5FDF52-4100-50D5-9FF7-698DDA987FCE}"/>
+              </a:ext>
+            </a:extLst>
+          </p:cNvPr>
+          <p:cNvCxnSpPr>
+            <a:cxnSpLocks/>
+          </p:cNvCxnSpPr>
+          <p:nvPr/>
+        </p:nvCxnSpPr>
+        <p:spPr>
+          <a:xfrm flipV="1">
+            <a:off x="1915436" y="1331451"/>
+            <a:ext cx="390171" cy="1893"/>
+          </a:xfrm>
+          <a:prstGeom prst="straightConnector1">
+            <a:avLst/>
+          </a:prstGeom>
+          <a:ln>
+            <a:tailEnd type="triangle"/>
+          </a:ln>
+        </p:spPr>
+        <p:style>
+          <a:lnRef idx="1">
+            <a:schemeClr val="accent1"/>
+          </a:lnRef>
+          <a:fillRef idx="0">
+            <a:schemeClr val="accent1"/>
+          </a:fillRef>
+          <a:effectRef idx="0">
+            <a:schemeClr val="accent1"/>
+          </a:effectRef>
+          <a:fontRef idx="minor">
+            <a:schemeClr val="tx1"/>
+          </a:fontRef>
+        </p:style>
+      </p:cxnSp>
+      <p:sp>
+        <p:nvSpPr>
+          <p:cNvPr id="16" name="TextBox 15">
+            <a:extLst>
+              <a:ext uri="{FF2B5EF4-FFF2-40B4-BE49-F238E27FC236}">
+                <a16:creationId xmlns:a16="http://schemas.microsoft.com/office/drawing/2014/main" id="{D94C3085-7D0F-BA4F-837D-FDFB1030EFE3}"/>
+              </a:ext>
+            </a:extLst>
+          </p:cNvPr>
+          <p:cNvSpPr txBox="1"/>
+          <p:nvPr/>
+        </p:nvSpPr>
+        <p:spPr>
+          <a:xfrm>
+            <a:off x="3077663" y="1146785"/>
+            <a:ext cx="362198" cy="369332"/>
+          </a:xfrm>
+          <a:prstGeom prst="rect">
+            <a:avLst/>
+          </a:prstGeom>
+          <a:noFill/>
+        </p:spPr>
+        <p:txBody>
+          <a:bodyPr wrap="square" rtlCol="0">
+            <a:spAutoFit/>
+          </a:bodyPr>
+          <a:lstStyle/>
+          <a:p>
+            <a:r>
+              <a:rPr lang="en-US" dirty="0"/>
+              <a:t>…</a:t>
+            </a:r>
+            <a:endParaRPr lang="en-SG" dirty="0"/>
+          </a:p>
+        </p:txBody>
+      </p:sp>
+      <p:pic>
+        <p:nvPicPr>
+          <p:cNvPr id="67" name="Picture 66">
+            <a:extLst>
+              <a:ext uri="{FF2B5EF4-FFF2-40B4-BE49-F238E27FC236}">
+                <a16:creationId xmlns:a16="http://schemas.microsoft.com/office/drawing/2014/main" id="{8AAB9710-1C6F-1012-D404-14FEDE9EFCF7}"/>
+              </a:ext>
+            </a:extLst>
+          </p:cNvPr>
+          <p:cNvPicPr>
+            <a:picLocks noChangeAspect="1"/>
+          </p:cNvPicPr>
+          <p:nvPr/>
+        </p:nvPicPr>
+        <p:blipFill>
+          <a:blip r:embed="rId3"/>
+          <a:stretch>
+            <a:fillRect/>
+          </a:stretch>
+        </p:blipFill>
+        <p:spPr>
+          <a:xfrm>
+            <a:off x="2362471" y="1200646"/>
+            <a:ext cx="357596" cy="261610"/>
+          </a:xfrm>
+          <a:prstGeom prst="rect">
+            <a:avLst/>
+          </a:prstGeom>
+          <a:ln w="3175">
+            <a:solidFill>
+              <a:schemeClr val="tx1"/>
+            </a:solidFill>
+          </a:ln>
+        </p:spPr>
+      </p:pic>
+      <p:cxnSp>
+        <p:nvCxnSpPr>
+          <p:cNvPr id="68" name="Straight Arrow Connector 67">
+            <a:extLst>
+              <a:ext uri="{FF2B5EF4-FFF2-40B4-BE49-F238E27FC236}">
+                <a16:creationId xmlns:a16="http://schemas.microsoft.com/office/drawing/2014/main" id="{7160B36B-BA37-61E6-969B-D7A3CA2F2A24}"/>
+              </a:ext>
+            </a:extLst>
+          </p:cNvPr>
+          <p:cNvCxnSpPr>
+            <a:cxnSpLocks/>
+          </p:cNvCxnSpPr>
+          <p:nvPr/>
+        </p:nvCxnSpPr>
+        <p:spPr>
+          <a:xfrm>
+            <a:off x="2720067" y="1331451"/>
+            <a:ext cx="344468" cy="0"/>
+          </a:xfrm>
+          <a:prstGeom prst="straightConnector1">
+            <a:avLst/>
+          </a:prstGeom>
+          <a:ln>
+            <a:tailEnd type="triangle"/>
+          </a:ln>
+        </p:spPr>
+        <p:style>
+          <a:lnRef idx="1">
+            <a:schemeClr val="accent1"/>
+          </a:lnRef>
+          <a:fillRef idx="0">
+            <a:schemeClr val="accent1"/>
+          </a:fillRef>
+          <a:effectRef idx="0">
+            <a:schemeClr val="accent1"/>
+          </a:effectRef>
+          <a:fontRef idx="minor">
+            <a:schemeClr val="tx1"/>
+          </a:fontRef>
+        </p:style>
+      </p:cxnSp>
+      <p:cxnSp>
+        <p:nvCxnSpPr>
+          <p:cNvPr id="70" name="Straight Arrow Connector 69">
+            <a:extLst>
+              <a:ext uri="{FF2B5EF4-FFF2-40B4-BE49-F238E27FC236}">
+                <a16:creationId xmlns:a16="http://schemas.microsoft.com/office/drawing/2014/main" id="{EC941D5B-9E93-265A-C397-094DA98B3BD8}"/>
+              </a:ext>
+            </a:extLst>
+          </p:cNvPr>
+          <p:cNvCxnSpPr>
+            <a:cxnSpLocks/>
+          </p:cNvCxnSpPr>
+          <p:nvPr/>
+        </p:nvCxnSpPr>
+        <p:spPr>
+          <a:xfrm>
+            <a:off x="3382589" y="1331451"/>
+            <a:ext cx="247281" cy="0"/>
+          </a:xfrm>
+          <a:prstGeom prst="straightConnector1">
+            <a:avLst/>
+          </a:prstGeom>
+          <a:ln>
+            <a:tailEnd type="triangle"/>
+          </a:ln>
+        </p:spPr>
+        <p:style>
+          <a:lnRef idx="1">
+            <a:schemeClr val="accent1"/>
+          </a:lnRef>
+          <a:fillRef idx="0">
+            <a:schemeClr val="accent1"/>
+          </a:fillRef>
+          <a:effectRef idx="0">
+            <a:schemeClr val="accent1"/>
+          </a:effectRef>
+          <a:fontRef idx="minor">
+            <a:schemeClr val="tx1"/>
+          </a:fontRef>
+        </p:style>
+      </p:cxnSp>
+      <p:pic>
+        <p:nvPicPr>
+          <p:cNvPr id="72" name="Picture 71">
+            <a:extLst>
+              <a:ext uri="{FF2B5EF4-FFF2-40B4-BE49-F238E27FC236}">
+                <a16:creationId xmlns:a16="http://schemas.microsoft.com/office/drawing/2014/main" id="{D89FCD26-F2F3-FC35-F1FD-6225BFDF7C74}"/>
+              </a:ext>
+            </a:extLst>
+          </p:cNvPr>
+          <p:cNvPicPr>
+            <a:picLocks noChangeAspect="1"/>
+          </p:cNvPicPr>
+          <p:nvPr/>
+        </p:nvPicPr>
+        <p:blipFill>
+          <a:blip r:embed="rId3"/>
+          <a:stretch>
+            <a:fillRect/>
+          </a:stretch>
+        </p:blipFill>
+        <p:spPr>
+          <a:xfrm>
+            <a:off x="3747765" y="1193397"/>
+            <a:ext cx="357596" cy="261610"/>
+          </a:xfrm>
+          <a:prstGeom prst="rect">
+            <a:avLst/>
+          </a:prstGeom>
+          <a:ln w="3175">
+            <a:solidFill>
+              <a:schemeClr val="tx1"/>
+            </a:solidFill>
+          </a:ln>
+        </p:spPr>
+      </p:pic>
+      <p:sp>
+        <p:nvSpPr>
+          <p:cNvPr id="73" name="TextBox 72">
+            <a:extLst>
+              <a:ext uri="{FF2B5EF4-FFF2-40B4-BE49-F238E27FC236}">
+                <a16:creationId xmlns:a16="http://schemas.microsoft.com/office/drawing/2014/main" id="{794F778A-9188-A89F-4EDD-099B4099ABE7}"/>
+              </a:ext>
+            </a:extLst>
+          </p:cNvPr>
+          <p:cNvSpPr txBox="1"/>
+          <p:nvPr/>
+        </p:nvSpPr>
+        <p:spPr>
+          <a:xfrm>
+            <a:off x="2213987" y="942707"/>
+            <a:ext cx="802249" cy="230832"/>
+          </a:xfrm>
+          <a:prstGeom prst="rect">
+            <a:avLst/>
+          </a:prstGeom>
+          <a:noFill/>
+        </p:spPr>
+        <p:txBody>
+          <a:bodyPr wrap="square" rtlCol="0">
+            <a:spAutoFit/>
+          </a:bodyPr>
+          <a:lstStyle/>
+          <a:p>
+            <a:r>
+              <a:rPr lang="en-SG" sz="900" dirty="0">
+                <a:solidFill>
+                  <a:srgbClr val="002060"/>
+                </a:solidFill>
+              </a:rPr>
+              <a:t>jumphost2</a:t>
+            </a:r>
+          </a:p>
+        </p:txBody>
+      </p:sp>
+      <p:sp>
+        <p:nvSpPr>
+          <p:cNvPr id="74" name="TextBox 73">
+            <a:extLst>
+              <a:ext uri="{FF2B5EF4-FFF2-40B4-BE49-F238E27FC236}">
+                <a16:creationId xmlns:a16="http://schemas.microsoft.com/office/drawing/2014/main" id="{0DAA67DA-0CEA-93D7-A34A-EA42C8DE62D8}"/>
+              </a:ext>
+            </a:extLst>
+          </p:cNvPr>
+          <p:cNvSpPr txBox="1"/>
+          <p:nvPr/>
+        </p:nvSpPr>
+        <p:spPr>
+          <a:xfrm>
+            <a:off x="3583606" y="942707"/>
+            <a:ext cx="802249" cy="230832"/>
+          </a:xfrm>
+          <a:prstGeom prst="rect">
+            <a:avLst/>
+          </a:prstGeom>
+          <a:noFill/>
+        </p:spPr>
+        <p:txBody>
+          <a:bodyPr wrap="square" rtlCol="0">
+            <a:spAutoFit/>
+          </a:bodyPr>
+          <a:lstStyle/>
+          <a:p>
+            <a:r>
+              <a:rPr lang="en-US" sz="900" dirty="0" err="1">
+                <a:solidFill>
+                  <a:srgbClr val="002060"/>
+                </a:solidFill>
+              </a:rPr>
+              <a:t>targethost</a:t>
+            </a:r>
+            <a:r>
+              <a:rPr lang="en-US" sz="900" dirty="0">
+                <a:solidFill>
+                  <a:srgbClr val="002060"/>
+                </a:solidFill>
+              </a:rPr>
+              <a:t>-N</a:t>
+            </a:r>
+            <a:endParaRPr lang="en-SG" sz="900" dirty="0">
+              <a:solidFill>
+                <a:srgbClr val="002060"/>
+              </a:solidFill>
+            </a:endParaRPr>
+          </a:p>
+        </p:txBody>
+      </p:sp>
+      <p:pic>
+        <p:nvPicPr>
+          <p:cNvPr id="76" name="Picture 75">
+            <a:extLst>
+              <a:ext uri="{FF2B5EF4-FFF2-40B4-BE49-F238E27FC236}">
+                <a16:creationId xmlns:a16="http://schemas.microsoft.com/office/drawing/2014/main" id="{5475BACC-E55E-13F8-2B90-23748F9B6CA7}"/>
+              </a:ext>
+            </a:extLst>
+          </p:cNvPr>
+          <p:cNvPicPr>
+            <a:picLocks noChangeAspect="1"/>
+          </p:cNvPicPr>
+          <p:nvPr/>
+        </p:nvPicPr>
+        <p:blipFill>
+          <a:blip r:embed="rId3"/>
+          <a:stretch>
+            <a:fillRect/>
+          </a:stretch>
+        </p:blipFill>
+        <p:spPr>
+          <a:xfrm>
+            <a:off x="6515184" y="1424918"/>
+            <a:ext cx="357596" cy="261610"/>
+          </a:xfrm>
+          <a:prstGeom prst="rect">
+            <a:avLst/>
+          </a:prstGeom>
+          <a:ln w="3175">
+            <a:solidFill>
+              <a:schemeClr val="tx1"/>
+            </a:solidFill>
+          </a:ln>
+        </p:spPr>
+      </p:pic>
+      <p:sp>
+        <p:nvSpPr>
+          <p:cNvPr id="77" name="TextBox 76">
+            <a:extLst>
+              <a:ext uri="{FF2B5EF4-FFF2-40B4-BE49-F238E27FC236}">
+                <a16:creationId xmlns:a16="http://schemas.microsoft.com/office/drawing/2014/main" id="{43E21528-F57F-F86B-4505-6E59D1EA21D7}"/>
+              </a:ext>
+            </a:extLst>
+          </p:cNvPr>
+          <p:cNvSpPr txBox="1"/>
+          <p:nvPr/>
+        </p:nvSpPr>
+        <p:spPr>
+          <a:xfrm>
+            <a:off x="6356268" y="1190927"/>
+            <a:ext cx="802249" cy="230832"/>
+          </a:xfrm>
+          <a:prstGeom prst="rect">
+            <a:avLst/>
+          </a:prstGeom>
+          <a:noFill/>
+        </p:spPr>
+        <p:txBody>
+          <a:bodyPr wrap="square" rtlCol="0">
+            <a:spAutoFit/>
+          </a:bodyPr>
+          <a:lstStyle/>
+          <a:p>
+            <a:r>
+              <a:rPr lang="en-SG" sz="900" dirty="0">
+                <a:solidFill>
+                  <a:srgbClr val="002060"/>
+                </a:solidFill>
+              </a:rPr>
+              <a:t>jumphost1</a:t>
+            </a:r>
+          </a:p>
+        </p:txBody>
+      </p:sp>
+      <p:cxnSp>
+        <p:nvCxnSpPr>
+          <p:cNvPr id="78" name="Straight Arrow Connector 77">
+            <a:extLst>
+              <a:ext uri="{FF2B5EF4-FFF2-40B4-BE49-F238E27FC236}">
+                <a16:creationId xmlns:a16="http://schemas.microsoft.com/office/drawing/2014/main" id="{4755DC27-B0BD-536B-F208-035B274D6A38}"/>
+              </a:ext>
+            </a:extLst>
+          </p:cNvPr>
+          <p:cNvCxnSpPr>
+            <a:cxnSpLocks/>
+          </p:cNvCxnSpPr>
+          <p:nvPr/>
+        </p:nvCxnSpPr>
+        <p:spPr>
+          <a:xfrm>
+            <a:off x="5976950" y="1458803"/>
+            <a:ext cx="445658" cy="0"/>
+          </a:xfrm>
+          <a:prstGeom prst="straightConnector1">
+            <a:avLst/>
+          </a:prstGeom>
+          <a:ln>
+            <a:tailEnd type="triangle"/>
+          </a:ln>
+        </p:spPr>
+        <p:style>
+          <a:lnRef idx="1">
+            <a:schemeClr val="accent1"/>
+          </a:lnRef>
+          <a:fillRef idx="0">
+            <a:schemeClr val="accent1"/>
+          </a:fillRef>
+          <a:effectRef idx="0">
+            <a:schemeClr val="accent1"/>
+          </a:effectRef>
+          <a:fontRef idx="minor">
+            <a:schemeClr val="tx1"/>
+          </a:fontRef>
+        </p:style>
+      </p:cxnSp>
+      <p:cxnSp>
+        <p:nvCxnSpPr>
+          <p:cNvPr id="79" name="Straight Arrow Connector 78">
+            <a:extLst>
+              <a:ext uri="{FF2B5EF4-FFF2-40B4-BE49-F238E27FC236}">
+                <a16:creationId xmlns:a16="http://schemas.microsoft.com/office/drawing/2014/main" id="{5790AAC7-43AC-F93C-8695-9F79F9256249}"/>
+              </a:ext>
+            </a:extLst>
+          </p:cNvPr>
+          <p:cNvCxnSpPr>
+            <a:cxnSpLocks/>
+          </p:cNvCxnSpPr>
+          <p:nvPr/>
+        </p:nvCxnSpPr>
+        <p:spPr>
+          <a:xfrm flipV="1">
+            <a:off x="6873058" y="1453472"/>
+            <a:ext cx="390171" cy="1893"/>
+          </a:xfrm>
+          <a:prstGeom prst="straightConnector1">
+            <a:avLst/>
+          </a:prstGeom>
+          <a:ln>
+            <a:tailEnd type="triangle"/>
+          </a:ln>
+        </p:spPr>
+        <p:style>
+          <a:lnRef idx="1">
+            <a:schemeClr val="accent1"/>
+          </a:lnRef>
+          <a:fillRef idx="0">
+            <a:schemeClr val="accent1"/>
+          </a:fillRef>
+          <a:effectRef idx="0">
+            <a:schemeClr val="accent1"/>
+          </a:effectRef>
+          <a:fontRef idx="minor">
+            <a:schemeClr val="tx1"/>
+          </a:fontRef>
+        </p:style>
+      </p:cxnSp>
+      <p:sp>
+        <p:nvSpPr>
+          <p:cNvPr id="80" name="TextBox 79">
+            <a:extLst>
+              <a:ext uri="{FF2B5EF4-FFF2-40B4-BE49-F238E27FC236}">
+                <a16:creationId xmlns:a16="http://schemas.microsoft.com/office/drawing/2014/main" id="{6CBC11FE-F464-37F1-179D-55E69BA782A3}"/>
+              </a:ext>
+            </a:extLst>
+          </p:cNvPr>
+          <p:cNvSpPr txBox="1"/>
+          <p:nvPr/>
+        </p:nvSpPr>
+        <p:spPr>
+          <a:xfrm>
+            <a:off x="8043849" y="1369999"/>
+            <a:ext cx="362198" cy="369332"/>
+          </a:xfrm>
+          <a:prstGeom prst="rect">
+            <a:avLst/>
+          </a:prstGeom>
+          <a:noFill/>
+        </p:spPr>
+        <p:txBody>
+          <a:bodyPr wrap="square" rtlCol="0">
+            <a:spAutoFit/>
+          </a:bodyPr>
+          <a:lstStyle/>
+          <a:p>
+            <a:r>
+              <a:rPr lang="en-US" dirty="0"/>
+              <a:t>…</a:t>
+            </a:r>
+            <a:endParaRPr lang="en-SG" dirty="0"/>
+          </a:p>
+        </p:txBody>
+      </p:sp>
+      <p:pic>
+        <p:nvPicPr>
+          <p:cNvPr id="81" name="Picture 80">
+            <a:extLst>
+              <a:ext uri="{FF2B5EF4-FFF2-40B4-BE49-F238E27FC236}">
+                <a16:creationId xmlns:a16="http://schemas.microsoft.com/office/drawing/2014/main" id="{ABAE8E8A-1FE4-0DEF-5E5F-5173DCB84885}"/>
+              </a:ext>
+            </a:extLst>
+          </p:cNvPr>
+          <p:cNvPicPr>
+            <a:picLocks noChangeAspect="1"/>
+          </p:cNvPicPr>
+          <p:nvPr/>
+        </p:nvPicPr>
+        <p:blipFill>
+          <a:blip r:embed="rId3"/>
+          <a:stretch>
+            <a:fillRect/>
+          </a:stretch>
+        </p:blipFill>
+        <p:spPr>
+          <a:xfrm>
+            <a:off x="7328657" y="1423860"/>
+            <a:ext cx="357596" cy="261610"/>
+          </a:xfrm>
+          <a:prstGeom prst="rect">
+            <a:avLst/>
+          </a:prstGeom>
+          <a:ln w="3175">
+            <a:solidFill>
+              <a:schemeClr val="tx1"/>
+            </a:solidFill>
+          </a:ln>
+        </p:spPr>
+      </p:pic>
+      <p:cxnSp>
+        <p:nvCxnSpPr>
+          <p:cNvPr id="82" name="Straight Arrow Connector 81">
+            <a:extLst>
+              <a:ext uri="{FF2B5EF4-FFF2-40B4-BE49-F238E27FC236}">
+                <a16:creationId xmlns:a16="http://schemas.microsoft.com/office/drawing/2014/main" id="{3A8454B8-B347-0E1B-4973-EE6474E64F2A}"/>
+              </a:ext>
+            </a:extLst>
+          </p:cNvPr>
+          <p:cNvCxnSpPr>
+            <a:cxnSpLocks/>
+          </p:cNvCxnSpPr>
+          <p:nvPr/>
+        </p:nvCxnSpPr>
+        <p:spPr>
+          <a:xfrm>
+            <a:off x="7698953" y="1459797"/>
+            <a:ext cx="344468" cy="0"/>
+          </a:xfrm>
+          <a:prstGeom prst="straightConnector1">
+            <a:avLst/>
+          </a:prstGeom>
+          <a:ln>
+            <a:tailEnd type="triangle"/>
+          </a:ln>
+        </p:spPr>
+        <p:style>
+          <a:lnRef idx="1">
+            <a:schemeClr val="accent1"/>
+          </a:lnRef>
+          <a:fillRef idx="0">
+            <a:schemeClr val="accent1"/>
+          </a:fillRef>
+          <a:effectRef idx="0">
+            <a:schemeClr val="accent1"/>
+          </a:effectRef>
+          <a:fontRef idx="minor">
+            <a:schemeClr val="tx1"/>
+          </a:fontRef>
+        </p:style>
+      </p:cxnSp>
+      <p:cxnSp>
+        <p:nvCxnSpPr>
+          <p:cNvPr id="83" name="Straight Arrow Connector 82">
+            <a:extLst>
+              <a:ext uri="{FF2B5EF4-FFF2-40B4-BE49-F238E27FC236}">
+                <a16:creationId xmlns:a16="http://schemas.microsoft.com/office/drawing/2014/main" id="{5BDE63C3-B238-04EA-5B80-29478089C3A3}"/>
+              </a:ext>
+            </a:extLst>
+          </p:cNvPr>
+          <p:cNvCxnSpPr>
+            <a:cxnSpLocks/>
+          </p:cNvCxnSpPr>
+          <p:nvPr/>
+        </p:nvCxnSpPr>
+        <p:spPr>
+          <a:xfrm>
+            <a:off x="8350495" y="1453472"/>
+            <a:ext cx="247281" cy="0"/>
+          </a:xfrm>
+          <a:prstGeom prst="straightConnector1">
+            <a:avLst/>
+          </a:prstGeom>
+          <a:ln>
+            <a:tailEnd type="triangle"/>
+          </a:ln>
+        </p:spPr>
+        <p:style>
+          <a:lnRef idx="1">
+            <a:schemeClr val="accent1"/>
+          </a:lnRef>
+          <a:fillRef idx="0">
+            <a:schemeClr val="accent1"/>
+          </a:fillRef>
+          <a:effectRef idx="0">
+            <a:schemeClr val="accent1"/>
+          </a:effectRef>
+          <a:fontRef idx="minor">
+            <a:schemeClr val="tx1"/>
+          </a:fontRef>
+        </p:style>
+      </p:cxnSp>
+      <p:pic>
+        <p:nvPicPr>
+          <p:cNvPr id="84" name="Picture 83">
+            <a:extLst>
+              <a:ext uri="{FF2B5EF4-FFF2-40B4-BE49-F238E27FC236}">
+                <a16:creationId xmlns:a16="http://schemas.microsoft.com/office/drawing/2014/main" id="{4540BAB3-5A80-1BA5-ADF7-CA085BB46083}"/>
+              </a:ext>
+            </a:extLst>
+          </p:cNvPr>
+          <p:cNvPicPr>
+            <a:picLocks noChangeAspect="1"/>
+          </p:cNvPicPr>
+          <p:nvPr/>
+        </p:nvPicPr>
+        <p:blipFill>
+          <a:blip r:embed="rId3"/>
+          <a:stretch>
+            <a:fillRect/>
+          </a:stretch>
+        </p:blipFill>
+        <p:spPr>
+          <a:xfrm>
+            <a:off x="8713951" y="1416611"/>
+            <a:ext cx="357596" cy="261610"/>
+          </a:xfrm>
+          <a:prstGeom prst="rect">
+            <a:avLst/>
+          </a:prstGeom>
+          <a:ln w="3175">
+            <a:solidFill>
+              <a:schemeClr val="tx1"/>
+            </a:solidFill>
+          </a:ln>
+        </p:spPr>
+      </p:pic>
+      <p:sp>
+        <p:nvSpPr>
+          <p:cNvPr id="85" name="TextBox 84">
+            <a:extLst>
+              <a:ext uri="{FF2B5EF4-FFF2-40B4-BE49-F238E27FC236}">
+                <a16:creationId xmlns:a16="http://schemas.microsoft.com/office/drawing/2014/main" id="{DA9D377E-A419-E3A9-5502-8E0E71B7BD7B}"/>
+              </a:ext>
+            </a:extLst>
+          </p:cNvPr>
+          <p:cNvSpPr txBox="1"/>
+          <p:nvPr/>
+        </p:nvSpPr>
+        <p:spPr>
+          <a:xfrm>
+            <a:off x="7180173" y="1165921"/>
+            <a:ext cx="802249" cy="230832"/>
+          </a:xfrm>
+          <a:prstGeom prst="rect">
+            <a:avLst/>
+          </a:prstGeom>
+          <a:noFill/>
+        </p:spPr>
+        <p:txBody>
+          <a:bodyPr wrap="square" rtlCol="0">
+            <a:spAutoFit/>
+          </a:bodyPr>
+          <a:lstStyle/>
+          <a:p>
+            <a:r>
+              <a:rPr lang="en-SG" sz="900" dirty="0">
+                <a:solidFill>
+                  <a:srgbClr val="002060"/>
+                </a:solidFill>
+              </a:rPr>
+              <a:t>jumphost2</a:t>
+            </a:r>
+          </a:p>
+        </p:txBody>
+      </p:sp>
+      <p:sp>
+        <p:nvSpPr>
+          <p:cNvPr id="86" name="TextBox 85">
+            <a:extLst>
+              <a:ext uri="{FF2B5EF4-FFF2-40B4-BE49-F238E27FC236}">
+                <a16:creationId xmlns:a16="http://schemas.microsoft.com/office/drawing/2014/main" id="{9659D940-8B0B-A156-8080-296B758B51A7}"/>
+              </a:ext>
+            </a:extLst>
+          </p:cNvPr>
+          <p:cNvSpPr txBox="1"/>
+          <p:nvPr/>
+        </p:nvSpPr>
+        <p:spPr>
+          <a:xfrm>
+            <a:off x="8549792" y="1165921"/>
+            <a:ext cx="802249" cy="230832"/>
+          </a:xfrm>
+          <a:prstGeom prst="rect">
+            <a:avLst/>
+          </a:prstGeom>
+          <a:noFill/>
+        </p:spPr>
+        <p:txBody>
+          <a:bodyPr wrap="square" rtlCol="0">
+            <a:spAutoFit/>
+          </a:bodyPr>
+          <a:lstStyle/>
+          <a:p>
+            <a:r>
+              <a:rPr lang="en-US" sz="900" dirty="0" err="1">
+                <a:solidFill>
+                  <a:srgbClr val="002060"/>
+                </a:solidFill>
+              </a:rPr>
+              <a:t>targethost</a:t>
+            </a:r>
+            <a:r>
+              <a:rPr lang="en-US" sz="900" dirty="0">
+                <a:solidFill>
+                  <a:srgbClr val="002060"/>
+                </a:solidFill>
+              </a:rPr>
+              <a:t>-N</a:t>
+            </a:r>
+            <a:endParaRPr lang="en-SG" sz="900" dirty="0">
+              <a:solidFill>
+                <a:srgbClr val="002060"/>
+              </a:solidFill>
+            </a:endParaRPr>
+          </a:p>
+        </p:txBody>
+      </p:sp>
+      <p:cxnSp>
+        <p:nvCxnSpPr>
+          <p:cNvPr id="87" name="Straight Arrow Connector 86">
+            <a:extLst>
+              <a:ext uri="{FF2B5EF4-FFF2-40B4-BE49-F238E27FC236}">
+                <a16:creationId xmlns:a16="http://schemas.microsoft.com/office/drawing/2014/main" id="{2B0B5457-CD0C-D160-8092-2AE42C50BBC0}"/>
+              </a:ext>
+            </a:extLst>
+          </p:cNvPr>
+          <p:cNvCxnSpPr>
+            <a:cxnSpLocks/>
+          </p:cNvCxnSpPr>
+          <p:nvPr/>
+        </p:nvCxnSpPr>
+        <p:spPr>
+          <a:xfrm>
+            <a:off x="5976950" y="1559184"/>
+            <a:ext cx="445658" cy="0"/>
+          </a:xfrm>
+          <a:prstGeom prst="straightConnector1">
+            <a:avLst/>
+          </a:prstGeom>
+          <a:ln>
+            <a:prstDash val="dash"/>
+            <a:tailEnd type="triangle"/>
+          </a:ln>
+        </p:spPr>
+        <p:style>
+          <a:lnRef idx="1">
+            <a:schemeClr val="accent1"/>
+          </a:lnRef>
+          <a:fillRef idx="0">
+            <a:schemeClr val="accent1"/>
+          </a:fillRef>
+          <a:effectRef idx="0">
+            <a:schemeClr val="accent1"/>
+          </a:effectRef>
+          <a:fontRef idx="minor">
+            <a:schemeClr val="tx1"/>
+          </a:fontRef>
+        </p:style>
+      </p:cxnSp>
+      <p:cxnSp>
+        <p:nvCxnSpPr>
+          <p:cNvPr id="89" name="Straight Arrow Connector 88">
+            <a:extLst>
+              <a:ext uri="{FF2B5EF4-FFF2-40B4-BE49-F238E27FC236}">
+                <a16:creationId xmlns:a16="http://schemas.microsoft.com/office/drawing/2014/main" id="{33EBA6EF-11ED-A087-B0BF-3DA4D28A07CD}"/>
+              </a:ext>
+            </a:extLst>
+          </p:cNvPr>
+          <p:cNvCxnSpPr>
+            <a:cxnSpLocks/>
+          </p:cNvCxnSpPr>
+          <p:nvPr/>
+        </p:nvCxnSpPr>
+        <p:spPr>
+          <a:xfrm>
+            <a:off x="5976950" y="1642362"/>
+            <a:ext cx="445658" cy="0"/>
+          </a:xfrm>
+          <a:prstGeom prst="straightConnector1">
+            <a:avLst/>
+          </a:prstGeom>
+          <a:ln>
+            <a:prstDash val="dash"/>
+            <a:tailEnd type="triangle"/>
+          </a:ln>
+        </p:spPr>
+        <p:style>
+          <a:lnRef idx="1">
+            <a:schemeClr val="accent1"/>
+          </a:lnRef>
+          <a:fillRef idx="0">
+            <a:schemeClr val="accent1"/>
+          </a:fillRef>
+          <a:effectRef idx="0">
+            <a:schemeClr val="accent1"/>
+          </a:effectRef>
+          <a:fontRef idx="minor">
+            <a:schemeClr val="tx1"/>
+          </a:fontRef>
+        </p:style>
+      </p:cxnSp>
+      <p:cxnSp>
+        <p:nvCxnSpPr>
+          <p:cNvPr id="90" name="Straight Arrow Connector 89">
+            <a:extLst>
+              <a:ext uri="{FF2B5EF4-FFF2-40B4-BE49-F238E27FC236}">
+                <a16:creationId xmlns:a16="http://schemas.microsoft.com/office/drawing/2014/main" id="{0637B61D-52E2-DC4C-9B3F-FF41ADADA14E}"/>
+              </a:ext>
+            </a:extLst>
+          </p:cNvPr>
+          <p:cNvCxnSpPr>
+            <a:cxnSpLocks/>
+          </p:cNvCxnSpPr>
+          <p:nvPr/>
+        </p:nvCxnSpPr>
+        <p:spPr>
+          <a:xfrm>
+            <a:off x="6881622" y="1547416"/>
+            <a:ext cx="381607" cy="0"/>
+          </a:xfrm>
+          <a:prstGeom prst="straightConnector1">
+            <a:avLst/>
+          </a:prstGeom>
+          <a:ln>
+            <a:prstDash val="dash"/>
+            <a:tailEnd type="triangle"/>
+          </a:ln>
+        </p:spPr>
+        <p:style>
+          <a:lnRef idx="1">
+            <a:schemeClr val="accent1"/>
+          </a:lnRef>
+          <a:fillRef idx="0">
+            <a:schemeClr val="accent1"/>
+          </a:fillRef>
+          <a:effectRef idx="0">
+            <a:schemeClr val="accent1"/>
+          </a:effectRef>
+          <a:fontRef idx="minor">
+            <a:schemeClr val="tx1"/>
+          </a:fontRef>
+        </p:style>
+      </p:cxnSp>
+      <p:cxnSp>
+        <p:nvCxnSpPr>
+          <p:cNvPr id="92" name="Straight Arrow Connector 91">
+            <a:extLst>
+              <a:ext uri="{FF2B5EF4-FFF2-40B4-BE49-F238E27FC236}">
+                <a16:creationId xmlns:a16="http://schemas.microsoft.com/office/drawing/2014/main" id="{BADF4FE4-0531-1428-BE45-825C7173BAF6}"/>
+              </a:ext>
+            </a:extLst>
+          </p:cNvPr>
+          <p:cNvCxnSpPr>
+            <a:cxnSpLocks/>
+          </p:cNvCxnSpPr>
+          <p:nvPr/>
+        </p:nvCxnSpPr>
+        <p:spPr>
+          <a:xfrm>
+            <a:off x="6882812" y="1645342"/>
+            <a:ext cx="381607" cy="0"/>
+          </a:xfrm>
+          <a:prstGeom prst="straightConnector1">
+            <a:avLst/>
+          </a:prstGeom>
+          <a:ln>
+            <a:prstDash val="dash"/>
+            <a:tailEnd type="triangle"/>
+          </a:ln>
+        </p:spPr>
+        <p:style>
+          <a:lnRef idx="1">
+            <a:schemeClr val="accent1"/>
+          </a:lnRef>
+          <a:fillRef idx="0">
+            <a:schemeClr val="accent1"/>
+          </a:fillRef>
+          <a:effectRef idx="0">
+            <a:schemeClr val="accent1"/>
+          </a:effectRef>
+          <a:fontRef idx="minor">
+            <a:schemeClr val="tx1"/>
+          </a:fontRef>
+        </p:style>
+      </p:cxnSp>
+      <p:cxnSp>
+        <p:nvCxnSpPr>
+          <p:cNvPr id="93" name="Straight Arrow Connector 92">
+            <a:extLst>
+              <a:ext uri="{FF2B5EF4-FFF2-40B4-BE49-F238E27FC236}">
+                <a16:creationId xmlns:a16="http://schemas.microsoft.com/office/drawing/2014/main" id="{05C0FEC9-DA5E-7DA7-78F4-F6D9FFD449B5}"/>
+              </a:ext>
+            </a:extLst>
+          </p:cNvPr>
+          <p:cNvCxnSpPr>
+            <a:cxnSpLocks/>
+            <a:stCxn id="81" idx="3"/>
+            <a:endCxn id="80" idx="1"/>
+          </p:cNvCxnSpPr>
+          <p:nvPr/>
+        </p:nvCxnSpPr>
+        <p:spPr>
+          <a:xfrm>
+            <a:off x="7686253" y="1554665"/>
+            <a:ext cx="357596" cy="0"/>
+          </a:xfrm>
+          <a:prstGeom prst="straightConnector1">
+            <a:avLst/>
+          </a:prstGeom>
+          <a:ln>
+            <a:prstDash val="dash"/>
+            <a:tailEnd type="triangle"/>
+          </a:ln>
+        </p:spPr>
+        <p:style>
+          <a:lnRef idx="1">
+            <a:schemeClr val="accent1"/>
+          </a:lnRef>
+          <a:fillRef idx="0">
+            <a:schemeClr val="accent1"/>
+          </a:fillRef>
+          <a:effectRef idx="0">
+            <a:schemeClr val="accent1"/>
+          </a:effectRef>
+          <a:fontRef idx="minor">
+            <a:schemeClr val="tx1"/>
+          </a:fontRef>
+        </p:style>
+      </p:cxnSp>
+      <p:cxnSp>
+        <p:nvCxnSpPr>
+          <p:cNvPr id="96" name="Straight Arrow Connector 95">
+            <a:extLst>
+              <a:ext uri="{FF2B5EF4-FFF2-40B4-BE49-F238E27FC236}">
+                <a16:creationId xmlns:a16="http://schemas.microsoft.com/office/drawing/2014/main" id="{EFCF136A-542D-158D-B607-7EF056512E6B}"/>
+              </a:ext>
+            </a:extLst>
+          </p:cNvPr>
+          <p:cNvCxnSpPr>
+            <a:cxnSpLocks/>
+          </p:cNvCxnSpPr>
+          <p:nvPr/>
+        </p:nvCxnSpPr>
+        <p:spPr>
+          <a:xfrm>
+            <a:off x="7690209" y="1642362"/>
+            <a:ext cx="357596" cy="0"/>
+          </a:xfrm>
+          <a:prstGeom prst="straightConnector1">
+            <a:avLst/>
+          </a:prstGeom>
+          <a:ln>
+            <a:prstDash val="dash"/>
+            <a:tailEnd type="triangle"/>
+          </a:ln>
+        </p:spPr>
+        <p:style>
+          <a:lnRef idx="1">
+            <a:schemeClr val="accent1"/>
+          </a:lnRef>
+          <a:fillRef idx="0">
+            <a:schemeClr val="accent1"/>
+          </a:fillRef>
+          <a:effectRef idx="0">
+            <a:schemeClr val="accent1"/>
+          </a:effectRef>
+          <a:fontRef idx="minor">
+            <a:schemeClr val="tx1"/>
+          </a:fontRef>
+        </p:style>
+      </p:cxnSp>
+      <p:cxnSp>
+        <p:nvCxnSpPr>
+          <p:cNvPr id="97" name="Straight Arrow Connector 96">
+            <a:extLst>
+              <a:ext uri="{FF2B5EF4-FFF2-40B4-BE49-F238E27FC236}">
+                <a16:creationId xmlns:a16="http://schemas.microsoft.com/office/drawing/2014/main" id="{7FF8091E-C37D-CDA5-2FF5-8CD6CB57C98A}"/>
+              </a:ext>
+            </a:extLst>
+          </p:cNvPr>
+          <p:cNvCxnSpPr>
+            <a:cxnSpLocks/>
+          </p:cNvCxnSpPr>
+          <p:nvPr/>
+        </p:nvCxnSpPr>
+        <p:spPr>
+          <a:xfrm>
+            <a:off x="8357132" y="1554665"/>
+            <a:ext cx="247281" cy="0"/>
+          </a:xfrm>
+          <a:prstGeom prst="straightConnector1">
+            <a:avLst/>
+          </a:prstGeom>
+          <a:ln>
+            <a:prstDash val="dash"/>
+            <a:tailEnd type="triangle"/>
+          </a:ln>
+        </p:spPr>
+        <p:style>
+          <a:lnRef idx="1">
+            <a:schemeClr val="accent1"/>
+          </a:lnRef>
+          <a:fillRef idx="0">
+            <a:schemeClr val="accent1"/>
+          </a:fillRef>
+          <a:effectRef idx="0">
+            <a:schemeClr val="accent1"/>
+          </a:effectRef>
+          <a:fontRef idx="minor">
+            <a:schemeClr val="tx1"/>
+          </a:fontRef>
+        </p:style>
+      </p:cxnSp>
+      <p:cxnSp>
+        <p:nvCxnSpPr>
+          <p:cNvPr id="98" name="Straight Arrow Connector 97">
+            <a:extLst>
+              <a:ext uri="{FF2B5EF4-FFF2-40B4-BE49-F238E27FC236}">
+                <a16:creationId xmlns:a16="http://schemas.microsoft.com/office/drawing/2014/main" id="{55C1B72F-DB20-4031-FCA1-81A53746E1B7}"/>
+              </a:ext>
+            </a:extLst>
+          </p:cNvPr>
+          <p:cNvCxnSpPr>
+            <a:cxnSpLocks/>
+          </p:cNvCxnSpPr>
+          <p:nvPr/>
+        </p:nvCxnSpPr>
+        <p:spPr>
+          <a:xfrm>
+            <a:off x="8357377" y="1646229"/>
+            <a:ext cx="247281" cy="0"/>
+          </a:xfrm>
+          <a:prstGeom prst="straightConnector1">
+            <a:avLst/>
+          </a:prstGeom>
+          <a:ln>
+            <a:prstDash val="dash"/>
+            <a:tailEnd type="triangle"/>
+          </a:ln>
+        </p:spPr>
+        <p:style>
+          <a:lnRef idx="1">
+            <a:schemeClr val="accent1"/>
+          </a:lnRef>
+          <a:fillRef idx="0">
+            <a:schemeClr val="accent1"/>
+          </a:fillRef>
+          <a:effectRef idx="0">
+            <a:schemeClr val="accent1"/>
+          </a:effectRef>
+          <a:fontRef idx="minor">
+            <a:schemeClr val="tx1"/>
+          </a:fontRef>
+        </p:style>
+      </p:cxnSp>
+      <p:pic>
+        <p:nvPicPr>
+          <p:cNvPr id="101" name="Picture 4">
+            <a:extLst>
+              <a:ext uri="{FF2B5EF4-FFF2-40B4-BE49-F238E27FC236}">
+                <a16:creationId xmlns:a16="http://schemas.microsoft.com/office/drawing/2014/main" id="{A69EB937-F560-980D-D8D7-5213014A200A}"/>
+              </a:ext>
+            </a:extLst>
+          </p:cNvPr>
+          <p:cNvPicPr>
+            <a:picLocks noChangeAspect="1" noChangeArrowheads="1"/>
+          </p:cNvPicPr>
+          <p:nvPr/>
+        </p:nvPicPr>
+        <p:blipFill>
+          <a:blip r:embed="rId2">
+            <a:extLst>
+              <a:ext uri="{28A0092B-C50C-407E-A947-70E740481C1C}">
+                <a14:useLocalDpi xmlns:a14="http://schemas.microsoft.com/office/drawing/2010/main" val="0"/>
+              </a:ext>
+            </a:extLst>
+          </a:blip>
+          <a:srcRect/>
+          <a:stretch>
+            <a:fillRect/>
+          </a:stretch>
+        </p:blipFill>
+        <p:spPr bwMode="auto">
+          <a:xfrm>
+            <a:off x="622794" y="2824239"/>
+            <a:ext cx="429814" cy="429814"/>
+          </a:xfrm>
+          <a:prstGeom prst="rect">
+            <a:avLst/>
+          </a:prstGeom>
+          <a:noFill/>
+          <a:extLst>
+            <a:ext uri="{909E8E84-426E-40DD-AFC4-6F175D3DCCD1}">
+              <a14:hiddenFill xmlns:a14="http://schemas.microsoft.com/office/drawing/2010/main">
+                <a:solidFill>
+                  <a:srgbClr val="FFFFFF"/>
+                </a:solidFill>
+              </a14:hiddenFill>
+            </a:ext>
+          </a:extLst>
+        </p:spPr>
+      </p:pic>
+      <p:cxnSp>
+        <p:nvCxnSpPr>
+          <p:cNvPr id="102" name="Straight Arrow Connector 101">
+            <a:extLst>
+              <a:ext uri="{FF2B5EF4-FFF2-40B4-BE49-F238E27FC236}">
+                <a16:creationId xmlns:a16="http://schemas.microsoft.com/office/drawing/2014/main" id="{56A62553-E0B7-9991-6714-A37FD555D9B2}"/>
+              </a:ext>
+            </a:extLst>
+          </p:cNvPr>
+          <p:cNvCxnSpPr>
+            <a:cxnSpLocks/>
+          </p:cNvCxnSpPr>
+          <p:nvPr/>
+        </p:nvCxnSpPr>
+        <p:spPr>
+          <a:xfrm>
+            <a:off x="1103340" y="5525491"/>
+            <a:ext cx="812096" cy="0"/>
+          </a:xfrm>
+          <a:prstGeom prst="straightConnector1">
+            <a:avLst/>
+          </a:prstGeom>
+          <a:ln>
+            <a:prstDash val="dash"/>
+            <a:tailEnd type="triangle"/>
+          </a:ln>
+        </p:spPr>
+        <p:style>
+          <a:lnRef idx="1">
+            <a:schemeClr val="accent1"/>
+          </a:lnRef>
+          <a:fillRef idx="0">
+            <a:schemeClr val="accent1"/>
+          </a:fillRef>
+          <a:effectRef idx="0">
+            <a:schemeClr val="accent1"/>
+          </a:effectRef>
+          <a:fontRef idx="minor">
+            <a:schemeClr val="tx1"/>
+          </a:fontRef>
+        </p:style>
+      </p:cxnSp>
+      <p:pic>
+        <p:nvPicPr>
+          <p:cNvPr id="104" name="Picture 103">
+            <a:extLst>
+              <a:ext uri="{FF2B5EF4-FFF2-40B4-BE49-F238E27FC236}">
+                <a16:creationId xmlns:a16="http://schemas.microsoft.com/office/drawing/2014/main" id="{1949565A-B154-1A06-27D5-A2A4996A7BC9}"/>
+              </a:ext>
+            </a:extLst>
+          </p:cNvPr>
+          <p:cNvPicPr>
+            <a:picLocks noChangeAspect="1"/>
+          </p:cNvPicPr>
+          <p:nvPr/>
+        </p:nvPicPr>
+        <p:blipFill>
+          <a:blip r:embed="rId3"/>
+          <a:stretch>
+            <a:fillRect/>
+          </a:stretch>
+        </p:blipFill>
+        <p:spPr>
+          <a:xfrm>
+            <a:off x="1608408" y="2918240"/>
+            <a:ext cx="357596" cy="261610"/>
+          </a:xfrm>
+          <a:prstGeom prst="rect">
+            <a:avLst/>
+          </a:prstGeom>
+          <a:ln w="3175">
+            <a:solidFill>
+              <a:schemeClr val="tx1"/>
+            </a:solidFill>
+          </a:ln>
+        </p:spPr>
+      </p:pic>
+      <p:sp>
+        <p:nvSpPr>
+          <p:cNvPr id="105" name="TextBox 104">
+            <a:extLst>
+              <a:ext uri="{FF2B5EF4-FFF2-40B4-BE49-F238E27FC236}">
+                <a16:creationId xmlns:a16="http://schemas.microsoft.com/office/drawing/2014/main" id="{676A5FCF-80A3-1317-E1DA-F1819066A101}"/>
+              </a:ext>
+            </a:extLst>
+          </p:cNvPr>
+          <p:cNvSpPr txBox="1"/>
+          <p:nvPr/>
+        </p:nvSpPr>
+        <p:spPr>
+          <a:xfrm>
+            <a:off x="1436457" y="2669799"/>
+            <a:ext cx="802249" cy="230832"/>
+          </a:xfrm>
+          <a:prstGeom prst="rect">
+            <a:avLst/>
+          </a:prstGeom>
+          <a:noFill/>
+        </p:spPr>
+        <p:txBody>
+          <a:bodyPr wrap="square" rtlCol="0">
+            <a:spAutoFit/>
+          </a:bodyPr>
+          <a:lstStyle/>
+          <a:p>
+            <a:r>
+              <a:rPr lang="en-SG" sz="900" dirty="0">
+                <a:solidFill>
+                  <a:srgbClr val="002060"/>
+                </a:solidFill>
+              </a:rPr>
+              <a:t>Jumphost1-N</a:t>
+            </a:r>
+          </a:p>
+        </p:txBody>
+      </p:sp>
+      <p:cxnSp>
+        <p:nvCxnSpPr>
+          <p:cNvPr id="106" name="Straight Arrow Connector 105">
+            <a:extLst>
+              <a:ext uri="{FF2B5EF4-FFF2-40B4-BE49-F238E27FC236}">
+                <a16:creationId xmlns:a16="http://schemas.microsoft.com/office/drawing/2014/main" id="{E9E6CA6E-5EEF-C73B-A04C-6F4A9AAB2ED5}"/>
+              </a:ext>
+            </a:extLst>
+          </p:cNvPr>
+          <p:cNvCxnSpPr>
+            <a:cxnSpLocks/>
+          </p:cNvCxnSpPr>
+          <p:nvPr/>
+        </p:nvCxnSpPr>
+        <p:spPr>
+          <a:xfrm flipV="1">
+            <a:off x="1995204" y="2965162"/>
+            <a:ext cx="390171" cy="1893"/>
+          </a:xfrm>
+          <a:prstGeom prst="straightConnector1">
+            <a:avLst/>
+          </a:prstGeom>
+          <a:ln>
+            <a:tailEnd type="triangle"/>
+          </a:ln>
+        </p:spPr>
+        <p:style>
+          <a:lnRef idx="1">
+            <a:schemeClr val="accent1"/>
+          </a:lnRef>
+          <a:fillRef idx="0">
+            <a:schemeClr val="accent1"/>
+          </a:fillRef>
+          <a:effectRef idx="0">
+            <a:schemeClr val="accent1"/>
+          </a:effectRef>
+          <a:fontRef idx="minor">
+            <a:schemeClr val="tx1"/>
+          </a:fontRef>
+        </p:style>
+      </p:cxnSp>
+      <p:pic>
+        <p:nvPicPr>
+          <p:cNvPr id="107" name="Picture 106">
+            <a:extLst>
+              <a:ext uri="{FF2B5EF4-FFF2-40B4-BE49-F238E27FC236}">
+                <a16:creationId xmlns:a16="http://schemas.microsoft.com/office/drawing/2014/main" id="{4C353AF3-DA3A-FA18-4AD5-E185D5E944C8}"/>
+              </a:ext>
+            </a:extLst>
+          </p:cNvPr>
+          <p:cNvPicPr>
+            <a:picLocks noChangeAspect="1"/>
+          </p:cNvPicPr>
+          <p:nvPr/>
+        </p:nvPicPr>
+        <p:blipFill>
+          <a:blip r:embed="rId3"/>
+          <a:stretch>
+            <a:fillRect/>
+          </a:stretch>
+        </p:blipFill>
+        <p:spPr>
+          <a:xfrm>
+            <a:off x="2440323" y="2908341"/>
+            <a:ext cx="357596" cy="261610"/>
+          </a:xfrm>
+          <a:prstGeom prst="rect">
+            <a:avLst/>
+          </a:prstGeom>
+          <a:ln w="3175">
+            <a:solidFill>
+              <a:schemeClr val="tx1"/>
+            </a:solidFill>
+          </a:ln>
+        </p:spPr>
+      </p:pic>
+      <p:cxnSp>
+        <p:nvCxnSpPr>
+          <p:cNvPr id="108" name="Straight Arrow Connector 107">
+            <a:extLst>
+              <a:ext uri="{FF2B5EF4-FFF2-40B4-BE49-F238E27FC236}">
+                <a16:creationId xmlns:a16="http://schemas.microsoft.com/office/drawing/2014/main" id="{C845C243-78AC-6BF5-9EC7-0D15A7579A4B}"/>
+              </a:ext>
+            </a:extLst>
+          </p:cNvPr>
+          <p:cNvCxnSpPr>
+            <a:cxnSpLocks/>
+          </p:cNvCxnSpPr>
+          <p:nvPr/>
+        </p:nvCxnSpPr>
+        <p:spPr>
+          <a:xfrm>
+            <a:off x="1995293" y="3117719"/>
+            <a:ext cx="381518" cy="287803"/>
+          </a:xfrm>
+          <a:prstGeom prst="straightConnector1">
+            <a:avLst/>
+          </a:prstGeom>
+          <a:ln>
+            <a:tailEnd type="triangle"/>
+          </a:ln>
+        </p:spPr>
+        <p:style>
+          <a:lnRef idx="1">
+            <a:schemeClr val="accent1"/>
+          </a:lnRef>
+          <a:fillRef idx="0">
+            <a:schemeClr val="accent1"/>
+          </a:fillRef>
+          <a:effectRef idx="0">
+            <a:schemeClr val="accent1"/>
+          </a:effectRef>
+          <a:fontRef idx="minor">
+            <a:schemeClr val="tx1"/>
+          </a:fontRef>
+        </p:style>
+      </p:cxnSp>
+      <p:pic>
+        <p:nvPicPr>
+          <p:cNvPr id="111" name="Picture 110">
+            <a:extLst>
+              <a:ext uri="{FF2B5EF4-FFF2-40B4-BE49-F238E27FC236}">
+                <a16:creationId xmlns:a16="http://schemas.microsoft.com/office/drawing/2014/main" id="{2B9CF67F-A9E9-47E7-C702-CF82B9D5220C}"/>
+              </a:ext>
+            </a:extLst>
+          </p:cNvPr>
+          <p:cNvPicPr>
+            <a:picLocks noChangeAspect="1"/>
+          </p:cNvPicPr>
+          <p:nvPr/>
+        </p:nvPicPr>
+        <p:blipFill>
+          <a:blip r:embed="rId3"/>
+          <a:stretch>
+            <a:fillRect/>
+          </a:stretch>
+        </p:blipFill>
+        <p:spPr>
+          <a:xfrm>
+            <a:off x="2440323" y="3335411"/>
+            <a:ext cx="357596" cy="261610"/>
+          </a:xfrm>
+          <a:prstGeom prst="rect">
+            <a:avLst/>
+          </a:prstGeom>
+          <a:ln w="3175">
+            <a:solidFill>
+              <a:schemeClr val="tx1"/>
+            </a:solidFill>
+          </a:ln>
+        </p:spPr>
+      </p:pic>
+      <p:sp>
+        <p:nvSpPr>
+          <p:cNvPr id="113" name="TextBox 112">
+            <a:extLst>
+              <a:ext uri="{FF2B5EF4-FFF2-40B4-BE49-F238E27FC236}">
+                <a16:creationId xmlns:a16="http://schemas.microsoft.com/office/drawing/2014/main" id="{E3924D85-5136-6611-7D86-D26273131D15}"/>
+              </a:ext>
+            </a:extLst>
+          </p:cNvPr>
+          <p:cNvSpPr txBox="1"/>
+          <p:nvPr/>
+        </p:nvSpPr>
+        <p:spPr>
+          <a:xfrm>
+            <a:off x="2431759" y="3000987"/>
+            <a:ext cx="362198" cy="369332"/>
+          </a:xfrm>
+          <a:prstGeom prst="rect">
+            <a:avLst/>
+          </a:prstGeom>
+          <a:noFill/>
+        </p:spPr>
+        <p:txBody>
+          <a:bodyPr wrap="square" rtlCol="0">
+            <a:spAutoFit/>
+          </a:bodyPr>
+          <a:lstStyle/>
+          <a:p>
+            <a:r>
+              <a:rPr lang="en-US" dirty="0"/>
+              <a:t>…</a:t>
+            </a:r>
+            <a:endParaRPr lang="en-SG" dirty="0"/>
+          </a:p>
+        </p:txBody>
+      </p:sp>
+      <p:cxnSp>
+        <p:nvCxnSpPr>
+          <p:cNvPr id="114" name="Straight Arrow Connector 113">
+            <a:extLst>
+              <a:ext uri="{FF2B5EF4-FFF2-40B4-BE49-F238E27FC236}">
+                <a16:creationId xmlns:a16="http://schemas.microsoft.com/office/drawing/2014/main" id="{8465C2FF-8830-6977-73C2-46CBDC0A2AFB}"/>
+              </a:ext>
+            </a:extLst>
+          </p:cNvPr>
+          <p:cNvCxnSpPr>
+            <a:cxnSpLocks/>
+          </p:cNvCxnSpPr>
+          <p:nvPr/>
+        </p:nvCxnSpPr>
+        <p:spPr>
+          <a:xfrm flipV="1">
+            <a:off x="2813067" y="2970743"/>
+            <a:ext cx="390171" cy="1893"/>
+          </a:xfrm>
+          <a:prstGeom prst="straightConnector1">
+            <a:avLst/>
+          </a:prstGeom>
+          <a:ln>
+            <a:tailEnd type="triangle"/>
+          </a:ln>
+        </p:spPr>
+        <p:style>
+          <a:lnRef idx="1">
+            <a:schemeClr val="accent1"/>
+          </a:lnRef>
+          <a:fillRef idx="0">
+            <a:schemeClr val="accent1"/>
+          </a:fillRef>
+          <a:effectRef idx="0">
+            <a:schemeClr val="accent1"/>
+          </a:effectRef>
+          <a:fontRef idx="minor">
+            <a:schemeClr val="tx1"/>
+          </a:fontRef>
+        </p:style>
+      </p:cxnSp>
+      <p:cxnSp>
+        <p:nvCxnSpPr>
+          <p:cNvPr id="115" name="Straight Arrow Connector 114">
+            <a:extLst>
+              <a:ext uri="{FF2B5EF4-FFF2-40B4-BE49-F238E27FC236}">
+                <a16:creationId xmlns:a16="http://schemas.microsoft.com/office/drawing/2014/main" id="{92FF5931-D5B5-670B-18B8-B9265C476C60}"/>
+              </a:ext>
+            </a:extLst>
+          </p:cNvPr>
+          <p:cNvCxnSpPr>
+            <a:cxnSpLocks/>
+          </p:cNvCxnSpPr>
+          <p:nvPr/>
+        </p:nvCxnSpPr>
+        <p:spPr>
+          <a:xfrm>
+            <a:off x="2813067" y="3031022"/>
+            <a:ext cx="390171" cy="178676"/>
+          </a:xfrm>
+          <a:prstGeom prst="straightConnector1">
+            <a:avLst/>
+          </a:prstGeom>
+          <a:ln>
+            <a:tailEnd type="triangle"/>
+          </a:ln>
+        </p:spPr>
+        <p:style>
+          <a:lnRef idx="1">
+            <a:schemeClr val="accent1"/>
+          </a:lnRef>
+          <a:fillRef idx="0">
+            <a:schemeClr val="accent1"/>
+          </a:fillRef>
+          <a:effectRef idx="0">
+            <a:schemeClr val="accent1"/>
+          </a:effectRef>
+          <a:fontRef idx="minor">
+            <a:schemeClr val="tx1"/>
+          </a:fontRef>
+        </p:style>
+      </p:cxnSp>
+      <p:cxnSp>
+        <p:nvCxnSpPr>
+          <p:cNvPr id="117" name="Straight Arrow Connector 116">
+            <a:extLst>
+              <a:ext uri="{FF2B5EF4-FFF2-40B4-BE49-F238E27FC236}">
+                <a16:creationId xmlns:a16="http://schemas.microsoft.com/office/drawing/2014/main" id="{35628A10-4689-8B55-8206-F03683C8753C}"/>
+              </a:ext>
+            </a:extLst>
+          </p:cNvPr>
+          <p:cNvCxnSpPr>
+            <a:cxnSpLocks/>
+          </p:cNvCxnSpPr>
+          <p:nvPr/>
+        </p:nvCxnSpPr>
+        <p:spPr>
+          <a:xfrm flipV="1">
+            <a:off x="2813067" y="3497858"/>
+            <a:ext cx="390171" cy="1893"/>
+          </a:xfrm>
+          <a:prstGeom prst="straightConnector1">
+            <a:avLst/>
+          </a:prstGeom>
+          <a:ln>
+            <a:tailEnd type="triangle"/>
+          </a:ln>
+        </p:spPr>
+        <p:style>
+          <a:lnRef idx="1">
+            <a:schemeClr val="accent1"/>
+          </a:lnRef>
+          <a:fillRef idx="0">
+            <a:schemeClr val="accent1"/>
+          </a:fillRef>
+          <a:effectRef idx="0">
+            <a:schemeClr val="accent1"/>
+          </a:effectRef>
+          <a:fontRef idx="minor">
+            <a:schemeClr val="tx1"/>
+          </a:fontRef>
+        </p:style>
+      </p:cxnSp>
+      <p:cxnSp>
+        <p:nvCxnSpPr>
+          <p:cNvPr id="119" name="Straight Arrow Connector 118">
+            <a:extLst>
+              <a:ext uri="{FF2B5EF4-FFF2-40B4-BE49-F238E27FC236}">
+                <a16:creationId xmlns:a16="http://schemas.microsoft.com/office/drawing/2014/main" id="{F144E804-2943-A420-AE80-F5F1D37D61C1}"/>
+              </a:ext>
+            </a:extLst>
+          </p:cNvPr>
+          <p:cNvCxnSpPr>
+            <a:cxnSpLocks/>
+          </p:cNvCxnSpPr>
+          <p:nvPr/>
+        </p:nvCxnSpPr>
+        <p:spPr>
+          <a:xfrm>
+            <a:off x="2803791" y="3565739"/>
+            <a:ext cx="390171" cy="178676"/>
+          </a:xfrm>
+          <a:prstGeom prst="straightConnector1">
+            <a:avLst/>
+          </a:prstGeom>
+          <a:ln>
+            <a:tailEnd type="triangle"/>
+          </a:ln>
+        </p:spPr>
+        <p:style>
+          <a:lnRef idx="1">
+            <a:schemeClr val="accent1"/>
+          </a:lnRef>
+          <a:fillRef idx="0">
+            <a:schemeClr val="accent1"/>
+          </a:fillRef>
+          <a:effectRef idx="0">
+            <a:schemeClr val="accent1"/>
+          </a:effectRef>
+          <a:fontRef idx="minor">
+            <a:schemeClr val="tx1"/>
+          </a:fontRef>
+        </p:style>
+      </p:cxnSp>
+      <p:pic>
+        <p:nvPicPr>
+          <p:cNvPr id="120" name="Picture 119">
+            <a:extLst>
+              <a:ext uri="{FF2B5EF4-FFF2-40B4-BE49-F238E27FC236}">
+                <a16:creationId xmlns:a16="http://schemas.microsoft.com/office/drawing/2014/main" id="{CA080C8C-C067-B620-4ABA-66917C12EFDE}"/>
+              </a:ext>
+            </a:extLst>
+          </p:cNvPr>
+          <p:cNvPicPr>
+            <a:picLocks noChangeAspect="1"/>
+          </p:cNvPicPr>
+          <p:nvPr/>
+        </p:nvPicPr>
+        <p:blipFill>
+          <a:blip r:embed="rId3"/>
+          <a:stretch>
+            <a:fillRect/>
+          </a:stretch>
+        </p:blipFill>
+        <p:spPr>
+          <a:xfrm>
+            <a:off x="3627188" y="2802692"/>
+            <a:ext cx="324268" cy="237228"/>
+          </a:xfrm>
+          <a:prstGeom prst="rect">
+            <a:avLst/>
+          </a:prstGeom>
+          <a:ln w="3175">
+            <a:solidFill>
+              <a:schemeClr val="tx1"/>
+            </a:solidFill>
+          </a:ln>
+        </p:spPr>
+      </p:pic>
+      <p:pic>
+        <p:nvPicPr>
+          <p:cNvPr id="121" name="Picture 120">
+            <a:extLst>
+              <a:ext uri="{FF2B5EF4-FFF2-40B4-BE49-F238E27FC236}">
+                <a16:creationId xmlns:a16="http://schemas.microsoft.com/office/drawing/2014/main" id="{84B21813-4DBD-4BFA-D232-9567A3443047}"/>
+              </a:ext>
+            </a:extLst>
+          </p:cNvPr>
+          <p:cNvPicPr>
+            <a:picLocks noChangeAspect="1"/>
+          </p:cNvPicPr>
+          <p:nvPr/>
+        </p:nvPicPr>
+        <p:blipFill>
+          <a:blip r:embed="rId3"/>
+          <a:stretch>
+            <a:fillRect/>
+          </a:stretch>
+        </p:blipFill>
+        <p:spPr>
+          <a:xfrm>
+            <a:off x="3616960" y="3108443"/>
+            <a:ext cx="334496" cy="244711"/>
+          </a:xfrm>
+          <a:prstGeom prst="rect">
+            <a:avLst/>
+          </a:prstGeom>
+          <a:ln w="3175">
+            <a:solidFill>
+              <a:schemeClr val="tx1"/>
+            </a:solidFill>
+          </a:ln>
+        </p:spPr>
+      </p:pic>
+      <p:pic>
+        <p:nvPicPr>
+          <p:cNvPr id="122" name="Picture 121">
+            <a:extLst>
+              <a:ext uri="{FF2B5EF4-FFF2-40B4-BE49-F238E27FC236}">
+                <a16:creationId xmlns:a16="http://schemas.microsoft.com/office/drawing/2014/main" id="{98FE47FF-88E6-9A75-136C-0683367E400E}"/>
+              </a:ext>
+            </a:extLst>
+          </p:cNvPr>
+          <p:cNvPicPr>
+            <a:picLocks noChangeAspect="1"/>
+          </p:cNvPicPr>
+          <p:nvPr/>
+        </p:nvPicPr>
+        <p:blipFill>
+          <a:blip r:embed="rId3"/>
+          <a:stretch>
+            <a:fillRect/>
+          </a:stretch>
+        </p:blipFill>
+        <p:spPr>
+          <a:xfrm>
+            <a:off x="3616945" y="3472326"/>
+            <a:ext cx="334496" cy="244711"/>
+          </a:xfrm>
+          <a:prstGeom prst="rect">
+            <a:avLst/>
+          </a:prstGeom>
+          <a:ln w="3175">
+            <a:solidFill>
+              <a:schemeClr val="tx1"/>
+            </a:solidFill>
+          </a:ln>
+        </p:spPr>
+      </p:pic>
+      <p:pic>
+        <p:nvPicPr>
+          <p:cNvPr id="123" name="Picture 122">
+            <a:extLst>
+              <a:ext uri="{FF2B5EF4-FFF2-40B4-BE49-F238E27FC236}">
+                <a16:creationId xmlns:a16="http://schemas.microsoft.com/office/drawing/2014/main" id="{7D314CDA-B5CF-17B4-C9C8-51D4BA55FB13}"/>
+              </a:ext>
+            </a:extLst>
+          </p:cNvPr>
+          <p:cNvPicPr>
+            <a:picLocks noChangeAspect="1"/>
+          </p:cNvPicPr>
+          <p:nvPr/>
+        </p:nvPicPr>
+        <p:blipFill>
+          <a:blip r:embed="rId3"/>
+          <a:stretch>
+            <a:fillRect/>
+          </a:stretch>
+        </p:blipFill>
+        <p:spPr>
+          <a:xfrm>
+            <a:off x="3629068" y="3836209"/>
+            <a:ext cx="324268" cy="237228"/>
+          </a:xfrm>
+          <a:prstGeom prst="rect">
+            <a:avLst/>
+          </a:prstGeom>
+          <a:ln w="3175">
+            <a:solidFill>
+              <a:schemeClr val="tx1"/>
+            </a:solidFill>
+          </a:ln>
+        </p:spPr>
+      </p:pic>
+      <p:cxnSp>
+        <p:nvCxnSpPr>
+          <p:cNvPr id="124" name="Straight Arrow Connector 123">
+            <a:extLst>
+              <a:ext uri="{FF2B5EF4-FFF2-40B4-BE49-F238E27FC236}">
+                <a16:creationId xmlns:a16="http://schemas.microsoft.com/office/drawing/2014/main" id="{E82494D8-DEC4-4904-44C7-87CB902E55EA}"/>
+              </a:ext>
+            </a:extLst>
+          </p:cNvPr>
+          <p:cNvCxnSpPr>
+            <a:cxnSpLocks/>
+          </p:cNvCxnSpPr>
+          <p:nvPr/>
+        </p:nvCxnSpPr>
+        <p:spPr>
+          <a:xfrm>
+            <a:off x="3462357" y="2965162"/>
+            <a:ext cx="155102" cy="0"/>
+          </a:xfrm>
+          <a:prstGeom prst="straightConnector1">
+            <a:avLst/>
+          </a:prstGeom>
+          <a:ln>
+            <a:tailEnd type="triangle"/>
+          </a:ln>
+        </p:spPr>
+        <p:style>
+          <a:lnRef idx="1">
+            <a:schemeClr val="accent1"/>
+          </a:lnRef>
+          <a:fillRef idx="0">
+            <a:schemeClr val="accent1"/>
+          </a:fillRef>
+          <a:effectRef idx="0">
+            <a:schemeClr val="accent1"/>
+          </a:effectRef>
+          <a:fontRef idx="minor">
+            <a:schemeClr val="tx1"/>
+          </a:fontRef>
+        </p:style>
+      </p:cxnSp>
+      <p:sp>
+        <p:nvSpPr>
+          <p:cNvPr id="126" name="TextBox 125">
+            <a:extLst>
+              <a:ext uri="{FF2B5EF4-FFF2-40B4-BE49-F238E27FC236}">
+                <a16:creationId xmlns:a16="http://schemas.microsoft.com/office/drawing/2014/main" id="{792D0298-B5D7-C974-5B01-2223B9A8C696}"/>
+              </a:ext>
+            </a:extLst>
+          </p:cNvPr>
+          <p:cNvSpPr txBox="1"/>
+          <p:nvPr/>
+        </p:nvSpPr>
+        <p:spPr>
+          <a:xfrm>
+            <a:off x="3177710" y="2710552"/>
+            <a:ext cx="362198" cy="369332"/>
+          </a:xfrm>
+          <a:prstGeom prst="rect">
+            <a:avLst/>
+          </a:prstGeom>
+          <a:noFill/>
+        </p:spPr>
+        <p:txBody>
+          <a:bodyPr wrap="square" rtlCol="0">
+            <a:spAutoFit/>
+          </a:bodyPr>
+          <a:lstStyle/>
+          <a:p>
+            <a:r>
+              <a:rPr lang="en-US" dirty="0"/>
+              <a:t>…</a:t>
+            </a:r>
+          </a:p>
+        </p:txBody>
+      </p:sp>
+      <p:cxnSp>
+        <p:nvCxnSpPr>
+          <p:cNvPr id="127" name="Straight Arrow Connector 126">
+            <a:extLst>
+              <a:ext uri="{FF2B5EF4-FFF2-40B4-BE49-F238E27FC236}">
+                <a16:creationId xmlns:a16="http://schemas.microsoft.com/office/drawing/2014/main" id="{F4847D65-B147-F395-C2EE-DB4C38C39EEF}"/>
+              </a:ext>
+            </a:extLst>
+          </p:cNvPr>
+          <p:cNvCxnSpPr>
+            <a:cxnSpLocks/>
+          </p:cNvCxnSpPr>
+          <p:nvPr/>
+        </p:nvCxnSpPr>
+        <p:spPr>
+          <a:xfrm>
+            <a:off x="3442078" y="3261620"/>
+            <a:ext cx="155102" cy="0"/>
+          </a:xfrm>
+          <a:prstGeom prst="straightConnector1">
+            <a:avLst/>
+          </a:prstGeom>
+          <a:ln>
+            <a:tailEnd type="triangle"/>
+          </a:ln>
+        </p:spPr>
+        <p:style>
+          <a:lnRef idx="1">
+            <a:schemeClr val="accent1"/>
+          </a:lnRef>
+          <a:fillRef idx="0">
+            <a:schemeClr val="accent1"/>
+          </a:fillRef>
+          <a:effectRef idx="0">
+            <a:schemeClr val="accent1"/>
+          </a:effectRef>
+          <a:fontRef idx="minor">
+            <a:schemeClr val="tx1"/>
+          </a:fontRef>
+        </p:style>
+      </p:cxnSp>
+      <p:sp>
+        <p:nvSpPr>
+          <p:cNvPr id="128" name="TextBox 127">
+            <a:extLst>
+              <a:ext uri="{FF2B5EF4-FFF2-40B4-BE49-F238E27FC236}">
+                <a16:creationId xmlns:a16="http://schemas.microsoft.com/office/drawing/2014/main" id="{9DFD4318-F76B-0E80-2A57-2849EA64F90B}"/>
+              </a:ext>
+            </a:extLst>
+          </p:cNvPr>
+          <p:cNvSpPr txBox="1"/>
+          <p:nvPr/>
+        </p:nvSpPr>
+        <p:spPr>
+          <a:xfrm>
+            <a:off x="3177710" y="3019660"/>
+            <a:ext cx="362198" cy="369332"/>
+          </a:xfrm>
+          <a:prstGeom prst="rect">
+            <a:avLst/>
+          </a:prstGeom>
+          <a:noFill/>
+        </p:spPr>
+        <p:txBody>
+          <a:bodyPr wrap="square" rtlCol="0">
+            <a:spAutoFit/>
+          </a:bodyPr>
+          <a:lstStyle/>
+          <a:p>
+            <a:r>
+              <a:rPr lang="en-US" dirty="0"/>
+              <a:t>…</a:t>
+            </a:r>
+          </a:p>
+        </p:txBody>
+      </p:sp>
+      <p:sp>
+        <p:nvSpPr>
+          <p:cNvPr id="129" name="TextBox 128">
+            <a:extLst>
+              <a:ext uri="{FF2B5EF4-FFF2-40B4-BE49-F238E27FC236}">
+                <a16:creationId xmlns:a16="http://schemas.microsoft.com/office/drawing/2014/main" id="{5877958A-3E41-B128-D9CA-FDC1EE2B230A}"/>
+              </a:ext>
+            </a:extLst>
+          </p:cNvPr>
+          <p:cNvSpPr txBox="1"/>
+          <p:nvPr/>
+        </p:nvSpPr>
+        <p:spPr>
+          <a:xfrm>
+            <a:off x="3173748" y="3259382"/>
+            <a:ext cx="362198" cy="369332"/>
+          </a:xfrm>
+          <a:prstGeom prst="rect">
+            <a:avLst/>
+          </a:prstGeom>
+          <a:noFill/>
+        </p:spPr>
+        <p:txBody>
+          <a:bodyPr wrap="square" rtlCol="0">
+            <a:spAutoFit/>
+          </a:bodyPr>
+          <a:lstStyle/>
+          <a:p>
+            <a:r>
+              <a:rPr lang="en-US" dirty="0"/>
+              <a:t>…</a:t>
+            </a:r>
+          </a:p>
+        </p:txBody>
+      </p:sp>
+      <p:cxnSp>
+        <p:nvCxnSpPr>
+          <p:cNvPr id="130" name="Straight Arrow Connector 129">
+            <a:extLst>
+              <a:ext uri="{FF2B5EF4-FFF2-40B4-BE49-F238E27FC236}">
+                <a16:creationId xmlns:a16="http://schemas.microsoft.com/office/drawing/2014/main" id="{1941C201-8A65-A19A-8CB6-DCB2AE83855B}"/>
+              </a:ext>
+            </a:extLst>
+          </p:cNvPr>
+          <p:cNvCxnSpPr>
+            <a:cxnSpLocks/>
+          </p:cNvCxnSpPr>
+          <p:nvPr/>
+        </p:nvCxnSpPr>
+        <p:spPr>
+          <a:xfrm>
+            <a:off x="3455401" y="3513887"/>
+            <a:ext cx="155102" cy="0"/>
+          </a:xfrm>
+          <a:prstGeom prst="straightConnector1">
+            <a:avLst/>
+          </a:prstGeom>
+          <a:ln>
+            <a:tailEnd type="triangle"/>
+          </a:ln>
+        </p:spPr>
+        <p:style>
+          <a:lnRef idx="1">
+            <a:schemeClr val="accent1"/>
+          </a:lnRef>
+          <a:fillRef idx="0">
+            <a:schemeClr val="accent1"/>
+          </a:fillRef>
+          <a:effectRef idx="0">
+            <a:schemeClr val="accent1"/>
+          </a:effectRef>
+          <a:fontRef idx="minor">
+            <a:schemeClr val="tx1"/>
+          </a:fontRef>
+        </p:style>
+      </p:cxnSp>
+      <p:sp>
+        <p:nvSpPr>
+          <p:cNvPr id="131" name="TextBox 130">
+            <a:extLst>
+              <a:ext uri="{FF2B5EF4-FFF2-40B4-BE49-F238E27FC236}">
+                <a16:creationId xmlns:a16="http://schemas.microsoft.com/office/drawing/2014/main" id="{02BABF14-B936-1E45-2035-03EA74089D7B}"/>
+              </a:ext>
+            </a:extLst>
+          </p:cNvPr>
+          <p:cNvSpPr txBox="1"/>
+          <p:nvPr/>
+        </p:nvSpPr>
+        <p:spPr>
+          <a:xfrm>
+            <a:off x="3155918" y="3555839"/>
+            <a:ext cx="362198" cy="369332"/>
+          </a:xfrm>
+          <a:prstGeom prst="rect">
+            <a:avLst/>
+          </a:prstGeom>
+          <a:noFill/>
+        </p:spPr>
+        <p:txBody>
+          <a:bodyPr wrap="square" rtlCol="0">
+            <a:spAutoFit/>
+          </a:bodyPr>
+          <a:lstStyle/>
+          <a:p>
+            <a:r>
+              <a:rPr lang="en-US" dirty="0"/>
+              <a:t>…</a:t>
+            </a:r>
+          </a:p>
+        </p:txBody>
+      </p:sp>
+      <p:cxnSp>
+        <p:nvCxnSpPr>
+          <p:cNvPr id="132" name="Straight Arrow Connector 131">
+            <a:extLst>
+              <a:ext uri="{FF2B5EF4-FFF2-40B4-BE49-F238E27FC236}">
+                <a16:creationId xmlns:a16="http://schemas.microsoft.com/office/drawing/2014/main" id="{785052B2-6768-A4F3-1ECD-95480F99FAB1}"/>
+              </a:ext>
+            </a:extLst>
+          </p:cNvPr>
+          <p:cNvCxnSpPr>
+            <a:cxnSpLocks/>
+          </p:cNvCxnSpPr>
+          <p:nvPr/>
+        </p:nvCxnSpPr>
+        <p:spPr>
+          <a:xfrm>
+            <a:off x="3439287" y="3836209"/>
+            <a:ext cx="155102" cy="65765"/>
+          </a:xfrm>
+          <a:prstGeom prst="straightConnector1">
+            <a:avLst/>
+          </a:prstGeom>
+          <a:ln>
+            <a:tailEnd type="triangle"/>
+          </a:ln>
+        </p:spPr>
+        <p:style>
+          <a:lnRef idx="1">
+            <a:schemeClr val="accent1"/>
+          </a:lnRef>
+          <a:fillRef idx="0">
+            <a:schemeClr val="accent1"/>
+          </a:fillRef>
+          <a:effectRef idx="0">
+            <a:schemeClr val="accent1"/>
+          </a:effectRef>
+          <a:fontRef idx="minor">
+            <a:schemeClr val="tx1"/>
+          </a:fontRef>
+        </p:style>
+      </p:cxnSp>
+      <p:sp>
+        <p:nvSpPr>
+          <p:cNvPr id="134" name="TextBox 133">
+            <a:extLst>
+              <a:ext uri="{FF2B5EF4-FFF2-40B4-BE49-F238E27FC236}">
+                <a16:creationId xmlns:a16="http://schemas.microsoft.com/office/drawing/2014/main" id="{A0707427-58C7-B27B-5927-1425096F495B}"/>
+              </a:ext>
+            </a:extLst>
+          </p:cNvPr>
+          <p:cNvSpPr txBox="1"/>
+          <p:nvPr/>
+        </p:nvSpPr>
+        <p:spPr>
+          <a:xfrm>
+            <a:off x="3455401" y="2579637"/>
+            <a:ext cx="802249" cy="230832"/>
+          </a:xfrm>
+          <a:prstGeom prst="rect">
+            <a:avLst/>
+          </a:prstGeom>
+          <a:noFill/>
+        </p:spPr>
+        <p:txBody>
+          <a:bodyPr wrap="square" rtlCol="0">
+            <a:spAutoFit/>
+          </a:bodyPr>
+          <a:lstStyle/>
+          <a:p>
+            <a:r>
+              <a:rPr lang="en-US" sz="900" dirty="0" err="1">
+                <a:solidFill>
+                  <a:srgbClr val="002060"/>
+                </a:solidFill>
+              </a:rPr>
+              <a:t>targethost</a:t>
+            </a:r>
+            <a:r>
+              <a:rPr lang="en-US" sz="900" dirty="0">
+                <a:solidFill>
+                  <a:srgbClr val="002060"/>
+                </a:solidFill>
+              </a:rPr>
+              <a:t>-N</a:t>
+            </a:r>
+            <a:endParaRPr lang="en-SG" sz="900" dirty="0">
+              <a:solidFill>
+                <a:srgbClr val="002060"/>
+              </a:solidFill>
+            </a:endParaRPr>
+          </a:p>
+        </p:txBody>
+      </p:sp>
+      <p:sp>
+        <p:nvSpPr>
+          <p:cNvPr id="135" name="TextBox 134">
+            <a:extLst>
+              <a:ext uri="{FF2B5EF4-FFF2-40B4-BE49-F238E27FC236}">
+                <a16:creationId xmlns:a16="http://schemas.microsoft.com/office/drawing/2014/main" id="{F55B2A57-7A43-4AE1-159A-67B0219BDCCE}"/>
+              </a:ext>
+            </a:extLst>
+          </p:cNvPr>
+          <p:cNvSpPr txBox="1"/>
+          <p:nvPr/>
+        </p:nvSpPr>
+        <p:spPr>
+          <a:xfrm>
+            <a:off x="2269303" y="2660270"/>
+            <a:ext cx="802249" cy="230832"/>
+          </a:xfrm>
+          <a:prstGeom prst="rect">
+            <a:avLst/>
+          </a:prstGeom>
+          <a:noFill/>
+        </p:spPr>
+        <p:txBody>
+          <a:bodyPr wrap="square" rtlCol="0">
+            <a:spAutoFit/>
+          </a:bodyPr>
+          <a:lstStyle/>
+          <a:p>
+            <a:r>
+              <a:rPr lang="en-SG" sz="900" dirty="0">
+                <a:solidFill>
+                  <a:srgbClr val="002060"/>
+                </a:solidFill>
+              </a:rPr>
+              <a:t>Jumphost2-N</a:t>
+            </a:r>
+          </a:p>
+        </p:txBody>
+      </p:sp>
+      <p:pic>
+        <p:nvPicPr>
+          <p:cNvPr id="138" name="Picture 4">
+            <a:extLst>
+              <a:ext uri="{FF2B5EF4-FFF2-40B4-BE49-F238E27FC236}">
+                <a16:creationId xmlns:a16="http://schemas.microsoft.com/office/drawing/2014/main" id="{908E345B-8ABE-3EC7-B389-3CAF80786303}"/>
+              </a:ext>
+            </a:extLst>
+          </p:cNvPr>
+          <p:cNvPicPr>
+            <a:picLocks noChangeAspect="1" noChangeArrowheads="1"/>
+          </p:cNvPicPr>
+          <p:nvPr/>
+        </p:nvPicPr>
+        <p:blipFill>
+          <a:blip r:embed="rId2">
+            <a:extLst>
+              <a:ext uri="{28A0092B-C50C-407E-A947-70E740481C1C}">
+                <a14:useLocalDpi xmlns:a14="http://schemas.microsoft.com/office/drawing/2010/main" val="0"/>
+              </a:ext>
+            </a:extLst>
+          </a:blip>
+          <a:srcRect/>
+          <a:stretch>
+            <a:fillRect/>
+          </a:stretch>
+        </p:blipFill>
+        <p:spPr bwMode="auto">
+          <a:xfrm>
+            <a:off x="5537029" y="1349545"/>
+            <a:ext cx="429814" cy="429814"/>
+          </a:xfrm>
+          <a:prstGeom prst="rect">
+            <a:avLst/>
+          </a:prstGeom>
+          <a:noFill/>
+          <a:extLst>
+            <a:ext uri="{909E8E84-426E-40DD-AFC4-6F175D3DCCD1}">
+              <a14:hiddenFill xmlns:a14="http://schemas.microsoft.com/office/drawing/2010/main">
+                <a:solidFill>
+                  <a:srgbClr val="FFFFFF"/>
+                </a:solidFill>
+              </a14:hiddenFill>
+            </a:ext>
+          </a:extLst>
+        </p:spPr>
+      </p:pic>
+      <p:cxnSp>
+        <p:nvCxnSpPr>
+          <p:cNvPr id="140" name="Straight Arrow Connector 139">
+            <a:extLst>
+              <a:ext uri="{FF2B5EF4-FFF2-40B4-BE49-F238E27FC236}">
+                <a16:creationId xmlns:a16="http://schemas.microsoft.com/office/drawing/2014/main" id="{95BAF071-625F-EF40-37BA-9B399897F077}"/>
+              </a:ext>
+            </a:extLst>
+          </p:cNvPr>
+          <p:cNvCxnSpPr>
+            <a:cxnSpLocks/>
+          </p:cNvCxnSpPr>
+          <p:nvPr/>
+        </p:nvCxnSpPr>
+        <p:spPr>
+          <a:xfrm>
+            <a:off x="1090532" y="3079884"/>
+            <a:ext cx="445658" cy="0"/>
+          </a:xfrm>
+          <a:prstGeom prst="straightConnector1">
+            <a:avLst/>
+          </a:prstGeom>
+          <a:ln>
+            <a:prstDash val="dash"/>
+            <a:tailEnd type="triangle"/>
+          </a:ln>
+        </p:spPr>
+        <p:style>
+          <a:lnRef idx="1">
+            <a:schemeClr val="accent1"/>
+          </a:lnRef>
+          <a:fillRef idx="0">
+            <a:schemeClr val="accent1"/>
+          </a:fillRef>
+          <a:effectRef idx="0">
+            <a:schemeClr val="accent1"/>
+          </a:effectRef>
+          <a:fontRef idx="minor">
+            <a:schemeClr val="tx1"/>
+          </a:fontRef>
+        </p:style>
+      </p:cxnSp>
+      <p:pic>
+        <p:nvPicPr>
+          <p:cNvPr id="141" name="Picture 4">
+            <a:extLst>
+              <a:ext uri="{FF2B5EF4-FFF2-40B4-BE49-F238E27FC236}">
+                <a16:creationId xmlns:a16="http://schemas.microsoft.com/office/drawing/2014/main" id="{9BBC4933-CD60-E922-1D2C-966C360BC8CE}"/>
+              </a:ext>
+            </a:extLst>
+          </p:cNvPr>
+          <p:cNvPicPr>
+            <a:picLocks noChangeAspect="1" noChangeArrowheads="1"/>
+          </p:cNvPicPr>
+          <p:nvPr/>
+        </p:nvPicPr>
+        <p:blipFill>
+          <a:blip r:embed="rId2">
+            <a:extLst>
+              <a:ext uri="{28A0092B-C50C-407E-A947-70E740481C1C}">
+                <a14:useLocalDpi xmlns:a14="http://schemas.microsoft.com/office/drawing/2010/main" val="0"/>
+              </a:ext>
+            </a:extLst>
+          </a:blip>
+          <a:srcRect/>
+          <a:stretch>
+            <a:fillRect/>
+          </a:stretch>
+        </p:blipFill>
+        <p:spPr bwMode="auto">
+          <a:xfrm>
+            <a:off x="5654759" y="3178902"/>
+            <a:ext cx="429814" cy="429814"/>
+          </a:xfrm>
+          <a:prstGeom prst="rect">
+            <a:avLst/>
+          </a:prstGeom>
+          <a:noFill/>
+          <a:extLst>
+            <a:ext uri="{909E8E84-426E-40DD-AFC4-6F175D3DCCD1}">
+              <a14:hiddenFill xmlns:a14="http://schemas.microsoft.com/office/drawing/2010/main">
+                <a:solidFill>
+                  <a:srgbClr val="FFFFFF"/>
+                </a:solidFill>
+              </a14:hiddenFill>
+            </a:ext>
+          </a:extLst>
+        </p:spPr>
+      </p:pic>
+      <p:cxnSp>
+        <p:nvCxnSpPr>
+          <p:cNvPr id="142" name="Straight Arrow Connector 141">
+            <a:extLst>
+              <a:ext uri="{FF2B5EF4-FFF2-40B4-BE49-F238E27FC236}">
+                <a16:creationId xmlns:a16="http://schemas.microsoft.com/office/drawing/2014/main" id="{04160B86-83FD-ED0F-7627-3217361A013A}"/>
+              </a:ext>
+            </a:extLst>
+          </p:cNvPr>
+          <p:cNvCxnSpPr>
+            <a:cxnSpLocks/>
+          </p:cNvCxnSpPr>
+          <p:nvPr/>
+        </p:nvCxnSpPr>
+        <p:spPr>
+          <a:xfrm>
+            <a:off x="6135373" y="3393809"/>
+            <a:ext cx="445658" cy="0"/>
+          </a:xfrm>
+          <a:prstGeom prst="straightConnector1">
+            <a:avLst/>
+          </a:prstGeom>
+          <a:ln>
+            <a:tailEnd type="triangle"/>
+          </a:ln>
+        </p:spPr>
+        <p:style>
+          <a:lnRef idx="1">
+            <a:schemeClr val="accent1"/>
+          </a:lnRef>
+          <a:fillRef idx="0">
+            <a:schemeClr val="accent1"/>
+          </a:fillRef>
+          <a:effectRef idx="0">
+            <a:schemeClr val="accent1"/>
+          </a:effectRef>
+          <a:fontRef idx="minor">
+            <a:schemeClr val="tx1"/>
+          </a:fontRef>
+        </p:style>
+      </p:cxnSp>
+      <p:pic>
+        <p:nvPicPr>
+          <p:cNvPr id="143" name="Picture 142">
+            <a:extLst>
+              <a:ext uri="{FF2B5EF4-FFF2-40B4-BE49-F238E27FC236}">
+                <a16:creationId xmlns:a16="http://schemas.microsoft.com/office/drawing/2014/main" id="{ED99BBDF-8669-3642-D3FA-F50D6D7A20FD}"/>
+              </a:ext>
+            </a:extLst>
+          </p:cNvPr>
+          <p:cNvPicPr>
+            <a:picLocks noChangeAspect="1"/>
+          </p:cNvPicPr>
+          <p:nvPr/>
+        </p:nvPicPr>
+        <p:blipFill>
+          <a:blip r:embed="rId3"/>
+          <a:stretch>
+            <a:fillRect/>
+          </a:stretch>
+        </p:blipFill>
+        <p:spPr>
+          <a:xfrm>
+            <a:off x="6646820" y="3263004"/>
+            <a:ext cx="357596" cy="261610"/>
+          </a:xfrm>
+          <a:prstGeom prst="rect">
+            <a:avLst/>
+          </a:prstGeom>
+          <a:ln w="3175">
+            <a:solidFill>
+              <a:schemeClr val="tx1"/>
+            </a:solidFill>
+          </a:ln>
+        </p:spPr>
+      </p:pic>
+      <p:pic>
+        <p:nvPicPr>
+          <p:cNvPr id="144" name="Picture 143">
+            <a:extLst>
+              <a:ext uri="{FF2B5EF4-FFF2-40B4-BE49-F238E27FC236}">
+                <a16:creationId xmlns:a16="http://schemas.microsoft.com/office/drawing/2014/main" id="{FB5B8570-9BCE-9994-49B4-D467F37ABFF5}"/>
+              </a:ext>
+            </a:extLst>
+          </p:cNvPr>
+          <p:cNvPicPr>
+            <a:picLocks noChangeAspect="1"/>
+          </p:cNvPicPr>
+          <p:nvPr/>
+        </p:nvPicPr>
+        <p:blipFill>
+          <a:blip r:embed="rId3"/>
+          <a:stretch>
+            <a:fillRect/>
+          </a:stretch>
+        </p:blipFill>
+        <p:spPr>
+          <a:xfrm>
+            <a:off x="6643345" y="3905521"/>
+            <a:ext cx="357596" cy="261610"/>
+          </a:xfrm>
+          <a:prstGeom prst="rect">
+            <a:avLst/>
+          </a:prstGeom>
+          <a:ln w="3175">
+            <a:solidFill>
+              <a:schemeClr val="tx1"/>
+            </a:solidFill>
+          </a:ln>
+        </p:spPr>
+      </p:pic>
+      <p:pic>
+        <p:nvPicPr>
+          <p:cNvPr id="145" name="Picture 4">
+            <a:extLst>
+              <a:ext uri="{FF2B5EF4-FFF2-40B4-BE49-F238E27FC236}">
+                <a16:creationId xmlns:a16="http://schemas.microsoft.com/office/drawing/2014/main" id="{72DEEDA0-69FA-841E-758D-28BAF71C45D7}"/>
+              </a:ext>
+            </a:extLst>
+          </p:cNvPr>
+          <p:cNvPicPr>
+            <a:picLocks noChangeAspect="1" noChangeArrowheads="1"/>
+          </p:cNvPicPr>
+          <p:nvPr/>
+        </p:nvPicPr>
+        <p:blipFill>
+          <a:blip r:embed="rId2">
+            <a:extLst>
+              <a:ext uri="{28A0092B-C50C-407E-A947-70E740481C1C}">
+                <a14:useLocalDpi xmlns:a14="http://schemas.microsoft.com/office/drawing/2010/main" val="0"/>
+              </a:ext>
+            </a:extLst>
+          </a:blip>
+          <a:srcRect/>
+          <a:stretch>
+            <a:fillRect/>
+          </a:stretch>
+        </p:blipFill>
+        <p:spPr bwMode="auto">
+          <a:xfrm>
+            <a:off x="5670052" y="3825678"/>
+            <a:ext cx="429814" cy="429814"/>
+          </a:xfrm>
+          <a:prstGeom prst="rect">
+            <a:avLst/>
+          </a:prstGeom>
+          <a:noFill/>
+          <a:extLst>
+            <a:ext uri="{909E8E84-426E-40DD-AFC4-6F175D3DCCD1}">
+              <a14:hiddenFill xmlns:a14="http://schemas.microsoft.com/office/drawing/2010/main">
+                <a:solidFill>
+                  <a:srgbClr val="FFFFFF"/>
+                </a:solidFill>
+              </a14:hiddenFill>
+            </a:ext>
+          </a:extLst>
+        </p:spPr>
+      </p:pic>
+      <p:cxnSp>
+        <p:nvCxnSpPr>
+          <p:cNvPr id="146" name="Straight Arrow Connector 145">
+            <a:extLst>
+              <a:ext uri="{FF2B5EF4-FFF2-40B4-BE49-F238E27FC236}">
+                <a16:creationId xmlns:a16="http://schemas.microsoft.com/office/drawing/2014/main" id="{D3D125A8-D3BF-D1A7-0FDE-056FCFEA6917}"/>
+              </a:ext>
+            </a:extLst>
+          </p:cNvPr>
+          <p:cNvCxnSpPr>
+            <a:cxnSpLocks/>
+          </p:cNvCxnSpPr>
+          <p:nvPr/>
+        </p:nvCxnSpPr>
+        <p:spPr>
+          <a:xfrm>
+            <a:off x="6148073" y="4036326"/>
+            <a:ext cx="445658" cy="0"/>
+          </a:xfrm>
+          <a:prstGeom prst="straightConnector1">
+            <a:avLst/>
+          </a:prstGeom>
+          <a:ln>
+            <a:tailEnd type="triangle"/>
+          </a:ln>
+        </p:spPr>
+        <p:style>
+          <a:lnRef idx="1">
+            <a:schemeClr val="accent1"/>
+          </a:lnRef>
+          <a:fillRef idx="0">
+            <a:schemeClr val="accent1"/>
+          </a:fillRef>
+          <a:effectRef idx="0">
+            <a:schemeClr val="accent1"/>
+          </a:effectRef>
+          <a:fontRef idx="minor">
+            <a:schemeClr val="tx1"/>
+          </a:fontRef>
+        </p:style>
+      </p:cxnSp>
+      <p:sp>
+        <p:nvSpPr>
+          <p:cNvPr id="147" name="TextBox 146">
+            <a:extLst>
+              <a:ext uri="{FF2B5EF4-FFF2-40B4-BE49-F238E27FC236}">
+                <a16:creationId xmlns:a16="http://schemas.microsoft.com/office/drawing/2014/main" id="{E8F4287D-F0D2-AF0F-50F3-B5BA9DD424AA}"/>
+              </a:ext>
+            </a:extLst>
+          </p:cNvPr>
+          <p:cNvSpPr txBox="1"/>
+          <p:nvPr/>
+        </p:nvSpPr>
+        <p:spPr>
+          <a:xfrm>
+            <a:off x="5703860" y="3458141"/>
+            <a:ext cx="362198" cy="369332"/>
+          </a:xfrm>
+          <a:prstGeom prst="rect">
+            <a:avLst/>
+          </a:prstGeom>
+          <a:noFill/>
+        </p:spPr>
+        <p:txBody>
+          <a:bodyPr wrap="square" rtlCol="0">
+            <a:spAutoFit/>
+          </a:bodyPr>
+          <a:lstStyle/>
+          <a:p>
+            <a:r>
+              <a:rPr lang="en-US" dirty="0"/>
+              <a:t>…</a:t>
+            </a:r>
+          </a:p>
+        </p:txBody>
+      </p:sp>
+      <p:sp>
+        <p:nvSpPr>
+          <p:cNvPr id="149" name="TextBox 148">
+            <a:extLst>
+              <a:ext uri="{FF2B5EF4-FFF2-40B4-BE49-F238E27FC236}">
+                <a16:creationId xmlns:a16="http://schemas.microsoft.com/office/drawing/2014/main" id="{8F6D026A-B526-1572-50F0-C76075C32B8B}"/>
+              </a:ext>
+            </a:extLst>
+          </p:cNvPr>
+          <p:cNvSpPr txBox="1"/>
+          <p:nvPr/>
+        </p:nvSpPr>
+        <p:spPr>
+          <a:xfrm>
+            <a:off x="6177103" y="3451715"/>
+            <a:ext cx="362198" cy="369332"/>
+          </a:xfrm>
+          <a:prstGeom prst="rect">
+            <a:avLst/>
+          </a:prstGeom>
+          <a:noFill/>
+        </p:spPr>
+        <p:txBody>
+          <a:bodyPr wrap="square" rtlCol="0">
+            <a:spAutoFit/>
+          </a:bodyPr>
+          <a:lstStyle/>
+          <a:p>
+            <a:r>
+              <a:rPr lang="en-US" dirty="0"/>
+              <a:t>…</a:t>
+            </a:r>
+          </a:p>
+        </p:txBody>
+      </p:sp>
+      <p:sp>
+        <p:nvSpPr>
+          <p:cNvPr id="150" name="TextBox 149">
+            <a:extLst>
+              <a:ext uri="{FF2B5EF4-FFF2-40B4-BE49-F238E27FC236}">
+                <a16:creationId xmlns:a16="http://schemas.microsoft.com/office/drawing/2014/main" id="{39893352-5F3F-B2A1-5799-3D037964D3B1}"/>
+              </a:ext>
+            </a:extLst>
+          </p:cNvPr>
+          <p:cNvSpPr txBox="1"/>
+          <p:nvPr/>
+        </p:nvSpPr>
+        <p:spPr>
+          <a:xfrm>
+            <a:off x="6667092" y="3458141"/>
+            <a:ext cx="362198" cy="369332"/>
+          </a:xfrm>
+          <a:prstGeom prst="rect">
+            <a:avLst/>
+          </a:prstGeom>
+          <a:noFill/>
+        </p:spPr>
+        <p:txBody>
+          <a:bodyPr wrap="square" rtlCol="0">
+            <a:spAutoFit/>
+          </a:bodyPr>
+          <a:lstStyle/>
+          <a:p>
+            <a:r>
+              <a:rPr lang="en-US" dirty="0"/>
+              <a:t>…</a:t>
+            </a:r>
+          </a:p>
+        </p:txBody>
+      </p:sp>
+      <p:cxnSp>
+        <p:nvCxnSpPr>
+          <p:cNvPr id="151" name="Straight Arrow Connector 150">
+            <a:extLst>
+              <a:ext uri="{FF2B5EF4-FFF2-40B4-BE49-F238E27FC236}">
+                <a16:creationId xmlns:a16="http://schemas.microsoft.com/office/drawing/2014/main" id="{BC4C1A33-41FB-7827-2C9C-BA48B0BFF1EA}"/>
+              </a:ext>
+            </a:extLst>
+          </p:cNvPr>
+          <p:cNvCxnSpPr>
+            <a:cxnSpLocks/>
+          </p:cNvCxnSpPr>
+          <p:nvPr/>
+        </p:nvCxnSpPr>
+        <p:spPr>
+          <a:xfrm>
+            <a:off x="7054857" y="3395590"/>
+            <a:ext cx="394409" cy="247217"/>
+          </a:xfrm>
+          <a:prstGeom prst="straightConnector1">
+            <a:avLst/>
+          </a:prstGeom>
+          <a:ln>
+            <a:tailEnd type="triangle"/>
+          </a:ln>
+        </p:spPr>
+        <p:style>
+          <a:lnRef idx="1">
+            <a:schemeClr val="accent1"/>
+          </a:lnRef>
+          <a:fillRef idx="0">
+            <a:schemeClr val="accent1"/>
+          </a:fillRef>
+          <a:effectRef idx="0">
+            <a:schemeClr val="accent1"/>
+          </a:effectRef>
+          <a:fontRef idx="minor">
+            <a:schemeClr val="tx1"/>
+          </a:fontRef>
+        </p:style>
+      </p:cxnSp>
+      <p:cxnSp>
+        <p:nvCxnSpPr>
+          <p:cNvPr id="153" name="Straight Arrow Connector 152">
+            <a:extLst>
+              <a:ext uri="{FF2B5EF4-FFF2-40B4-BE49-F238E27FC236}">
+                <a16:creationId xmlns:a16="http://schemas.microsoft.com/office/drawing/2014/main" id="{61B4369E-C1E1-959F-4E51-2F8EBF5BED5B}"/>
+              </a:ext>
+            </a:extLst>
+          </p:cNvPr>
+          <p:cNvCxnSpPr>
+            <a:cxnSpLocks/>
+          </p:cNvCxnSpPr>
+          <p:nvPr/>
+        </p:nvCxnSpPr>
+        <p:spPr>
+          <a:xfrm flipV="1">
+            <a:off x="7029290" y="3750023"/>
+            <a:ext cx="432390" cy="285697"/>
+          </a:xfrm>
+          <a:prstGeom prst="straightConnector1">
+            <a:avLst/>
+          </a:prstGeom>
+          <a:ln>
+            <a:tailEnd type="triangle"/>
+          </a:ln>
+        </p:spPr>
+        <p:style>
+          <a:lnRef idx="1">
+            <a:schemeClr val="accent1"/>
+          </a:lnRef>
+          <a:fillRef idx="0">
+            <a:schemeClr val="accent1"/>
+          </a:fillRef>
+          <a:effectRef idx="0">
+            <a:schemeClr val="accent1"/>
+          </a:effectRef>
+          <a:fontRef idx="minor">
+            <a:schemeClr val="tx1"/>
+          </a:fontRef>
+        </p:style>
+      </p:cxnSp>
+      <p:pic>
+        <p:nvPicPr>
+          <p:cNvPr id="155" name="Picture 154">
+            <a:extLst>
+              <a:ext uri="{FF2B5EF4-FFF2-40B4-BE49-F238E27FC236}">
+                <a16:creationId xmlns:a16="http://schemas.microsoft.com/office/drawing/2014/main" id="{C04EB7C8-A71B-F93A-ACF7-6168B635A4CF}"/>
+              </a:ext>
+            </a:extLst>
+          </p:cNvPr>
+          <p:cNvPicPr>
+            <a:picLocks noChangeAspect="1"/>
+          </p:cNvPicPr>
+          <p:nvPr/>
+        </p:nvPicPr>
+        <p:blipFill>
+          <a:blip r:embed="rId3"/>
+          <a:stretch>
+            <a:fillRect/>
+          </a:stretch>
+        </p:blipFill>
+        <p:spPr>
+          <a:xfrm>
+            <a:off x="7510122" y="3584923"/>
+            <a:ext cx="357596" cy="261610"/>
+          </a:xfrm>
+          <a:prstGeom prst="rect">
+            <a:avLst/>
+          </a:prstGeom>
+          <a:ln w="3175">
+            <a:solidFill>
+              <a:schemeClr val="tx1"/>
+            </a:solidFill>
+          </a:ln>
+        </p:spPr>
+      </p:pic>
+      <p:sp>
+        <p:nvSpPr>
+          <p:cNvPr id="156" name="TextBox 155">
+            <a:extLst>
+              <a:ext uri="{FF2B5EF4-FFF2-40B4-BE49-F238E27FC236}">
+                <a16:creationId xmlns:a16="http://schemas.microsoft.com/office/drawing/2014/main" id="{9894AFA8-1A3B-8419-7CE1-B1AFAA7CB465}"/>
+              </a:ext>
+            </a:extLst>
+          </p:cNvPr>
+          <p:cNvSpPr txBox="1"/>
+          <p:nvPr/>
+        </p:nvSpPr>
+        <p:spPr>
+          <a:xfrm>
+            <a:off x="6505856" y="3021467"/>
+            <a:ext cx="802249" cy="230832"/>
+          </a:xfrm>
+          <a:prstGeom prst="rect">
+            <a:avLst/>
+          </a:prstGeom>
+          <a:noFill/>
+        </p:spPr>
+        <p:txBody>
+          <a:bodyPr wrap="square" rtlCol="0">
+            <a:spAutoFit/>
+          </a:bodyPr>
+          <a:lstStyle/>
+          <a:p>
+            <a:r>
+              <a:rPr lang="en-SG" sz="900" dirty="0">
+                <a:solidFill>
+                  <a:srgbClr val="002060"/>
+                </a:solidFill>
+              </a:rPr>
+              <a:t>jumphost1</a:t>
+            </a:r>
+          </a:p>
+        </p:txBody>
+      </p:sp>
+      <p:sp>
+        <p:nvSpPr>
+          <p:cNvPr id="157" name="TextBox 156">
+            <a:extLst>
+              <a:ext uri="{FF2B5EF4-FFF2-40B4-BE49-F238E27FC236}">
+                <a16:creationId xmlns:a16="http://schemas.microsoft.com/office/drawing/2014/main" id="{C5B34BD7-6C42-822D-C5AE-A446582FDB26}"/>
+              </a:ext>
+            </a:extLst>
+          </p:cNvPr>
+          <p:cNvSpPr txBox="1"/>
+          <p:nvPr/>
+        </p:nvSpPr>
+        <p:spPr>
+          <a:xfrm>
+            <a:off x="6496065" y="3694339"/>
+            <a:ext cx="802249" cy="230832"/>
+          </a:xfrm>
+          <a:prstGeom prst="rect">
+            <a:avLst/>
+          </a:prstGeom>
+          <a:noFill/>
+        </p:spPr>
+        <p:txBody>
+          <a:bodyPr wrap="square" rtlCol="0">
+            <a:spAutoFit/>
+          </a:bodyPr>
+          <a:lstStyle/>
+          <a:p>
+            <a:r>
+              <a:rPr lang="en-SG" sz="900" dirty="0">
+                <a:solidFill>
+                  <a:srgbClr val="002060"/>
+                </a:solidFill>
+              </a:rPr>
+              <a:t>Jumphost1-N</a:t>
+            </a:r>
+          </a:p>
+        </p:txBody>
+      </p:sp>
+      <p:sp>
+        <p:nvSpPr>
+          <p:cNvPr id="158" name="TextBox 157">
+            <a:extLst>
+              <a:ext uri="{FF2B5EF4-FFF2-40B4-BE49-F238E27FC236}">
+                <a16:creationId xmlns:a16="http://schemas.microsoft.com/office/drawing/2014/main" id="{49D3BF01-9906-4A0B-0461-2F10A94D508A}"/>
+              </a:ext>
+            </a:extLst>
+          </p:cNvPr>
+          <p:cNvSpPr txBox="1"/>
+          <p:nvPr/>
+        </p:nvSpPr>
+        <p:spPr>
+          <a:xfrm>
+            <a:off x="7380936" y="3350167"/>
+            <a:ext cx="802249" cy="230832"/>
+          </a:xfrm>
+          <a:prstGeom prst="rect">
+            <a:avLst/>
+          </a:prstGeom>
+          <a:noFill/>
+        </p:spPr>
+        <p:txBody>
+          <a:bodyPr wrap="square" rtlCol="0">
+            <a:spAutoFit/>
+          </a:bodyPr>
+          <a:lstStyle/>
+          <a:p>
+            <a:r>
+              <a:rPr lang="en-SG" sz="900" dirty="0">
+                <a:solidFill>
+                  <a:srgbClr val="002060"/>
+                </a:solidFill>
+              </a:rPr>
+              <a:t>jumphost2</a:t>
+            </a:r>
+          </a:p>
+        </p:txBody>
+      </p:sp>
+      <p:cxnSp>
+        <p:nvCxnSpPr>
+          <p:cNvPr id="159" name="Straight Arrow Connector 158">
+            <a:extLst>
+              <a:ext uri="{FF2B5EF4-FFF2-40B4-BE49-F238E27FC236}">
+                <a16:creationId xmlns:a16="http://schemas.microsoft.com/office/drawing/2014/main" id="{F21BF079-E43D-B367-380B-D1484E82E1BE}"/>
+              </a:ext>
+            </a:extLst>
+          </p:cNvPr>
+          <p:cNvCxnSpPr>
+            <a:cxnSpLocks/>
+          </p:cNvCxnSpPr>
+          <p:nvPr/>
+        </p:nvCxnSpPr>
+        <p:spPr>
+          <a:xfrm flipV="1">
+            <a:off x="7920359" y="3690941"/>
+            <a:ext cx="390171" cy="1893"/>
+          </a:xfrm>
+          <a:prstGeom prst="straightConnector1">
+            <a:avLst/>
+          </a:prstGeom>
+          <a:ln>
+            <a:tailEnd type="triangle"/>
+          </a:ln>
+        </p:spPr>
+        <p:style>
+          <a:lnRef idx="1">
+            <a:schemeClr val="accent1"/>
+          </a:lnRef>
+          <a:fillRef idx="0">
+            <a:schemeClr val="accent1"/>
+          </a:fillRef>
+          <a:effectRef idx="0">
+            <a:schemeClr val="accent1"/>
+          </a:effectRef>
+          <a:fontRef idx="minor">
+            <a:schemeClr val="tx1"/>
+          </a:fontRef>
+        </p:style>
+      </p:cxnSp>
+      <p:pic>
+        <p:nvPicPr>
+          <p:cNvPr id="160" name="Picture 159">
+            <a:extLst>
+              <a:ext uri="{FF2B5EF4-FFF2-40B4-BE49-F238E27FC236}">
+                <a16:creationId xmlns:a16="http://schemas.microsoft.com/office/drawing/2014/main" id="{73F4F0DD-2BAE-33DD-EA03-59887DEECC46}"/>
+              </a:ext>
+            </a:extLst>
+          </p:cNvPr>
+          <p:cNvPicPr>
+            <a:picLocks noChangeAspect="1"/>
+          </p:cNvPicPr>
+          <p:nvPr/>
+        </p:nvPicPr>
+        <p:blipFill>
+          <a:blip r:embed="rId4"/>
+          <a:stretch>
+            <a:fillRect/>
+          </a:stretch>
+        </p:blipFill>
+        <p:spPr>
+          <a:xfrm>
+            <a:off x="8752692" y="3587180"/>
+            <a:ext cx="324269" cy="222575"/>
+          </a:xfrm>
+          <a:prstGeom prst="rect">
+            <a:avLst/>
+          </a:prstGeom>
+        </p:spPr>
+      </p:pic>
+      <p:cxnSp>
+        <p:nvCxnSpPr>
+          <p:cNvPr id="161" name="Straight Arrow Connector 160">
+            <a:extLst>
+              <a:ext uri="{FF2B5EF4-FFF2-40B4-BE49-F238E27FC236}">
+                <a16:creationId xmlns:a16="http://schemas.microsoft.com/office/drawing/2014/main" id="{9F0052F4-91B7-D049-0C38-6591B68636C5}"/>
+              </a:ext>
+            </a:extLst>
+          </p:cNvPr>
+          <p:cNvCxnSpPr>
+            <a:cxnSpLocks/>
+            <a:endCxn id="166" idx="1"/>
+          </p:cNvCxnSpPr>
+          <p:nvPr/>
+        </p:nvCxnSpPr>
+        <p:spPr>
+          <a:xfrm>
+            <a:off x="7916160" y="3784334"/>
+            <a:ext cx="317010" cy="246865"/>
+          </a:xfrm>
+          <a:prstGeom prst="straightConnector1">
+            <a:avLst/>
+          </a:prstGeom>
+          <a:ln>
+            <a:tailEnd type="triangle"/>
+          </a:ln>
+        </p:spPr>
+        <p:style>
+          <a:lnRef idx="1">
+            <a:schemeClr val="accent1"/>
+          </a:lnRef>
+          <a:fillRef idx="0">
+            <a:schemeClr val="accent1"/>
+          </a:fillRef>
+          <a:effectRef idx="0">
+            <a:schemeClr val="accent1"/>
+          </a:effectRef>
+          <a:fontRef idx="minor">
+            <a:schemeClr val="tx1"/>
+          </a:fontRef>
+        </p:style>
+      </p:cxnSp>
+      <p:pic>
+        <p:nvPicPr>
+          <p:cNvPr id="163" name="Picture 162">
+            <a:extLst>
+              <a:ext uri="{FF2B5EF4-FFF2-40B4-BE49-F238E27FC236}">
+                <a16:creationId xmlns:a16="http://schemas.microsoft.com/office/drawing/2014/main" id="{005C37A5-0E17-C3CB-77BA-B308D3EDFF6C}"/>
+              </a:ext>
+            </a:extLst>
+          </p:cNvPr>
+          <p:cNvPicPr>
+            <a:picLocks noChangeAspect="1"/>
+          </p:cNvPicPr>
+          <p:nvPr/>
+        </p:nvPicPr>
+        <p:blipFill>
+          <a:blip r:embed="rId4"/>
+          <a:stretch>
+            <a:fillRect/>
+          </a:stretch>
+        </p:blipFill>
+        <p:spPr>
+          <a:xfrm>
+            <a:off x="8759670" y="4018577"/>
+            <a:ext cx="324269" cy="222575"/>
+          </a:xfrm>
+          <a:prstGeom prst="rect">
+            <a:avLst/>
+          </a:prstGeom>
+        </p:spPr>
+      </p:pic>
+      <p:sp>
+        <p:nvSpPr>
+          <p:cNvPr id="164" name="TextBox 163">
+            <a:extLst>
+              <a:ext uri="{FF2B5EF4-FFF2-40B4-BE49-F238E27FC236}">
+                <a16:creationId xmlns:a16="http://schemas.microsoft.com/office/drawing/2014/main" id="{4ACD3CEE-1804-B204-D83E-0F37872FFA35}"/>
+              </a:ext>
+            </a:extLst>
+          </p:cNvPr>
+          <p:cNvSpPr txBox="1"/>
+          <p:nvPr/>
+        </p:nvSpPr>
+        <p:spPr>
+          <a:xfrm>
+            <a:off x="8274100" y="3451715"/>
+            <a:ext cx="362198" cy="369332"/>
+          </a:xfrm>
+          <a:prstGeom prst="rect">
+            <a:avLst/>
+          </a:prstGeom>
+          <a:noFill/>
+        </p:spPr>
+        <p:txBody>
+          <a:bodyPr wrap="square" rtlCol="0">
+            <a:spAutoFit/>
+          </a:bodyPr>
+          <a:lstStyle/>
+          <a:p>
+            <a:r>
+              <a:rPr lang="en-US" dirty="0"/>
+              <a:t>…</a:t>
+            </a:r>
+          </a:p>
+        </p:txBody>
+      </p:sp>
+      <p:cxnSp>
+        <p:nvCxnSpPr>
+          <p:cNvPr id="165" name="Straight Arrow Connector 164">
+            <a:extLst>
+              <a:ext uri="{FF2B5EF4-FFF2-40B4-BE49-F238E27FC236}">
+                <a16:creationId xmlns:a16="http://schemas.microsoft.com/office/drawing/2014/main" id="{49A6A41A-D85C-F32D-E279-AA421172EAE1}"/>
+              </a:ext>
+            </a:extLst>
+          </p:cNvPr>
+          <p:cNvCxnSpPr>
+            <a:cxnSpLocks/>
+          </p:cNvCxnSpPr>
+          <p:nvPr/>
+        </p:nvCxnSpPr>
+        <p:spPr>
+          <a:xfrm>
+            <a:off x="8572039" y="3690941"/>
+            <a:ext cx="155102" cy="0"/>
+          </a:xfrm>
+          <a:prstGeom prst="straightConnector1">
+            <a:avLst/>
+          </a:prstGeom>
+          <a:ln>
+            <a:tailEnd type="triangle"/>
+          </a:ln>
+        </p:spPr>
+        <p:style>
+          <a:lnRef idx="1">
+            <a:schemeClr val="accent1"/>
+          </a:lnRef>
+          <a:fillRef idx="0">
+            <a:schemeClr val="accent1"/>
+          </a:fillRef>
+          <a:effectRef idx="0">
+            <a:schemeClr val="accent1"/>
+          </a:effectRef>
+          <a:fontRef idx="minor">
+            <a:schemeClr val="tx1"/>
+          </a:fontRef>
+        </p:style>
+      </p:cxnSp>
+      <p:sp>
+        <p:nvSpPr>
+          <p:cNvPr id="166" name="TextBox 165">
+            <a:extLst>
+              <a:ext uri="{FF2B5EF4-FFF2-40B4-BE49-F238E27FC236}">
+                <a16:creationId xmlns:a16="http://schemas.microsoft.com/office/drawing/2014/main" id="{71E23FB7-E528-1CE5-B3D8-6BA6645A91A1}"/>
+              </a:ext>
+            </a:extLst>
+          </p:cNvPr>
+          <p:cNvSpPr txBox="1"/>
+          <p:nvPr/>
+        </p:nvSpPr>
+        <p:spPr>
+          <a:xfrm>
+            <a:off x="8233170" y="3846533"/>
+            <a:ext cx="362198" cy="369332"/>
+          </a:xfrm>
+          <a:prstGeom prst="rect">
+            <a:avLst/>
+          </a:prstGeom>
+          <a:noFill/>
+        </p:spPr>
+        <p:txBody>
+          <a:bodyPr wrap="square" rtlCol="0">
+            <a:spAutoFit/>
+          </a:bodyPr>
+          <a:lstStyle/>
+          <a:p>
+            <a:r>
+              <a:rPr lang="en-US" dirty="0"/>
+              <a:t>…</a:t>
+            </a:r>
+          </a:p>
+        </p:txBody>
+      </p:sp>
+      <p:cxnSp>
+        <p:nvCxnSpPr>
+          <p:cNvPr id="167" name="Straight Arrow Connector 166">
+            <a:extLst>
+              <a:ext uri="{FF2B5EF4-FFF2-40B4-BE49-F238E27FC236}">
+                <a16:creationId xmlns:a16="http://schemas.microsoft.com/office/drawing/2014/main" id="{ADC96986-8009-B2AC-8B99-B84A754F21C4}"/>
+              </a:ext>
+            </a:extLst>
+          </p:cNvPr>
+          <p:cNvCxnSpPr>
+            <a:cxnSpLocks/>
+          </p:cNvCxnSpPr>
+          <p:nvPr/>
+        </p:nvCxnSpPr>
+        <p:spPr>
+          <a:xfrm>
+            <a:off x="8548577" y="4110041"/>
+            <a:ext cx="155102" cy="0"/>
+          </a:xfrm>
+          <a:prstGeom prst="straightConnector1">
+            <a:avLst/>
+          </a:prstGeom>
+          <a:ln>
+            <a:tailEnd type="triangle"/>
+          </a:ln>
+        </p:spPr>
+        <p:style>
+          <a:lnRef idx="1">
+            <a:schemeClr val="accent1"/>
+          </a:lnRef>
+          <a:fillRef idx="0">
+            <a:schemeClr val="accent1"/>
+          </a:fillRef>
+          <a:effectRef idx="0">
+            <a:schemeClr val="accent1"/>
+          </a:effectRef>
+          <a:fontRef idx="minor">
+            <a:schemeClr val="tx1"/>
+          </a:fontRef>
+        </p:style>
+      </p:cxnSp>
+      <p:sp>
+        <p:nvSpPr>
+          <p:cNvPr id="168" name="TextBox 167">
+            <a:extLst>
+              <a:ext uri="{FF2B5EF4-FFF2-40B4-BE49-F238E27FC236}">
+                <a16:creationId xmlns:a16="http://schemas.microsoft.com/office/drawing/2014/main" id="{45462088-A0B3-B312-8B27-35D38D7983AA}"/>
+              </a:ext>
+            </a:extLst>
+          </p:cNvPr>
+          <p:cNvSpPr txBox="1"/>
+          <p:nvPr/>
+        </p:nvSpPr>
+        <p:spPr>
+          <a:xfrm>
+            <a:off x="8573756" y="3327506"/>
+            <a:ext cx="802249" cy="230832"/>
+          </a:xfrm>
+          <a:prstGeom prst="rect">
+            <a:avLst/>
+          </a:prstGeom>
+          <a:noFill/>
+        </p:spPr>
+        <p:txBody>
+          <a:bodyPr wrap="square" rtlCol="0">
+            <a:spAutoFit/>
+          </a:bodyPr>
+          <a:lstStyle/>
+          <a:p>
+            <a:r>
+              <a:rPr lang="en-US" sz="900" dirty="0" err="1">
+                <a:solidFill>
+                  <a:srgbClr val="002060"/>
+                </a:solidFill>
+              </a:rPr>
+              <a:t>targethost</a:t>
+            </a:r>
+            <a:r>
+              <a:rPr lang="en-US" sz="900" dirty="0">
+                <a:solidFill>
+                  <a:srgbClr val="002060"/>
+                </a:solidFill>
+              </a:rPr>
+              <a:t>-N</a:t>
+            </a:r>
+            <a:endParaRPr lang="en-SG" sz="900" dirty="0">
+              <a:solidFill>
+                <a:srgbClr val="002060"/>
+              </a:solidFill>
+            </a:endParaRPr>
+          </a:p>
+        </p:txBody>
+      </p:sp>
+      <p:cxnSp>
+        <p:nvCxnSpPr>
+          <p:cNvPr id="169" name="Straight Arrow Connector 168">
+            <a:extLst>
+              <a:ext uri="{FF2B5EF4-FFF2-40B4-BE49-F238E27FC236}">
+                <a16:creationId xmlns:a16="http://schemas.microsoft.com/office/drawing/2014/main" id="{F0C2922F-B9DE-BAA2-64F0-832BC027C6FF}"/>
+              </a:ext>
+            </a:extLst>
+          </p:cNvPr>
+          <p:cNvCxnSpPr>
+            <a:cxnSpLocks/>
+          </p:cNvCxnSpPr>
+          <p:nvPr/>
+        </p:nvCxnSpPr>
+        <p:spPr>
+          <a:xfrm>
+            <a:off x="6135373" y="3512490"/>
+            <a:ext cx="445658" cy="0"/>
+          </a:xfrm>
+          <a:prstGeom prst="straightConnector1">
+            <a:avLst/>
+          </a:prstGeom>
+          <a:ln>
+            <a:prstDash val="dash"/>
+            <a:tailEnd type="triangle"/>
+          </a:ln>
+        </p:spPr>
+        <p:style>
+          <a:lnRef idx="1">
+            <a:schemeClr val="accent1"/>
+          </a:lnRef>
+          <a:fillRef idx="0">
+            <a:schemeClr val="accent1"/>
+          </a:fillRef>
+          <a:effectRef idx="0">
+            <a:schemeClr val="accent1"/>
+          </a:effectRef>
+          <a:fontRef idx="minor">
+            <a:schemeClr val="tx1"/>
+          </a:fontRef>
+        </p:style>
+      </p:cxnSp>
+      <p:sp>
+        <p:nvSpPr>
+          <p:cNvPr id="172" name="TextBox 171">
+            <a:extLst>
+              <a:ext uri="{FF2B5EF4-FFF2-40B4-BE49-F238E27FC236}">
+                <a16:creationId xmlns:a16="http://schemas.microsoft.com/office/drawing/2014/main" id="{829B619B-EE39-5538-584C-A82F24E551D8}"/>
+              </a:ext>
+            </a:extLst>
+          </p:cNvPr>
+          <p:cNvSpPr txBox="1"/>
+          <p:nvPr/>
+        </p:nvSpPr>
+        <p:spPr>
+          <a:xfrm>
+            <a:off x="658400" y="208292"/>
+            <a:ext cx="2724189" cy="661720"/>
+          </a:xfrm>
+          <a:prstGeom prst="rect">
+            <a:avLst/>
+          </a:prstGeom>
+          <a:noFill/>
+        </p:spPr>
+        <p:txBody>
+          <a:bodyPr wrap="square" rtlCol="0">
+            <a:spAutoFit/>
+          </a:bodyPr>
+          <a:lstStyle/>
+          <a:p>
+            <a:r>
+              <a:rPr lang="en-SG" sz="900" b="1" dirty="0"/>
+              <a:t>Single account</a:t>
+            </a:r>
+          </a:p>
+          <a:p>
+            <a:r>
+              <a:rPr lang="en-SG" sz="900" b="1" dirty="0"/>
+              <a:t>Single thread</a:t>
+            </a:r>
+          </a:p>
+          <a:p>
+            <a:r>
+              <a:rPr lang="en-SG" sz="900" b="1" dirty="0"/>
+              <a:t>Single </a:t>
+            </a:r>
+            <a:r>
+              <a:rPr lang="en-SG" sz="900" b="1" dirty="0" err="1"/>
+              <a:t>ssh</a:t>
+            </a:r>
+            <a:r>
+              <a:rPr lang="en-SG" sz="900" b="1" dirty="0"/>
+              <a:t> tunnel</a:t>
+            </a:r>
+          </a:p>
+          <a:p>
+            <a:r>
+              <a:rPr lang="en-SG" sz="900" b="1" dirty="0"/>
+              <a:t>Use case: normal user access </a:t>
+            </a:r>
+            <a:r>
+              <a:rPr lang="en-SG" sz="900" b="1" dirty="0" err="1"/>
+              <a:t>ncl</a:t>
+            </a:r>
+            <a:r>
+              <a:rPr lang="en-SG" sz="900" b="1" dirty="0"/>
+              <a:t> testbed</a:t>
+            </a:r>
+            <a:r>
+              <a:rPr lang="en-SG" sz="1000" b="1" dirty="0"/>
+              <a:t>.</a:t>
+            </a:r>
+          </a:p>
+        </p:txBody>
+      </p:sp>
+      <p:sp>
+        <p:nvSpPr>
+          <p:cNvPr id="173" name="TextBox 172">
+            <a:extLst>
+              <a:ext uri="{FF2B5EF4-FFF2-40B4-BE49-F238E27FC236}">
+                <a16:creationId xmlns:a16="http://schemas.microsoft.com/office/drawing/2014/main" id="{016990CA-86D4-ED6F-AD3C-2D978468A763}"/>
+              </a:ext>
+            </a:extLst>
+          </p:cNvPr>
+          <p:cNvSpPr txBox="1"/>
+          <p:nvPr/>
+        </p:nvSpPr>
+        <p:spPr>
+          <a:xfrm>
+            <a:off x="5513869" y="348251"/>
+            <a:ext cx="2724189" cy="646331"/>
+          </a:xfrm>
+          <a:prstGeom prst="rect">
+            <a:avLst/>
+          </a:prstGeom>
+          <a:noFill/>
+        </p:spPr>
+        <p:txBody>
+          <a:bodyPr wrap="square" rtlCol="0">
+            <a:spAutoFit/>
+          </a:bodyPr>
+          <a:lstStyle/>
+          <a:p>
+            <a:r>
+              <a:rPr lang="en-SG" sz="900" b="1" dirty="0"/>
+              <a:t>Single account</a:t>
+            </a:r>
+          </a:p>
+          <a:p>
+            <a:r>
+              <a:rPr lang="en-SG" sz="900" b="1" dirty="0"/>
+              <a:t>Multiple thread</a:t>
+            </a:r>
+          </a:p>
+          <a:p>
+            <a:r>
+              <a:rPr lang="en-SG" sz="900" b="1" dirty="0"/>
+              <a:t>Single </a:t>
+            </a:r>
+            <a:r>
+              <a:rPr lang="en-SG" sz="900" b="1" dirty="0" err="1"/>
+              <a:t>ssh</a:t>
+            </a:r>
+            <a:r>
+              <a:rPr lang="en-SG" sz="900" b="1" dirty="0"/>
+              <a:t> tunnel</a:t>
+            </a:r>
+          </a:p>
+          <a:p>
+            <a:r>
+              <a:rPr lang="en-SG" sz="900" b="1" dirty="0"/>
+              <a:t>Use case: one CTF team access their </a:t>
+            </a:r>
+            <a:r>
+              <a:rPr lang="en-SG" sz="900" b="1" dirty="0" err="1"/>
+              <a:t>vms</a:t>
+            </a:r>
+            <a:endParaRPr lang="en-SG" sz="900" b="1" dirty="0"/>
+          </a:p>
+        </p:txBody>
+      </p:sp>
+      <p:sp>
+        <p:nvSpPr>
+          <p:cNvPr id="174" name="TextBox 173">
+            <a:extLst>
+              <a:ext uri="{FF2B5EF4-FFF2-40B4-BE49-F238E27FC236}">
+                <a16:creationId xmlns:a16="http://schemas.microsoft.com/office/drawing/2014/main" id="{D5CA6162-24A5-18DD-739B-B22DA5D9BDD5}"/>
+              </a:ext>
+            </a:extLst>
+          </p:cNvPr>
+          <p:cNvSpPr txBox="1"/>
+          <p:nvPr/>
+        </p:nvSpPr>
+        <p:spPr>
+          <a:xfrm>
+            <a:off x="618684" y="1916972"/>
+            <a:ext cx="3553266" cy="661720"/>
+          </a:xfrm>
+          <a:prstGeom prst="rect">
+            <a:avLst/>
+          </a:prstGeom>
+          <a:noFill/>
+        </p:spPr>
+        <p:txBody>
+          <a:bodyPr wrap="square" rtlCol="0">
+            <a:spAutoFit/>
+          </a:bodyPr>
+          <a:lstStyle/>
+          <a:p>
+            <a:r>
+              <a:rPr lang="en-SG" sz="900" b="1" dirty="0"/>
+              <a:t>Single account</a:t>
+            </a:r>
+          </a:p>
+          <a:p>
+            <a:r>
+              <a:rPr lang="en-SG" sz="900" b="1"/>
+              <a:t>Multiple threads</a:t>
+            </a:r>
+            <a:endParaRPr lang="en-SG" sz="900" b="1" dirty="0"/>
+          </a:p>
+          <a:p>
+            <a:r>
+              <a:rPr lang="en-SG" sz="900" b="1" dirty="0"/>
+              <a:t>Multiple </a:t>
+            </a:r>
+            <a:r>
+              <a:rPr lang="en-SG" sz="900" b="1" dirty="0" err="1"/>
+              <a:t>ssh</a:t>
+            </a:r>
+            <a:r>
+              <a:rPr lang="en-SG" sz="900" b="1" dirty="0"/>
+              <a:t> tunnels</a:t>
+            </a:r>
+          </a:p>
+          <a:p>
+            <a:r>
+              <a:rPr lang="en-SG" sz="900" b="1" dirty="0"/>
+              <a:t>Use case: Check/turn on </a:t>
+            </a:r>
+            <a:r>
+              <a:rPr lang="en-SG" sz="900" b="1" dirty="0" err="1"/>
+              <a:t>Openstack</a:t>
+            </a:r>
+            <a:r>
+              <a:rPr lang="en-SG" sz="900" b="1" dirty="0"/>
+              <a:t> BM’s IMPI port one by one.   </a:t>
+            </a:r>
+          </a:p>
+        </p:txBody>
+      </p:sp>
+      <p:sp>
+        <p:nvSpPr>
+          <p:cNvPr id="175" name="TextBox 174">
+            <a:extLst>
+              <a:ext uri="{FF2B5EF4-FFF2-40B4-BE49-F238E27FC236}">
+                <a16:creationId xmlns:a16="http://schemas.microsoft.com/office/drawing/2014/main" id="{D1E1BE3B-E7D8-58DE-B416-E06E12D3C6C2}"/>
+              </a:ext>
+            </a:extLst>
+          </p:cNvPr>
+          <p:cNvSpPr txBox="1"/>
+          <p:nvPr/>
+        </p:nvSpPr>
+        <p:spPr>
+          <a:xfrm>
+            <a:off x="5468852" y="2172003"/>
+            <a:ext cx="3553266" cy="646331"/>
+          </a:xfrm>
+          <a:prstGeom prst="rect">
+            <a:avLst/>
+          </a:prstGeom>
+          <a:noFill/>
+        </p:spPr>
+        <p:txBody>
+          <a:bodyPr wrap="square" rtlCol="0">
+            <a:spAutoFit/>
+          </a:bodyPr>
+          <a:lstStyle/>
+          <a:p>
+            <a:r>
+              <a:rPr lang="en-SG" sz="900" b="1" dirty="0"/>
+              <a:t>Multiple accounts</a:t>
+            </a:r>
+          </a:p>
+          <a:p>
+            <a:r>
+              <a:rPr lang="en-SG" sz="900" b="1" dirty="0"/>
+              <a:t>Multiple thread</a:t>
+            </a:r>
+          </a:p>
+          <a:p>
+            <a:r>
+              <a:rPr lang="en-SG" sz="900" b="1" dirty="0"/>
+              <a:t>Multiple </a:t>
+            </a:r>
+            <a:r>
+              <a:rPr lang="en-SG" sz="900" b="1" dirty="0" err="1"/>
+              <a:t>ssh</a:t>
+            </a:r>
+            <a:r>
+              <a:rPr lang="en-SG" sz="900" b="1" dirty="0"/>
+              <a:t> tunnels</a:t>
+            </a:r>
+          </a:p>
+          <a:p>
+            <a:r>
+              <a:rPr lang="en-SG" sz="900" b="1" dirty="0"/>
+              <a:t>Use case: simulate stress test for the CTFD cluster.   </a:t>
+            </a:r>
+          </a:p>
+        </p:txBody>
+      </p:sp>
+      <p:pic>
+        <p:nvPicPr>
+          <p:cNvPr id="2" name="Picture 4">
+            <a:extLst>
+              <a:ext uri="{FF2B5EF4-FFF2-40B4-BE49-F238E27FC236}">
+                <a16:creationId xmlns:a16="http://schemas.microsoft.com/office/drawing/2014/main" id="{77384891-A4D2-1312-4F32-CBBC4125607F}"/>
+              </a:ext>
+            </a:extLst>
+          </p:cNvPr>
+          <p:cNvPicPr>
+            <a:picLocks noChangeAspect="1" noChangeArrowheads="1"/>
+          </p:cNvPicPr>
+          <p:nvPr/>
+        </p:nvPicPr>
+        <p:blipFill>
+          <a:blip r:embed="rId2">
+            <a:extLst>
+              <a:ext uri="{28A0092B-C50C-407E-A947-70E740481C1C}">
+                <a14:useLocalDpi xmlns:a14="http://schemas.microsoft.com/office/drawing/2010/main" val="0"/>
+              </a:ext>
+            </a:extLst>
+          </a:blip>
+          <a:srcRect/>
+          <a:stretch>
+            <a:fillRect/>
+          </a:stretch>
+        </p:blipFill>
+        <p:spPr bwMode="auto">
+          <a:xfrm>
+            <a:off x="642130" y="5310584"/>
+            <a:ext cx="429814" cy="429814"/>
+          </a:xfrm>
+          <a:prstGeom prst="rect">
+            <a:avLst/>
+          </a:prstGeom>
+          <a:noFill/>
+          <a:extLst>
+            <a:ext uri="{909E8E84-426E-40DD-AFC4-6F175D3DCCD1}">
+              <a14:hiddenFill xmlns:a14="http://schemas.microsoft.com/office/drawing/2010/main">
+                <a:solidFill>
+                  <a:srgbClr val="FFFFFF"/>
+                </a:solidFill>
+              </a14:hiddenFill>
+            </a:ext>
+          </a:extLst>
+        </p:spPr>
+      </p:pic>
+      <p:pic>
+        <p:nvPicPr>
+          <p:cNvPr id="7" name="Picture 6">
+            <a:extLst>
+              <a:ext uri="{FF2B5EF4-FFF2-40B4-BE49-F238E27FC236}">
+                <a16:creationId xmlns:a16="http://schemas.microsoft.com/office/drawing/2014/main" id="{E58CE004-2FCC-1AD5-8A27-A3CC84BAD000}"/>
+              </a:ext>
+            </a:extLst>
+          </p:cNvPr>
+          <p:cNvPicPr>
+            <a:picLocks noChangeAspect="1"/>
+          </p:cNvPicPr>
+          <p:nvPr/>
+        </p:nvPicPr>
+        <p:blipFill>
+          <a:blip r:embed="rId3"/>
+          <a:stretch>
+            <a:fillRect/>
+          </a:stretch>
+        </p:blipFill>
+        <p:spPr>
+          <a:xfrm>
+            <a:off x="1949862" y="5394686"/>
+            <a:ext cx="357596" cy="261610"/>
+          </a:xfrm>
+          <a:prstGeom prst="rect">
+            <a:avLst/>
+          </a:prstGeom>
+          <a:ln w="3175">
+            <a:solidFill>
+              <a:schemeClr val="tx1"/>
+            </a:solidFill>
+          </a:ln>
+        </p:spPr>
+      </p:pic>
+      <p:cxnSp>
+        <p:nvCxnSpPr>
+          <p:cNvPr id="8" name="Straight Arrow Connector 7">
+            <a:extLst>
+              <a:ext uri="{FF2B5EF4-FFF2-40B4-BE49-F238E27FC236}">
+                <a16:creationId xmlns:a16="http://schemas.microsoft.com/office/drawing/2014/main" id="{2110BF41-049C-FCCF-A6AE-A7495012AFA4}"/>
+              </a:ext>
+            </a:extLst>
+          </p:cNvPr>
+          <p:cNvCxnSpPr>
+            <a:cxnSpLocks/>
+          </p:cNvCxnSpPr>
+          <p:nvPr/>
+        </p:nvCxnSpPr>
+        <p:spPr>
+          <a:xfrm flipV="1">
+            <a:off x="2385375" y="5530758"/>
+            <a:ext cx="390171" cy="1893"/>
+          </a:xfrm>
+          <a:prstGeom prst="straightConnector1">
+            <a:avLst/>
+          </a:prstGeom>
+          <a:ln>
+            <a:tailEnd type="triangle"/>
+          </a:ln>
+        </p:spPr>
+        <p:style>
+          <a:lnRef idx="1">
+            <a:schemeClr val="accent1"/>
+          </a:lnRef>
+          <a:fillRef idx="0">
+            <a:schemeClr val="accent1"/>
+          </a:fillRef>
+          <a:effectRef idx="0">
+            <a:schemeClr val="accent1"/>
+          </a:effectRef>
+          <a:fontRef idx="minor">
+            <a:schemeClr val="tx1"/>
+          </a:fontRef>
+        </p:style>
+      </p:cxnSp>
+      <p:pic>
+        <p:nvPicPr>
+          <p:cNvPr id="10" name="Picture 9">
+            <a:extLst>
+              <a:ext uri="{FF2B5EF4-FFF2-40B4-BE49-F238E27FC236}">
+                <a16:creationId xmlns:a16="http://schemas.microsoft.com/office/drawing/2014/main" id="{B8E56B20-B3CD-D09D-FE57-05BE09774D07}"/>
+              </a:ext>
+            </a:extLst>
+          </p:cNvPr>
+          <p:cNvPicPr>
+            <a:picLocks noChangeAspect="1"/>
+          </p:cNvPicPr>
+          <p:nvPr/>
+        </p:nvPicPr>
+        <p:blipFill>
+          <a:blip r:embed="rId3"/>
+          <a:stretch>
+            <a:fillRect/>
+          </a:stretch>
+        </p:blipFill>
+        <p:spPr>
+          <a:xfrm>
+            <a:off x="2829354" y="5401846"/>
+            <a:ext cx="357596" cy="261610"/>
+          </a:xfrm>
+          <a:prstGeom prst="rect">
+            <a:avLst/>
+          </a:prstGeom>
+          <a:ln w="3175">
+            <a:solidFill>
+              <a:schemeClr val="tx1"/>
+            </a:solidFill>
+          </a:ln>
+        </p:spPr>
+      </p:pic>
+      <p:sp>
+        <p:nvSpPr>
+          <p:cNvPr id="12" name="TextBox 11">
+            <a:extLst>
+              <a:ext uri="{FF2B5EF4-FFF2-40B4-BE49-F238E27FC236}">
+                <a16:creationId xmlns:a16="http://schemas.microsoft.com/office/drawing/2014/main" id="{6947F463-40A2-AC36-38E9-75E747C562D7}"/>
+              </a:ext>
+            </a:extLst>
+          </p:cNvPr>
+          <p:cNvSpPr txBox="1"/>
+          <p:nvPr/>
+        </p:nvSpPr>
+        <p:spPr>
+          <a:xfrm>
+            <a:off x="3203238" y="5309080"/>
+            <a:ext cx="362198" cy="369332"/>
+          </a:xfrm>
+          <a:prstGeom prst="rect">
+            <a:avLst/>
+          </a:prstGeom>
+          <a:noFill/>
+        </p:spPr>
+        <p:txBody>
+          <a:bodyPr wrap="square" rtlCol="0">
+            <a:spAutoFit/>
+          </a:bodyPr>
+          <a:lstStyle/>
+          <a:p>
+            <a:r>
+              <a:rPr lang="en-US" dirty="0"/>
+              <a:t>…</a:t>
+            </a:r>
+            <a:endParaRPr lang="en-SG" dirty="0"/>
+          </a:p>
+        </p:txBody>
+      </p:sp>
+      <p:pic>
+        <p:nvPicPr>
+          <p:cNvPr id="13" name="Picture 12">
+            <a:extLst>
+              <a:ext uri="{FF2B5EF4-FFF2-40B4-BE49-F238E27FC236}">
+                <a16:creationId xmlns:a16="http://schemas.microsoft.com/office/drawing/2014/main" id="{7F7A3C49-025E-1A49-A298-3A7DA7124EA6}"/>
+              </a:ext>
+            </a:extLst>
+          </p:cNvPr>
+          <p:cNvPicPr>
+            <a:picLocks noChangeAspect="1"/>
+          </p:cNvPicPr>
+          <p:nvPr/>
+        </p:nvPicPr>
+        <p:blipFill>
+          <a:blip r:embed="rId3"/>
+          <a:stretch>
+            <a:fillRect/>
+          </a:stretch>
+        </p:blipFill>
+        <p:spPr>
+          <a:xfrm>
+            <a:off x="3530048" y="5394686"/>
+            <a:ext cx="357596" cy="261610"/>
+          </a:xfrm>
+          <a:prstGeom prst="rect">
+            <a:avLst/>
+          </a:prstGeom>
+          <a:ln w="3175">
+            <a:solidFill>
+              <a:schemeClr val="tx1"/>
+            </a:solidFill>
+          </a:ln>
+        </p:spPr>
+      </p:pic>
+      <p:pic>
+        <p:nvPicPr>
+          <p:cNvPr id="15" name="Picture 14">
+            <a:extLst>
+              <a:ext uri="{FF2B5EF4-FFF2-40B4-BE49-F238E27FC236}">
+                <a16:creationId xmlns:a16="http://schemas.microsoft.com/office/drawing/2014/main" id="{8F1443B9-8090-F780-5BDE-D888F3A79E17}"/>
+              </a:ext>
+            </a:extLst>
+          </p:cNvPr>
+          <p:cNvPicPr>
+            <a:picLocks noChangeAspect="1"/>
+          </p:cNvPicPr>
+          <p:nvPr/>
+        </p:nvPicPr>
+        <p:blipFill>
+          <a:blip r:embed="rId5"/>
+          <a:stretch>
+            <a:fillRect/>
+          </a:stretch>
+        </p:blipFill>
+        <p:spPr>
+          <a:xfrm>
+            <a:off x="2326086" y="5928138"/>
+            <a:ext cx="338693" cy="346110"/>
+          </a:xfrm>
+          <a:prstGeom prst="rect">
+            <a:avLst/>
+          </a:prstGeom>
+        </p:spPr>
+      </p:pic>
+      <p:cxnSp>
+        <p:nvCxnSpPr>
+          <p:cNvPr id="17" name="Straight Arrow Connector 16">
+            <a:extLst>
+              <a:ext uri="{FF2B5EF4-FFF2-40B4-BE49-F238E27FC236}">
+                <a16:creationId xmlns:a16="http://schemas.microsoft.com/office/drawing/2014/main" id="{03EE8A19-2173-5B53-491F-0E6F474D0B89}"/>
+              </a:ext>
+            </a:extLst>
+          </p:cNvPr>
+          <p:cNvCxnSpPr>
+            <a:cxnSpLocks/>
+            <a:stCxn id="7" idx="2"/>
+            <a:endCxn id="15" idx="0"/>
+          </p:cNvCxnSpPr>
+          <p:nvPr/>
+        </p:nvCxnSpPr>
+        <p:spPr>
+          <a:xfrm>
+            <a:off x="2128660" y="5656296"/>
+            <a:ext cx="366773" cy="271842"/>
+          </a:xfrm>
+          <a:prstGeom prst="straightConnector1">
+            <a:avLst/>
+          </a:prstGeom>
+          <a:ln>
+            <a:tailEnd type="triangle"/>
+          </a:ln>
+        </p:spPr>
+        <p:style>
+          <a:lnRef idx="1">
+            <a:schemeClr val="accent1"/>
+          </a:lnRef>
+          <a:fillRef idx="0">
+            <a:schemeClr val="accent1"/>
+          </a:fillRef>
+          <a:effectRef idx="0">
+            <a:schemeClr val="accent1"/>
+          </a:effectRef>
+          <a:fontRef idx="minor">
+            <a:schemeClr val="tx1"/>
+          </a:fontRef>
+        </p:style>
+      </p:cxnSp>
+      <p:pic>
+        <p:nvPicPr>
+          <p:cNvPr id="19" name="Picture 18">
+            <a:extLst>
+              <a:ext uri="{FF2B5EF4-FFF2-40B4-BE49-F238E27FC236}">
+                <a16:creationId xmlns:a16="http://schemas.microsoft.com/office/drawing/2014/main" id="{CCC44A42-7E25-9A2C-00A1-7054C980EB77}"/>
+              </a:ext>
+            </a:extLst>
+          </p:cNvPr>
+          <p:cNvPicPr>
+            <a:picLocks noChangeAspect="1"/>
+          </p:cNvPicPr>
+          <p:nvPr/>
+        </p:nvPicPr>
+        <p:blipFill>
+          <a:blip r:embed="rId3"/>
+          <a:stretch>
+            <a:fillRect/>
+          </a:stretch>
+        </p:blipFill>
+        <p:spPr>
+          <a:xfrm>
+            <a:off x="3104791" y="5941266"/>
+            <a:ext cx="334496" cy="244711"/>
+          </a:xfrm>
+          <a:prstGeom prst="rect">
+            <a:avLst/>
+          </a:prstGeom>
+          <a:ln w="3175">
+            <a:solidFill>
+              <a:schemeClr val="tx1"/>
+            </a:solidFill>
+          </a:ln>
+        </p:spPr>
+      </p:pic>
+      <p:cxnSp>
+        <p:nvCxnSpPr>
+          <p:cNvPr id="20" name="Straight Arrow Connector 19">
+            <a:extLst>
+              <a:ext uri="{FF2B5EF4-FFF2-40B4-BE49-F238E27FC236}">
+                <a16:creationId xmlns:a16="http://schemas.microsoft.com/office/drawing/2014/main" id="{9CE24489-0446-3CFC-0DF1-8FF0B2416221}"/>
+              </a:ext>
+            </a:extLst>
+          </p:cNvPr>
+          <p:cNvCxnSpPr>
+            <a:cxnSpLocks/>
+            <a:endCxn id="19" idx="0"/>
+          </p:cNvCxnSpPr>
+          <p:nvPr/>
+        </p:nvCxnSpPr>
+        <p:spPr>
+          <a:xfrm>
+            <a:off x="2974003" y="5638641"/>
+            <a:ext cx="298036" cy="302625"/>
+          </a:xfrm>
+          <a:prstGeom prst="straightConnector1">
+            <a:avLst/>
+          </a:prstGeom>
+          <a:ln>
+            <a:tailEnd type="triangle"/>
+          </a:ln>
+        </p:spPr>
+        <p:style>
+          <a:lnRef idx="1">
+            <a:schemeClr val="accent1"/>
+          </a:lnRef>
+          <a:fillRef idx="0">
+            <a:schemeClr val="accent1"/>
+          </a:fillRef>
+          <a:effectRef idx="0">
+            <a:schemeClr val="accent1"/>
+          </a:effectRef>
+          <a:fontRef idx="minor">
+            <a:schemeClr val="tx1"/>
+          </a:fontRef>
+        </p:style>
+      </p:cxnSp>
+      <p:pic>
+        <p:nvPicPr>
+          <p:cNvPr id="22" name="Picture 21">
+            <a:extLst>
+              <a:ext uri="{FF2B5EF4-FFF2-40B4-BE49-F238E27FC236}">
+                <a16:creationId xmlns:a16="http://schemas.microsoft.com/office/drawing/2014/main" id="{D6A823D9-3258-478B-3E71-683AEBC7CDF6}"/>
+              </a:ext>
+            </a:extLst>
+          </p:cNvPr>
+          <p:cNvPicPr>
+            <a:picLocks noChangeAspect="1"/>
+          </p:cNvPicPr>
+          <p:nvPr/>
+        </p:nvPicPr>
+        <p:blipFill>
+          <a:blip r:embed="rId5"/>
+          <a:stretch>
+            <a:fillRect/>
+          </a:stretch>
+        </p:blipFill>
+        <p:spPr>
+          <a:xfrm>
+            <a:off x="3388115" y="6426144"/>
+            <a:ext cx="338693" cy="346110"/>
+          </a:xfrm>
+          <a:prstGeom prst="rect">
+            <a:avLst/>
+          </a:prstGeom>
+        </p:spPr>
+      </p:pic>
+      <p:cxnSp>
+        <p:nvCxnSpPr>
+          <p:cNvPr id="23" name="Straight Arrow Connector 22">
+            <a:extLst>
+              <a:ext uri="{FF2B5EF4-FFF2-40B4-BE49-F238E27FC236}">
+                <a16:creationId xmlns:a16="http://schemas.microsoft.com/office/drawing/2014/main" id="{BD9F6756-64F9-4DC3-77B0-9363B08B28DB}"/>
+              </a:ext>
+            </a:extLst>
+          </p:cNvPr>
+          <p:cNvCxnSpPr>
+            <a:cxnSpLocks/>
+            <a:stCxn id="19" idx="2"/>
+            <a:endCxn id="22" idx="0"/>
+          </p:cNvCxnSpPr>
+          <p:nvPr/>
+        </p:nvCxnSpPr>
+        <p:spPr>
+          <a:xfrm>
+            <a:off x="3272039" y="6185977"/>
+            <a:ext cx="285423" cy="240167"/>
+          </a:xfrm>
+          <a:prstGeom prst="straightConnector1">
+            <a:avLst/>
+          </a:prstGeom>
+          <a:ln>
+            <a:tailEnd type="triangle"/>
+          </a:ln>
+        </p:spPr>
+        <p:style>
+          <a:lnRef idx="1">
+            <a:schemeClr val="accent1"/>
+          </a:lnRef>
+          <a:fillRef idx="0">
+            <a:schemeClr val="accent1"/>
+          </a:fillRef>
+          <a:effectRef idx="0">
+            <a:schemeClr val="accent1"/>
+          </a:effectRef>
+          <a:fontRef idx="minor">
+            <a:schemeClr val="tx1"/>
+          </a:fontRef>
+        </p:style>
+      </p:cxnSp>
+      <p:cxnSp>
+        <p:nvCxnSpPr>
+          <p:cNvPr id="30" name="Straight Arrow Connector 29">
+            <a:extLst>
+              <a:ext uri="{FF2B5EF4-FFF2-40B4-BE49-F238E27FC236}">
+                <a16:creationId xmlns:a16="http://schemas.microsoft.com/office/drawing/2014/main" id="{6C6F5C89-5E83-15EF-4C28-6F827C609338}"/>
+              </a:ext>
+            </a:extLst>
+          </p:cNvPr>
+          <p:cNvCxnSpPr>
+            <a:cxnSpLocks/>
+            <a:endCxn id="35" idx="1"/>
+          </p:cNvCxnSpPr>
+          <p:nvPr/>
+        </p:nvCxnSpPr>
+        <p:spPr>
+          <a:xfrm>
+            <a:off x="3880733" y="5569194"/>
+            <a:ext cx="345269" cy="358944"/>
+          </a:xfrm>
+          <a:prstGeom prst="straightConnector1">
+            <a:avLst/>
+          </a:prstGeom>
+          <a:ln>
+            <a:tailEnd type="triangle"/>
+          </a:ln>
+        </p:spPr>
+        <p:style>
+          <a:lnRef idx="1">
+            <a:schemeClr val="accent1"/>
+          </a:lnRef>
+          <a:fillRef idx="0">
+            <a:schemeClr val="accent1"/>
+          </a:fillRef>
+          <a:effectRef idx="0">
+            <a:schemeClr val="accent1"/>
+          </a:effectRef>
+          <a:fontRef idx="minor">
+            <a:schemeClr val="tx1"/>
+          </a:fontRef>
+        </p:style>
+      </p:cxnSp>
+      <p:cxnSp>
+        <p:nvCxnSpPr>
+          <p:cNvPr id="32" name="Straight Arrow Connector 31">
+            <a:extLst>
+              <a:ext uri="{FF2B5EF4-FFF2-40B4-BE49-F238E27FC236}">
+                <a16:creationId xmlns:a16="http://schemas.microsoft.com/office/drawing/2014/main" id="{0C05B9AA-6032-E278-8BB4-93CA25C9E832}"/>
+              </a:ext>
+            </a:extLst>
+          </p:cNvPr>
+          <p:cNvCxnSpPr>
+            <a:cxnSpLocks/>
+          </p:cNvCxnSpPr>
+          <p:nvPr/>
+        </p:nvCxnSpPr>
+        <p:spPr>
+          <a:xfrm>
+            <a:off x="3880733" y="5524470"/>
+            <a:ext cx="333721" cy="0"/>
+          </a:xfrm>
+          <a:prstGeom prst="straightConnector1">
+            <a:avLst/>
+          </a:prstGeom>
+          <a:ln>
+            <a:tailEnd type="triangle"/>
+          </a:ln>
+        </p:spPr>
+        <p:style>
+          <a:lnRef idx="1">
+            <a:schemeClr val="accent1"/>
+          </a:lnRef>
+          <a:fillRef idx="0">
+            <a:schemeClr val="accent1"/>
+          </a:fillRef>
+          <a:effectRef idx="0">
+            <a:schemeClr val="accent1"/>
+          </a:effectRef>
+          <a:fontRef idx="minor">
+            <a:schemeClr val="tx1"/>
+          </a:fontRef>
+        </p:style>
+      </p:cxnSp>
+      <p:pic>
+        <p:nvPicPr>
+          <p:cNvPr id="34" name="Picture 33">
+            <a:extLst>
+              <a:ext uri="{FF2B5EF4-FFF2-40B4-BE49-F238E27FC236}">
+                <a16:creationId xmlns:a16="http://schemas.microsoft.com/office/drawing/2014/main" id="{F6D048AB-2B23-F530-1710-9589C0E2B42C}"/>
+              </a:ext>
+            </a:extLst>
+          </p:cNvPr>
+          <p:cNvPicPr>
+            <a:picLocks noChangeAspect="1"/>
+          </p:cNvPicPr>
+          <p:nvPr/>
+        </p:nvPicPr>
+        <p:blipFill>
+          <a:blip r:embed="rId5"/>
+          <a:stretch>
+            <a:fillRect/>
+          </a:stretch>
+        </p:blipFill>
+        <p:spPr>
+          <a:xfrm>
+            <a:off x="4226002" y="5320691"/>
+            <a:ext cx="338693" cy="346110"/>
+          </a:xfrm>
+          <a:prstGeom prst="rect">
+            <a:avLst/>
+          </a:prstGeom>
+        </p:spPr>
+      </p:pic>
+      <p:pic>
+        <p:nvPicPr>
+          <p:cNvPr id="35" name="Picture 34">
+            <a:extLst>
+              <a:ext uri="{FF2B5EF4-FFF2-40B4-BE49-F238E27FC236}">
+                <a16:creationId xmlns:a16="http://schemas.microsoft.com/office/drawing/2014/main" id="{C6AFCD8E-6A78-2A56-113C-1E5B0057F111}"/>
+              </a:ext>
+            </a:extLst>
+          </p:cNvPr>
+          <p:cNvPicPr>
+            <a:picLocks noChangeAspect="1"/>
+          </p:cNvPicPr>
+          <p:nvPr/>
+        </p:nvPicPr>
+        <p:blipFill>
+          <a:blip r:embed="rId5"/>
+          <a:stretch>
+            <a:fillRect/>
+          </a:stretch>
+        </p:blipFill>
+        <p:spPr>
+          <a:xfrm>
+            <a:off x="4226002" y="5755083"/>
+            <a:ext cx="347129" cy="346110"/>
+          </a:xfrm>
+          <a:prstGeom prst="rect">
+            <a:avLst/>
+          </a:prstGeom>
+        </p:spPr>
+      </p:pic>
+      <p:sp>
+        <p:nvSpPr>
+          <p:cNvPr id="37" name="TextBox 36">
+            <a:extLst>
+              <a:ext uri="{FF2B5EF4-FFF2-40B4-BE49-F238E27FC236}">
+                <a16:creationId xmlns:a16="http://schemas.microsoft.com/office/drawing/2014/main" id="{A7755252-F5A5-A7D8-B2EE-AC1E1D1AD47C}"/>
+              </a:ext>
+            </a:extLst>
+          </p:cNvPr>
+          <p:cNvSpPr txBox="1"/>
+          <p:nvPr/>
+        </p:nvSpPr>
+        <p:spPr>
+          <a:xfrm>
+            <a:off x="1693183" y="5130004"/>
+            <a:ext cx="802249" cy="230832"/>
+          </a:xfrm>
+          <a:prstGeom prst="rect">
+            <a:avLst/>
+          </a:prstGeom>
+          <a:noFill/>
+        </p:spPr>
+        <p:txBody>
+          <a:bodyPr wrap="square" rtlCol="0">
+            <a:spAutoFit/>
+          </a:bodyPr>
+          <a:lstStyle/>
+          <a:p>
+            <a:r>
+              <a:rPr lang="en-SG" sz="900" dirty="0">
+                <a:solidFill>
+                  <a:srgbClr val="002060"/>
+                </a:solidFill>
+              </a:rPr>
+              <a:t>jumphost1</a:t>
+            </a:r>
+          </a:p>
+        </p:txBody>
+      </p:sp>
+      <p:sp>
+        <p:nvSpPr>
+          <p:cNvPr id="38" name="TextBox 37">
+            <a:extLst>
+              <a:ext uri="{FF2B5EF4-FFF2-40B4-BE49-F238E27FC236}">
+                <a16:creationId xmlns:a16="http://schemas.microsoft.com/office/drawing/2014/main" id="{C1C95A8C-1A3E-AD03-89BF-28F66D6A654F}"/>
+              </a:ext>
+            </a:extLst>
+          </p:cNvPr>
+          <p:cNvSpPr txBox="1"/>
+          <p:nvPr/>
+        </p:nvSpPr>
+        <p:spPr>
+          <a:xfrm>
+            <a:off x="2606308" y="5135654"/>
+            <a:ext cx="802249" cy="230832"/>
+          </a:xfrm>
+          <a:prstGeom prst="rect">
+            <a:avLst/>
+          </a:prstGeom>
+          <a:noFill/>
+        </p:spPr>
+        <p:txBody>
+          <a:bodyPr wrap="square" rtlCol="0">
+            <a:spAutoFit/>
+          </a:bodyPr>
+          <a:lstStyle/>
+          <a:p>
+            <a:r>
+              <a:rPr lang="en-SG" sz="900" dirty="0">
+                <a:solidFill>
+                  <a:srgbClr val="002060"/>
+                </a:solidFill>
+              </a:rPr>
+              <a:t>jumphost2</a:t>
+            </a:r>
+          </a:p>
+        </p:txBody>
+      </p:sp>
+      <p:sp>
+        <p:nvSpPr>
+          <p:cNvPr id="39" name="TextBox 38">
+            <a:extLst>
+              <a:ext uri="{FF2B5EF4-FFF2-40B4-BE49-F238E27FC236}">
+                <a16:creationId xmlns:a16="http://schemas.microsoft.com/office/drawing/2014/main" id="{55BC5E86-E304-EFAE-AFB4-9B50FF695BBE}"/>
+              </a:ext>
+            </a:extLst>
+          </p:cNvPr>
+          <p:cNvSpPr txBox="1"/>
+          <p:nvPr/>
+        </p:nvSpPr>
+        <p:spPr>
+          <a:xfrm>
+            <a:off x="3382589" y="5121765"/>
+            <a:ext cx="802249" cy="230832"/>
+          </a:xfrm>
+          <a:prstGeom prst="rect">
+            <a:avLst/>
+          </a:prstGeom>
+          <a:noFill/>
+        </p:spPr>
+        <p:txBody>
+          <a:bodyPr wrap="square" rtlCol="0">
+            <a:spAutoFit/>
+          </a:bodyPr>
+          <a:lstStyle/>
+          <a:p>
+            <a:r>
+              <a:rPr lang="en-SG" sz="900" dirty="0" err="1">
+                <a:solidFill>
+                  <a:srgbClr val="002060"/>
+                </a:solidFill>
+              </a:rPr>
+              <a:t>Jumphost</a:t>
+            </a:r>
+            <a:r>
+              <a:rPr lang="en-SG" sz="900" dirty="0">
+                <a:solidFill>
+                  <a:srgbClr val="002060"/>
+                </a:solidFill>
+              </a:rPr>
+              <a:t> N</a:t>
+            </a:r>
+          </a:p>
+        </p:txBody>
+      </p:sp>
+      <p:sp>
+        <p:nvSpPr>
+          <p:cNvPr id="40" name="TextBox 39">
+            <a:extLst>
+              <a:ext uri="{FF2B5EF4-FFF2-40B4-BE49-F238E27FC236}">
+                <a16:creationId xmlns:a16="http://schemas.microsoft.com/office/drawing/2014/main" id="{3852DA1E-55C1-1C6F-2EE8-D902F312D28E}"/>
+              </a:ext>
+            </a:extLst>
+          </p:cNvPr>
+          <p:cNvSpPr txBox="1"/>
+          <p:nvPr/>
+        </p:nvSpPr>
+        <p:spPr>
+          <a:xfrm>
+            <a:off x="4605859" y="5282236"/>
+            <a:ext cx="1890206" cy="230832"/>
+          </a:xfrm>
+          <a:prstGeom prst="rect">
+            <a:avLst/>
+          </a:prstGeom>
+          <a:noFill/>
+        </p:spPr>
+        <p:txBody>
+          <a:bodyPr wrap="square" rtlCol="0">
+            <a:spAutoFit/>
+          </a:bodyPr>
+          <a:lstStyle/>
+          <a:p>
+            <a:r>
+              <a:rPr lang="en-US" sz="900" dirty="0">
+                <a:solidFill>
+                  <a:srgbClr val="002060"/>
+                </a:solidFill>
+              </a:rPr>
+              <a:t>RemoteWebHost-3: 80</a:t>
+            </a:r>
+            <a:endParaRPr lang="en-SG" sz="900" dirty="0">
+              <a:solidFill>
+                <a:srgbClr val="002060"/>
+              </a:solidFill>
+            </a:endParaRPr>
+          </a:p>
+        </p:txBody>
+      </p:sp>
+      <p:sp>
+        <p:nvSpPr>
+          <p:cNvPr id="41" name="TextBox 40">
+            <a:extLst>
+              <a:ext uri="{FF2B5EF4-FFF2-40B4-BE49-F238E27FC236}">
+                <a16:creationId xmlns:a16="http://schemas.microsoft.com/office/drawing/2014/main" id="{30CAC46D-2EA5-650B-D679-EFB4A3234D48}"/>
+              </a:ext>
+            </a:extLst>
+          </p:cNvPr>
+          <p:cNvSpPr txBox="1"/>
+          <p:nvPr/>
+        </p:nvSpPr>
+        <p:spPr>
+          <a:xfrm>
+            <a:off x="4624978" y="5755083"/>
+            <a:ext cx="1890206" cy="230832"/>
+          </a:xfrm>
+          <a:prstGeom prst="rect">
+            <a:avLst/>
+          </a:prstGeom>
+          <a:noFill/>
+        </p:spPr>
+        <p:txBody>
+          <a:bodyPr wrap="square" rtlCol="0">
+            <a:spAutoFit/>
+          </a:bodyPr>
+          <a:lstStyle/>
+          <a:p>
+            <a:r>
+              <a:rPr lang="en-US" sz="900" dirty="0" err="1">
+                <a:solidFill>
+                  <a:srgbClr val="002060"/>
+                </a:solidFill>
+              </a:rPr>
+              <a:t>ServerIPMIweb</a:t>
+            </a:r>
+            <a:r>
+              <a:rPr lang="en-US" sz="900" dirty="0">
+                <a:solidFill>
+                  <a:srgbClr val="002060"/>
+                </a:solidFill>
+              </a:rPr>
+              <a:t>: 623</a:t>
+            </a:r>
+            <a:endParaRPr lang="en-SG" sz="900" dirty="0">
+              <a:solidFill>
+                <a:srgbClr val="002060"/>
+              </a:solidFill>
+            </a:endParaRPr>
+          </a:p>
+        </p:txBody>
+      </p:sp>
+      <p:sp>
+        <p:nvSpPr>
+          <p:cNvPr id="42" name="TextBox 41">
+            <a:extLst>
+              <a:ext uri="{FF2B5EF4-FFF2-40B4-BE49-F238E27FC236}">
+                <a16:creationId xmlns:a16="http://schemas.microsoft.com/office/drawing/2014/main" id="{9610BCC2-16FA-ED24-3A21-478925D0DCE8}"/>
+              </a:ext>
+            </a:extLst>
+          </p:cNvPr>
+          <p:cNvSpPr txBox="1"/>
+          <p:nvPr/>
+        </p:nvSpPr>
+        <p:spPr>
+          <a:xfrm>
+            <a:off x="3207138" y="5755083"/>
+            <a:ext cx="802249" cy="230832"/>
+          </a:xfrm>
+          <a:prstGeom prst="rect">
+            <a:avLst/>
+          </a:prstGeom>
+          <a:noFill/>
+        </p:spPr>
+        <p:txBody>
+          <a:bodyPr wrap="square" rtlCol="0">
+            <a:spAutoFit/>
+          </a:bodyPr>
+          <a:lstStyle/>
+          <a:p>
+            <a:r>
+              <a:rPr lang="en-SG" sz="900" dirty="0" err="1">
+                <a:solidFill>
+                  <a:srgbClr val="002060"/>
+                </a:solidFill>
+              </a:rPr>
+              <a:t>jumphostN</a:t>
+            </a:r>
+            <a:endParaRPr lang="en-SG" sz="900" dirty="0">
+              <a:solidFill>
+                <a:srgbClr val="002060"/>
+              </a:solidFill>
+            </a:endParaRPr>
+          </a:p>
+        </p:txBody>
+      </p:sp>
+      <p:sp>
+        <p:nvSpPr>
+          <p:cNvPr id="43" name="TextBox 42">
+            <a:extLst>
+              <a:ext uri="{FF2B5EF4-FFF2-40B4-BE49-F238E27FC236}">
+                <a16:creationId xmlns:a16="http://schemas.microsoft.com/office/drawing/2014/main" id="{83B94470-B3BD-41EC-FE07-C3FE967370A5}"/>
+              </a:ext>
+            </a:extLst>
+          </p:cNvPr>
+          <p:cNvSpPr txBox="1"/>
+          <p:nvPr/>
+        </p:nvSpPr>
+        <p:spPr>
+          <a:xfrm>
+            <a:off x="1947198" y="6288540"/>
+            <a:ext cx="1890206" cy="230832"/>
+          </a:xfrm>
+          <a:prstGeom prst="rect">
+            <a:avLst/>
+          </a:prstGeom>
+          <a:noFill/>
+        </p:spPr>
+        <p:txBody>
+          <a:bodyPr wrap="square" rtlCol="0">
+            <a:spAutoFit/>
+          </a:bodyPr>
+          <a:lstStyle/>
+          <a:p>
+            <a:r>
+              <a:rPr lang="en-US" sz="900" dirty="0">
+                <a:solidFill>
+                  <a:srgbClr val="002060"/>
+                </a:solidFill>
+              </a:rPr>
+              <a:t>BMCWebHost-1: 443</a:t>
+            </a:r>
+            <a:endParaRPr lang="en-SG" sz="900" dirty="0">
+              <a:solidFill>
+                <a:srgbClr val="002060"/>
+              </a:solidFill>
+            </a:endParaRPr>
+          </a:p>
+        </p:txBody>
+      </p:sp>
+      <p:sp>
+        <p:nvSpPr>
+          <p:cNvPr id="44" name="TextBox 43">
+            <a:extLst>
+              <a:ext uri="{FF2B5EF4-FFF2-40B4-BE49-F238E27FC236}">
+                <a16:creationId xmlns:a16="http://schemas.microsoft.com/office/drawing/2014/main" id="{5130EB6D-D4FC-2746-8FDC-9285E532C082}"/>
+              </a:ext>
+            </a:extLst>
+          </p:cNvPr>
+          <p:cNvSpPr txBox="1"/>
+          <p:nvPr/>
+        </p:nvSpPr>
+        <p:spPr>
+          <a:xfrm>
+            <a:off x="3725295" y="6448472"/>
+            <a:ext cx="1890206" cy="230832"/>
+          </a:xfrm>
+          <a:prstGeom prst="rect">
+            <a:avLst/>
+          </a:prstGeom>
+          <a:noFill/>
+        </p:spPr>
+        <p:txBody>
+          <a:bodyPr wrap="square" rtlCol="0">
+            <a:spAutoFit/>
+          </a:bodyPr>
+          <a:lstStyle/>
+          <a:p>
+            <a:r>
+              <a:rPr lang="en-US" sz="900" dirty="0">
+                <a:solidFill>
+                  <a:srgbClr val="002060"/>
+                </a:solidFill>
+              </a:rPr>
+              <a:t>RemoteWebHost-2: 8080</a:t>
+            </a:r>
+            <a:endParaRPr lang="en-SG" sz="900" dirty="0">
+              <a:solidFill>
+                <a:srgbClr val="002060"/>
+              </a:solidFill>
+            </a:endParaRPr>
+          </a:p>
+        </p:txBody>
+      </p:sp>
+      <p:sp>
+        <p:nvSpPr>
+          <p:cNvPr id="45" name="TextBox 44">
+            <a:extLst>
+              <a:ext uri="{FF2B5EF4-FFF2-40B4-BE49-F238E27FC236}">
+                <a16:creationId xmlns:a16="http://schemas.microsoft.com/office/drawing/2014/main" id="{3EBAD0EF-51BA-C523-F4E4-6E6F33E64D55}"/>
+              </a:ext>
+            </a:extLst>
+          </p:cNvPr>
+          <p:cNvSpPr txBox="1"/>
+          <p:nvPr/>
+        </p:nvSpPr>
+        <p:spPr>
+          <a:xfrm>
+            <a:off x="324379" y="4467360"/>
+            <a:ext cx="2901331" cy="646331"/>
+          </a:xfrm>
+          <a:prstGeom prst="rect">
+            <a:avLst/>
+          </a:prstGeom>
+          <a:noFill/>
+        </p:spPr>
+        <p:txBody>
+          <a:bodyPr wrap="square" rtlCol="0">
+            <a:spAutoFit/>
+          </a:bodyPr>
+          <a:lstStyle/>
+          <a:p>
+            <a:r>
+              <a:rPr lang="en-US" sz="900" dirty="0">
+                <a:solidFill>
+                  <a:srgbClr val="002060"/>
+                </a:solidFill>
+              </a:rPr>
+              <a:t>http:// 127.0.0.1:8080  &lt;= … =&gt; RemoteWebHost-3: 80</a:t>
+            </a:r>
+          </a:p>
+          <a:p>
+            <a:r>
+              <a:rPr lang="en-US" sz="900" dirty="0">
+                <a:solidFill>
+                  <a:srgbClr val="002060"/>
+                </a:solidFill>
+              </a:rPr>
+              <a:t>https:// 127.0.0.1:8081  &lt;= … =&gt; RemoteWebHost-1: 443</a:t>
+            </a:r>
+          </a:p>
+          <a:p>
+            <a:r>
+              <a:rPr lang="en-US" sz="900" dirty="0">
+                <a:solidFill>
+                  <a:srgbClr val="002060"/>
+                </a:solidFill>
+              </a:rPr>
+              <a:t>http:// 127.0.0.1:8082  &lt;= … =&gt; RemoteWebHost-3: 8080</a:t>
+            </a:r>
+          </a:p>
+          <a:p>
+            <a:r>
+              <a:rPr lang="en-US" sz="900" dirty="0">
+                <a:solidFill>
+                  <a:srgbClr val="002060"/>
+                </a:solidFill>
+              </a:rPr>
+              <a:t>https:// 127.0.0.1:8083  &lt;= … =&gt; RemoteWebHost-3: 623</a:t>
+            </a:r>
+          </a:p>
+        </p:txBody>
+      </p:sp>
+      <p:sp>
+        <p:nvSpPr>
+          <p:cNvPr id="46" name="TextBox 45">
+            <a:extLst>
+              <a:ext uri="{FF2B5EF4-FFF2-40B4-BE49-F238E27FC236}">
+                <a16:creationId xmlns:a16="http://schemas.microsoft.com/office/drawing/2014/main" id="{61C2EDF5-262D-D533-B96D-916BC15F32C3}"/>
+              </a:ext>
+            </a:extLst>
+          </p:cNvPr>
+          <p:cNvSpPr txBox="1"/>
+          <p:nvPr/>
+        </p:nvSpPr>
+        <p:spPr>
+          <a:xfrm>
+            <a:off x="972508" y="5589743"/>
+            <a:ext cx="802249" cy="230832"/>
+          </a:xfrm>
+          <a:prstGeom prst="rect">
+            <a:avLst/>
+          </a:prstGeom>
+          <a:noFill/>
+        </p:spPr>
+        <p:txBody>
+          <a:bodyPr wrap="square" rtlCol="0">
+            <a:spAutoFit/>
+          </a:bodyPr>
+          <a:lstStyle/>
+          <a:p>
+            <a:r>
+              <a:rPr lang="en-US" sz="900" dirty="0" err="1">
+                <a:solidFill>
+                  <a:srgbClr val="002060"/>
+                </a:solidFill>
+              </a:rPr>
+              <a:t>ssh</a:t>
+            </a:r>
+            <a:endParaRPr lang="en-SG" sz="900" dirty="0">
+              <a:solidFill>
+                <a:srgbClr val="002060"/>
+              </a:solidFill>
+            </a:endParaRPr>
+          </a:p>
+        </p:txBody>
+      </p:sp>
+      <p:cxnSp>
+        <p:nvCxnSpPr>
+          <p:cNvPr id="48" name="Straight Connector 47">
+            <a:extLst>
+              <a:ext uri="{FF2B5EF4-FFF2-40B4-BE49-F238E27FC236}">
+                <a16:creationId xmlns:a16="http://schemas.microsoft.com/office/drawing/2014/main" id="{A3DE38F6-BD6F-2189-4C8B-6EF2661A6003}"/>
+              </a:ext>
+            </a:extLst>
+          </p:cNvPr>
+          <p:cNvCxnSpPr>
+            <a:cxnSpLocks/>
+          </p:cNvCxnSpPr>
+          <p:nvPr/>
+        </p:nvCxnSpPr>
+        <p:spPr>
+          <a:xfrm>
+            <a:off x="1456422" y="5121765"/>
+            <a:ext cx="0" cy="1144244"/>
+          </a:xfrm>
+          <a:prstGeom prst="line">
+            <a:avLst/>
+          </a:prstGeom>
+          <a:ln>
+            <a:solidFill>
+              <a:srgbClr val="FF0000"/>
+            </a:solidFill>
+          </a:ln>
+        </p:spPr>
+        <p:style>
+          <a:lnRef idx="1">
+            <a:schemeClr val="accent1"/>
+          </a:lnRef>
+          <a:fillRef idx="0">
+            <a:schemeClr val="accent1"/>
+          </a:fillRef>
+          <a:effectRef idx="0">
+            <a:schemeClr val="accent1"/>
+          </a:effectRef>
+          <a:fontRef idx="minor">
+            <a:schemeClr val="tx1"/>
+          </a:fontRef>
+        </p:style>
+      </p:cxnSp>
+      <p:sp>
+        <p:nvSpPr>
+          <p:cNvPr id="51" name="TextBox 50">
+            <a:extLst>
+              <a:ext uri="{FF2B5EF4-FFF2-40B4-BE49-F238E27FC236}">
+                <a16:creationId xmlns:a16="http://schemas.microsoft.com/office/drawing/2014/main" id="{05951C27-10C8-2932-DBCA-70D3C2683154}"/>
+              </a:ext>
+            </a:extLst>
+          </p:cNvPr>
+          <p:cNvSpPr txBox="1"/>
+          <p:nvPr/>
+        </p:nvSpPr>
+        <p:spPr>
+          <a:xfrm>
+            <a:off x="690254" y="6295684"/>
+            <a:ext cx="1256944" cy="369332"/>
+          </a:xfrm>
+          <a:prstGeom prst="rect">
+            <a:avLst/>
+          </a:prstGeom>
+          <a:noFill/>
+        </p:spPr>
+        <p:txBody>
+          <a:bodyPr wrap="square" rtlCol="0">
+            <a:spAutoFit/>
+          </a:bodyPr>
+          <a:lstStyle/>
+          <a:p>
+            <a:r>
+              <a:rPr lang="en-US" sz="900" b="1" dirty="0">
+                <a:solidFill>
+                  <a:srgbClr val="FF0000"/>
+                </a:solidFill>
+                <a:effectLst/>
+              </a:rPr>
+              <a:t>FIREWALL (only port 22 is open</a:t>
+            </a:r>
+            <a:r>
+              <a:rPr lang="en-US" sz="900" b="0" dirty="0">
+                <a:solidFill>
+                  <a:srgbClr val="FF0000"/>
+                </a:solidFill>
+                <a:effectLst/>
+              </a:rPr>
+              <a:t>)</a:t>
+            </a:r>
+          </a:p>
+        </p:txBody>
+      </p:sp>
+    </p:spTree>
+    <p:extLst>
+      <p:ext uri="{BB962C8B-B14F-4D97-AF65-F5344CB8AC3E}">
+        <p14:creationId xmlns:p14="http://schemas.microsoft.com/office/powerpoint/2010/main" val="3559052162"/>
+      </p:ext>
+    </p:extLst>
+  </p:cSld>
+  <p:clrMapOvr>
+    <a:masterClrMapping/>
+  </p:clrMapOvr>
+</p:sld>
+</file>
+
+<file path=ppt/slides/slide3.xml><?xml version="1.0" encoding="utf-8"?>
+<p:sld xmlns:a="http://schemas.openxmlformats.org/drawingml/2006/main" xmlns:r="http://schemas.openxmlformats.org/officeDocument/2006/relationships" xmlns:p="http://schemas.openxmlformats.org/presentationml/2006/main">
+  <p:cSld>
+    <p:spTree>
+      <p:nvGrpSpPr>
+        <p:cNvPr id="1" name=""/>
+        <p:cNvGrpSpPr/>
+        <p:nvPr/>
+      </p:nvGrpSpPr>
+      <p:grpSpPr>
+        <a:xfrm>
+          <a:off x="0" y="0"/>
+          <a:ext cx="0" cy="0"/>
+          <a:chOff x="0" y="0"/>
+          <a:chExt cx="0" cy="0"/>
+        </a:xfrm>
+      </p:grpSpPr>
       <p:cxnSp>
         <p:nvCxnSpPr>
           <p:cNvPr id="104" name="Straight Arrow Connector 103">
@@ -11399,7 +11640,7 @@
 </p:sld>
 </file>
 
-<file path=ppt/slides/slide3.xml><?xml version="1.0" encoding="utf-8"?>
+<file path=ppt/slides/slide4.xml><?xml version="1.0" encoding="utf-8"?>
 <p:sld xmlns:a="http://schemas.openxmlformats.org/drawingml/2006/main" xmlns:r="http://schemas.openxmlformats.org/officeDocument/2006/relationships" xmlns:p="http://schemas.openxmlformats.org/presentationml/2006/main">
   <p:cSld>
     <p:spTree>

--- a/doc/designDoc.pptx
+++ b/doc/designDoc.pptx
@@ -3792,10 +3792,10 @@
       </p:grpSpPr>
       <p:sp>
         <p:nvSpPr>
-          <p:cNvPr id="14" name="Rectangle: Rounded Corners 13">
-            <a:extLst>
-              <a:ext uri="{FF2B5EF4-FFF2-40B4-BE49-F238E27FC236}">
-                <a16:creationId xmlns:a16="http://schemas.microsoft.com/office/drawing/2014/main" id="{D5F770FD-47BB-5095-07B6-9785EF2698E0}"/>
+          <p:cNvPr id="49" name="Rectangle 48">
+            <a:extLst>
+              <a:ext uri="{FF2B5EF4-FFF2-40B4-BE49-F238E27FC236}">
+                <a16:creationId xmlns:a16="http://schemas.microsoft.com/office/drawing/2014/main" id="{A1E5844C-0ED0-E0BB-EB76-A9558E916DF7}"/>
               </a:ext>
             </a:extLst>
           </p:cNvPr>
@@ -3804,16 +3804,18 @@
         </p:nvSpPr>
         <p:spPr>
           <a:xfrm>
-            <a:off x="2871216" y="1499617"/>
-            <a:ext cx="2432304" cy="2020824"/>
-          </a:xfrm>
-          <a:prstGeom prst="roundRect">
-            <a:avLst/>
-          </a:prstGeom>
-          <a:noFill/>
-          <a:ln w="28575">
-            <a:prstDash val="sysDash"/>
-          </a:ln>
+            <a:off x="4623817" y="2937068"/>
+            <a:ext cx="2961345" cy="877286"/>
+          </a:xfrm>
+          <a:prstGeom prst="rect">
+            <a:avLst/>
+          </a:prstGeom>
+          <a:solidFill>
+            <a:schemeClr val="accent6">
+              <a:lumMod val="20000"/>
+              <a:lumOff val="80000"/>
+            </a:schemeClr>
+          </a:solidFill>
         </p:spPr>
         <p:style>
           <a:lnRef idx="2">
@@ -3840,6 +3842,102 @@
           </a:p>
         </p:txBody>
       </p:sp>
+      <p:cxnSp>
+        <p:nvCxnSpPr>
+          <p:cNvPr id="1036" name="Straight Arrow Connector 1035">
+            <a:extLst>
+              <a:ext uri="{FF2B5EF4-FFF2-40B4-BE49-F238E27FC236}">
+                <a16:creationId xmlns:a16="http://schemas.microsoft.com/office/drawing/2014/main" id="{2D10D0C4-56AB-A42A-09FA-B8E3D387FEBD}"/>
+              </a:ext>
+            </a:extLst>
+          </p:cNvPr>
+          <p:cNvCxnSpPr>
+            <a:cxnSpLocks/>
+          </p:cNvCxnSpPr>
+          <p:nvPr/>
+        </p:nvCxnSpPr>
+        <p:spPr>
+          <a:xfrm>
+            <a:off x="5161625" y="3690624"/>
+            <a:ext cx="736" cy="1081976"/>
+          </a:xfrm>
+          <a:prstGeom prst="straightConnector1">
+            <a:avLst/>
+          </a:prstGeom>
+          <a:ln w="19050">
+            <a:solidFill>
+              <a:schemeClr val="accent6">
+                <a:lumMod val="50000"/>
+              </a:schemeClr>
+            </a:solidFill>
+            <a:tailEnd type="triangle"/>
+          </a:ln>
+        </p:spPr>
+        <p:style>
+          <a:lnRef idx="1">
+            <a:schemeClr val="accent1"/>
+          </a:lnRef>
+          <a:fillRef idx="0">
+            <a:schemeClr val="accent1"/>
+          </a:fillRef>
+          <a:effectRef idx="0">
+            <a:schemeClr val="accent1"/>
+          </a:effectRef>
+          <a:fontRef idx="minor">
+            <a:schemeClr val="tx1"/>
+          </a:fontRef>
+        </p:style>
+      </p:cxnSp>
+      <p:sp>
+        <p:nvSpPr>
+          <p:cNvPr id="14" name="Rectangle: Rounded Corners 13">
+            <a:extLst>
+              <a:ext uri="{FF2B5EF4-FFF2-40B4-BE49-F238E27FC236}">
+                <a16:creationId xmlns:a16="http://schemas.microsoft.com/office/drawing/2014/main" id="{D5F770FD-47BB-5095-07B6-9785EF2698E0}"/>
+              </a:ext>
+            </a:extLst>
+          </p:cNvPr>
+          <p:cNvSpPr/>
+          <p:nvPr/>
+        </p:nvSpPr>
+        <p:spPr>
+          <a:xfrm>
+            <a:off x="594360" y="649225"/>
+            <a:ext cx="2432304" cy="2020824"/>
+          </a:xfrm>
+          <a:prstGeom prst="roundRect">
+            <a:avLst/>
+          </a:prstGeom>
+          <a:noFill/>
+          <a:ln w="28575">
+            <a:prstDash val="sysDash"/>
+          </a:ln>
+        </p:spPr>
+        <p:style>
+          <a:lnRef idx="2">
+            <a:schemeClr val="accent1">
+              <a:shade val="15000"/>
+            </a:schemeClr>
+          </a:lnRef>
+          <a:fillRef idx="1">
+            <a:schemeClr val="accent1"/>
+          </a:fillRef>
+          <a:effectRef idx="0">
+            <a:schemeClr val="accent1"/>
+          </a:effectRef>
+          <a:fontRef idx="minor">
+            <a:schemeClr val="lt1"/>
+          </a:fontRef>
+        </p:style>
+        <p:txBody>
+          <a:bodyPr rtlCol="0" anchor="ctr"/>
+          <a:lstStyle/>
+          <a:p>
+            <a:pPr algn="ctr"/>
+            <a:endParaRPr lang="en-SG" dirty="0"/>
+          </a:p>
+        </p:txBody>
+      </p:sp>
       <p:pic>
         <p:nvPicPr>
           <p:cNvPr id="1026" name="Picture 2" descr="Ssh - Free interface icons">
@@ -3869,7 +3967,7 @@
         </p:blipFill>
         <p:spPr bwMode="auto">
           <a:xfrm>
-            <a:off x="3156947" y="2132312"/>
+            <a:off x="880091" y="1281920"/>
             <a:ext cx="744956" cy="744956"/>
           </a:xfrm>
           <a:prstGeom prst="rect">
@@ -3918,7 +4016,7 @@
         </p:blipFill>
         <p:spPr>
           <a:xfrm>
-            <a:off x="3156947" y="1392965"/>
+            <a:off x="880091" y="542573"/>
             <a:ext cx="1870697" cy="1870697"/>
           </a:xfrm>
           <a:prstGeom prst="rect">
@@ -3957,7 +4055,7 @@
         </p:blipFill>
         <p:spPr>
           <a:xfrm>
-            <a:off x="4113244" y="1677917"/>
+            <a:off x="1836388" y="827525"/>
             <a:ext cx="914400" cy="914400"/>
           </a:xfrm>
           <a:prstGeom prst="rect">
@@ -3979,7 +4077,7 @@
         </p:nvSpPr>
         <p:spPr>
           <a:xfrm>
-            <a:off x="3030115" y="3038288"/>
+            <a:off x="753259" y="2187896"/>
             <a:ext cx="2166258" cy="369332"/>
           </a:xfrm>
           <a:prstGeom prst="rect">
@@ -3997,6 +4095,2020 @@
               <a:rPr lang="en-SG" b="1" dirty="0"/>
               <a:t>SSH Connection Tool</a:t>
             </a:r>
+          </a:p>
+        </p:txBody>
+      </p:sp>
+      <p:sp>
+        <p:nvSpPr>
+          <p:cNvPr id="3" name="Rectangle 2">
+            <a:extLst>
+              <a:ext uri="{FF2B5EF4-FFF2-40B4-BE49-F238E27FC236}">
+                <a16:creationId xmlns:a16="http://schemas.microsoft.com/office/drawing/2014/main" id="{97E56F65-5674-DDEF-09F3-541D9F3A3389}"/>
+              </a:ext>
+            </a:extLst>
+          </p:cNvPr>
+          <p:cNvSpPr/>
+          <p:nvPr/>
+        </p:nvSpPr>
+        <p:spPr>
+          <a:xfrm>
+            <a:off x="4653879" y="1297320"/>
+            <a:ext cx="3176958" cy="1279514"/>
+          </a:xfrm>
+          <a:prstGeom prst="rect">
+            <a:avLst/>
+          </a:prstGeom>
+          <a:solidFill>
+            <a:schemeClr val="accent6">
+              <a:lumMod val="20000"/>
+              <a:lumOff val="80000"/>
+            </a:schemeClr>
+          </a:solidFill>
+        </p:spPr>
+        <p:style>
+          <a:lnRef idx="2">
+            <a:schemeClr val="accent1">
+              <a:shade val="15000"/>
+            </a:schemeClr>
+          </a:lnRef>
+          <a:fillRef idx="1">
+            <a:schemeClr val="accent1"/>
+          </a:fillRef>
+          <a:effectRef idx="0">
+            <a:schemeClr val="accent1"/>
+          </a:effectRef>
+          <a:fontRef idx="minor">
+            <a:schemeClr val="lt1"/>
+          </a:fontRef>
+        </p:style>
+        <p:txBody>
+          <a:bodyPr rtlCol="0" anchor="ctr"/>
+          <a:lstStyle/>
+          <a:p>
+            <a:pPr algn="ctr"/>
+            <a:endParaRPr lang="en-SG" dirty="0"/>
+          </a:p>
+        </p:txBody>
+      </p:sp>
+      <p:sp>
+        <p:nvSpPr>
+          <p:cNvPr id="4" name="Rectangle 3">
+            <a:extLst>
+              <a:ext uri="{FF2B5EF4-FFF2-40B4-BE49-F238E27FC236}">
+                <a16:creationId xmlns:a16="http://schemas.microsoft.com/office/drawing/2014/main" id="{5E0D7D3C-F841-D721-E004-369060AB75BD}"/>
+              </a:ext>
+            </a:extLst>
+          </p:cNvPr>
+          <p:cNvSpPr/>
+          <p:nvPr/>
+        </p:nvSpPr>
+        <p:spPr>
+          <a:xfrm>
+            <a:off x="6307107" y="1696062"/>
+            <a:ext cx="1204248" cy="235445"/>
+          </a:xfrm>
+          <a:prstGeom prst="rect">
+            <a:avLst/>
+          </a:prstGeom>
+          <a:solidFill>
+            <a:schemeClr val="accent6">
+              <a:lumMod val="60000"/>
+              <a:lumOff val="40000"/>
+            </a:schemeClr>
+          </a:solidFill>
+          <a:ln>
+            <a:prstDash val="sysDash"/>
+          </a:ln>
+        </p:spPr>
+        <p:style>
+          <a:lnRef idx="2">
+            <a:schemeClr val="accent1">
+              <a:shade val="15000"/>
+            </a:schemeClr>
+          </a:lnRef>
+          <a:fillRef idx="1">
+            <a:schemeClr val="accent1"/>
+          </a:fillRef>
+          <a:effectRef idx="0">
+            <a:schemeClr val="accent1"/>
+          </a:effectRef>
+          <a:fontRef idx="minor">
+            <a:schemeClr val="lt1"/>
+          </a:fontRef>
+        </p:style>
+        <p:txBody>
+          <a:bodyPr rtlCol="0" anchor="ctr"/>
+          <a:lstStyle/>
+          <a:p>
+            <a:r>
+              <a:rPr lang="en-US" sz="1200" b="1" dirty="0">
+                <a:solidFill>
+                  <a:schemeClr val="tx1"/>
+                </a:solidFill>
+              </a:rPr>
+              <a:t>Commands list </a:t>
+            </a:r>
+            <a:endParaRPr lang="en-SG" sz="1200" b="1" dirty="0">
+              <a:solidFill>
+                <a:schemeClr val="tx1"/>
+              </a:solidFill>
+            </a:endParaRPr>
+          </a:p>
+        </p:txBody>
+      </p:sp>
+      <p:sp>
+        <p:nvSpPr>
+          <p:cNvPr id="5" name="Rectangle 4">
+            <a:extLst>
+              <a:ext uri="{FF2B5EF4-FFF2-40B4-BE49-F238E27FC236}">
+                <a16:creationId xmlns:a16="http://schemas.microsoft.com/office/drawing/2014/main" id="{9306809B-8FD3-32BC-CC89-13A7D1B2A8A6}"/>
+              </a:ext>
+            </a:extLst>
+          </p:cNvPr>
+          <p:cNvSpPr/>
+          <p:nvPr/>
+        </p:nvSpPr>
+        <p:spPr>
+          <a:xfrm>
+            <a:off x="6307107" y="1374780"/>
+            <a:ext cx="801542" cy="226530"/>
+          </a:xfrm>
+          <a:prstGeom prst="rect">
+            <a:avLst/>
+          </a:prstGeom>
+          <a:solidFill>
+            <a:schemeClr val="accent6">
+              <a:lumMod val="60000"/>
+              <a:lumOff val="40000"/>
+            </a:schemeClr>
+          </a:solidFill>
+          <a:ln>
+            <a:prstDash val="sysDash"/>
+          </a:ln>
+        </p:spPr>
+        <p:style>
+          <a:lnRef idx="2">
+            <a:schemeClr val="accent1">
+              <a:shade val="15000"/>
+            </a:schemeClr>
+          </a:lnRef>
+          <a:fillRef idx="1">
+            <a:schemeClr val="accent1"/>
+          </a:fillRef>
+          <a:effectRef idx="0">
+            <a:schemeClr val="accent1"/>
+          </a:effectRef>
+          <a:fontRef idx="minor">
+            <a:schemeClr val="lt1"/>
+          </a:fontRef>
+        </p:style>
+        <p:txBody>
+          <a:bodyPr rtlCol="0" anchor="ctr"/>
+          <a:lstStyle/>
+          <a:p>
+            <a:r>
+              <a:rPr lang="en-US" sz="1200" b="1" dirty="0">
+                <a:solidFill>
+                  <a:schemeClr val="tx1"/>
+                </a:solidFill>
+              </a:rPr>
+              <a:t>Host Info</a:t>
+            </a:r>
+            <a:endParaRPr lang="en-SG" sz="1200" b="1" dirty="0">
+              <a:solidFill>
+                <a:schemeClr val="tx1"/>
+              </a:solidFill>
+            </a:endParaRPr>
+          </a:p>
+        </p:txBody>
+      </p:sp>
+      <p:pic>
+        <p:nvPicPr>
+          <p:cNvPr id="6" name="Picture 5">
+            <a:extLst>
+              <a:ext uri="{FF2B5EF4-FFF2-40B4-BE49-F238E27FC236}">
+                <a16:creationId xmlns:a16="http://schemas.microsoft.com/office/drawing/2014/main" id="{30144B9E-684A-9B51-75DD-B62318AC4E17}"/>
+              </a:ext>
+            </a:extLst>
+          </p:cNvPr>
+          <p:cNvPicPr>
+            <a:picLocks noChangeAspect="1"/>
+          </p:cNvPicPr>
+          <p:nvPr/>
+        </p:nvPicPr>
+        <p:blipFill>
+          <a:blip r:embed="rId7"/>
+          <a:stretch>
+            <a:fillRect/>
+          </a:stretch>
+        </p:blipFill>
+        <p:spPr>
+          <a:xfrm>
+            <a:off x="8684712" y="1650757"/>
+            <a:ext cx="657406" cy="480945"/>
+          </a:xfrm>
+          <a:prstGeom prst="rect">
+            <a:avLst/>
+          </a:prstGeom>
+          <a:ln w="3175">
+            <a:solidFill>
+              <a:schemeClr val="tx1"/>
+            </a:solidFill>
+          </a:ln>
+        </p:spPr>
+      </p:pic>
+      <p:pic>
+        <p:nvPicPr>
+          <p:cNvPr id="8" name="Picture 7">
+            <a:extLst>
+              <a:ext uri="{FF2B5EF4-FFF2-40B4-BE49-F238E27FC236}">
+                <a16:creationId xmlns:a16="http://schemas.microsoft.com/office/drawing/2014/main" id="{F0690815-B0C6-B127-69E9-BCB051817C61}"/>
+              </a:ext>
+            </a:extLst>
+          </p:cNvPr>
+          <p:cNvPicPr>
+            <a:picLocks noChangeAspect="1"/>
+          </p:cNvPicPr>
+          <p:nvPr/>
+        </p:nvPicPr>
+        <p:blipFill>
+          <a:blip r:embed="rId7"/>
+          <a:stretch>
+            <a:fillRect/>
+          </a:stretch>
+        </p:blipFill>
+        <p:spPr>
+          <a:xfrm>
+            <a:off x="8684712" y="2780545"/>
+            <a:ext cx="657406" cy="480945"/>
+          </a:xfrm>
+          <a:prstGeom prst="rect">
+            <a:avLst/>
+          </a:prstGeom>
+          <a:ln w="3175">
+            <a:solidFill>
+              <a:schemeClr val="tx1"/>
+            </a:solidFill>
+          </a:ln>
+        </p:spPr>
+      </p:pic>
+      <p:pic>
+        <p:nvPicPr>
+          <p:cNvPr id="11" name="Picture 10">
+            <a:extLst>
+              <a:ext uri="{FF2B5EF4-FFF2-40B4-BE49-F238E27FC236}">
+                <a16:creationId xmlns:a16="http://schemas.microsoft.com/office/drawing/2014/main" id="{F2F298A6-CAD4-642E-7C71-621E97CFEF80}"/>
+              </a:ext>
+            </a:extLst>
+          </p:cNvPr>
+          <p:cNvPicPr>
+            <a:picLocks noChangeAspect="1"/>
+          </p:cNvPicPr>
+          <p:nvPr/>
+        </p:nvPicPr>
+        <p:blipFill>
+          <a:blip r:embed="rId7"/>
+          <a:stretch>
+            <a:fillRect/>
+          </a:stretch>
+        </p:blipFill>
+        <p:spPr>
+          <a:xfrm>
+            <a:off x="8298098" y="3910333"/>
+            <a:ext cx="657406" cy="480945"/>
+          </a:xfrm>
+          <a:prstGeom prst="rect">
+            <a:avLst/>
+          </a:prstGeom>
+          <a:ln w="3175">
+            <a:solidFill>
+              <a:schemeClr val="tx1"/>
+            </a:solidFill>
+          </a:ln>
+        </p:spPr>
+      </p:pic>
+      <p:pic>
+        <p:nvPicPr>
+          <p:cNvPr id="16" name="Picture 15">
+            <a:extLst>
+              <a:ext uri="{FF2B5EF4-FFF2-40B4-BE49-F238E27FC236}">
+                <a16:creationId xmlns:a16="http://schemas.microsoft.com/office/drawing/2014/main" id="{505A5F88-B667-3C16-03F4-38DABEB75B04}"/>
+              </a:ext>
+            </a:extLst>
+          </p:cNvPr>
+          <p:cNvPicPr>
+            <a:picLocks noChangeAspect="1"/>
+          </p:cNvPicPr>
+          <p:nvPr/>
+        </p:nvPicPr>
+        <p:blipFill>
+          <a:blip r:embed="rId7"/>
+          <a:stretch>
+            <a:fillRect/>
+          </a:stretch>
+        </p:blipFill>
+        <p:spPr>
+          <a:xfrm>
+            <a:off x="8836632" y="4726298"/>
+            <a:ext cx="657406" cy="480945"/>
+          </a:xfrm>
+          <a:prstGeom prst="rect">
+            <a:avLst/>
+          </a:prstGeom>
+          <a:ln w="3175">
+            <a:solidFill>
+              <a:schemeClr val="tx1"/>
+            </a:solidFill>
+          </a:ln>
+        </p:spPr>
+      </p:pic>
+      <p:sp>
+        <p:nvSpPr>
+          <p:cNvPr id="17" name="Rectangle 16">
+            <a:extLst>
+              <a:ext uri="{FF2B5EF4-FFF2-40B4-BE49-F238E27FC236}">
+                <a16:creationId xmlns:a16="http://schemas.microsoft.com/office/drawing/2014/main" id="{C8D05730-CFCE-042F-84C3-2D6815DF19AD}"/>
+              </a:ext>
+            </a:extLst>
+          </p:cNvPr>
+          <p:cNvSpPr/>
+          <p:nvPr/>
+        </p:nvSpPr>
+        <p:spPr>
+          <a:xfrm>
+            <a:off x="6307107" y="2056548"/>
+            <a:ext cx="1428974" cy="349980"/>
+          </a:xfrm>
+          <a:prstGeom prst="rect">
+            <a:avLst/>
+          </a:prstGeom>
+          <a:solidFill>
+            <a:schemeClr val="accent6">
+              <a:lumMod val="60000"/>
+              <a:lumOff val="40000"/>
+            </a:schemeClr>
+          </a:solidFill>
+          <a:ln>
+            <a:prstDash val="sysDash"/>
+          </a:ln>
+        </p:spPr>
+        <p:style>
+          <a:lnRef idx="2">
+            <a:schemeClr val="accent1">
+              <a:shade val="15000"/>
+            </a:schemeClr>
+          </a:lnRef>
+          <a:fillRef idx="1">
+            <a:schemeClr val="accent1"/>
+          </a:fillRef>
+          <a:effectRef idx="0">
+            <a:schemeClr val="accent1"/>
+          </a:effectRef>
+          <a:fontRef idx="minor">
+            <a:schemeClr val="lt1"/>
+          </a:fontRef>
+        </p:style>
+        <p:txBody>
+          <a:bodyPr rtlCol="0" anchor="ctr"/>
+          <a:lstStyle/>
+          <a:p>
+            <a:r>
+              <a:rPr lang="en-US" sz="1200" b="1" dirty="0">
+                <a:solidFill>
+                  <a:schemeClr val="tx1"/>
+                </a:solidFill>
+              </a:rPr>
+              <a:t>Command result handling functions</a:t>
+            </a:r>
+            <a:endParaRPr lang="en-SG" sz="1200" b="1" dirty="0">
+              <a:solidFill>
+                <a:schemeClr val="tx1"/>
+              </a:solidFill>
+            </a:endParaRPr>
+          </a:p>
+        </p:txBody>
+      </p:sp>
+      <p:sp>
+        <p:nvSpPr>
+          <p:cNvPr id="18" name="Rectangle 17">
+            <a:extLst>
+              <a:ext uri="{FF2B5EF4-FFF2-40B4-BE49-F238E27FC236}">
+                <a16:creationId xmlns:a16="http://schemas.microsoft.com/office/drawing/2014/main" id="{809A4725-227E-DD57-D544-3686610F87F9}"/>
+              </a:ext>
+            </a:extLst>
+          </p:cNvPr>
+          <p:cNvSpPr/>
+          <p:nvPr/>
+        </p:nvSpPr>
+        <p:spPr>
+          <a:xfrm>
+            <a:off x="4854076" y="1770924"/>
+            <a:ext cx="1099104" cy="591763"/>
+          </a:xfrm>
+          <a:prstGeom prst="rect">
+            <a:avLst/>
+          </a:prstGeom>
+          <a:solidFill>
+            <a:schemeClr val="accent6">
+              <a:lumMod val="60000"/>
+              <a:lumOff val="40000"/>
+            </a:schemeClr>
+          </a:solidFill>
+          <a:ln>
+            <a:prstDash val="sysDash"/>
+          </a:ln>
+        </p:spPr>
+        <p:style>
+          <a:lnRef idx="2">
+            <a:schemeClr val="accent1">
+              <a:shade val="15000"/>
+            </a:schemeClr>
+          </a:lnRef>
+          <a:fillRef idx="1">
+            <a:schemeClr val="accent1"/>
+          </a:fillRef>
+          <a:effectRef idx="0">
+            <a:schemeClr val="accent1"/>
+          </a:effectRef>
+          <a:fontRef idx="minor">
+            <a:schemeClr val="lt1"/>
+          </a:fontRef>
+        </p:style>
+        <p:txBody>
+          <a:bodyPr rtlCol="0" anchor="ctr"/>
+          <a:lstStyle/>
+          <a:p>
+            <a:r>
+              <a:rPr lang="en-US" sz="1200" b="1" dirty="0">
+                <a:solidFill>
+                  <a:schemeClr val="tx1"/>
+                </a:solidFill>
+              </a:rPr>
+              <a:t>Children SSH connectors reference list </a:t>
+            </a:r>
+            <a:endParaRPr lang="en-SG" sz="1200" b="1" dirty="0">
+              <a:solidFill>
+                <a:schemeClr val="tx1"/>
+              </a:solidFill>
+            </a:endParaRPr>
+          </a:p>
+        </p:txBody>
+      </p:sp>
+      <p:sp>
+        <p:nvSpPr>
+          <p:cNvPr id="20" name="TextBox 19">
+            <a:extLst>
+              <a:ext uri="{FF2B5EF4-FFF2-40B4-BE49-F238E27FC236}">
+                <a16:creationId xmlns:a16="http://schemas.microsoft.com/office/drawing/2014/main" id="{EACA621E-805A-C2BE-03C4-326B644EC296}"/>
+              </a:ext>
+            </a:extLst>
+          </p:cNvPr>
+          <p:cNvSpPr txBox="1"/>
+          <p:nvPr/>
+        </p:nvSpPr>
+        <p:spPr>
+          <a:xfrm>
+            <a:off x="8527319" y="1315737"/>
+            <a:ext cx="1054547" cy="307777"/>
+          </a:xfrm>
+          <a:prstGeom prst="rect">
+            <a:avLst/>
+          </a:prstGeom>
+          <a:noFill/>
+        </p:spPr>
+        <p:txBody>
+          <a:bodyPr wrap="square" rtlCol="0">
+            <a:spAutoFit/>
+          </a:bodyPr>
+          <a:lstStyle/>
+          <a:p>
+            <a:r>
+              <a:rPr lang="en-SG" sz="1400" b="1" dirty="0">
+                <a:solidFill>
+                  <a:srgbClr val="002060"/>
+                </a:solidFill>
+              </a:rPr>
+              <a:t>Jumphost1</a:t>
+            </a:r>
+          </a:p>
+        </p:txBody>
+      </p:sp>
+      <p:cxnSp>
+        <p:nvCxnSpPr>
+          <p:cNvPr id="24" name="Connector: Elbow 23">
+            <a:extLst>
+              <a:ext uri="{FF2B5EF4-FFF2-40B4-BE49-F238E27FC236}">
+                <a16:creationId xmlns:a16="http://schemas.microsoft.com/office/drawing/2014/main" id="{B37EBC4F-0CE6-7DF3-D54B-86870DEEB5E1}"/>
+              </a:ext>
+            </a:extLst>
+          </p:cNvPr>
+          <p:cNvCxnSpPr>
+            <a:cxnSpLocks/>
+          </p:cNvCxnSpPr>
+          <p:nvPr/>
+        </p:nvCxnSpPr>
+        <p:spPr>
+          <a:xfrm>
+            <a:off x="7108649" y="1484442"/>
+            <a:ext cx="1576063" cy="233824"/>
+          </a:xfrm>
+          <a:prstGeom prst="bentConnector3">
+            <a:avLst>
+              <a:gd name="adj1" fmla="val 59393"/>
+            </a:avLst>
+          </a:prstGeom>
+          <a:ln w="19050">
+            <a:tailEnd type="triangle"/>
+          </a:ln>
+        </p:spPr>
+        <p:style>
+          <a:lnRef idx="1">
+            <a:schemeClr val="accent1"/>
+          </a:lnRef>
+          <a:fillRef idx="0">
+            <a:schemeClr val="accent1"/>
+          </a:fillRef>
+          <a:effectRef idx="0">
+            <a:schemeClr val="accent1"/>
+          </a:effectRef>
+          <a:fontRef idx="minor">
+            <a:schemeClr val="tx1"/>
+          </a:fontRef>
+        </p:style>
+      </p:cxnSp>
+      <p:sp>
+        <p:nvSpPr>
+          <p:cNvPr id="29" name="TextBox 28">
+            <a:extLst>
+              <a:ext uri="{FF2B5EF4-FFF2-40B4-BE49-F238E27FC236}">
+                <a16:creationId xmlns:a16="http://schemas.microsoft.com/office/drawing/2014/main" id="{C13240F8-A120-5275-B829-99BD9FD0723A}"/>
+              </a:ext>
+            </a:extLst>
+          </p:cNvPr>
+          <p:cNvSpPr txBox="1"/>
+          <p:nvPr/>
+        </p:nvSpPr>
+        <p:spPr>
+          <a:xfrm>
+            <a:off x="7797845" y="1240624"/>
+            <a:ext cx="657406" cy="276999"/>
+          </a:xfrm>
+          <a:prstGeom prst="rect">
+            <a:avLst/>
+          </a:prstGeom>
+          <a:noFill/>
+        </p:spPr>
+        <p:txBody>
+          <a:bodyPr wrap="square" rtlCol="0">
+            <a:spAutoFit/>
+          </a:bodyPr>
+          <a:lstStyle/>
+          <a:p>
+            <a:r>
+              <a:rPr lang="en-US" sz="1200" b="1" dirty="0"/>
+              <a:t>login</a:t>
+            </a:r>
+            <a:endParaRPr lang="en-SG" sz="1200" b="1" dirty="0"/>
+          </a:p>
+        </p:txBody>
+      </p:sp>
+      <p:cxnSp>
+        <p:nvCxnSpPr>
+          <p:cNvPr id="33" name="Straight Arrow Connector 32">
+            <a:extLst>
+              <a:ext uri="{FF2B5EF4-FFF2-40B4-BE49-F238E27FC236}">
+                <a16:creationId xmlns:a16="http://schemas.microsoft.com/office/drawing/2014/main" id="{D8F8FF85-B0D7-4B81-D5D6-15942AEFC43B}"/>
+              </a:ext>
+            </a:extLst>
+          </p:cNvPr>
+          <p:cNvCxnSpPr>
+            <a:cxnSpLocks/>
+            <a:endCxn id="6" idx="1"/>
+          </p:cNvCxnSpPr>
+          <p:nvPr/>
+        </p:nvCxnSpPr>
+        <p:spPr>
+          <a:xfrm>
+            <a:off x="7530223" y="1870766"/>
+            <a:ext cx="1154489" cy="0"/>
+          </a:xfrm>
+          <a:prstGeom prst="straightConnector1">
+            <a:avLst/>
+          </a:prstGeom>
+          <a:ln w="19050">
+            <a:tailEnd type="triangle"/>
+          </a:ln>
+        </p:spPr>
+        <p:style>
+          <a:lnRef idx="1">
+            <a:schemeClr val="accent1"/>
+          </a:lnRef>
+          <a:fillRef idx="0">
+            <a:schemeClr val="accent1"/>
+          </a:fillRef>
+          <a:effectRef idx="0">
+            <a:schemeClr val="accent1"/>
+          </a:effectRef>
+          <a:fontRef idx="minor">
+            <a:schemeClr val="tx1"/>
+          </a:fontRef>
+        </p:style>
+      </p:cxnSp>
+      <p:sp>
+        <p:nvSpPr>
+          <p:cNvPr id="35" name="TextBox 34">
+            <a:extLst>
+              <a:ext uri="{FF2B5EF4-FFF2-40B4-BE49-F238E27FC236}">
+                <a16:creationId xmlns:a16="http://schemas.microsoft.com/office/drawing/2014/main" id="{D97FCB2D-50F4-3392-C06A-A0D9120B3ECF}"/>
+              </a:ext>
+            </a:extLst>
+          </p:cNvPr>
+          <p:cNvSpPr txBox="1"/>
+          <p:nvPr/>
+        </p:nvSpPr>
+        <p:spPr>
+          <a:xfrm>
+            <a:off x="7752712" y="1659637"/>
+            <a:ext cx="763903" cy="276999"/>
+          </a:xfrm>
+          <a:prstGeom prst="rect">
+            <a:avLst/>
+          </a:prstGeom>
+          <a:noFill/>
+        </p:spPr>
+        <p:txBody>
+          <a:bodyPr wrap="square" rtlCol="0">
+            <a:spAutoFit/>
+          </a:bodyPr>
+          <a:lstStyle/>
+          <a:p>
+            <a:r>
+              <a:rPr lang="en-US" sz="1200" b="1" dirty="0"/>
+              <a:t>execute</a:t>
+            </a:r>
+            <a:endParaRPr lang="en-SG" sz="1200" b="1" dirty="0"/>
+          </a:p>
+        </p:txBody>
+      </p:sp>
+      <p:cxnSp>
+        <p:nvCxnSpPr>
+          <p:cNvPr id="36" name="Straight Arrow Connector 35">
+            <a:extLst>
+              <a:ext uri="{FF2B5EF4-FFF2-40B4-BE49-F238E27FC236}">
+                <a16:creationId xmlns:a16="http://schemas.microsoft.com/office/drawing/2014/main" id="{D61E7EA0-B470-A4E9-877A-BCB10932F101}"/>
+              </a:ext>
+            </a:extLst>
+          </p:cNvPr>
+          <p:cNvCxnSpPr>
+            <a:cxnSpLocks/>
+          </p:cNvCxnSpPr>
+          <p:nvPr/>
+        </p:nvCxnSpPr>
+        <p:spPr>
+          <a:xfrm flipH="1">
+            <a:off x="7736081" y="2131702"/>
+            <a:ext cx="925569" cy="0"/>
+          </a:xfrm>
+          <a:prstGeom prst="straightConnector1">
+            <a:avLst/>
+          </a:prstGeom>
+          <a:ln w="19050">
+            <a:tailEnd type="triangle"/>
+          </a:ln>
+        </p:spPr>
+        <p:style>
+          <a:lnRef idx="1">
+            <a:schemeClr val="accent1"/>
+          </a:lnRef>
+          <a:fillRef idx="0">
+            <a:schemeClr val="accent1"/>
+          </a:fillRef>
+          <a:effectRef idx="0">
+            <a:schemeClr val="accent1"/>
+          </a:effectRef>
+          <a:fontRef idx="minor">
+            <a:schemeClr val="tx1"/>
+          </a:fontRef>
+        </p:style>
+      </p:cxnSp>
+      <p:sp>
+        <p:nvSpPr>
+          <p:cNvPr id="39" name="TextBox 38">
+            <a:extLst>
+              <a:ext uri="{FF2B5EF4-FFF2-40B4-BE49-F238E27FC236}">
+                <a16:creationId xmlns:a16="http://schemas.microsoft.com/office/drawing/2014/main" id="{03474102-BCAA-F971-D59B-33822754AE3B}"/>
+              </a:ext>
+            </a:extLst>
+          </p:cNvPr>
+          <p:cNvSpPr txBox="1"/>
+          <p:nvPr/>
+        </p:nvSpPr>
+        <p:spPr>
+          <a:xfrm>
+            <a:off x="7791774" y="1896155"/>
+            <a:ext cx="763903" cy="276999"/>
+          </a:xfrm>
+          <a:prstGeom prst="rect">
+            <a:avLst/>
+          </a:prstGeom>
+          <a:noFill/>
+        </p:spPr>
+        <p:txBody>
+          <a:bodyPr wrap="square" rtlCol="0">
+            <a:spAutoFit/>
+          </a:bodyPr>
+          <a:lstStyle/>
+          <a:p>
+            <a:r>
+              <a:rPr lang="en-US" sz="1200" b="1" dirty="0"/>
+              <a:t>result </a:t>
+            </a:r>
+            <a:endParaRPr lang="en-SG" sz="1200" b="1" dirty="0"/>
+          </a:p>
+        </p:txBody>
+      </p:sp>
+      <p:sp>
+        <p:nvSpPr>
+          <p:cNvPr id="40" name="TextBox 39">
+            <a:extLst>
+              <a:ext uri="{FF2B5EF4-FFF2-40B4-BE49-F238E27FC236}">
+                <a16:creationId xmlns:a16="http://schemas.microsoft.com/office/drawing/2014/main" id="{BE4329A6-0F8D-BB1D-360E-7EF3A94498F1}"/>
+              </a:ext>
+            </a:extLst>
+          </p:cNvPr>
+          <p:cNvSpPr txBox="1"/>
+          <p:nvPr/>
+        </p:nvSpPr>
+        <p:spPr>
+          <a:xfrm>
+            <a:off x="4623818" y="1340330"/>
+            <a:ext cx="1693469" cy="307777"/>
+          </a:xfrm>
+          <a:prstGeom prst="rect">
+            <a:avLst/>
+          </a:prstGeom>
+          <a:noFill/>
+        </p:spPr>
+        <p:txBody>
+          <a:bodyPr wrap="square" rtlCol="0">
+            <a:spAutoFit/>
+          </a:bodyPr>
+          <a:lstStyle/>
+          <a:p>
+            <a:r>
+              <a:rPr lang="en-SG" sz="1400" b="1" dirty="0"/>
+              <a:t>SSH Connector(root)</a:t>
+            </a:r>
+          </a:p>
+        </p:txBody>
+      </p:sp>
+      <p:cxnSp>
+        <p:nvCxnSpPr>
+          <p:cNvPr id="42" name="Straight Connector 41">
+            <a:extLst>
+              <a:ext uri="{FF2B5EF4-FFF2-40B4-BE49-F238E27FC236}">
+                <a16:creationId xmlns:a16="http://schemas.microsoft.com/office/drawing/2014/main" id="{E8799498-8217-1442-CB17-AF829922C0B3}"/>
+              </a:ext>
+            </a:extLst>
+          </p:cNvPr>
+          <p:cNvCxnSpPr>
+            <a:stCxn id="6" idx="2"/>
+            <a:endCxn id="8" idx="0"/>
+          </p:cNvCxnSpPr>
+          <p:nvPr/>
+        </p:nvCxnSpPr>
+        <p:spPr>
+          <a:xfrm>
+            <a:off x="9013415" y="2131702"/>
+            <a:ext cx="0" cy="648843"/>
+          </a:xfrm>
+          <a:prstGeom prst="line">
+            <a:avLst/>
+          </a:prstGeom>
+          <a:ln w="19050">
+            <a:solidFill>
+              <a:schemeClr val="tx1"/>
+            </a:solidFill>
+          </a:ln>
+        </p:spPr>
+        <p:style>
+          <a:lnRef idx="1">
+            <a:schemeClr val="accent1"/>
+          </a:lnRef>
+          <a:fillRef idx="0">
+            <a:schemeClr val="accent1"/>
+          </a:fillRef>
+          <a:effectRef idx="0">
+            <a:schemeClr val="accent1"/>
+          </a:effectRef>
+          <a:fontRef idx="minor">
+            <a:schemeClr val="tx1"/>
+          </a:fontRef>
+        </p:style>
+      </p:cxnSp>
+      <p:cxnSp>
+        <p:nvCxnSpPr>
+          <p:cNvPr id="43" name="Straight Connector 42">
+            <a:extLst>
+              <a:ext uri="{FF2B5EF4-FFF2-40B4-BE49-F238E27FC236}">
+                <a16:creationId xmlns:a16="http://schemas.microsoft.com/office/drawing/2014/main" id="{788B6572-5BF0-DF14-0AFB-328AC9D59AD8}"/>
+              </a:ext>
+            </a:extLst>
+          </p:cNvPr>
+          <p:cNvCxnSpPr/>
+          <p:nvPr/>
+        </p:nvCxnSpPr>
+        <p:spPr>
+          <a:xfrm>
+            <a:off x="8823613" y="3261490"/>
+            <a:ext cx="0" cy="648843"/>
+          </a:xfrm>
+          <a:prstGeom prst="line">
+            <a:avLst/>
+          </a:prstGeom>
+          <a:ln w="19050">
+            <a:solidFill>
+              <a:schemeClr val="tx1"/>
+            </a:solidFill>
+          </a:ln>
+        </p:spPr>
+        <p:style>
+          <a:lnRef idx="1">
+            <a:schemeClr val="accent1"/>
+          </a:lnRef>
+          <a:fillRef idx="0">
+            <a:schemeClr val="accent1"/>
+          </a:fillRef>
+          <a:effectRef idx="0">
+            <a:schemeClr val="accent1"/>
+          </a:effectRef>
+          <a:fontRef idx="minor">
+            <a:schemeClr val="tx1"/>
+          </a:fontRef>
+        </p:style>
+      </p:cxnSp>
+      <p:cxnSp>
+        <p:nvCxnSpPr>
+          <p:cNvPr id="44" name="Straight Connector 43">
+            <a:extLst>
+              <a:ext uri="{FF2B5EF4-FFF2-40B4-BE49-F238E27FC236}">
+                <a16:creationId xmlns:a16="http://schemas.microsoft.com/office/drawing/2014/main" id="{EDD78F1B-1A7C-430A-A1DA-85009966B7AD}"/>
+              </a:ext>
+            </a:extLst>
+          </p:cNvPr>
+          <p:cNvCxnSpPr>
+            <a:cxnSpLocks/>
+            <a:endCxn id="16" idx="0"/>
+          </p:cNvCxnSpPr>
+          <p:nvPr/>
+        </p:nvCxnSpPr>
+        <p:spPr>
+          <a:xfrm flipH="1">
+            <a:off x="9165335" y="3261490"/>
+            <a:ext cx="0" cy="1464808"/>
+          </a:xfrm>
+          <a:prstGeom prst="line">
+            <a:avLst/>
+          </a:prstGeom>
+          <a:ln w="19050">
+            <a:solidFill>
+              <a:schemeClr val="tx1"/>
+            </a:solidFill>
+          </a:ln>
+        </p:spPr>
+        <p:style>
+          <a:lnRef idx="1">
+            <a:schemeClr val="accent1"/>
+          </a:lnRef>
+          <a:fillRef idx="0">
+            <a:schemeClr val="accent1"/>
+          </a:fillRef>
+          <a:effectRef idx="0">
+            <a:schemeClr val="accent1"/>
+          </a:effectRef>
+          <a:fontRef idx="minor">
+            <a:schemeClr val="tx1"/>
+          </a:fontRef>
+        </p:style>
+      </p:cxnSp>
+      <p:sp>
+        <p:nvSpPr>
+          <p:cNvPr id="46" name="TextBox 45">
+            <a:extLst>
+              <a:ext uri="{FF2B5EF4-FFF2-40B4-BE49-F238E27FC236}">
+                <a16:creationId xmlns:a16="http://schemas.microsoft.com/office/drawing/2014/main" id="{F25548C2-CA54-6EBF-7D82-DB186DC6C5EC}"/>
+              </a:ext>
+            </a:extLst>
+          </p:cNvPr>
+          <p:cNvSpPr txBox="1"/>
+          <p:nvPr/>
+        </p:nvSpPr>
+        <p:spPr>
+          <a:xfrm>
+            <a:off x="9054592" y="2472768"/>
+            <a:ext cx="1054547" cy="307777"/>
+          </a:xfrm>
+          <a:prstGeom prst="rect">
+            <a:avLst/>
+          </a:prstGeom>
+          <a:noFill/>
+        </p:spPr>
+        <p:txBody>
+          <a:bodyPr wrap="square" rtlCol="0">
+            <a:spAutoFit/>
+          </a:bodyPr>
+          <a:lstStyle/>
+          <a:p>
+            <a:r>
+              <a:rPr lang="en-SG" sz="1400" b="1" dirty="0">
+                <a:solidFill>
+                  <a:srgbClr val="002060"/>
+                </a:solidFill>
+              </a:rPr>
+              <a:t>Jumphost2</a:t>
+            </a:r>
+          </a:p>
+        </p:txBody>
+      </p:sp>
+      <p:sp>
+        <p:nvSpPr>
+          <p:cNvPr id="47" name="TextBox 46">
+            <a:extLst>
+              <a:ext uri="{FF2B5EF4-FFF2-40B4-BE49-F238E27FC236}">
+                <a16:creationId xmlns:a16="http://schemas.microsoft.com/office/drawing/2014/main" id="{9ADAF137-1776-1798-9990-4AF438B9F950}"/>
+              </a:ext>
+            </a:extLst>
+          </p:cNvPr>
+          <p:cNvSpPr txBox="1"/>
+          <p:nvPr/>
+        </p:nvSpPr>
+        <p:spPr>
+          <a:xfrm>
+            <a:off x="7707834" y="3616677"/>
+            <a:ext cx="1054547" cy="307777"/>
+          </a:xfrm>
+          <a:prstGeom prst="rect">
+            <a:avLst/>
+          </a:prstGeom>
+          <a:noFill/>
+        </p:spPr>
+        <p:txBody>
+          <a:bodyPr wrap="square" rtlCol="0">
+            <a:spAutoFit/>
+          </a:bodyPr>
+          <a:lstStyle/>
+          <a:p>
+            <a:r>
+              <a:rPr lang="en-SG" sz="1400" b="1" dirty="0">
+                <a:solidFill>
+                  <a:srgbClr val="002060"/>
+                </a:solidFill>
+              </a:rPr>
+              <a:t>Jumphost3</a:t>
+            </a:r>
+          </a:p>
+        </p:txBody>
+      </p:sp>
+      <p:sp>
+        <p:nvSpPr>
+          <p:cNvPr id="48" name="TextBox 47">
+            <a:extLst>
+              <a:ext uri="{FF2B5EF4-FFF2-40B4-BE49-F238E27FC236}">
+                <a16:creationId xmlns:a16="http://schemas.microsoft.com/office/drawing/2014/main" id="{CB2D578E-5D5D-D757-2B10-59E5D40D6000}"/>
+              </a:ext>
+            </a:extLst>
+          </p:cNvPr>
+          <p:cNvSpPr txBox="1"/>
+          <p:nvPr/>
+        </p:nvSpPr>
+        <p:spPr>
+          <a:xfrm>
+            <a:off x="8173725" y="4442555"/>
+            <a:ext cx="1054547" cy="307777"/>
+          </a:xfrm>
+          <a:prstGeom prst="rect">
+            <a:avLst/>
+          </a:prstGeom>
+          <a:noFill/>
+        </p:spPr>
+        <p:txBody>
+          <a:bodyPr wrap="square" rtlCol="0">
+            <a:spAutoFit/>
+          </a:bodyPr>
+          <a:lstStyle/>
+          <a:p>
+            <a:r>
+              <a:rPr lang="en-SG" sz="1400" b="1" dirty="0">
+                <a:solidFill>
+                  <a:srgbClr val="002060"/>
+                </a:solidFill>
+              </a:rPr>
+              <a:t>Jumphost4</a:t>
+            </a:r>
+          </a:p>
+        </p:txBody>
+      </p:sp>
+      <p:sp>
+        <p:nvSpPr>
+          <p:cNvPr id="50" name="TextBox 49">
+            <a:extLst>
+              <a:ext uri="{FF2B5EF4-FFF2-40B4-BE49-F238E27FC236}">
+                <a16:creationId xmlns:a16="http://schemas.microsoft.com/office/drawing/2014/main" id="{974E1109-CEA8-114F-682C-1AC89DFFCCA1}"/>
+              </a:ext>
+            </a:extLst>
+          </p:cNvPr>
+          <p:cNvSpPr txBox="1"/>
+          <p:nvPr/>
+        </p:nvSpPr>
+        <p:spPr>
+          <a:xfrm>
+            <a:off x="4704457" y="2934793"/>
+            <a:ext cx="2880709" cy="307777"/>
+          </a:xfrm>
+          <a:prstGeom prst="rect">
+            <a:avLst/>
+          </a:prstGeom>
+          <a:noFill/>
+        </p:spPr>
+        <p:txBody>
+          <a:bodyPr wrap="square" rtlCol="0">
+            <a:spAutoFit/>
+          </a:bodyPr>
+          <a:lstStyle/>
+          <a:p>
+            <a:r>
+              <a:rPr lang="en-SG" sz="1400" b="1" dirty="0"/>
+              <a:t>SSH Connector (lvl1)</a:t>
+            </a:r>
+          </a:p>
+        </p:txBody>
+      </p:sp>
+      <p:cxnSp>
+        <p:nvCxnSpPr>
+          <p:cNvPr id="52" name="Straight Arrow Connector 51">
+            <a:extLst>
+              <a:ext uri="{FF2B5EF4-FFF2-40B4-BE49-F238E27FC236}">
+                <a16:creationId xmlns:a16="http://schemas.microsoft.com/office/drawing/2014/main" id="{972A36B1-70DF-F668-EF01-4E9BFCD04349}"/>
+              </a:ext>
+            </a:extLst>
+          </p:cNvPr>
+          <p:cNvCxnSpPr>
+            <a:cxnSpLocks/>
+          </p:cNvCxnSpPr>
+          <p:nvPr/>
+        </p:nvCxnSpPr>
+        <p:spPr>
+          <a:xfrm>
+            <a:off x="4990011" y="2377717"/>
+            <a:ext cx="0" cy="584664"/>
+          </a:xfrm>
+          <a:prstGeom prst="straightConnector1">
+            <a:avLst/>
+          </a:prstGeom>
+          <a:ln w="19050">
+            <a:solidFill>
+              <a:schemeClr val="accent6">
+                <a:lumMod val="50000"/>
+              </a:schemeClr>
+            </a:solidFill>
+            <a:tailEnd type="triangle"/>
+          </a:ln>
+        </p:spPr>
+        <p:style>
+          <a:lnRef idx="1">
+            <a:schemeClr val="accent1"/>
+          </a:lnRef>
+          <a:fillRef idx="0">
+            <a:schemeClr val="accent1"/>
+          </a:fillRef>
+          <a:effectRef idx="0">
+            <a:schemeClr val="accent1"/>
+          </a:effectRef>
+          <a:fontRef idx="minor">
+            <a:schemeClr val="tx1"/>
+          </a:fontRef>
+        </p:style>
+      </p:cxnSp>
+      <p:sp>
+        <p:nvSpPr>
+          <p:cNvPr id="54" name="Rectangle 53">
+            <a:extLst>
+              <a:ext uri="{FF2B5EF4-FFF2-40B4-BE49-F238E27FC236}">
+                <a16:creationId xmlns:a16="http://schemas.microsoft.com/office/drawing/2014/main" id="{354D22AC-EED4-6C3F-C073-578929AB9791}"/>
+              </a:ext>
+            </a:extLst>
+          </p:cNvPr>
+          <p:cNvSpPr/>
+          <p:nvPr/>
+        </p:nvSpPr>
+        <p:spPr>
+          <a:xfrm>
+            <a:off x="4714637" y="3399057"/>
+            <a:ext cx="2592915" cy="267715"/>
+          </a:xfrm>
+          <a:prstGeom prst="rect">
+            <a:avLst/>
+          </a:prstGeom>
+          <a:solidFill>
+            <a:schemeClr val="accent6">
+              <a:lumMod val="60000"/>
+              <a:lumOff val="40000"/>
+            </a:schemeClr>
+          </a:solidFill>
+          <a:ln>
+            <a:prstDash val="sysDash"/>
+          </a:ln>
+        </p:spPr>
+        <p:style>
+          <a:lnRef idx="2">
+            <a:schemeClr val="accent1">
+              <a:shade val="15000"/>
+            </a:schemeClr>
+          </a:lnRef>
+          <a:fillRef idx="1">
+            <a:schemeClr val="accent1"/>
+          </a:fillRef>
+          <a:effectRef idx="0">
+            <a:schemeClr val="accent1"/>
+          </a:effectRef>
+          <a:fontRef idx="minor">
+            <a:schemeClr val="lt1"/>
+          </a:fontRef>
+        </p:style>
+        <p:txBody>
+          <a:bodyPr rtlCol="0" anchor="ctr"/>
+          <a:lstStyle/>
+          <a:p>
+            <a:r>
+              <a:rPr lang="en-US" sz="1200" b="1" dirty="0">
+                <a:solidFill>
+                  <a:schemeClr val="tx1"/>
+                </a:solidFill>
+              </a:rPr>
+              <a:t>Children SSH connectors reference list </a:t>
+            </a:r>
+            <a:endParaRPr lang="en-SG" sz="1200" b="1" dirty="0">
+              <a:solidFill>
+                <a:schemeClr val="tx1"/>
+              </a:solidFill>
+            </a:endParaRPr>
+          </a:p>
+        </p:txBody>
+      </p:sp>
+      <p:cxnSp>
+        <p:nvCxnSpPr>
+          <p:cNvPr id="56" name="Straight Arrow Connector 55">
+            <a:extLst>
+              <a:ext uri="{FF2B5EF4-FFF2-40B4-BE49-F238E27FC236}">
+                <a16:creationId xmlns:a16="http://schemas.microsoft.com/office/drawing/2014/main" id="{E09D5CC7-5086-8823-FF6A-090CE121A0D0}"/>
+              </a:ext>
+            </a:extLst>
+          </p:cNvPr>
+          <p:cNvCxnSpPr>
+            <a:cxnSpLocks/>
+          </p:cNvCxnSpPr>
+          <p:nvPr/>
+        </p:nvCxnSpPr>
+        <p:spPr>
+          <a:xfrm flipH="1" flipV="1">
+            <a:off x="7386200" y="2766762"/>
+            <a:ext cx="0" cy="981110"/>
+          </a:xfrm>
+          <a:prstGeom prst="straightConnector1">
+            <a:avLst/>
+          </a:prstGeom>
+          <a:ln w="19050">
+            <a:headEnd type="triangle"/>
+            <a:tailEnd type="triangle"/>
+          </a:ln>
+        </p:spPr>
+        <p:style>
+          <a:lnRef idx="1">
+            <a:schemeClr val="accent1"/>
+          </a:lnRef>
+          <a:fillRef idx="0">
+            <a:schemeClr val="accent1"/>
+          </a:fillRef>
+          <a:effectRef idx="0">
+            <a:schemeClr val="accent1"/>
+          </a:effectRef>
+          <a:fontRef idx="minor">
+            <a:schemeClr val="tx1"/>
+          </a:fontRef>
+        </p:style>
+      </p:cxnSp>
+      <p:sp>
+        <p:nvSpPr>
+          <p:cNvPr id="1030" name="Rectangle 1029">
+            <a:extLst>
+              <a:ext uri="{FF2B5EF4-FFF2-40B4-BE49-F238E27FC236}">
+                <a16:creationId xmlns:a16="http://schemas.microsoft.com/office/drawing/2014/main" id="{512F551F-2035-6EA3-0D82-D68B7F24C38A}"/>
+              </a:ext>
+            </a:extLst>
+          </p:cNvPr>
+          <p:cNvSpPr/>
+          <p:nvPr/>
+        </p:nvSpPr>
+        <p:spPr>
+          <a:xfrm>
+            <a:off x="4608131" y="4176385"/>
+            <a:ext cx="1696056" cy="338763"/>
+          </a:xfrm>
+          <a:prstGeom prst="rect">
+            <a:avLst/>
+          </a:prstGeom>
+          <a:solidFill>
+            <a:schemeClr val="accent6">
+              <a:lumMod val="20000"/>
+              <a:lumOff val="80000"/>
+            </a:schemeClr>
+          </a:solidFill>
+        </p:spPr>
+        <p:style>
+          <a:lnRef idx="2">
+            <a:schemeClr val="accent1">
+              <a:shade val="15000"/>
+            </a:schemeClr>
+          </a:lnRef>
+          <a:fillRef idx="1">
+            <a:schemeClr val="accent1"/>
+          </a:fillRef>
+          <a:effectRef idx="0">
+            <a:schemeClr val="accent1"/>
+          </a:effectRef>
+          <a:fontRef idx="minor">
+            <a:schemeClr val="lt1"/>
+          </a:fontRef>
+        </p:style>
+        <p:txBody>
+          <a:bodyPr rtlCol="0" anchor="ctr"/>
+          <a:lstStyle/>
+          <a:p>
+            <a:pPr algn="ctr"/>
+            <a:endParaRPr lang="en-SG" dirty="0"/>
+          </a:p>
+        </p:txBody>
+      </p:sp>
+      <p:sp>
+        <p:nvSpPr>
+          <p:cNvPr id="1031" name="TextBox 1030">
+            <a:extLst>
+              <a:ext uri="{FF2B5EF4-FFF2-40B4-BE49-F238E27FC236}">
+                <a16:creationId xmlns:a16="http://schemas.microsoft.com/office/drawing/2014/main" id="{655C739B-F10C-6416-D016-99C136E6FCBD}"/>
+              </a:ext>
+            </a:extLst>
+          </p:cNvPr>
+          <p:cNvSpPr txBox="1"/>
+          <p:nvPr/>
+        </p:nvSpPr>
+        <p:spPr>
+          <a:xfrm>
+            <a:off x="4574353" y="4162199"/>
+            <a:ext cx="1956775" cy="369332"/>
+          </a:xfrm>
+          <a:prstGeom prst="rect">
+            <a:avLst/>
+          </a:prstGeom>
+          <a:noFill/>
+        </p:spPr>
+        <p:txBody>
+          <a:bodyPr wrap="square" rtlCol="0">
+            <a:spAutoFit/>
+          </a:bodyPr>
+          <a:lstStyle/>
+          <a:p>
+            <a:r>
+              <a:rPr lang="en-SG" sz="1400" b="1" dirty="0"/>
+              <a:t>SSH Connector (lvl2</a:t>
+            </a:r>
+            <a:r>
+              <a:rPr lang="en-SG" b="1" dirty="0"/>
+              <a:t>)</a:t>
+            </a:r>
+          </a:p>
+        </p:txBody>
+      </p:sp>
+      <p:sp>
+        <p:nvSpPr>
+          <p:cNvPr id="1032" name="Rectangle 1031">
+            <a:extLst>
+              <a:ext uri="{FF2B5EF4-FFF2-40B4-BE49-F238E27FC236}">
+                <a16:creationId xmlns:a16="http://schemas.microsoft.com/office/drawing/2014/main" id="{FB99B5C7-410A-B257-6B57-11CC1B7F5D8A}"/>
+              </a:ext>
+            </a:extLst>
+          </p:cNvPr>
+          <p:cNvSpPr/>
+          <p:nvPr/>
+        </p:nvSpPr>
+        <p:spPr>
+          <a:xfrm>
+            <a:off x="5075939" y="4760923"/>
+            <a:ext cx="1754482" cy="369330"/>
+          </a:xfrm>
+          <a:prstGeom prst="rect">
+            <a:avLst/>
+          </a:prstGeom>
+          <a:solidFill>
+            <a:schemeClr val="accent6">
+              <a:lumMod val="20000"/>
+              <a:lumOff val="80000"/>
+            </a:schemeClr>
+          </a:solidFill>
+        </p:spPr>
+        <p:style>
+          <a:lnRef idx="2">
+            <a:schemeClr val="accent1">
+              <a:shade val="15000"/>
+            </a:schemeClr>
+          </a:lnRef>
+          <a:fillRef idx="1">
+            <a:schemeClr val="accent1"/>
+          </a:fillRef>
+          <a:effectRef idx="0">
+            <a:schemeClr val="accent1"/>
+          </a:effectRef>
+          <a:fontRef idx="minor">
+            <a:schemeClr val="lt1"/>
+          </a:fontRef>
+        </p:style>
+        <p:txBody>
+          <a:bodyPr rtlCol="0" anchor="ctr"/>
+          <a:lstStyle/>
+          <a:p>
+            <a:pPr algn="ctr"/>
+            <a:endParaRPr lang="en-SG" dirty="0"/>
+          </a:p>
+        </p:txBody>
+      </p:sp>
+      <p:sp>
+        <p:nvSpPr>
+          <p:cNvPr id="1033" name="TextBox 1032">
+            <a:extLst>
+              <a:ext uri="{FF2B5EF4-FFF2-40B4-BE49-F238E27FC236}">
+                <a16:creationId xmlns:a16="http://schemas.microsoft.com/office/drawing/2014/main" id="{A5063CB7-33F4-D332-C5FE-A820F3FA0713}"/>
+              </a:ext>
+            </a:extLst>
+          </p:cNvPr>
+          <p:cNvSpPr txBox="1"/>
+          <p:nvPr/>
+        </p:nvSpPr>
+        <p:spPr>
+          <a:xfrm>
+            <a:off x="5077018" y="4743040"/>
+            <a:ext cx="2027626" cy="369332"/>
+          </a:xfrm>
+          <a:prstGeom prst="rect">
+            <a:avLst/>
+          </a:prstGeom>
+          <a:noFill/>
+        </p:spPr>
+        <p:txBody>
+          <a:bodyPr wrap="square" rtlCol="0">
+            <a:spAutoFit/>
+          </a:bodyPr>
+          <a:lstStyle/>
+          <a:p>
+            <a:r>
+              <a:rPr lang="en-SG" sz="1400" b="1" dirty="0"/>
+              <a:t>SSH Connector (lvl2</a:t>
+            </a:r>
+            <a:r>
+              <a:rPr lang="en-SG" b="1" dirty="0"/>
+              <a:t>)</a:t>
+            </a:r>
+          </a:p>
+        </p:txBody>
+      </p:sp>
+      <p:cxnSp>
+        <p:nvCxnSpPr>
+          <p:cNvPr id="1034" name="Straight Arrow Connector 1033">
+            <a:extLst>
+              <a:ext uri="{FF2B5EF4-FFF2-40B4-BE49-F238E27FC236}">
+                <a16:creationId xmlns:a16="http://schemas.microsoft.com/office/drawing/2014/main" id="{A34044CF-E4D2-4398-BBA7-BE3405F1B6FE}"/>
+              </a:ext>
+            </a:extLst>
+          </p:cNvPr>
+          <p:cNvCxnSpPr>
+            <a:cxnSpLocks/>
+          </p:cNvCxnSpPr>
+          <p:nvPr/>
+        </p:nvCxnSpPr>
+        <p:spPr>
+          <a:xfrm>
+            <a:off x="4819903" y="3666772"/>
+            <a:ext cx="0" cy="523702"/>
+          </a:xfrm>
+          <a:prstGeom prst="straightConnector1">
+            <a:avLst/>
+          </a:prstGeom>
+          <a:ln w="19050">
+            <a:solidFill>
+              <a:schemeClr val="accent6">
+                <a:lumMod val="50000"/>
+              </a:schemeClr>
+            </a:solidFill>
+            <a:tailEnd type="triangle"/>
+          </a:ln>
+        </p:spPr>
+        <p:style>
+          <a:lnRef idx="1">
+            <a:schemeClr val="accent1"/>
+          </a:lnRef>
+          <a:fillRef idx="0">
+            <a:schemeClr val="accent1"/>
+          </a:fillRef>
+          <a:effectRef idx="0">
+            <a:schemeClr val="accent1"/>
+          </a:effectRef>
+          <a:fontRef idx="minor">
+            <a:schemeClr val="tx1"/>
+          </a:fontRef>
+        </p:style>
+      </p:cxnSp>
+      <p:cxnSp>
+        <p:nvCxnSpPr>
+          <p:cNvPr id="1040" name="Straight Arrow Connector 1039">
+            <a:extLst>
+              <a:ext uri="{FF2B5EF4-FFF2-40B4-BE49-F238E27FC236}">
+                <a16:creationId xmlns:a16="http://schemas.microsoft.com/office/drawing/2014/main" id="{79E65794-C8E2-4A0C-C5F7-CB8D62ABB74E}"/>
+              </a:ext>
+            </a:extLst>
+          </p:cNvPr>
+          <p:cNvCxnSpPr>
+            <a:cxnSpLocks/>
+          </p:cNvCxnSpPr>
+          <p:nvPr/>
+        </p:nvCxnSpPr>
+        <p:spPr>
+          <a:xfrm flipV="1">
+            <a:off x="6129019" y="3989015"/>
+            <a:ext cx="0" cy="201459"/>
+          </a:xfrm>
+          <a:prstGeom prst="straightConnector1">
+            <a:avLst/>
+          </a:prstGeom>
+          <a:ln w="19050">
+            <a:headEnd type="triangle"/>
+            <a:tailEnd type="triangle"/>
+          </a:ln>
+        </p:spPr>
+        <p:style>
+          <a:lnRef idx="1">
+            <a:schemeClr val="accent1"/>
+          </a:lnRef>
+          <a:fillRef idx="0">
+            <a:schemeClr val="accent1"/>
+          </a:fillRef>
+          <a:effectRef idx="0">
+            <a:schemeClr val="accent1"/>
+          </a:effectRef>
+          <a:fontRef idx="minor">
+            <a:schemeClr val="tx1"/>
+          </a:fontRef>
+        </p:style>
+      </p:cxnSp>
+      <p:cxnSp>
+        <p:nvCxnSpPr>
+          <p:cNvPr id="1043" name="Straight Arrow Connector 1042">
+            <a:extLst>
+              <a:ext uri="{FF2B5EF4-FFF2-40B4-BE49-F238E27FC236}">
+                <a16:creationId xmlns:a16="http://schemas.microsoft.com/office/drawing/2014/main" id="{D9D97CF2-4D20-A3DB-6103-7BBF1E89714C}"/>
+              </a:ext>
+            </a:extLst>
+          </p:cNvPr>
+          <p:cNvCxnSpPr>
+            <a:cxnSpLocks/>
+          </p:cNvCxnSpPr>
+          <p:nvPr/>
+        </p:nvCxnSpPr>
+        <p:spPr>
+          <a:xfrm flipV="1">
+            <a:off x="7415963" y="2248308"/>
+            <a:ext cx="1375273" cy="393565"/>
+          </a:xfrm>
+          <a:prstGeom prst="straightConnector1">
+            <a:avLst/>
+          </a:prstGeom>
+          <a:ln w="19050">
+            <a:headEnd type="triangle"/>
+            <a:tailEnd type="triangle"/>
+          </a:ln>
+        </p:spPr>
+        <p:style>
+          <a:lnRef idx="1">
+            <a:schemeClr val="accent1"/>
+          </a:lnRef>
+          <a:fillRef idx="0">
+            <a:schemeClr val="accent1"/>
+          </a:fillRef>
+          <a:effectRef idx="0">
+            <a:schemeClr val="accent1"/>
+          </a:effectRef>
+          <a:fontRef idx="minor">
+            <a:schemeClr val="tx1"/>
+          </a:fontRef>
+        </p:style>
+      </p:cxnSp>
+      <p:sp>
+        <p:nvSpPr>
+          <p:cNvPr id="1050" name="Rectangle 1049">
+            <a:extLst>
+              <a:ext uri="{FF2B5EF4-FFF2-40B4-BE49-F238E27FC236}">
+                <a16:creationId xmlns:a16="http://schemas.microsoft.com/office/drawing/2014/main" id="{D2C8CFD0-2198-695D-834E-52AD15314C1C}"/>
+              </a:ext>
+            </a:extLst>
+          </p:cNvPr>
+          <p:cNvSpPr/>
+          <p:nvPr/>
+        </p:nvSpPr>
+        <p:spPr>
+          <a:xfrm>
+            <a:off x="5926032" y="2491246"/>
+            <a:ext cx="1511483" cy="267715"/>
+          </a:xfrm>
+          <a:prstGeom prst="rect">
+            <a:avLst/>
+          </a:prstGeom>
+          <a:solidFill>
+            <a:schemeClr val="accent6">
+              <a:lumMod val="60000"/>
+              <a:lumOff val="40000"/>
+            </a:schemeClr>
+          </a:solidFill>
+          <a:ln>
+            <a:prstDash val="sysDash"/>
+          </a:ln>
+        </p:spPr>
+        <p:style>
+          <a:lnRef idx="2">
+            <a:schemeClr val="accent1">
+              <a:shade val="15000"/>
+            </a:schemeClr>
+          </a:lnRef>
+          <a:fillRef idx="1">
+            <a:schemeClr val="accent1"/>
+          </a:fillRef>
+          <a:effectRef idx="0">
+            <a:schemeClr val="accent1"/>
+          </a:effectRef>
+          <a:fontRef idx="minor">
+            <a:schemeClr val="lt1"/>
+          </a:fontRef>
+        </p:style>
+        <p:txBody>
+          <a:bodyPr rtlCol="0" anchor="ctr"/>
+          <a:lstStyle/>
+          <a:p>
+            <a:r>
+              <a:rPr lang="en-US" sz="1200" b="1" dirty="0">
+                <a:solidFill>
+                  <a:schemeClr val="tx1"/>
+                </a:solidFill>
+              </a:rPr>
+              <a:t>Transport controller </a:t>
+            </a:r>
+            <a:endParaRPr lang="en-SG" sz="1200" b="1" dirty="0">
+              <a:solidFill>
+                <a:schemeClr val="tx1"/>
+              </a:solidFill>
+            </a:endParaRPr>
+          </a:p>
+        </p:txBody>
+      </p:sp>
+      <p:sp>
+        <p:nvSpPr>
+          <p:cNvPr id="1051" name="Rectangle 1050">
+            <a:extLst>
+              <a:ext uri="{FF2B5EF4-FFF2-40B4-BE49-F238E27FC236}">
+                <a16:creationId xmlns:a16="http://schemas.microsoft.com/office/drawing/2014/main" id="{48C5166E-3CBD-4E5A-EE92-FC45E9C8BC8F}"/>
+              </a:ext>
+            </a:extLst>
+          </p:cNvPr>
+          <p:cNvSpPr/>
+          <p:nvPr/>
+        </p:nvSpPr>
+        <p:spPr>
+          <a:xfrm>
+            <a:off x="5915777" y="3723325"/>
+            <a:ext cx="1511483" cy="267715"/>
+          </a:xfrm>
+          <a:prstGeom prst="rect">
+            <a:avLst/>
+          </a:prstGeom>
+          <a:solidFill>
+            <a:schemeClr val="accent6">
+              <a:lumMod val="60000"/>
+              <a:lumOff val="40000"/>
+            </a:schemeClr>
+          </a:solidFill>
+          <a:ln>
+            <a:prstDash val="sysDash"/>
+          </a:ln>
+        </p:spPr>
+        <p:style>
+          <a:lnRef idx="2">
+            <a:schemeClr val="accent1">
+              <a:shade val="15000"/>
+            </a:schemeClr>
+          </a:lnRef>
+          <a:fillRef idx="1">
+            <a:schemeClr val="accent1"/>
+          </a:fillRef>
+          <a:effectRef idx="0">
+            <a:schemeClr val="accent1"/>
+          </a:effectRef>
+          <a:fontRef idx="minor">
+            <a:schemeClr val="lt1"/>
+          </a:fontRef>
+        </p:style>
+        <p:txBody>
+          <a:bodyPr rtlCol="0" anchor="ctr"/>
+          <a:lstStyle/>
+          <a:p>
+            <a:r>
+              <a:rPr lang="en-US" sz="1200" b="1" dirty="0">
+                <a:solidFill>
+                  <a:schemeClr val="tx1"/>
+                </a:solidFill>
+              </a:rPr>
+              <a:t>Transport controller </a:t>
+            </a:r>
+            <a:endParaRPr lang="en-SG" sz="1200" b="1" dirty="0">
+              <a:solidFill>
+                <a:schemeClr val="tx1"/>
+              </a:solidFill>
+            </a:endParaRPr>
+          </a:p>
+        </p:txBody>
+      </p:sp>
+      <p:cxnSp>
+        <p:nvCxnSpPr>
+          <p:cNvPr id="1056" name="Straight Arrow Connector 1055">
+            <a:extLst>
+              <a:ext uri="{FF2B5EF4-FFF2-40B4-BE49-F238E27FC236}">
+                <a16:creationId xmlns:a16="http://schemas.microsoft.com/office/drawing/2014/main" id="{EE65575C-FB9C-2BF3-8D19-09900240A1F9}"/>
+              </a:ext>
+            </a:extLst>
+          </p:cNvPr>
+          <p:cNvCxnSpPr>
+            <a:cxnSpLocks/>
+          </p:cNvCxnSpPr>
+          <p:nvPr/>
+        </p:nvCxnSpPr>
+        <p:spPr>
+          <a:xfrm flipH="1" flipV="1">
+            <a:off x="6616439" y="3991729"/>
+            <a:ext cx="11099" cy="780871"/>
+          </a:xfrm>
+          <a:prstGeom prst="straightConnector1">
+            <a:avLst/>
+          </a:prstGeom>
+          <a:ln w="19050">
+            <a:headEnd type="triangle"/>
+            <a:tailEnd type="triangle"/>
+          </a:ln>
+        </p:spPr>
+        <p:style>
+          <a:lnRef idx="1">
+            <a:schemeClr val="accent1"/>
+          </a:lnRef>
+          <a:fillRef idx="0">
+            <a:schemeClr val="accent1"/>
+          </a:fillRef>
+          <a:effectRef idx="0">
+            <a:schemeClr val="accent1"/>
+          </a:effectRef>
+          <a:fontRef idx="minor">
+            <a:schemeClr val="tx1"/>
+          </a:fontRef>
+        </p:style>
+      </p:cxnSp>
+      <p:cxnSp>
+        <p:nvCxnSpPr>
+          <p:cNvPr id="1059" name="Straight Arrow Connector 1058">
+            <a:extLst>
+              <a:ext uri="{FF2B5EF4-FFF2-40B4-BE49-F238E27FC236}">
+                <a16:creationId xmlns:a16="http://schemas.microsoft.com/office/drawing/2014/main" id="{CDAF5130-DC8D-0FBB-9D71-5FA103775105}"/>
+              </a:ext>
+            </a:extLst>
+          </p:cNvPr>
+          <p:cNvCxnSpPr>
+            <a:cxnSpLocks/>
+          </p:cNvCxnSpPr>
+          <p:nvPr/>
+        </p:nvCxnSpPr>
+        <p:spPr>
+          <a:xfrm>
+            <a:off x="8836632" y="2231538"/>
+            <a:ext cx="0" cy="535224"/>
+          </a:xfrm>
+          <a:prstGeom prst="straightConnector1">
+            <a:avLst/>
+          </a:prstGeom>
+          <a:ln w="19050">
+            <a:headEnd type="triangle"/>
+            <a:tailEnd type="triangle"/>
+          </a:ln>
+        </p:spPr>
+        <p:style>
+          <a:lnRef idx="1">
+            <a:schemeClr val="accent1"/>
+          </a:lnRef>
+          <a:fillRef idx="0">
+            <a:schemeClr val="accent1"/>
+          </a:fillRef>
+          <a:effectRef idx="0">
+            <a:schemeClr val="accent1"/>
+          </a:effectRef>
+          <a:fontRef idx="minor">
+            <a:schemeClr val="tx1"/>
+          </a:fontRef>
+        </p:style>
+      </p:cxnSp>
+      <p:cxnSp>
+        <p:nvCxnSpPr>
+          <p:cNvPr id="1063" name="Straight Arrow Connector 1062">
+            <a:extLst>
+              <a:ext uri="{FF2B5EF4-FFF2-40B4-BE49-F238E27FC236}">
+                <a16:creationId xmlns:a16="http://schemas.microsoft.com/office/drawing/2014/main" id="{F5AFC96B-7AAE-CC21-BBEC-1E0BAA41C56D}"/>
+              </a:ext>
+            </a:extLst>
+          </p:cNvPr>
+          <p:cNvCxnSpPr>
+            <a:cxnSpLocks/>
+          </p:cNvCxnSpPr>
+          <p:nvPr/>
+        </p:nvCxnSpPr>
+        <p:spPr>
+          <a:xfrm>
+            <a:off x="8727152" y="3321958"/>
+            <a:ext cx="0" cy="535224"/>
+          </a:xfrm>
+          <a:prstGeom prst="straightConnector1">
+            <a:avLst/>
+          </a:prstGeom>
+          <a:ln w="19050">
+            <a:headEnd type="triangle"/>
+            <a:tailEnd type="triangle"/>
+          </a:ln>
+        </p:spPr>
+        <p:style>
+          <a:lnRef idx="1">
+            <a:schemeClr val="accent1"/>
+          </a:lnRef>
+          <a:fillRef idx="0">
+            <a:schemeClr val="accent1"/>
+          </a:fillRef>
+          <a:effectRef idx="0">
+            <a:schemeClr val="accent1"/>
+          </a:effectRef>
+          <a:fontRef idx="minor">
+            <a:schemeClr val="tx1"/>
+          </a:fontRef>
+        </p:style>
+      </p:cxnSp>
+      <p:cxnSp>
+        <p:nvCxnSpPr>
+          <p:cNvPr id="1064" name="Straight Arrow Connector 1063">
+            <a:extLst>
+              <a:ext uri="{FF2B5EF4-FFF2-40B4-BE49-F238E27FC236}">
+                <a16:creationId xmlns:a16="http://schemas.microsoft.com/office/drawing/2014/main" id="{D7ABA588-FA48-55BA-3D5C-CA627CD237B1}"/>
+              </a:ext>
+            </a:extLst>
+          </p:cNvPr>
+          <p:cNvCxnSpPr>
+            <a:cxnSpLocks/>
+          </p:cNvCxnSpPr>
+          <p:nvPr/>
+        </p:nvCxnSpPr>
+        <p:spPr>
+          <a:xfrm flipH="1">
+            <a:off x="9235222" y="3287452"/>
+            <a:ext cx="0" cy="1411603"/>
+          </a:xfrm>
+          <a:prstGeom prst="straightConnector1">
+            <a:avLst/>
+          </a:prstGeom>
+          <a:ln w="19050">
+            <a:headEnd type="triangle"/>
+            <a:tailEnd type="triangle"/>
+          </a:ln>
+        </p:spPr>
+        <p:style>
+          <a:lnRef idx="1">
+            <a:schemeClr val="accent1"/>
+          </a:lnRef>
+          <a:fillRef idx="0">
+            <a:schemeClr val="accent1"/>
+          </a:fillRef>
+          <a:effectRef idx="0">
+            <a:schemeClr val="accent1"/>
+          </a:effectRef>
+          <a:fontRef idx="minor">
+            <a:schemeClr val="tx1"/>
+          </a:fontRef>
+        </p:style>
+      </p:cxnSp>
+      <p:cxnSp>
+        <p:nvCxnSpPr>
+          <p:cNvPr id="1066" name="Straight Arrow Connector 1065">
+            <a:extLst>
+              <a:ext uri="{FF2B5EF4-FFF2-40B4-BE49-F238E27FC236}">
+                <a16:creationId xmlns:a16="http://schemas.microsoft.com/office/drawing/2014/main" id="{C48FFAA8-B3E2-231B-7525-F2681B3C74B0}"/>
+              </a:ext>
+            </a:extLst>
+          </p:cNvPr>
+          <p:cNvCxnSpPr>
+            <a:cxnSpLocks/>
+            <a:stCxn id="50" idx="3"/>
+            <a:endCxn id="8" idx="1"/>
+          </p:cNvCxnSpPr>
+          <p:nvPr/>
+        </p:nvCxnSpPr>
+        <p:spPr>
+          <a:xfrm flipV="1">
+            <a:off x="7585166" y="3021018"/>
+            <a:ext cx="1099546" cy="0"/>
+          </a:xfrm>
+          <a:prstGeom prst="straightConnector1">
+            <a:avLst/>
+          </a:prstGeom>
+          <a:ln w="19050">
+            <a:prstDash val="sysDash"/>
+            <a:headEnd type="triangle"/>
+            <a:tailEnd type="triangle"/>
+          </a:ln>
+        </p:spPr>
+        <p:style>
+          <a:lnRef idx="1">
+            <a:schemeClr val="accent1"/>
+          </a:lnRef>
+          <a:fillRef idx="0">
+            <a:schemeClr val="accent1"/>
+          </a:fillRef>
+          <a:effectRef idx="0">
+            <a:schemeClr val="accent1"/>
+          </a:effectRef>
+          <a:fontRef idx="minor">
+            <a:schemeClr val="tx1"/>
+          </a:fontRef>
+        </p:style>
+      </p:cxnSp>
+      <p:cxnSp>
+        <p:nvCxnSpPr>
+          <p:cNvPr id="1070" name="Straight Arrow Connector 1069">
+            <a:extLst>
+              <a:ext uri="{FF2B5EF4-FFF2-40B4-BE49-F238E27FC236}">
+                <a16:creationId xmlns:a16="http://schemas.microsoft.com/office/drawing/2014/main" id="{F879E23B-28B8-AED3-30AB-27BB888A5268}"/>
+              </a:ext>
+            </a:extLst>
+          </p:cNvPr>
+          <p:cNvCxnSpPr>
+            <a:cxnSpLocks/>
+          </p:cNvCxnSpPr>
+          <p:nvPr/>
+        </p:nvCxnSpPr>
+        <p:spPr>
+          <a:xfrm flipV="1">
+            <a:off x="6304187" y="4246605"/>
+            <a:ext cx="1993911" cy="0"/>
+          </a:xfrm>
+          <a:prstGeom prst="straightConnector1">
+            <a:avLst/>
+          </a:prstGeom>
+          <a:ln w="19050">
+            <a:prstDash val="sysDash"/>
+            <a:headEnd type="triangle"/>
+            <a:tailEnd type="triangle"/>
+          </a:ln>
+        </p:spPr>
+        <p:style>
+          <a:lnRef idx="1">
+            <a:schemeClr val="accent1"/>
+          </a:lnRef>
+          <a:fillRef idx="0">
+            <a:schemeClr val="accent1"/>
+          </a:fillRef>
+          <a:effectRef idx="0">
+            <a:schemeClr val="accent1"/>
+          </a:effectRef>
+          <a:fontRef idx="minor">
+            <a:schemeClr val="tx1"/>
+          </a:fontRef>
+        </p:style>
+      </p:cxnSp>
+      <p:cxnSp>
+        <p:nvCxnSpPr>
+          <p:cNvPr id="1073" name="Straight Arrow Connector 1072">
+            <a:extLst>
+              <a:ext uri="{FF2B5EF4-FFF2-40B4-BE49-F238E27FC236}">
+                <a16:creationId xmlns:a16="http://schemas.microsoft.com/office/drawing/2014/main" id="{98DD6F87-82EB-F26F-B12B-7FDBC46F4AD6}"/>
+              </a:ext>
+            </a:extLst>
+          </p:cNvPr>
+          <p:cNvCxnSpPr>
+            <a:cxnSpLocks/>
+          </p:cNvCxnSpPr>
+          <p:nvPr/>
+        </p:nvCxnSpPr>
+        <p:spPr>
+          <a:xfrm>
+            <a:off x="6830421" y="4927706"/>
+            <a:ext cx="1930018" cy="0"/>
+          </a:xfrm>
+          <a:prstGeom prst="straightConnector1">
+            <a:avLst/>
+          </a:prstGeom>
+          <a:ln w="19050">
+            <a:prstDash val="sysDash"/>
+            <a:headEnd type="triangle"/>
+            <a:tailEnd type="triangle"/>
+          </a:ln>
+        </p:spPr>
+        <p:style>
+          <a:lnRef idx="1">
+            <a:schemeClr val="accent1"/>
+          </a:lnRef>
+          <a:fillRef idx="0">
+            <a:schemeClr val="accent1"/>
+          </a:fillRef>
+          <a:effectRef idx="0">
+            <a:schemeClr val="accent1"/>
+          </a:effectRef>
+          <a:fontRef idx="minor">
+            <a:schemeClr val="tx1"/>
+          </a:fontRef>
+        </p:style>
+      </p:cxnSp>
+      <p:sp>
+        <p:nvSpPr>
+          <p:cNvPr id="1075" name="TextBox 1074">
+            <a:extLst>
+              <a:ext uri="{FF2B5EF4-FFF2-40B4-BE49-F238E27FC236}">
+                <a16:creationId xmlns:a16="http://schemas.microsoft.com/office/drawing/2014/main" id="{13B5121B-7FA3-BBA1-D6CB-F215195E526A}"/>
+              </a:ext>
+            </a:extLst>
+          </p:cNvPr>
+          <p:cNvSpPr txBox="1"/>
+          <p:nvPr/>
+        </p:nvSpPr>
+        <p:spPr>
+          <a:xfrm>
+            <a:off x="7762451" y="2788599"/>
+            <a:ext cx="1011665" cy="600164"/>
+          </a:xfrm>
+          <a:prstGeom prst="rect">
+            <a:avLst/>
+          </a:prstGeom>
+          <a:noFill/>
+        </p:spPr>
+        <p:txBody>
+          <a:bodyPr wrap="square" rtlCol="0">
+            <a:spAutoFit/>
+          </a:bodyPr>
+          <a:lstStyle/>
+          <a:p>
+            <a:r>
+              <a:rPr lang="en-US" sz="1100" b="1" dirty="0"/>
+              <a:t>Login &amp; execute&amp; result </a:t>
+            </a:r>
+            <a:endParaRPr lang="en-SG" sz="1100" b="1" dirty="0"/>
+          </a:p>
+        </p:txBody>
+      </p:sp>
+      <p:sp>
+        <p:nvSpPr>
+          <p:cNvPr id="1076" name="TextBox 1075">
+            <a:extLst>
+              <a:ext uri="{FF2B5EF4-FFF2-40B4-BE49-F238E27FC236}">
+                <a16:creationId xmlns:a16="http://schemas.microsoft.com/office/drawing/2014/main" id="{09469F53-E07D-FB99-82E8-1A590A77F2F9}"/>
+              </a:ext>
+            </a:extLst>
+          </p:cNvPr>
+          <p:cNvSpPr txBox="1"/>
+          <p:nvPr/>
+        </p:nvSpPr>
+        <p:spPr>
+          <a:xfrm>
+            <a:off x="7287568" y="4266616"/>
+            <a:ext cx="1011665" cy="600164"/>
+          </a:xfrm>
+          <a:prstGeom prst="rect">
+            <a:avLst/>
+          </a:prstGeom>
+          <a:noFill/>
+        </p:spPr>
+        <p:txBody>
+          <a:bodyPr wrap="square" rtlCol="0">
+            <a:spAutoFit/>
+          </a:bodyPr>
+          <a:lstStyle/>
+          <a:p>
+            <a:r>
+              <a:rPr lang="en-US" sz="1100" b="1" dirty="0"/>
+              <a:t>Login &amp; execute&amp; result </a:t>
+            </a:r>
+            <a:endParaRPr lang="en-SG" sz="1100" b="1" dirty="0"/>
           </a:p>
         </p:txBody>
       </p:sp>
